--- a/material/papers/grover/classical_reversible_algorithm.pptx
+++ b/material/papers/grover/classical_reversible_algorithm.pptx
@@ -9,6 +9,7 @@
     <p:sldId id="258" r:id="rId3"/>
     <p:sldId id="259" r:id="rId4"/>
     <p:sldId id="257" r:id="rId5"/>
+    <p:sldId id="260" r:id="rId6"/>
   </p:sldIdLst>
   <p:sldSz cx="9144000" cy="6858000" type="screen4x3"/>
   <p:notesSz cx="6858000" cy="9144000"/>
@@ -292,7 +293,7 @@
             <a:fld id="{7A68A57C-3EBA-40C1-9071-8CC5E80F3BD3}" type="datetimeFigureOut">
               <a:rPr lang="de-DE" smtClean="0"/>
               <a:pPr/>
-              <a:t>26.04.2012</a:t>
+              <a:t>03.05.2012</a:t>
             </a:fld>
             <a:endParaRPr lang="de-DE"/>
           </a:p>
@@ -459,7 +460,7 @@
             <a:fld id="{7A68A57C-3EBA-40C1-9071-8CC5E80F3BD3}" type="datetimeFigureOut">
               <a:rPr lang="de-DE" smtClean="0"/>
               <a:pPr/>
-              <a:t>26.04.2012</a:t>
+              <a:t>03.05.2012</a:t>
             </a:fld>
             <a:endParaRPr lang="de-DE"/>
           </a:p>
@@ -636,7 +637,7 @@
             <a:fld id="{7A68A57C-3EBA-40C1-9071-8CC5E80F3BD3}" type="datetimeFigureOut">
               <a:rPr lang="de-DE" smtClean="0"/>
               <a:pPr/>
-              <a:t>26.04.2012</a:t>
+              <a:t>03.05.2012</a:t>
             </a:fld>
             <a:endParaRPr lang="de-DE"/>
           </a:p>
@@ -803,7 +804,7 @@
             <a:fld id="{7A68A57C-3EBA-40C1-9071-8CC5E80F3BD3}" type="datetimeFigureOut">
               <a:rPr lang="de-DE" smtClean="0"/>
               <a:pPr/>
-              <a:t>26.04.2012</a:t>
+              <a:t>03.05.2012</a:t>
             </a:fld>
             <a:endParaRPr lang="de-DE"/>
           </a:p>
@@ -1046,7 +1047,7 @@
             <a:fld id="{7A68A57C-3EBA-40C1-9071-8CC5E80F3BD3}" type="datetimeFigureOut">
               <a:rPr lang="de-DE" smtClean="0"/>
               <a:pPr/>
-              <a:t>26.04.2012</a:t>
+              <a:t>03.05.2012</a:t>
             </a:fld>
             <a:endParaRPr lang="de-DE"/>
           </a:p>
@@ -1331,7 +1332,7 @@
             <a:fld id="{7A68A57C-3EBA-40C1-9071-8CC5E80F3BD3}" type="datetimeFigureOut">
               <a:rPr lang="de-DE" smtClean="0"/>
               <a:pPr/>
-              <a:t>26.04.2012</a:t>
+              <a:t>03.05.2012</a:t>
             </a:fld>
             <a:endParaRPr lang="de-DE"/>
           </a:p>
@@ -1750,7 +1751,7 @@
             <a:fld id="{7A68A57C-3EBA-40C1-9071-8CC5E80F3BD3}" type="datetimeFigureOut">
               <a:rPr lang="de-DE" smtClean="0"/>
               <a:pPr/>
-              <a:t>26.04.2012</a:t>
+              <a:t>03.05.2012</a:t>
             </a:fld>
             <a:endParaRPr lang="de-DE"/>
           </a:p>
@@ -1865,7 +1866,7 @@
             <a:fld id="{7A68A57C-3EBA-40C1-9071-8CC5E80F3BD3}" type="datetimeFigureOut">
               <a:rPr lang="de-DE" smtClean="0"/>
               <a:pPr/>
-              <a:t>26.04.2012</a:t>
+              <a:t>03.05.2012</a:t>
             </a:fld>
             <a:endParaRPr lang="de-DE"/>
           </a:p>
@@ -1957,7 +1958,7 @@
             <a:fld id="{7A68A57C-3EBA-40C1-9071-8CC5E80F3BD3}" type="datetimeFigureOut">
               <a:rPr lang="de-DE" smtClean="0"/>
               <a:pPr/>
-              <a:t>26.04.2012</a:t>
+              <a:t>03.05.2012</a:t>
             </a:fld>
             <a:endParaRPr lang="de-DE"/>
           </a:p>
@@ -2231,7 +2232,7 @@
             <a:fld id="{7A68A57C-3EBA-40C1-9071-8CC5E80F3BD3}" type="datetimeFigureOut">
               <a:rPr lang="de-DE" smtClean="0"/>
               <a:pPr/>
-              <a:t>26.04.2012</a:t>
+              <a:t>03.05.2012</a:t>
             </a:fld>
             <a:endParaRPr lang="de-DE"/>
           </a:p>
@@ -2481,7 +2482,7 @@
             <a:fld id="{7A68A57C-3EBA-40C1-9071-8CC5E80F3BD3}" type="datetimeFigureOut">
               <a:rPr lang="de-DE" smtClean="0"/>
               <a:pPr/>
-              <a:t>26.04.2012</a:t>
+              <a:t>03.05.2012</a:t>
             </a:fld>
             <a:endParaRPr lang="de-DE"/>
           </a:p>
@@ -2691,7 +2692,7 @@
             <a:fld id="{7A68A57C-3EBA-40C1-9071-8CC5E80F3BD3}" type="datetimeFigureOut">
               <a:rPr lang="de-DE" smtClean="0"/>
               <a:pPr/>
-              <a:t>26.04.2012</a:t>
+              <a:t>03.05.2012</a:t>
             </a:fld>
             <a:endParaRPr lang="de-DE"/>
           </a:p>
@@ -7920,15 +7921,7 @@
                   <a:schemeClr val="tx1"/>
                 </a:solidFill>
               </a:rPr>
-              <a:t> </a:t>
-            </a:r>
-            <a:r>
-              <a:rPr lang="el-GR" b="1" baseline="-25000" dirty="0" smtClean="0">
-                <a:solidFill>
-                  <a:schemeClr val="tx1"/>
-                </a:solidFill>
-              </a:rPr>
-              <a:t>π</a:t>
+              <a:t> π</a:t>
             </a:r>
             <a:r>
               <a:rPr lang="de-DE" b="1" baseline="-25000" dirty="0" smtClean="0">
@@ -12020,11 +12013,7 @@
           <a:p>
             <a:r>
               <a:rPr lang="de-DE" sz="1600" dirty="0" smtClean="0"/>
-              <a:t>Oracle (</a:t>
-            </a:r>
-            <a:r>
-              <a:rPr lang="de-DE" sz="1600" dirty="0" smtClean="0"/>
-              <a:t>01)</a:t>
+              <a:t>Oracle (01)</a:t>
             </a:r>
             <a:endParaRPr lang="de-DE" sz="1600" dirty="0"/>
           </a:p>
@@ -12673,15 +12662,7 @@
           <a:p>
             <a:r>
               <a:rPr lang="de-DE" sz="1600" dirty="0" smtClean="0"/>
-              <a:t>Oracle </a:t>
-            </a:r>
-            <a:r>
-              <a:rPr lang="de-DE" sz="1600" dirty="0" smtClean="0"/>
-              <a:t>(10</a:t>
-            </a:r>
-            <a:r>
-              <a:rPr lang="de-DE" sz="1600" dirty="0" smtClean="0"/>
-              <a:t>)</a:t>
+              <a:t>Oracle (10)</a:t>
             </a:r>
             <a:endParaRPr lang="de-DE" sz="1600" dirty="0"/>
           </a:p>
@@ -13152,11 +13133,7 @@
           <a:p>
             <a:r>
               <a:rPr lang="de-DE" sz="1600" dirty="0" smtClean="0"/>
-              <a:t>Oracle </a:t>
-            </a:r>
-            <a:r>
-              <a:rPr lang="de-DE" sz="1600" dirty="0" smtClean="0"/>
-              <a:t>(11)</a:t>
+              <a:t>Oracle (11)</a:t>
             </a:r>
             <a:endParaRPr lang="de-DE" sz="1600" dirty="0"/>
           </a:p>
@@ -13918,15 +13895,7 @@
                   <a:schemeClr val="tx1"/>
                 </a:solidFill>
               </a:rPr>
-              <a:t> </a:t>
-            </a:r>
-            <a:r>
-              <a:rPr lang="el-GR" b="1" baseline="-25000" dirty="0" smtClean="0">
-                <a:solidFill>
-                  <a:schemeClr val="tx1"/>
-                </a:solidFill>
-              </a:rPr>
-              <a:t>π</a:t>
+              <a:t> π</a:t>
             </a:r>
             <a:r>
               <a:rPr lang="de-DE" b="1" baseline="-25000" dirty="0" smtClean="0">
@@ -14750,6 +14719,1983 @@
           </a:p>
         </p:txBody>
       </p:sp>
+    </p:spTree>
+  </p:cSld>
+  <p:clrMapOvr>
+    <a:masterClrMapping/>
+  </p:clrMapOvr>
+</p:sld>
+</file>
+
+<file path=ppt/slides/slide5.xml><?xml version="1.0" encoding="utf-8"?>
+<p:sld xmlns:a="http://schemas.openxmlformats.org/drawingml/2006/main" xmlns:r="http://schemas.openxmlformats.org/officeDocument/2006/relationships" xmlns:p="http://schemas.openxmlformats.org/presentationml/2006/main">
+  <p:cSld>
+    <p:spTree>
+      <p:nvGrpSpPr>
+        <p:cNvPr id="1" name=""/>
+        <p:cNvGrpSpPr/>
+        <p:nvPr/>
+      </p:nvGrpSpPr>
+      <p:grpSpPr>
+        <a:xfrm>
+          <a:off x="0" y="0"/>
+          <a:ext cx="0" cy="0"/>
+          <a:chOff x="0" y="0"/>
+          <a:chExt cx="0" cy="0"/>
+        </a:xfrm>
+      </p:grpSpPr>
+      <p:cxnSp>
+        <p:nvCxnSpPr>
+          <p:cNvPr id="36" name="Gerade Verbindung 35"/>
+          <p:cNvCxnSpPr/>
+          <p:nvPr/>
+        </p:nvCxnSpPr>
+        <p:spPr>
+          <a:xfrm>
+            <a:off x="611560" y="3861048"/>
+            <a:ext cx="5616624" cy="0"/>
+          </a:xfrm>
+          <a:prstGeom prst="line">
+            <a:avLst/>
+          </a:prstGeom>
+          <a:ln w="19050">
+            <a:solidFill>
+              <a:schemeClr val="tx1"/>
+            </a:solidFill>
+          </a:ln>
+        </p:spPr>
+        <p:style>
+          <a:lnRef idx="1">
+            <a:schemeClr val="accent1"/>
+          </a:lnRef>
+          <a:fillRef idx="0">
+            <a:schemeClr val="accent1"/>
+          </a:fillRef>
+          <a:effectRef idx="0">
+            <a:schemeClr val="accent1"/>
+          </a:effectRef>
+          <a:fontRef idx="minor">
+            <a:schemeClr val="tx1"/>
+          </a:fontRef>
+        </p:style>
+      </p:cxnSp>
+      <p:cxnSp>
+        <p:nvCxnSpPr>
+          <p:cNvPr id="37" name="Gerade Verbindung 36"/>
+          <p:cNvCxnSpPr/>
+          <p:nvPr/>
+        </p:nvCxnSpPr>
+        <p:spPr>
+          <a:xfrm>
+            <a:off x="539552" y="4653136"/>
+            <a:ext cx="5688632" cy="0"/>
+          </a:xfrm>
+          <a:prstGeom prst="line">
+            <a:avLst/>
+          </a:prstGeom>
+          <a:ln w="19050">
+            <a:solidFill>
+              <a:schemeClr val="tx1"/>
+            </a:solidFill>
+          </a:ln>
+        </p:spPr>
+        <p:style>
+          <a:lnRef idx="1">
+            <a:schemeClr val="accent1"/>
+          </a:lnRef>
+          <a:fillRef idx="0">
+            <a:schemeClr val="accent1"/>
+          </a:fillRef>
+          <a:effectRef idx="0">
+            <a:schemeClr val="accent1"/>
+          </a:effectRef>
+          <a:fontRef idx="minor">
+            <a:schemeClr val="tx1"/>
+          </a:fontRef>
+        </p:style>
+      </p:cxnSp>
+      <p:sp>
+        <p:nvSpPr>
+          <p:cNvPr id="38" name="Rechteck 37"/>
+          <p:cNvSpPr/>
+          <p:nvPr/>
+        </p:nvSpPr>
+        <p:spPr>
+          <a:xfrm>
+            <a:off x="179512" y="3577498"/>
+            <a:ext cx="576064" cy="571582"/>
+          </a:xfrm>
+          <a:prstGeom prst="rect">
+            <a:avLst/>
+          </a:prstGeom>
+          <a:solidFill>
+            <a:schemeClr val="bg1"/>
+          </a:solidFill>
+          <a:ln>
+            <a:solidFill>
+              <a:schemeClr val="tx1"/>
+            </a:solidFill>
+          </a:ln>
+        </p:spPr>
+        <p:style>
+          <a:lnRef idx="2">
+            <a:schemeClr val="accent1">
+              <a:shade val="50000"/>
+            </a:schemeClr>
+          </a:lnRef>
+          <a:fillRef idx="1">
+            <a:schemeClr val="accent1"/>
+          </a:fillRef>
+          <a:effectRef idx="0">
+            <a:schemeClr val="accent1"/>
+          </a:effectRef>
+          <a:fontRef idx="minor">
+            <a:schemeClr val="lt1"/>
+          </a:fontRef>
+        </p:style>
+        <p:txBody>
+          <a:bodyPr rtlCol="0" anchor="ctr"/>
+          <a:lstStyle/>
+          <a:p>
+            <a:pPr algn="ctr"/>
+            <a:r>
+              <a:rPr lang="de-DE" b="1" dirty="0" smtClean="0">
+                <a:solidFill>
+                  <a:schemeClr val="tx1"/>
+                </a:solidFill>
+              </a:rPr>
+              <a:t>|0&gt;</a:t>
+            </a:r>
+            <a:endParaRPr lang="de-DE" b="1" dirty="0">
+              <a:solidFill>
+                <a:schemeClr val="tx1"/>
+              </a:solidFill>
+            </a:endParaRPr>
+          </a:p>
+        </p:txBody>
+      </p:sp>
+      <p:sp>
+        <p:nvSpPr>
+          <p:cNvPr id="39" name="Rechteck 38"/>
+          <p:cNvSpPr/>
+          <p:nvPr/>
+        </p:nvSpPr>
+        <p:spPr>
+          <a:xfrm>
+            <a:off x="179512" y="4365104"/>
+            <a:ext cx="576064" cy="576064"/>
+          </a:xfrm>
+          <a:prstGeom prst="rect">
+            <a:avLst/>
+          </a:prstGeom>
+          <a:solidFill>
+            <a:schemeClr val="bg1"/>
+          </a:solidFill>
+          <a:ln>
+            <a:solidFill>
+              <a:schemeClr val="tx1"/>
+            </a:solidFill>
+          </a:ln>
+        </p:spPr>
+        <p:style>
+          <a:lnRef idx="2">
+            <a:schemeClr val="accent1">
+              <a:shade val="50000"/>
+            </a:schemeClr>
+          </a:lnRef>
+          <a:fillRef idx="1">
+            <a:schemeClr val="accent1"/>
+          </a:fillRef>
+          <a:effectRef idx="0">
+            <a:schemeClr val="accent1"/>
+          </a:effectRef>
+          <a:fontRef idx="minor">
+            <a:schemeClr val="lt1"/>
+          </a:fontRef>
+        </p:style>
+        <p:txBody>
+          <a:bodyPr rtlCol="0" anchor="ctr"/>
+          <a:lstStyle/>
+          <a:p>
+            <a:pPr algn="ctr"/>
+            <a:r>
+              <a:rPr lang="de-DE" b="1" dirty="0" smtClean="0">
+                <a:solidFill>
+                  <a:schemeClr val="tx1"/>
+                </a:solidFill>
+              </a:rPr>
+              <a:t>|0&gt;</a:t>
+            </a:r>
+            <a:endParaRPr lang="de-DE" b="1" dirty="0">
+              <a:solidFill>
+                <a:schemeClr val="tx1"/>
+              </a:solidFill>
+            </a:endParaRPr>
+          </a:p>
+        </p:txBody>
+      </p:sp>
+      <p:sp>
+        <p:nvSpPr>
+          <p:cNvPr id="40" name="Rechteck 39"/>
+          <p:cNvSpPr/>
+          <p:nvPr/>
+        </p:nvSpPr>
+        <p:spPr>
+          <a:xfrm>
+            <a:off x="909951" y="3573016"/>
+            <a:ext cx="637713" cy="571582"/>
+          </a:xfrm>
+          <a:prstGeom prst="rect">
+            <a:avLst/>
+          </a:prstGeom>
+          <a:solidFill>
+            <a:schemeClr val="bg1"/>
+          </a:solidFill>
+          <a:ln>
+            <a:solidFill>
+              <a:schemeClr val="tx1"/>
+            </a:solidFill>
+          </a:ln>
+        </p:spPr>
+        <p:style>
+          <a:lnRef idx="2">
+            <a:schemeClr val="accent1">
+              <a:shade val="50000"/>
+            </a:schemeClr>
+          </a:lnRef>
+          <a:fillRef idx="1">
+            <a:schemeClr val="accent1"/>
+          </a:fillRef>
+          <a:effectRef idx="0">
+            <a:schemeClr val="accent1"/>
+          </a:effectRef>
+          <a:fontRef idx="minor">
+            <a:schemeClr val="lt1"/>
+          </a:fontRef>
+        </p:style>
+        <p:txBody>
+          <a:bodyPr rtlCol="0" anchor="ctr"/>
+          <a:lstStyle/>
+          <a:p>
+            <a:pPr algn="ctr"/>
+            <a:r>
+              <a:rPr lang="el-GR" b="1" dirty="0" smtClean="0">
+                <a:solidFill>
+                  <a:schemeClr val="tx1"/>
+                </a:solidFill>
+              </a:rPr>
+              <a:t>ϕ</a:t>
+            </a:r>
+            <a:r>
+              <a:rPr lang="de-DE" b="1" baseline="30000" dirty="0" smtClean="0">
+                <a:solidFill>
+                  <a:schemeClr val="tx1"/>
+                </a:solidFill>
+              </a:rPr>
+              <a:t>1</a:t>
+            </a:r>
+            <a:r>
+              <a:rPr lang="el-GR" b="1" baseline="-25000" dirty="0" smtClean="0">
+                <a:solidFill>
+                  <a:schemeClr val="tx1"/>
+                </a:solidFill>
+              </a:rPr>
+              <a:t>α</a:t>
+            </a:r>
+            <a:r>
+              <a:rPr lang="de-DE" b="1" baseline="-25000" dirty="0" smtClean="0">
+                <a:solidFill>
+                  <a:schemeClr val="tx1"/>
+                </a:solidFill>
+              </a:rPr>
+              <a:t>1</a:t>
+            </a:r>
+            <a:endParaRPr lang="de-DE" b="1" baseline="-25000" dirty="0">
+              <a:solidFill>
+                <a:schemeClr val="tx1"/>
+              </a:solidFill>
+            </a:endParaRPr>
+          </a:p>
+        </p:txBody>
+      </p:sp>
+      <p:sp>
+        <p:nvSpPr>
+          <p:cNvPr id="41" name="Rechteck 40"/>
+          <p:cNvSpPr/>
+          <p:nvPr/>
+        </p:nvSpPr>
+        <p:spPr>
+          <a:xfrm>
+            <a:off x="899593" y="4365104"/>
+            <a:ext cx="648072" cy="571582"/>
+          </a:xfrm>
+          <a:prstGeom prst="rect">
+            <a:avLst/>
+          </a:prstGeom>
+          <a:solidFill>
+            <a:schemeClr val="bg1"/>
+          </a:solidFill>
+          <a:ln>
+            <a:solidFill>
+              <a:schemeClr val="tx1"/>
+            </a:solidFill>
+          </a:ln>
+        </p:spPr>
+        <p:style>
+          <a:lnRef idx="2">
+            <a:schemeClr val="accent1">
+              <a:shade val="50000"/>
+            </a:schemeClr>
+          </a:lnRef>
+          <a:fillRef idx="1">
+            <a:schemeClr val="accent1"/>
+          </a:fillRef>
+          <a:effectRef idx="0">
+            <a:schemeClr val="accent1"/>
+          </a:effectRef>
+          <a:fontRef idx="minor">
+            <a:schemeClr val="lt1"/>
+          </a:fontRef>
+        </p:style>
+        <p:txBody>
+          <a:bodyPr rtlCol="0" anchor="ctr"/>
+          <a:lstStyle/>
+          <a:p>
+            <a:pPr algn="ctr"/>
+            <a:r>
+              <a:rPr lang="el-GR" b="1" dirty="0" smtClean="0">
+                <a:solidFill>
+                  <a:schemeClr val="tx1"/>
+                </a:solidFill>
+              </a:rPr>
+              <a:t>ϕ</a:t>
+            </a:r>
+            <a:r>
+              <a:rPr lang="de-DE" b="1" baseline="30000" dirty="0" smtClean="0">
+                <a:solidFill>
+                  <a:schemeClr val="tx1"/>
+                </a:solidFill>
+              </a:rPr>
+              <a:t>2</a:t>
+            </a:r>
+            <a:r>
+              <a:rPr lang="el-GR" b="1" baseline="-25000" dirty="0" smtClean="0">
+                <a:solidFill>
+                  <a:schemeClr val="tx1"/>
+                </a:solidFill>
+              </a:rPr>
+              <a:t>α</a:t>
+            </a:r>
+            <a:r>
+              <a:rPr lang="de-DE" b="1" baseline="-25000" dirty="0" smtClean="0">
+                <a:solidFill>
+                  <a:schemeClr val="tx1"/>
+                </a:solidFill>
+              </a:rPr>
+              <a:t>2</a:t>
+            </a:r>
+            <a:endParaRPr lang="de-DE" b="1" baseline="-25000" dirty="0">
+              <a:solidFill>
+                <a:schemeClr val="tx1"/>
+              </a:solidFill>
+            </a:endParaRPr>
+          </a:p>
+        </p:txBody>
+      </p:sp>
+      <p:sp>
+        <p:nvSpPr>
+          <p:cNvPr id="42" name="Rechteck 41"/>
+          <p:cNvSpPr/>
+          <p:nvPr/>
+        </p:nvSpPr>
+        <p:spPr>
+          <a:xfrm>
+            <a:off x="1763688" y="3573016"/>
+            <a:ext cx="936104" cy="1368152"/>
+          </a:xfrm>
+          <a:prstGeom prst="rect">
+            <a:avLst/>
+          </a:prstGeom>
+          <a:solidFill>
+            <a:schemeClr val="bg1"/>
+          </a:solidFill>
+          <a:ln>
+            <a:solidFill>
+              <a:schemeClr val="tx1"/>
+            </a:solidFill>
+          </a:ln>
+        </p:spPr>
+        <p:style>
+          <a:lnRef idx="2">
+            <a:schemeClr val="accent1">
+              <a:shade val="50000"/>
+            </a:schemeClr>
+          </a:lnRef>
+          <a:fillRef idx="1">
+            <a:schemeClr val="accent1"/>
+          </a:fillRef>
+          <a:effectRef idx="0">
+            <a:schemeClr val="accent1"/>
+          </a:effectRef>
+          <a:fontRef idx="minor">
+            <a:schemeClr val="lt1"/>
+          </a:fontRef>
+        </p:style>
+        <p:txBody>
+          <a:bodyPr vert="vert270" rtlCol="0" anchor="ctr"/>
+          <a:lstStyle/>
+          <a:p>
+            <a:pPr algn="ctr"/>
+            <a:r>
+              <a:rPr lang="de-DE" b="1" dirty="0" err="1" smtClean="0">
+                <a:solidFill>
+                  <a:schemeClr val="tx1"/>
+                </a:solidFill>
+              </a:rPr>
+              <a:t>iSWAP</a:t>
+            </a:r>
+            <a:r>
+              <a:rPr lang="de-DE" b="1" dirty="0" smtClean="0">
+                <a:solidFill>
+                  <a:schemeClr val="tx1"/>
+                </a:solidFill>
+              </a:rPr>
+              <a:t>(</a:t>
+            </a:r>
+            <a:r>
+              <a:rPr lang="el-GR" b="1" dirty="0" smtClean="0">
+                <a:solidFill>
+                  <a:schemeClr val="tx1"/>
+                </a:solidFill>
+              </a:rPr>
+              <a:t>ε</a:t>
+            </a:r>
+            <a:r>
+              <a:rPr lang="de-DE" b="1" baseline="-25000" dirty="0" smtClean="0">
+                <a:solidFill>
+                  <a:schemeClr val="tx1"/>
+                </a:solidFill>
+              </a:rPr>
+              <a:t>1</a:t>
+            </a:r>
+            <a:r>
+              <a:rPr lang="de-DE" b="1" dirty="0" smtClean="0">
+                <a:solidFill>
+                  <a:schemeClr val="tx1"/>
+                </a:solidFill>
+              </a:rPr>
+              <a:t>,</a:t>
+            </a:r>
+            <a:r>
+              <a:rPr lang="el-GR" b="1" dirty="0" smtClean="0">
+                <a:solidFill>
+                  <a:schemeClr val="tx1"/>
+                </a:solidFill>
+              </a:rPr>
+              <a:t>δ</a:t>
+            </a:r>
+            <a:r>
+              <a:rPr lang="de-DE" b="1" baseline="-25000" dirty="0" smtClean="0">
+                <a:solidFill>
+                  <a:schemeClr val="tx1"/>
+                </a:solidFill>
+              </a:rPr>
+              <a:t>1</a:t>
+            </a:r>
+            <a:r>
+              <a:rPr lang="de-DE" b="1" dirty="0" smtClean="0">
+                <a:solidFill>
+                  <a:schemeClr val="tx1"/>
+                </a:solidFill>
+              </a:rPr>
+              <a:t>)</a:t>
+            </a:r>
+            <a:endParaRPr lang="de-DE" b="1" dirty="0">
+              <a:solidFill>
+                <a:schemeClr val="tx1"/>
+              </a:solidFill>
+            </a:endParaRPr>
+          </a:p>
+        </p:txBody>
+      </p:sp>
+      <p:sp>
+        <p:nvSpPr>
+          <p:cNvPr id="43" name="Rechteck 42"/>
+          <p:cNvSpPr/>
+          <p:nvPr/>
+        </p:nvSpPr>
+        <p:spPr>
+          <a:xfrm>
+            <a:off x="2915816" y="3573016"/>
+            <a:ext cx="648072" cy="571582"/>
+          </a:xfrm>
+          <a:prstGeom prst="rect">
+            <a:avLst/>
+          </a:prstGeom>
+          <a:solidFill>
+            <a:schemeClr val="bg1"/>
+          </a:solidFill>
+          <a:ln>
+            <a:solidFill>
+              <a:schemeClr val="tx1"/>
+            </a:solidFill>
+          </a:ln>
+        </p:spPr>
+        <p:style>
+          <a:lnRef idx="2">
+            <a:schemeClr val="accent1">
+              <a:shade val="50000"/>
+            </a:schemeClr>
+          </a:lnRef>
+          <a:fillRef idx="1">
+            <a:schemeClr val="accent1"/>
+          </a:fillRef>
+          <a:effectRef idx="0">
+            <a:schemeClr val="accent1"/>
+          </a:effectRef>
+          <a:fontRef idx="minor">
+            <a:schemeClr val="lt1"/>
+          </a:fontRef>
+        </p:style>
+        <p:txBody>
+          <a:bodyPr rtlCol="0" anchor="ctr"/>
+          <a:lstStyle/>
+          <a:p>
+            <a:pPr algn="ctr"/>
+            <a:r>
+              <a:rPr lang="de-DE" b="1" dirty="0" smtClean="0">
+                <a:solidFill>
+                  <a:schemeClr val="tx1"/>
+                </a:solidFill>
+              </a:rPr>
+              <a:t>Z</a:t>
+            </a:r>
+            <a:r>
+              <a:rPr lang="el-GR" b="1" baseline="-25000" dirty="0" smtClean="0">
+                <a:solidFill>
+                  <a:schemeClr val="tx1"/>
+                </a:solidFill>
+              </a:rPr>
+              <a:t>β</a:t>
+            </a:r>
+            <a:r>
+              <a:rPr lang="de-DE" b="1" baseline="-25000" dirty="0" smtClean="0">
+                <a:solidFill>
+                  <a:schemeClr val="tx1"/>
+                </a:solidFill>
+              </a:rPr>
+              <a:t>1</a:t>
+            </a:r>
+            <a:endParaRPr lang="de-DE" b="1" baseline="-25000" dirty="0">
+              <a:solidFill>
+                <a:schemeClr val="tx1"/>
+              </a:solidFill>
+            </a:endParaRPr>
+          </a:p>
+        </p:txBody>
+      </p:sp>
+      <p:sp>
+        <p:nvSpPr>
+          <p:cNvPr id="44" name="Rechteck 43"/>
+          <p:cNvSpPr/>
+          <p:nvPr/>
+        </p:nvSpPr>
+        <p:spPr>
+          <a:xfrm>
+            <a:off x="2915816" y="4365104"/>
+            <a:ext cx="648072" cy="571582"/>
+          </a:xfrm>
+          <a:prstGeom prst="rect">
+            <a:avLst/>
+          </a:prstGeom>
+          <a:solidFill>
+            <a:schemeClr val="bg1"/>
+          </a:solidFill>
+          <a:ln>
+            <a:solidFill>
+              <a:schemeClr val="tx1"/>
+            </a:solidFill>
+          </a:ln>
+        </p:spPr>
+        <p:style>
+          <a:lnRef idx="2">
+            <a:schemeClr val="accent1">
+              <a:shade val="50000"/>
+            </a:schemeClr>
+          </a:lnRef>
+          <a:fillRef idx="1">
+            <a:schemeClr val="accent1"/>
+          </a:fillRef>
+          <a:effectRef idx="0">
+            <a:schemeClr val="accent1"/>
+          </a:effectRef>
+          <a:fontRef idx="minor">
+            <a:schemeClr val="lt1"/>
+          </a:fontRef>
+        </p:style>
+        <p:txBody>
+          <a:bodyPr rtlCol="0" anchor="ctr"/>
+          <a:lstStyle/>
+          <a:p>
+            <a:pPr algn="ctr"/>
+            <a:r>
+              <a:rPr lang="de-DE" b="1" dirty="0" smtClean="0">
+                <a:solidFill>
+                  <a:schemeClr val="tx1"/>
+                </a:solidFill>
+              </a:rPr>
+              <a:t>Z</a:t>
+            </a:r>
+            <a:r>
+              <a:rPr lang="el-GR" b="1" baseline="-25000" dirty="0" smtClean="0">
+                <a:solidFill>
+                  <a:schemeClr val="tx1"/>
+                </a:solidFill>
+              </a:rPr>
+              <a:t>β</a:t>
+            </a:r>
+            <a:r>
+              <a:rPr lang="de-DE" b="1" baseline="-25000" dirty="0" smtClean="0">
+                <a:solidFill>
+                  <a:schemeClr val="tx1"/>
+                </a:solidFill>
+              </a:rPr>
+              <a:t>2</a:t>
+            </a:r>
+            <a:endParaRPr lang="de-DE" b="1" baseline="-25000" dirty="0">
+              <a:solidFill>
+                <a:schemeClr val="tx1"/>
+              </a:solidFill>
+            </a:endParaRPr>
+          </a:p>
+        </p:txBody>
+      </p:sp>
+      <p:sp>
+        <p:nvSpPr>
+          <p:cNvPr id="45" name="Rechteck 44"/>
+          <p:cNvSpPr/>
+          <p:nvPr/>
+        </p:nvSpPr>
+        <p:spPr>
+          <a:xfrm>
+            <a:off x="3995936" y="3573016"/>
+            <a:ext cx="936104" cy="1368152"/>
+          </a:xfrm>
+          <a:prstGeom prst="rect">
+            <a:avLst/>
+          </a:prstGeom>
+          <a:solidFill>
+            <a:schemeClr val="bg1"/>
+          </a:solidFill>
+          <a:ln>
+            <a:solidFill>
+              <a:schemeClr val="tx1"/>
+            </a:solidFill>
+          </a:ln>
+        </p:spPr>
+        <p:style>
+          <a:lnRef idx="2">
+            <a:schemeClr val="accent1">
+              <a:shade val="50000"/>
+            </a:schemeClr>
+          </a:lnRef>
+          <a:fillRef idx="1">
+            <a:schemeClr val="accent1"/>
+          </a:fillRef>
+          <a:effectRef idx="0">
+            <a:schemeClr val="accent1"/>
+          </a:effectRef>
+          <a:fontRef idx="minor">
+            <a:schemeClr val="lt1"/>
+          </a:fontRef>
+        </p:style>
+        <p:txBody>
+          <a:bodyPr vert="vert270" rtlCol="0" anchor="ctr"/>
+          <a:lstStyle/>
+          <a:p>
+            <a:pPr algn="ctr"/>
+            <a:r>
+              <a:rPr lang="de-DE" b="1" dirty="0" err="1" smtClean="0">
+                <a:solidFill>
+                  <a:schemeClr val="tx1"/>
+                </a:solidFill>
+              </a:rPr>
+              <a:t>iSWAP</a:t>
+            </a:r>
+            <a:r>
+              <a:rPr lang="de-DE" b="1" dirty="0" smtClean="0">
+                <a:solidFill>
+                  <a:schemeClr val="tx1"/>
+                </a:solidFill>
+              </a:rPr>
+              <a:t>(</a:t>
+            </a:r>
+            <a:r>
+              <a:rPr lang="el-GR" b="1" dirty="0" smtClean="0">
+                <a:solidFill>
+                  <a:schemeClr val="tx1"/>
+                </a:solidFill>
+              </a:rPr>
+              <a:t>ε</a:t>
+            </a:r>
+            <a:r>
+              <a:rPr lang="de-DE" b="1" baseline="-25000" dirty="0" smtClean="0">
+                <a:solidFill>
+                  <a:schemeClr val="tx1"/>
+                </a:solidFill>
+              </a:rPr>
+              <a:t>2</a:t>
+            </a:r>
+            <a:r>
+              <a:rPr lang="de-DE" b="1" dirty="0" smtClean="0">
+                <a:solidFill>
+                  <a:schemeClr val="tx1"/>
+                </a:solidFill>
+              </a:rPr>
+              <a:t>,</a:t>
+            </a:r>
+            <a:r>
+              <a:rPr lang="el-GR" b="1" dirty="0" smtClean="0">
+                <a:solidFill>
+                  <a:schemeClr val="tx1"/>
+                </a:solidFill>
+              </a:rPr>
+              <a:t>δ</a:t>
+            </a:r>
+            <a:r>
+              <a:rPr lang="de-DE" b="1" baseline="-25000" dirty="0" smtClean="0">
+                <a:solidFill>
+                  <a:schemeClr val="tx1"/>
+                </a:solidFill>
+              </a:rPr>
+              <a:t>2</a:t>
+            </a:r>
+            <a:r>
+              <a:rPr lang="de-DE" b="1" dirty="0" smtClean="0">
+                <a:solidFill>
+                  <a:schemeClr val="tx1"/>
+                </a:solidFill>
+              </a:rPr>
+              <a:t>)</a:t>
+            </a:r>
+            <a:endParaRPr lang="de-DE" b="1" dirty="0">
+              <a:solidFill>
+                <a:schemeClr val="tx1"/>
+              </a:solidFill>
+            </a:endParaRPr>
+          </a:p>
+        </p:txBody>
+      </p:sp>
+      <p:sp>
+        <p:nvSpPr>
+          <p:cNvPr id="46" name="Rechteck 45"/>
+          <p:cNvSpPr/>
+          <p:nvPr/>
+        </p:nvSpPr>
+        <p:spPr>
+          <a:xfrm>
+            <a:off x="5076056" y="3573016"/>
+            <a:ext cx="648072" cy="571582"/>
+          </a:xfrm>
+          <a:prstGeom prst="rect">
+            <a:avLst/>
+          </a:prstGeom>
+          <a:solidFill>
+            <a:schemeClr val="bg1"/>
+          </a:solidFill>
+          <a:ln>
+            <a:solidFill>
+              <a:schemeClr val="tx1"/>
+            </a:solidFill>
+          </a:ln>
+        </p:spPr>
+        <p:style>
+          <a:lnRef idx="2">
+            <a:schemeClr val="accent1">
+              <a:shade val="50000"/>
+            </a:schemeClr>
+          </a:lnRef>
+          <a:fillRef idx="1">
+            <a:schemeClr val="accent1"/>
+          </a:fillRef>
+          <a:effectRef idx="0">
+            <a:schemeClr val="accent1"/>
+          </a:effectRef>
+          <a:fontRef idx="minor">
+            <a:schemeClr val="lt1"/>
+          </a:fontRef>
+        </p:style>
+        <p:txBody>
+          <a:bodyPr rtlCol="0" anchor="ctr"/>
+          <a:lstStyle/>
+          <a:p>
+            <a:pPr algn="ctr"/>
+            <a:r>
+              <a:rPr lang="el-GR" b="1" dirty="0" smtClean="0">
+                <a:solidFill>
+                  <a:schemeClr val="tx1"/>
+                </a:solidFill>
+              </a:rPr>
+              <a:t>φ</a:t>
+            </a:r>
+            <a:r>
+              <a:rPr lang="de-DE" b="1" baseline="30000" dirty="0" smtClean="0">
+                <a:solidFill>
+                  <a:schemeClr val="tx1"/>
+                </a:solidFill>
+              </a:rPr>
+              <a:t>1</a:t>
+            </a:r>
+            <a:r>
+              <a:rPr lang="el-GR" b="1" baseline="-25000" dirty="0" smtClean="0">
+                <a:solidFill>
+                  <a:schemeClr val="tx1"/>
+                </a:solidFill>
+              </a:rPr>
+              <a:t>γ</a:t>
+            </a:r>
+            <a:r>
+              <a:rPr lang="de-DE" b="1" baseline="-25000" dirty="0" smtClean="0">
+                <a:solidFill>
+                  <a:schemeClr val="tx1"/>
+                </a:solidFill>
+              </a:rPr>
+              <a:t>1</a:t>
+            </a:r>
+            <a:endParaRPr lang="de-DE" b="1" dirty="0">
+              <a:solidFill>
+                <a:schemeClr val="tx1"/>
+              </a:solidFill>
+            </a:endParaRPr>
+          </a:p>
+        </p:txBody>
+      </p:sp>
+      <p:sp>
+        <p:nvSpPr>
+          <p:cNvPr id="47" name="Rechteck 46"/>
+          <p:cNvSpPr/>
+          <p:nvPr/>
+        </p:nvSpPr>
+        <p:spPr>
+          <a:xfrm>
+            <a:off x="5076056" y="4365104"/>
+            <a:ext cx="648072" cy="571582"/>
+          </a:xfrm>
+          <a:prstGeom prst="rect">
+            <a:avLst/>
+          </a:prstGeom>
+          <a:solidFill>
+            <a:schemeClr val="bg1"/>
+          </a:solidFill>
+          <a:ln>
+            <a:solidFill>
+              <a:schemeClr val="tx1"/>
+            </a:solidFill>
+          </a:ln>
+        </p:spPr>
+        <p:style>
+          <a:lnRef idx="2">
+            <a:schemeClr val="accent1">
+              <a:shade val="50000"/>
+            </a:schemeClr>
+          </a:lnRef>
+          <a:fillRef idx="1">
+            <a:schemeClr val="accent1"/>
+          </a:fillRef>
+          <a:effectRef idx="0">
+            <a:schemeClr val="accent1"/>
+          </a:effectRef>
+          <a:fontRef idx="minor">
+            <a:schemeClr val="lt1"/>
+          </a:fontRef>
+        </p:style>
+        <p:txBody>
+          <a:bodyPr rtlCol="0" anchor="ctr"/>
+          <a:lstStyle/>
+          <a:p>
+            <a:pPr algn="ctr"/>
+            <a:r>
+              <a:rPr lang="el-GR" b="1" dirty="0" smtClean="0">
+                <a:solidFill>
+                  <a:schemeClr val="tx1"/>
+                </a:solidFill>
+              </a:rPr>
+              <a:t>φ</a:t>
+            </a:r>
+            <a:r>
+              <a:rPr lang="de-DE" b="1" baseline="30000" dirty="0" smtClean="0">
+                <a:solidFill>
+                  <a:schemeClr val="tx1"/>
+                </a:solidFill>
+              </a:rPr>
+              <a:t>2</a:t>
+            </a:r>
+            <a:r>
+              <a:rPr lang="el-GR" b="1" baseline="-25000" dirty="0" smtClean="0">
+                <a:solidFill>
+                  <a:schemeClr val="tx1"/>
+                </a:solidFill>
+              </a:rPr>
+              <a:t>γ</a:t>
+            </a:r>
+            <a:r>
+              <a:rPr lang="de-DE" b="1" baseline="-25000" dirty="0" smtClean="0">
+                <a:solidFill>
+                  <a:schemeClr val="tx1"/>
+                </a:solidFill>
+              </a:rPr>
+              <a:t>2</a:t>
+            </a:r>
+            <a:endParaRPr lang="de-DE" b="1" baseline="-25000" dirty="0">
+              <a:solidFill>
+                <a:schemeClr val="tx1"/>
+              </a:solidFill>
+            </a:endParaRPr>
+          </a:p>
+        </p:txBody>
+      </p:sp>
+      <p:grpSp>
+        <p:nvGrpSpPr>
+          <p:cNvPr id="2" name="Groupe 42"/>
+          <p:cNvGrpSpPr/>
+          <p:nvPr/>
+        </p:nvGrpSpPr>
+        <p:grpSpPr>
+          <a:xfrm>
+            <a:off x="6156176" y="3573016"/>
+            <a:ext cx="618594" cy="613563"/>
+            <a:chOff x="5918764" y="1159253"/>
+            <a:chExt cx="618594" cy="613563"/>
+          </a:xfrm>
+        </p:grpSpPr>
+        <p:sp>
+          <p:nvSpPr>
+            <p:cNvPr id="49" name="Rectangle à coins arrondis 43"/>
+            <p:cNvSpPr/>
+            <p:nvPr/>
+          </p:nvSpPr>
+          <p:spPr>
+            <a:xfrm>
+              <a:off x="5940152" y="1159253"/>
+              <a:ext cx="576064" cy="613563"/>
+            </a:xfrm>
+            <a:prstGeom prst="roundRect">
+              <a:avLst/>
+            </a:prstGeom>
+            <a:solidFill>
+              <a:schemeClr val="bg1"/>
+            </a:solidFill>
+            <a:ln>
+              <a:solidFill>
+                <a:schemeClr val="tx1"/>
+              </a:solidFill>
+            </a:ln>
+          </p:spPr>
+          <p:style>
+            <a:lnRef idx="2">
+              <a:schemeClr val="accent1">
+                <a:shade val="50000"/>
+              </a:schemeClr>
+            </a:lnRef>
+            <a:fillRef idx="1">
+              <a:schemeClr val="accent1"/>
+            </a:fillRef>
+            <a:effectRef idx="0">
+              <a:schemeClr val="accent1"/>
+            </a:effectRef>
+            <a:fontRef idx="minor">
+              <a:schemeClr val="lt1"/>
+            </a:fontRef>
+          </p:style>
+          <p:txBody>
+            <a:bodyPr rtlCol="0" anchor="ctr"/>
+            <a:lstStyle/>
+            <a:p>
+              <a:pPr algn="ctr"/>
+              <a:endParaRPr lang="fr-FR">
+                <a:latin typeface="Arial" pitchFamily="34" charset="0"/>
+                <a:cs typeface="Arial" pitchFamily="34" charset="0"/>
+              </a:endParaRPr>
+            </a:p>
+          </p:txBody>
+        </p:sp>
+        <p:cxnSp>
+          <p:nvCxnSpPr>
+            <p:cNvPr id="50" name="Connecteur droit avec flèche 44"/>
+            <p:cNvCxnSpPr/>
+            <p:nvPr/>
+          </p:nvCxnSpPr>
+          <p:spPr>
+            <a:xfrm rot="10800000">
+              <a:off x="6040721" y="1461357"/>
+              <a:ext cx="189802" cy="184040"/>
+            </a:xfrm>
+            <a:prstGeom prst="straightConnector1">
+              <a:avLst/>
+            </a:prstGeom>
+            <a:ln w="28575">
+              <a:solidFill>
+                <a:schemeClr val="bg1">
+                  <a:lumMod val="65000"/>
+                </a:schemeClr>
+              </a:solidFill>
+              <a:headEnd type="oval" w="med" len="med"/>
+              <a:tailEnd type="triangle" w="med" len="med"/>
+            </a:ln>
+          </p:spPr>
+          <p:style>
+            <a:lnRef idx="1">
+              <a:schemeClr val="accent1"/>
+            </a:lnRef>
+            <a:fillRef idx="0">
+              <a:schemeClr val="accent1"/>
+            </a:fillRef>
+            <a:effectRef idx="0">
+              <a:schemeClr val="accent1"/>
+            </a:effectRef>
+            <a:fontRef idx="minor">
+              <a:schemeClr val="tx1"/>
+            </a:fontRef>
+          </p:style>
+        </p:cxnSp>
+        <p:cxnSp>
+          <p:nvCxnSpPr>
+            <p:cNvPr id="51" name="Connecteur droit avec flèche 45"/>
+            <p:cNvCxnSpPr/>
+            <p:nvPr/>
+          </p:nvCxnSpPr>
+          <p:spPr>
+            <a:xfrm flipV="1">
+              <a:off x="6231117" y="1464162"/>
+              <a:ext cx="191071" cy="190677"/>
+            </a:xfrm>
+            <a:prstGeom prst="straightConnector1">
+              <a:avLst/>
+            </a:prstGeom>
+            <a:ln w="28575">
+              <a:solidFill>
+                <a:schemeClr val="tx1">
+                  <a:lumMod val="65000"/>
+                  <a:lumOff val="35000"/>
+                </a:schemeClr>
+              </a:solidFill>
+              <a:headEnd type="oval" w="med" len="med"/>
+              <a:tailEnd type="triangle" w="med" len="med"/>
+            </a:ln>
+          </p:spPr>
+          <p:style>
+            <a:lnRef idx="1">
+              <a:schemeClr val="accent1"/>
+            </a:lnRef>
+            <a:fillRef idx="0">
+              <a:schemeClr val="accent1"/>
+            </a:fillRef>
+            <a:effectRef idx="0">
+              <a:schemeClr val="accent1"/>
+            </a:effectRef>
+            <a:fontRef idx="minor">
+              <a:schemeClr val="tx1"/>
+            </a:fontRef>
+          </p:style>
+        </p:cxnSp>
+        <p:sp>
+          <p:nvSpPr>
+            <p:cNvPr id="52" name="Rectangle 46"/>
+            <p:cNvSpPr/>
+            <p:nvPr/>
+          </p:nvSpPr>
+          <p:spPr>
+            <a:xfrm>
+              <a:off x="5918764" y="1164670"/>
+              <a:ext cx="298480" cy="338554"/>
+            </a:xfrm>
+            <a:prstGeom prst="rect">
+              <a:avLst/>
+            </a:prstGeom>
+          </p:spPr>
+          <p:txBody>
+            <a:bodyPr wrap="none">
+              <a:spAutoFit/>
+            </a:bodyPr>
+            <a:lstStyle/>
+            <a:p>
+              <a:r>
+                <a:rPr lang="fr-FR" sz="1600" dirty="0" smtClean="0">
+                  <a:latin typeface="Arial" pitchFamily="34" charset="0"/>
+                  <a:cs typeface="Arial" pitchFamily="34" charset="0"/>
+                </a:rPr>
+                <a:t>0</a:t>
+              </a:r>
+              <a:endParaRPr lang="fr-FR" sz="1600" dirty="0">
+                <a:latin typeface="Arial" pitchFamily="34" charset="0"/>
+                <a:cs typeface="Arial" pitchFamily="34" charset="0"/>
+              </a:endParaRPr>
+            </a:p>
+          </p:txBody>
+        </p:sp>
+        <p:sp>
+          <p:nvSpPr>
+            <p:cNvPr id="53" name="Rectangle 47"/>
+            <p:cNvSpPr/>
+            <p:nvPr/>
+          </p:nvSpPr>
+          <p:spPr>
+            <a:xfrm>
+              <a:off x="6238878" y="1159323"/>
+              <a:ext cx="298480" cy="338554"/>
+            </a:xfrm>
+            <a:prstGeom prst="rect">
+              <a:avLst/>
+            </a:prstGeom>
+          </p:spPr>
+          <p:txBody>
+            <a:bodyPr wrap="none">
+              <a:spAutoFit/>
+            </a:bodyPr>
+            <a:lstStyle/>
+            <a:p>
+              <a:r>
+                <a:rPr lang="fr-FR" sz="1600" dirty="0" smtClean="0">
+                  <a:latin typeface="Arial" pitchFamily="34" charset="0"/>
+                  <a:cs typeface="Arial" pitchFamily="34" charset="0"/>
+                </a:rPr>
+                <a:t>1</a:t>
+              </a:r>
+              <a:endParaRPr lang="fr-FR" sz="1600" dirty="0">
+                <a:latin typeface="Arial" pitchFamily="34" charset="0"/>
+                <a:cs typeface="Arial" pitchFamily="34" charset="0"/>
+              </a:endParaRPr>
+            </a:p>
+          </p:txBody>
+        </p:sp>
+      </p:grpSp>
+      <p:grpSp>
+        <p:nvGrpSpPr>
+          <p:cNvPr id="3" name="Groupe 69"/>
+          <p:cNvGrpSpPr/>
+          <p:nvPr/>
+        </p:nvGrpSpPr>
+        <p:grpSpPr>
+          <a:xfrm>
+            <a:off x="6156176" y="4327605"/>
+            <a:ext cx="618594" cy="613563"/>
+            <a:chOff x="5918764" y="1159253"/>
+            <a:chExt cx="618594" cy="613563"/>
+          </a:xfrm>
+        </p:grpSpPr>
+        <p:sp>
+          <p:nvSpPr>
+            <p:cNvPr id="55" name="Rectangle à coins arrondis 70"/>
+            <p:cNvSpPr/>
+            <p:nvPr/>
+          </p:nvSpPr>
+          <p:spPr>
+            <a:xfrm>
+              <a:off x="5940152" y="1159253"/>
+              <a:ext cx="576064" cy="613563"/>
+            </a:xfrm>
+            <a:prstGeom prst="roundRect">
+              <a:avLst/>
+            </a:prstGeom>
+            <a:solidFill>
+              <a:schemeClr val="bg1"/>
+            </a:solidFill>
+            <a:ln>
+              <a:solidFill>
+                <a:schemeClr val="tx1"/>
+              </a:solidFill>
+            </a:ln>
+          </p:spPr>
+          <p:style>
+            <a:lnRef idx="2">
+              <a:schemeClr val="accent1">
+                <a:shade val="50000"/>
+              </a:schemeClr>
+            </a:lnRef>
+            <a:fillRef idx="1">
+              <a:schemeClr val="accent1"/>
+            </a:fillRef>
+            <a:effectRef idx="0">
+              <a:schemeClr val="accent1"/>
+            </a:effectRef>
+            <a:fontRef idx="minor">
+              <a:schemeClr val="lt1"/>
+            </a:fontRef>
+          </p:style>
+          <p:txBody>
+            <a:bodyPr rtlCol="0" anchor="ctr"/>
+            <a:lstStyle/>
+            <a:p>
+              <a:pPr algn="ctr"/>
+              <a:endParaRPr lang="fr-FR">
+                <a:latin typeface="Arial" pitchFamily="34" charset="0"/>
+                <a:cs typeface="Arial" pitchFamily="34" charset="0"/>
+              </a:endParaRPr>
+            </a:p>
+          </p:txBody>
+        </p:sp>
+        <p:cxnSp>
+          <p:nvCxnSpPr>
+            <p:cNvPr id="56" name="Connecteur droit avec flèche 71"/>
+            <p:cNvCxnSpPr/>
+            <p:nvPr/>
+          </p:nvCxnSpPr>
+          <p:spPr>
+            <a:xfrm rot="10800000">
+              <a:off x="6040721" y="1461357"/>
+              <a:ext cx="189802" cy="184040"/>
+            </a:xfrm>
+            <a:prstGeom prst="straightConnector1">
+              <a:avLst/>
+            </a:prstGeom>
+            <a:ln w="28575">
+              <a:solidFill>
+                <a:schemeClr val="bg1">
+                  <a:lumMod val="65000"/>
+                </a:schemeClr>
+              </a:solidFill>
+              <a:headEnd type="oval" w="med" len="med"/>
+              <a:tailEnd type="triangle" w="med" len="med"/>
+            </a:ln>
+          </p:spPr>
+          <p:style>
+            <a:lnRef idx="1">
+              <a:schemeClr val="accent1"/>
+            </a:lnRef>
+            <a:fillRef idx="0">
+              <a:schemeClr val="accent1"/>
+            </a:fillRef>
+            <a:effectRef idx="0">
+              <a:schemeClr val="accent1"/>
+            </a:effectRef>
+            <a:fontRef idx="minor">
+              <a:schemeClr val="tx1"/>
+            </a:fontRef>
+          </p:style>
+        </p:cxnSp>
+        <p:cxnSp>
+          <p:nvCxnSpPr>
+            <p:cNvPr id="57" name="Connecteur droit avec flèche 72"/>
+            <p:cNvCxnSpPr/>
+            <p:nvPr/>
+          </p:nvCxnSpPr>
+          <p:spPr>
+            <a:xfrm flipV="1">
+              <a:off x="6231117" y="1464162"/>
+              <a:ext cx="191071" cy="190677"/>
+            </a:xfrm>
+            <a:prstGeom prst="straightConnector1">
+              <a:avLst/>
+            </a:prstGeom>
+            <a:ln w="28575">
+              <a:solidFill>
+                <a:schemeClr val="tx1">
+                  <a:lumMod val="65000"/>
+                  <a:lumOff val="35000"/>
+                </a:schemeClr>
+              </a:solidFill>
+              <a:headEnd type="oval" w="med" len="med"/>
+              <a:tailEnd type="triangle" w="med" len="med"/>
+            </a:ln>
+          </p:spPr>
+          <p:style>
+            <a:lnRef idx="1">
+              <a:schemeClr val="accent1"/>
+            </a:lnRef>
+            <a:fillRef idx="0">
+              <a:schemeClr val="accent1"/>
+            </a:fillRef>
+            <a:effectRef idx="0">
+              <a:schemeClr val="accent1"/>
+            </a:effectRef>
+            <a:fontRef idx="minor">
+              <a:schemeClr val="tx1"/>
+            </a:fontRef>
+          </p:style>
+        </p:cxnSp>
+        <p:sp>
+          <p:nvSpPr>
+            <p:cNvPr id="58" name="Rectangle 73"/>
+            <p:cNvSpPr/>
+            <p:nvPr/>
+          </p:nvSpPr>
+          <p:spPr>
+            <a:xfrm>
+              <a:off x="5918764" y="1164670"/>
+              <a:ext cx="298480" cy="338554"/>
+            </a:xfrm>
+            <a:prstGeom prst="rect">
+              <a:avLst/>
+            </a:prstGeom>
+          </p:spPr>
+          <p:txBody>
+            <a:bodyPr wrap="none">
+              <a:spAutoFit/>
+            </a:bodyPr>
+            <a:lstStyle/>
+            <a:p>
+              <a:r>
+                <a:rPr lang="fr-FR" sz="1600" dirty="0" smtClean="0">
+                  <a:latin typeface="Arial" pitchFamily="34" charset="0"/>
+                  <a:cs typeface="Arial" pitchFamily="34" charset="0"/>
+                </a:rPr>
+                <a:t>0</a:t>
+              </a:r>
+              <a:endParaRPr lang="fr-FR" sz="1600" dirty="0">
+                <a:latin typeface="Arial" pitchFamily="34" charset="0"/>
+                <a:cs typeface="Arial" pitchFamily="34" charset="0"/>
+              </a:endParaRPr>
+            </a:p>
+          </p:txBody>
+        </p:sp>
+        <p:sp>
+          <p:nvSpPr>
+            <p:cNvPr id="59" name="Rectangle 74"/>
+            <p:cNvSpPr/>
+            <p:nvPr/>
+          </p:nvSpPr>
+          <p:spPr>
+            <a:xfrm>
+              <a:off x="6238878" y="1159323"/>
+              <a:ext cx="298480" cy="338554"/>
+            </a:xfrm>
+            <a:prstGeom prst="rect">
+              <a:avLst/>
+            </a:prstGeom>
+          </p:spPr>
+          <p:txBody>
+            <a:bodyPr wrap="none">
+              <a:spAutoFit/>
+            </a:bodyPr>
+            <a:lstStyle/>
+            <a:p>
+              <a:r>
+                <a:rPr lang="fr-FR" sz="1600" dirty="0" smtClean="0">
+                  <a:latin typeface="Arial" pitchFamily="34" charset="0"/>
+                  <a:cs typeface="Arial" pitchFamily="34" charset="0"/>
+                </a:rPr>
+                <a:t>1</a:t>
+              </a:r>
+              <a:endParaRPr lang="fr-FR" sz="1600" dirty="0">
+                <a:latin typeface="Arial" pitchFamily="34" charset="0"/>
+                <a:cs typeface="Arial" pitchFamily="34" charset="0"/>
+              </a:endParaRPr>
+            </a:p>
+          </p:txBody>
+        </p:sp>
+      </p:grpSp>
+      <p:sp>
+        <p:nvSpPr>
+          <p:cNvPr id="60" name="Textfeld 59"/>
+          <p:cNvSpPr txBox="1"/>
+          <p:nvPr/>
+        </p:nvSpPr>
+        <p:spPr>
+          <a:xfrm>
+            <a:off x="107504" y="2924944"/>
+            <a:ext cx="1635961" cy="338554"/>
+          </a:xfrm>
+          <a:prstGeom prst="rect">
+            <a:avLst/>
+          </a:prstGeom>
+          <a:noFill/>
+        </p:spPr>
+        <p:txBody>
+          <a:bodyPr wrap="none" rtlCol="0">
+            <a:spAutoFit/>
+          </a:bodyPr>
+          <a:lstStyle/>
+          <a:p>
+            <a:r>
+              <a:rPr lang="de-DE" sz="1600" dirty="0" smtClean="0"/>
+              <a:t>State </a:t>
+            </a:r>
+            <a:r>
+              <a:rPr lang="de-DE" sz="1600" dirty="0" err="1" smtClean="0"/>
+              <a:t>Preparation</a:t>
+            </a:r>
+            <a:endParaRPr lang="de-DE" sz="1600" dirty="0"/>
+          </a:p>
+        </p:txBody>
+      </p:sp>
+      <p:sp>
+        <p:nvSpPr>
+          <p:cNvPr id="61" name="Textfeld 60"/>
+          <p:cNvSpPr txBox="1"/>
+          <p:nvPr/>
+        </p:nvSpPr>
+        <p:spPr>
+          <a:xfrm>
+            <a:off x="1979712" y="2924944"/>
+            <a:ext cx="1496500" cy="338554"/>
+          </a:xfrm>
+          <a:prstGeom prst="rect">
+            <a:avLst/>
+          </a:prstGeom>
+          <a:noFill/>
+        </p:spPr>
+        <p:txBody>
+          <a:bodyPr wrap="none" rtlCol="0">
+            <a:spAutoFit/>
+          </a:bodyPr>
+          <a:lstStyle/>
+          <a:p>
+            <a:r>
+              <a:rPr lang="de-DE" sz="1600" dirty="0" smtClean="0"/>
+              <a:t>Oracle </a:t>
+            </a:r>
+            <a:r>
+              <a:rPr lang="de-DE" sz="1600" dirty="0" err="1" smtClean="0"/>
+              <a:t>Function</a:t>
+            </a:r>
+            <a:endParaRPr lang="de-DE" sz="1600" dirty="0"/>
+          </a:p>
+        </p:txBody>
+      </p:sp>
+      <p:sp>
+        <p:nvSpPr>
+          <p:cNvPr id="62" name="Textfeld 61"/>
+          <p:cNvSpPr txBox="1"/>
+          <p:nvPr/>
+        </p:nvSpPr>
+        <p:spPr>
+          <a:xfrm>
+            <a:off x="4087527" y="2924944"/>
+            <a:ext cx="1735860" cy="338554"/>
+          </a:xfrm>
+          <a:prstGeom prst="rect">
+            <a:avLst/>
+          </a:prstGeom>
+          <a:noFill/>
+        </p:spPr>
+        <p:txBody>
+          <a:bodyPr wrap="none" rtlCol="0">
+            <a:spAutoFit/>
+          </a:bodyPr>
+          <a:lstStyle/>
+          <a:p>
+            <a:r>
+              <a:rPr lang="de-DE" sz="1600" dirty="0" smtClean="0"/>
+              <a:t>Diffusion Operator</a:t>
+            </a:r>
+            <a:endParaRPr lang="de-DE" sz="1600" dirty="0"/>
+          </a:p>
+        </p:txBody>
+      </p:sp>
+      <p:sp>
+        <p:nvSpPr>
+          <p:cNvPr id="63" name="Textfeld 62"/>
+          <p:cNvSpPr txBox="1"/>
+          <p:nvPr/>
+        </p:nvSpPr>
+        <p:spPr>
+          <a:xfrm>
+            <a:off x="6061867" y="2924944"/>
+            <a:ext cx="886397" cy="338554"/>
+          </a:xfrm>
+          <a:prstGeom prst="rect">
+            <a:avLst/>
+          </a:prstGeom>
+          <a:noFill/>
+        </p:spPr>
+        <p:txBody>
+          <a:bodyPr wrap="none" rtlCol="0">
+            <a:spAutoFit/>
+          </a:bodyPr>
+          <a:lstStyle/>
+          <a:p>
+            <a:r>
+              <a:rPr lang="de-DE" sz="1600" dirty="0" err="1" smtClean="0"/>
+              <a:t>Readout</a:t>
+            </a:r>
+            <a:endParaRPr lang="de-DE" sz="1600" dirty="0"/>
+          </a:p>
+        </p:txBody>
+      </p:sp>
+      <p:sp>
+        <p:nvSpPr>
+          <p:cNvPr id="64" name="Geschweifte Klammer links 63"/>
+          <p:cNvSpPr/>
+          <p:nvPr/>
+        </p:nvSpPr>
+        <p:spPr>
+          <a:xfrm rot="5400000">
+            <a:off x="791580" y="2672916"/>
+            <a:ext cx="216024" cy="1440160"/>
+          </a:xfrm>
+          <a:prstGeom prst="leftBrace">
+            <a:avLst/>
+          </a:prstGeom>
+          <a:ln w="38100">
+            <a:solidFill>
+              <a:schemeClr val="tx1"/>
+            </a:solidFill>
+          </a:ln>
+        </p:spPr>
+        <p:style>
+          <a:lnRef idx="1">
+            <a:schemeClr val="accent1"/>
+          </a:lnRef>
+          <a:fillRef idx="0">
+            <a:schemeClr val="accent1"/>
+          </a:fillRef>
+          <a:effectRef idx="0">
+            <a:schemeClr val="accent1"/>
+          </a:effectRef>
+          <a:fontRef idx="minor">
+            <a:schemeClr val="tx1"/>
+          </a:fontRef>
+        </p:style>
+        <p:txBody>
+          <a:bodyPr rtlCol="0" anchor="ctr"/>
+          <a:lstStyle/>
+          <a:p>
+            <a:pPr algn="ctr"/>
+            <a:endParaRPr lang="de-DE" dirty="0"/>
+          </a:p>
+        </p:txBody>
+      </p:sp>
+      <p:sp>
+        <p:nvSpPr>
+          <p:cNvPr id="65" name="Geschweifte Klammer links 64"/>
+          <p:cNvSpPr/>
+          <p:nvPr/>
+        </p:nvSpPr>
+        <p:spPr>
+          <a:xfrm rot="5400000">
+            <a:off x="2591780" y="2456892"/>
+            <a:ext cx="216024" cy="1872208"/>
+          </a:xfrm>
+          <a:prstGeom prst="leftBrace">
+            <a:avLst/>
+          </a:prstGeom>
+          <a:ln w="38100">
+            <a:solidFill>
+              <a:schemeClr val="tx1"/>
+            </a:solidFill>
+          </a:ln>
+        </p:spPr>
+        <p:style>
+          <a:lnRef idx="1">
+            <a:schemeClr val="accent1"/>
+          </a:lnRef>
+          <a:fillRef idx="0">
+            <a:schemeClr val="accent1"/>
+          </a:fillRef>
+          <a:effectRef idx="0">
+            <a:schemeClr val="accent1"/>
+          </a:effectRef>
+          <a:fontRef idx="minor">
+            <a:schemeClr val="tx1"/>
+          </a:fontRef>
+        </p:style>
+        <p:txBody>
+          <a:bodyPr rtlCol="0" anchor="ctr"/>
+          <a:lstStyle/>
+          <a:p>
+            <a:pPr algn="ctr"/>
+            <a:endParaRPr lang="de-DE" dirty="0"/>
+          </a:p>
+        </p:txBody>
+      </p:sp>
+      <p:sp>
+        <p:nvSpPr>
+          <p:cNvPr id="66" name="Geschweifte Klammer links 65"/>
+          <p:cNvSpPr/>
+          <p:nvPr/>
+        </p:nvSpPr>
+        <p:spPr>
+          <a:xfrm rot="5400000">
+            <a:off x="4788024" y="2492896"/>
+            <a:ext cx="216024" cy="1800200"/>
+          </a:xfrm>
+          <a:prstGeom prst="leftBrace">
+            <a:avLst/>
+          </a:prstGeom>
+          <a:ln w="38100">
+            <a:solidFill>
+              <a:schemeClr val="tx1"/>
+            </a:solidFill>
+          </a:ln>
+        </p:spPr>
+        <p:style>
+          <a:lnRef idx="1">
+            <a:schemeClr val="accent1"/>
+          </a:lnRef>
+          <a:fillRef idx="0">
+            <a:schemeClr val="accent1"/>
+          </a:fillRef>
+          <a:effectRef idx="0">
+            <a:schemeClr val="accent1"/>
+          </a:effectRef>
+          <a:fontRef idx="minor">
+            <a:schemeClr val="tx1"/>
+          </a:fontRef>
+        </p:style>
+        <p:txBody>
+          <a:bodyPr rtlCol="0" anchor="ctr"/>
+          <a:lstStyle/>
+          <a:p>
+            <a:pPr algn="ctr"/>
+            <a:endParaRPr lang="de-DE" dirty="0"/>
+          </a:p>
+        </p:txBody>
+      </p:sp>
+      <p:sp>
+        <p:nvSpPr>
+          <p:cNvPr id="67" name="Geschweifte Klammer links 66"/>
+          <p:cNvSpPr/>
+          <p:nvPr/>
+        </p:nvSpPr>
+        <p:spPr>
+          <a:xfrm rot="5400000">
+            <a:off x="6372200" y="3068960"/>
+            <a:ext cx="216024" cy="648072"/>
+          </a:xfrm>
+          <a:prstGeom prst="leftBrace">
+            <a:avLst/>
+          </a:prstGeom>
+          <a:ln w="38100">
+            <a:solidFill>
+              <a:schemeClr val="tx1"/>
+            </a:solidFill>
+          </a:ln>
+        </p:spPr>
+        <p:style>
+          <a:lnRef idx="1">
+            <a:schemeClr val="accent1"/>
+          </a:lnRef>
+          <a:fillRef idx="0">
+            <a:schemeClr val="accent1"/>
+          </a:fillRef>
+          <a:effectRef idx="0">
+            <a:schemeClr val="accent1"/>
+          </a:effectRef>
+          <a:fontRef idx="minor">
+            <a:schemeClr val="tx1"/>
+          </a:fontRef>
+        </p:style>
+        <p:txBody>
+          <a:bodyPr rtlCol="0" anchor="ctr"/>
+          <a:lstStyle/>
+          <a:p>
+            <a:pPr algn="ctr"/>
+            <a:endParaRPr lang="de-DE" dirty="0"/>
+          </a:p>
+        </p:txBody>
+      </p:sp>
+      <p:sp>
+        <p:nvSpPr>
+          <p:cNvPr id="34" name="Gewitterblitz 33"/>
+          <p:cNvSpPr/>
+          <p:nvPr/>
+        </p:nvSpPr>
+        <p:spPr>
+          <a:xfrm rot="429266">
+            <a:off x="3668931" y="3301729"/>
+            <a:ext cx="288032" cy="1800200"/>
+          </a:xfrm>
+          <a:prstGeom prst="lightningBolt">
+            <a:avLst/>
+          </a:prstGeom>
+          <a:solidFill>
+            <a:schemeClr val="bg1"/>
+          </a:solidFill>
+          <a:ln>
+            <a:solidFill>
+              <a:schemeClr val="tx1"/>
+            </a:solidFill>
+          </a:ln>
+        </p:spPr>
+        <p:style>
+          <a:lnRef idx="2">
+            <a:schemeClr val="accent1">
+              <a:shade val="50000"/>
+            </a:schemeClr>
+          </a:lnRef>
+          <a:fillRef idx="1">
+            <a:schemeClr val="accent1"/>
+          </a:fillRef>
+          <a:effectRef idx="0">
+            <a:schemeClr val="accent1"/>
+          </a:effectRef>
+          <a:fontRef idx="minor">
+            <a:schemeClr val="lt1"/>
+          </a:fontRef>
+        </p:style>
+        <p:txBody>
+          <a:bodyPr rtlCol="0" anchor="ctr"/>
+          <a:lstStyle/>
+          <a:p>
+            <a:pPr algn="ctr"/>
+            <a:endParaRPr lang="de-DE"/>
+          </a:p>
+        </p:txBody>
+      </p:sp>
+      <p:sp>
+        <p:nvSpPr>
+          <p:cNvPr id="35" name="Gewitterblitz 34"/>
+          <p:cNvSpPr/>
+          <p:nvPr/>
+        </p:nvSpPr>
+        <p:spPr>
+          <a:xfrm rot="429266">
+            <a:off x="5829171" y="3276457"/>
+            <a:ext cx="288032" cy="1800200"/>
+          </a:xfrm>
+          <a:prstGeom prst="lightningBolt">
+            <a:avLst/>
+          </a:prstGeom>
+          <a:solidFill>
+            <a:schemeClr val="bg1"/>
+          </a:solidFill>
+          <a:ln>
+            <a:solidFill>
+              <a:schemeClr val="tx1"/>
+            </a:solidFill>
+          </a:ln>
+        </p:spPr>
+        <p:style>
+          <a:lnRef idx="2">
+            <a:schemeClr val="accent1">
+              <a:shade val="50000"/>
+            </a:schemeClr>
+          </a:lnRef>
+          <a:fillRef idx="1">
+            <a:schemeClr val="accent1"/>
+          </a:fillRef>
+          <a:effectRef idx="0">
+            <a:schemeClr val="accent1"/>
+          </a:effectRef>
+          <a:fontRef idx="minor">
+            <a:schemeClr val="lt1"/>
+          </a:fontRef>
+        </p:style>
+        <p:txBody>
+          <a:bodyPr rtlCol="0" anchor="ctr"/>
+          <a:lstStyle/>
+          <a:p>
+            <a:pPr algn="ctr"/>
+            <a:endParaRPr lang="de-DE"/>
+          </a:p>
+        </p:txBody>
+      </p:sp>
+      <p:cxnSp>
+        <p:nvCxnSpPr>
+          <p:cNvPr id="54" name="Gerade Verbindung 53"/>
+          <p:cNvCxnSpPr/>
+          <p:nvPr/>
+        </p:nvCxnSpPr>
+        <p:spPr>
+          <a:xfrm>
+            <a:off x="1658584" y="3573016"/>
+            <a:ext cx="0" cy="1440160"/>
+          </a:xfrm>
+          <a:prstGeom prst="line">
+            <a:avLst/>
+          </a:prstGeom>
+          <a:ln>
+            <a:solidFill>
+              <a:schemeClr val="tx1"/>
+            </a:solidFill>
+            <a:prstDash val="dash"/>
+          </a:ln>
+        </p:spPr>
+        <p:style>
+          <a:lnRef idx="1">
+            <a:schemeClr val="accent1"/>
+          </a:lnRef>
+          <a:fillRef idx="0">
+            <a:schemeClr val="accent1"/>
+          </a:fillRef>
+          <a:effectRef idx="0">
+            <a:schemeClr val="accent1"/>
+          </a:effectRef>
+          <a:fontRef idx="minor">
+            <a:schemeClr val="tx1"/>
+          </a:fontRef>
+        </p:style>
+      </p:cxnSp>
+      <p:cxnSp>
+        <p:nvCxnSpPr>
+          <p:cNvPr id="75" name="Gerade Verbindung 74"/>
+          <p:cNvCxnSpPr/>
+          <p:nvPr/>
+        </p:nvCxnSpPr>
+        <p:spPr>
+          <a:xfrm>
+            <a:off x="2843808" y="3573016"/>
+            <a:ext cx="0" cy="1440160"/>
+          </a:xfrm>
+          <a:prstGeom prst="line">
+            <a:avLst/>
+          </a:prstGeom>
+          <a:ln>
+            <a:solidFill>
+              <a:schemeClr val="tx1"/>
+            </a:solidFill>
+            <a:prstDash val="dash"/>
+          </a:ln>
+        </p:spPr>
+        <p:style>
+          <a:lnRef idx="1">
+            <a:schemeClr val="accent1"/>
+          </a:lnRef>
+          <a:fillRef idx="0">
+            <a:schemeClr val="accent1"/>
+          </a:fillRef>
+          <a:effectRef idx="0">
+            <a:schemeClr val="accent1"/>
+          </a:effectRef>
+          <a:fontRef idx="minor">
+            <a:schemeClr val="tx1"/>
+          </a:fontRef>
+        </p:style>
+      </p:cxnSp>
+      <p:cxnSp>
+        <p:nvCxnSpPr>
+          <p:cNvPr id="77" name="Gerade Verbindung 76"/>
+          <p:cNvCxnSpPr/>
+          <p:nvPr/>
+        </p:nvCxnSpPr>
+        <p:spPr>
+          <a:xfrm>
+            <a:off x="3635896" y="3573016"/>
+            <a:ext cx="0" cy="1440160"/>
+          </a:xfrm>
+          <a:prstGeom prst="line">
+            <a:avLst/>
+          </a:prstGeom>
+          <a:ln>
+            <a:solidFill>
+              <a:schemeClr val="tx1"/>
+            </a:solidFill>
+            <a:prstDash val="dash"/>
+          </a:ln>
+        </p:spPr>
+        <p:style>
+          <a:lnRef idx="1">
+            <a:schemeClr val="accent1"/>
+          </a:lnRef>
+          <a:fillRef idx="0">
+            <a:schemeClr val="accent1"/>
+          </a:fillRef>
+          <a:effectRef idx="0">
+            <a:schemeClr val="accent1"/>
+          </a:effectRef>
+          <a:fontRef idx="minor">
+            <a:schemeClr val="tx1"/>
+          </a:fontRef>
+        </p:style>
+      </p:cxnSp>
+      <p:cxnSp>
+        <p:nvCxnSpPr>
+          <p:cNvPr id="78" name="Gerade Verbindung 77"/>
+          <p:cNvCxnSpPr/>
+          <p:nvPr/>
+        </p:nvCxnSpPr>
+        <p:spPr>
+          <a:xfrm>
+            <a:off x="5004048" y="3573016"/>
+            <a:ext cx="0" cy="1440160"/>
+          </a:xfrm>
+          <a:prstGeom prst="line">
+            <a:avLst/>
+          </a:prstGeom>
+          <a:ln>
+            <a:solidFill>
+              <a:schemeClr val="tx1"/>
+            </a:solidFill>
+            <a:prstDash val="dash"/>
+          </a:ln>
+        </p:spPr>
+        <p:style>
+          <a:lnRef idx="1">
+            <a:schemeClr val="accent1"/>
+          </a:lnRef>
+          <a:fillRef idx="0">
+            <a:schemeClr val="accent1"/>
+          </a:fillRef>
+          <a:effectRef idx="0">
+            <a:schemeClr val="accent1"/>
+          </a:effectRef>
+          <a:fontRef idx="minor">
+            <a:schemeClr val="tx1"/>
+          </a:fontRef>
+        </p:style>
+      </p:cxnSp>
+      <p:cxnSp>
+        <p:nvCxnSpPr>
+          <p:cNvPr id="79" name="Gerade Verbindung 78"/>
+          <p:cNvCxnSpPr/>
+          <p:nvPr/>
+        </p:nvCxnSpPr>
+        <p:spPr>
+          <a:xfrm>
+            <a:off x="5796136" y="3573016"/>
+            <a:ext cx="0" cy="1440160"/>
+          </a:xfrm>
+          <a:prstGeom prst="line">
+            <a:avLst/>
+          </a:prstGeom>
+          <a:ln>
+            <a:solidFill>
+              <a:schemeClr val="tx1"/>
+            </a:solidFill>
+            <a:prstDash val="dash"/>
+          </a:ln>
+        </p:spPr>
+        <p:style>
+          <a:lnRef idx="1">
+            <a:schemeClr val="accent1"/>
+          </a:lnRef>
+          <a:fillRef idx="0">
+            <a:schemeClr val="accent1"/>
+          </a:fillRef>
+          <a:effectRef idx="0">
+            <a:schemeClr val="accent1"/>
+          </a:effectRef>
+          <a:fontRef idx="minor">
+            <a:schemeClr val="tx1"/>
+          </a:fontRef>
+        </p:style>
+      </p:cxnSp>
+      <p:cxnSp>
+        <p:nvCxnSpPr>
+          <p:cNvPr id="80" name="Gerade Verbindung 79"/>
+          <p:cNvCxnSpPr/>
+          <p:nvPr/>
+        </p:nvCxnSpPr>
+        <p:spPr>
+          <a:xfrm>
+            <a:off x="6876256" y="3573016"/>
+            <a:ext cx="0" cy="1440160"/>
+          </a:xfrm>
+          <a:prstGeom prst="line">
+            <a:avLst/>
+          </a:prstGeom>
+          <a:ln>
+            <a:solidFill>
+              <a:schemeClr val="tx1"/>
+            </a:solidFill>
+            <a:prstDash val="dash"/>
+          </a:ln>
+        </p:spPr>
+        <p:style>
+          <a:lnRef idx="1">
+            <a:schemeClr val="accent1"/>
+          </a:lnRef>
+          <a:fillRef idx="0">
+            <a:schemeClr val="accent1"/>
+          </a:fillRef>
+          <a:effectRef idx="0">
+            <a:schemeClr val="accent1"/>
+          </a:effectRef>
+          <a:fontRef idx="minor">
+            <a:schemeClr val="tx1"/>
+          </a:fontRef>
+        </p:style>
+      </p:cxnSp>
     </p:spTree>
   </p:cSld>
   <p:clrMapOvr>

--- a/material/papers/grover/classical_reversible_algorithm.pptx
+++ b/material/papers/grover/classical_reversible_algorithm.pptx
@@ -7432,6 +7432,184 @@
           </a:p>
         </p:txBody>
       </p:sp>
+      <p:grpSp>
+        <p:nvGrpSpPr>
+          <p:cNvPr id="100" name="Gruppieren 99"/>
+          <p:cNvGrpSpPr/>
+          <p:nvPr/>
+        </p:nvGrpSpPr>
+        <p:grpSpPr>
+          <a:xfrm>
+            <a:off x="7775977" y="2368336"/>
+            <a:ext cx="432048" cy="360040"/>
+            <a:chOff x="755576" y="359551"/>
+            <a:chExt cx="432048" cy="360040"/>
+          </a:xfrm>
+        </p:grpSpPr>
+        <p:sp>
+          <p:nvSpPr>
+            <p:cNvPr id="101" name="Freihandform 100"/>
+            <p:cNvSpPr/>
+            <p:nvPr/>
+          </p:nvSpPr>
+          <p:spPr>
+            <a:xfrm>
+              <a:off x="755576" y="359551"/>
+              <a:ext cx="288032" cy="360040"/>
+            </a:xfrm>
+            <a:custGeom>
+              <a:avLst/>
+              <a:gdLst>
+                <a:gd name="connsiteX0" fmla="*/ 35859 w 403412"/>
+                <a:gd name="connsiteY0" fmla="*/ 0 h 403412"/>
+                <a:gd name="connsiteX1" fmla="*/ 0 w 403412"/>
+                <a:gd name="connsiteY1" fmla="*/ 403412 h 403412"/>
+                <a:gd name="connsiteX2" fmla="*/ 403412 w 403412"/>
+                <a:gd name="connsiteY2" fmla="*/ 268941 h 403412"/>
+                <a:gd name="connsiteX3" fmla="*/ 35859 w 403412"/>
+                <a:gd name="connsiteY3" fmla="*/ 0 h 403412"/>
+                <a:gd name="connsiteX0" fmla="*/ 35859 w 328464"/>
+                <a:gd name="connsiteY0" fmla="*/ 0 h 403412"/>
+                <a:gd name="connsiteX1" fmla="*/ 0 w 328464"/>
+                <a:gd name="connsiteY1" fmla="*/ 403412 h 403412"/>
+                <a:gd name="connsiteX2" fmla="*/ 328464 w 328464"/>
+                <a:gd name="connsiteY2" fmla="*/ 190092 h 403412"/>
+                <a:gd name="connsiteX3" fmla="*/ 35859 w 328464"/>
+                <a:gd name="connsiteY3" fmla="*/ 0 h 403412"/>
+                <a:gd name="connsiteX0" fmla="*/ 0 w 360040"/>
+                <a:gd name="connsiteY0" fmla="*/ 0 h 429344"/>
+                <a:gd name="connsiteX1" fmla="*/ 31576 w 360040"/>
+                <a:gd name="connsiteY1" fmla="*/ 429344 h 429344"/>
+                <a:gd name="connsiteX2" fmla="*/ 360040 w 360040"/>
+                <a:gd name="connsiteY2" fmla="*/ 216024 h 429344"/>
+                <a:gd name="connsiteX3" fmla="*/ 0 w 360040"/>
+                <a:gd name="connsiteY3" fmla="*/ 0 h 429344"/>
+                <a:gd name="connsiteX0" fmla="*/ 0 w 360040"/>
+                <a:gd name="connsiteY0" fmla="*/ 0 h 432048"/>
+                <a:gd name="connsiteX1" fmla="*/ 0 w 360040"/>
+                <a:gd name="connsiteY1" fmla="*/ 432048 h 432048"/>
+                <a:gd name="connsiteX2" fmla="*/ 360040 w 360040"/>
+                <a:gd name="connsiteY2" fmla="*/ 216024 h 432048"/>
+                <a:gd name="connsiteX3" fmla="*/ 0 w 360040"/>
+                <a:gd name="connsiteY3" fmla="*/ 0 h 432048"/>
+              </a:gdLst>
+              <a:ahLst/>
+              <a:cxnLst>
+                <a:cxn ang="0">
+                  <a:pos x="connsiteX0" y="connsiteY0"/>
+                </a:cxn>
+                <a:cxn ang="0">
+                  <a:pos x="connsiteX1" y="connsiteY1"/>
+                </a:cxn>
+                <a:cxn ang="0">
+                  <a:pos x="connsiteX2" y="connsiteY2"/>
+                </a:cxn>
+                <a:cxn ang="0">
+                  <a:pos x="connsiteX3" y="connsiteY3"/>
+                </a:cxn>
+              </a:cxnLst>
+              <a:rect l="l" t="t" r="r" b="b"/>
+              <a:pathLst>
+                <a:path w="360040" h="432048">
+                  <a:moveTo>
+                    <a:pt x="0" y="0"/>
+                  </a:moveTo>
+                  <a:lnTo>
+                    <a:pt x="0" y="432048"/>
+                  </a:lnTo>
+                  <a:lnTo>
+                    <a:pt x="360040" y="216024"/>
+                  </a:lnTo>
+                  <a:lnTo>
+                    <a:pt x="0" y="0"/>
+                  </a:lnTo>
+                  <a:close/>
+                </a:path>
+              </a:pathLst>
+            </a:custGeom>
+            <a:solidFill>
+              <a:schemeClr val="bg1"/>
+            </a:solidFill>
+            <a:ln>
+              <a:solidFill>
+                <a:schemeClr val="tx1"/>
+              </a:solidFill>
+            </a:ln>
+          </p:spPr>
+          <p:style>
+            <a:lnRef idx="2">
+              <a:schemeClr val="accent1">
+                <a:shade val="50000"/>
+              </a:schemeClr>
+            </a:lnRef>
+            <a:fillRef idx="1">
+              <a:schemeClr val="accent1"/>
+            </a:fillRef>
+            <a:effectRef idx="0">
+              <a:schemeClr val="accent1"/>
+            </a:effectRef>
+            <a:fontRef idx="minor">
+              <a:schemeClr val="lt1"/>
+            </a:fontRef>
+          </p:style>
+          <p:txBody>
+            <a:bodyPr rtlCol="0" anchor="ctr"/>
+            <a:lstStyle/>
+            <a:p>
+              <a:pPr algn="ctr"/>
+              <a:endParaRPr lang="de-DE"/>
+            </a:p>
+          </p:txBody>
+        </p:sp>
+        <p:sp>
+          <p:nvSpPr>
+            <p:cNvPr id="102" name="Ellipse 101"/>
+            <p:cNvSpPr/>
+            <p:nvPr/>
+          </p:nvSpPr>
+          <p:spPr>
+            <a:xfrm>
+              <a:off x="1043608" y="476672"/>
+              <a:ext cx="144016" cy="144016"/>
+            </a:xfrm>
+            <a:prstGeom prst="ellipse">
+              <a:avLst/>
+            </a:prstGeom>
+            <a:solidFill>
+              <a:schemeClr val="bg1"/>
+            </a:solidFill>
+            <a:ln>
+              <a:solidFill>
+                <a:schemeClr val="tx1"/>
+              </a:solidFill>
+            </a:ln>
+          </p:spPr>
+          <p:style>
+            <a:lnRef idx="2">
+              <a:schemeClr val="accent1">
+                <a:shade val="50000"/>
+              </a:schemeClr>
+            </a:lnRef>
+            <a:fillRef idx="1">
+              <a:schemeClr val="accent1"/>
+            </a:fillRef>
+            <a:effectRef idx="0">
+              <a:schemeClr val="accent1"/>
+            </a:effectRef>
+            <a:fontRef idx="minor">
+              <a:schemeClr val="lt1"/>
+            </a:fontRef>
+          </p:style>
+          <p:txBody>
+            <a:bodyPr rtlCol="0" anchor="ctr"/>
+            <a:lstStyle/>
+            <a:p>
+              <a:pPr algn="ctr"/>
+              <a:endParaRPr lang="de-DE"/>
+            </a:p>
+          </p:txBody>
+        </p:sp>
+      </p:grpSp>
     </p:spTree>
   </p:cSld>
   <p:clrMapOvr>

--- a/material/papers/grover/classical_reversible_algorithm.pptx
+++ b/material/papers/grover/classical_reversible_algorithm.pptx
@@ -293,7 +293,7 @@
             <a:fld id="{7A68A57C-3EBA-40C1-9071-8CC5E80F3BD3}" type="datetimeFigureOut">
               <a:rPr lang="de-DE" smtClean="0"/>
               <a:pPr/>
-              <a:t>03.05.2012</a:t>
+              <a:t>18.05.2012</a:t>
             </a:fld>
             <a:endParaRPr lang="de-DE"/>
           </a:p>
@@ -460,7 +460,7 @@
             <a:fld id="{7A68A57C-3EBA-40C1-9071-8CC5E80F3BD3}" type="datetimeFigureOut">
               <a:rPr lang="de-DE" smtClean="0"/>
               <a:pPr/>
-              <a:t>03.05.2012</a:t>
+              <a:t>18.05.2012</a:t>
             </a:fld>
             <a:endParaRPr lang="de-DE"/>
           </a:p>
@@ -637,7 +637,7 @@
             <a:fld id="{7A68A57C-3EBA-40C1-9071-8CC5E80F3BD3}" type="datetimeFigureOut">
               <a:rPr lang="de-DE" smtClean="0"/>
               <a:pPr/>
-              <a:t>03.05.2012</a:t>
+              <a:t>18.05.2012</a:t>
             </a:fld>
             <a:endParaRPr lang="de-DE"/>
           </a:p>
@@ -804,7 +804,7 @@
             <a:fld id="{7A68A57C-3EBA-40C1-9071-8CC5E80F3BD3}" type="datetimeFigureOut">
               <a:rPr lang="de-DE" smtClean="0"/>
               <a:pPr/>
-              <a:t>03.05.2012</a:t>
+              <a:t>18.05.2012</a:t>
             </a:fld>
             <a:endParaRPr lang="de-DE"/>
           </a:p>
@@ -1047,7 +1047,7 @@
             <a:fld id="{7A68A57C-3EBA-40C1-9071-8CC5E80F3BD3}" type="datetimeFigureOut">
               <a:rPr lang="de-DE" smtClean="0"/>
               <a:pPr/>
-              <a:t>03.05.2012</a:t>
+              <a:t>18.05.2012</a:t>
             </a:fld>
             <a:endParaRPr lang="de-DE"/>
           </a:p>
@@ -1332,7 +1332,7 @@
             <a:fld id="{7A68A57C-3EBA-40C1-9071-8CC5E80F3BD3}" type="datetimeFigureOut">
               <a:rPr lang="de-DE" smtClean="0"/>
               <a:pPr/>
-              <a:t>03.05.2012</a:t>
+              <a:t>18.05.2012</a:t>
             </a:fld>
             <a:endParaRPr lang="de-DE"/>
           </a:p>
@@ -1751,7 +1751,7 @@
             <a:fld id="{7A68A57C-3EBA-40C1-9071-8CC5E80F3BD3}" type="datetimeFigureOut">
               <a:rPr lang="de-DE" smtClean="0"/>
               <a:pPr/>
-              <a:t>03.05.2012</a:t>
+              <a:t>18.05.2012</a:t>
             </a:fld>
             <a:endParaRPr lang="de-DE"/>
           </a:p>
@@ -1866,7 +1866,7 @@
             <a:fld id="{7A68A57C-3EBA-40C1-9071-8CC5E80F3BD3}" type="datetimeFigureOut">
               <a:rPr lang="de-DE" smtClean="0"/>
               <a:pPr/>
-              <a:t>03.05.2012</a:t>
+              <a:t>18.05.2012</a:t>
             </a:fld>
             <a:endParaRPr lang="de-DE"/>
           </a:p>
@@ -1958,7 +1958,7 @@
             <a:fld id="{7A68A57C-3EBA-40C1-9071-8CC5E80F3BD3}" type="datetimeFigureOut">
               <a:rPr lang="de-DE" smtClean="0"/>
               <a:pPr/>
-              <a:t>03.05.2012</a:t>
+              <a:t>18.05.2012</a:t>
             </a:fld>
             <a:endParaRPr lang="de-DE"/>
           </a:p>
@@ -2232,7 +2232,7 @@
             <a:fld id="{7A68A57C-3EBA-40C1-9071-8CC5E80F3BD3}" type="datetimeFigureOut">
               <a:rPr lang="de-DE" smtClean="0"/>
               <a:pPr/>
-              <a:t>03.05.2012</a:t>
+              <a:t>18.05.2012</a:t>
             </a:fld>
             <a:endParaRPr lang="de-DE"/>
           </a:p>
@@ -2482,7 +2482,7 @@
             <a:fld id="{7A68A57C-3EBA-40C1-9071-8CC5E80F3BD3}" type="datetimeFigureOut">
               <a:rPr lang="de-DE" smtClean="0"/>
               <a:pPr/>
-              <a:t>03.05.2012</a:t>
+              <a:t>18.05.2012</a:t>
             </a:fld>
             <a:endParaRPr lang="de-DE"/>
           </a:p>
@@ -2692,7 +2692,7 @@
             <a:fld id="{7A68A57C-3EBA-40C1-9071-8CC5E80F3BD3}" type="datetimeFigureOut">
               <a:rPr lang="de-DE" smtClean="0"/>
               <a:pPr/>
-              <a:t>03.05.2012</a:t>
+              <a:t>18.05.2012</a:t>
             </a:fld>
             <a:endParaRPr lang="de-DE"/>
           </a:p>
@@ -8193,29 +8193,761 @@
           </a:p>
         </p:txBody>
       </p:sp>
+      <p:sp>
+        <p:nvSpPr>
+          <p:cNvPr id="60" name="Textfeld 59"/>
+          <p:cNvSpPr txBox="1"/>
+          <p:nvPr/>
+        </p:nvSpPr>
+        <p:spPr>
+          <a:xfrm>
+            <a:off x="107504" y="2924944"/>
+            <a:ext cx="1635961" cy="338554"/>
+          </a:xfrm>
+          <a:prstGeom prst="rect">
+            <a:avLst/>
+          </a:prstGeom>
+          <a:noFill/>
+        </p:spPr>
+        <p:txBody>
+          <a:bodyPr wrap="none" rtlCol="0">
+            <a:spAutoFit/>
+          </a:bodyPr>
+          <a:lstStyle/>
+          <a:p>
+            <a:r>
+              <a:rPr lang="de-DE" sz="1600" dirty="0" smtClean="0"/>
+              <a:t>State </a:t>
+            </a:r>
+            <a:r>
+              <a:rPr lang="de-DE" sz="1600" dirty="0" err="1" smtClean="0"/>
+              <a:t>Preparation</a:t>
+            </a:r>
+            <a:endParaRPr lang="de-DE" sz="1600" dirty="0"/>
+          </a:p>
+        </p:txBody>
+      </p:sp>
+      <p:sp>
+        <p:nvSpPr>
+          <p:cNvPr id="62" name="Textfeld 61"/>
+          <p:cNvSpPr txBox="1"/>
+          <p:nvPr/>
+        </p:nvSpPr>
+        <p:spPr>
+          <a:xfrm>
+            <a:off x="5743711" y="2924944"/>
+            <a:ext cx="1735860" cy="338554"/>
+          </a:xfrm>
+          <a:prstGeom prst="rect">
+            <a:avLst/>
+          </a:prstGeom>
+          <a:noFill/>
+        </p:spPr>
+        <p:txBody>
+          <a:bodyPr wrap="none" rtlCol="0">
+            <a:spAutoFit/>
+          </a:bodyPr>
+          <a:lstStyle/>
+          <a:p>
+            <a:r>
+              <a:rPr lang="de-DE" sz="1600" dirty="0" smtClean="0"/>
+              <a:t>Diffusion Operator</a:t>
+            </a:r>
+            <a:endParaRPr lang="de-DE" sz="1600" dirty="0"/>
+          </a:p>
+        </p:txBody>
+      </p:sp>
+      <p:sp>
+        <p:nvSpPr>
+          <p:cNvPr id="63" name="Textfeld 62"/>
+          <p:cNvSpPr txBox="1"/>
+          <p:nvPr/>
+        </p:nvSpPr>
+        <p:spPr>
+          <a:xfrm>
+            <a:off x="7862067" y="2924944"/>
+            <a:ext cx="886397" cy="338554"/>
+          </a:xfrm>
+          <a:prstGeom prst="rect">
+            <a:avLst/>
+          </a:prstGeom>
+          <a:noFill/>
+        </p:spPr>
+        <p:txBody>
+          <a:bodyPr wrap="none" rtlCol="0">
+            <a:spAutoFit/>
+          </a:bodyPr>
+          <a:lstStyle/>
+          <a:p>
+            <a:r>
+              <a:rPr lang="de-DE" sz="1600" dirty="0" err="1" smtClean="0"/>
+              <a:t>Readout</a:t>
+            </a:r>
+            <a:endParaRPr lang="de-DE" sz="1600" dirty="0"/>
+          </a:p>
+        </p:txBody>
+      </p:sp>
+      <p:sp>
+        <p:nvSpPr>
+          <p:cNvPr id="64" name="Geschweifte Klammer links 63"/>
+          <p:cNvSpPr/>
+          <p:nvPr/>
+        </p:nvSpPr>
+        <p:spPr>
+          <a:xfrm rot="5400000">
+            <a:off x="791580" y="2672916"/>
+            <a:ext cx="216024" cy="1440160"/>
+          </a:xfrm>
+          <a:prstGeom prst="leftBrace">
+            <a:avLst/>
+          </a:prstGeom>
+          <a:ln w="38100">
+            <a:solidFill>
+              <a:schemeClr val="tx1"/>
+            </a:solidFill>
+          </a:ln>
+        </p:spPr>
+        <p:style>
+          <a:lnRef idx="1">
+            <a:schemeClr val="accent1"/>
+          </a:lnRef>
+          <a:fillRef idx="0">
+            <a:schemeClr val="accent1"/>
+          </a:fillRef>
+          <a:effectRef idx="0">
+            <a:schemeClr val="accent1"/>
+          </a:effectRef>
+          <a:fontRef idx="minor">
+            <a:schemeClr val="tx1"/>
+          </a:fontRef>
+        </p:style>
+        <p:txBody>
+          <a:bodyPr rtlCol="0" anchor="ctr"/>
+          <a:lstStyle/>
+          <a:p>
+            <a:pPr algn="ctr"/>
+            <a:endParaRPr lang="de-DE" dirty="0"/>
+          </a:p>
+        </p:txBody>
+      </p:sp>
+      <p:sp>
+        <p:nvSpPr>
+          <p:cNvPr id="66" name="Geschweifte Klammer links 65"/>
+          <p:cNvSpPr/>
+          <p:nvPr/>
+        </p:nvSpPr>
+        <p:spPr>
+          <a:xfrm rot="5400000">
+            <a:off x="6444208" y="2492896"/>
+            <a:ext cx="216024" cy="1800200"/>
+          </a:xfrm>
+          <a:prstGeom prst="leftBrace">
+            <a:avLst/>
+          </a:prstGeom>
+          <a:ln w="38100">
+            <a:solidFill>
+              <a:schemeClr val="tx1"/>
+            </a:solidFill>
+          </a:ln>
+        </p:spPr>
+        <p:style>
+          <a:lnRef idx="1">
+            <a:schemeClr val="accent1"/>
+          </a:lnRef>
+          <a:fillRef idx="0">
+            <a:schemeClr val="accent1"/>
+          </a:fillRef>
+          <a:effectRef idx="0">
+            <a:schemeClr val="accent1"/>
+          </a:effectRef>
+          <a:fontRef idx="minor">
+            <a:schemeClr val="tx1"/>
+          </a:fontRef>
+        </p:style>
+        <p:txBody>
+          <a:bodyPr rtlCol="0" anchor="ctr"/>
+          <a:lstStyle/>
+          <a:p>
+            <a:pPr algn="ctr"/>
+            <a:endParaRPr lang="de-DE" dirty="0"/>
+          </a:p>
+        </p:txBody>
+      </p:sp>
+      <p:sp>
+        <p:nvSpPr>
+          <p:cNvPr id="67" name="Geschweifte Klammer links 66"/>
+          <p:cNvSpPr/>
+          <p:nvPr/>
+        </p:nvSpPr>
+        <p:spPr>
+          <a:xfrm rot="5400000">
+            <a:off x="8172400" y="2780928"/>
+            <a:ext cx="216024" cy="1224136"/>
+          </a:xfrm>
+          <a:prstGeom prst="leftBrace">
+            <a:avLst/>
+          </a:prstGeom>
+          <a:ln w="38100">
+            <a:solidFill>
+              <a:schemeClr val="tx1"/>
+            </a:solidFill>
+          </a:ln>
+        </p:spPr>
+        <p:style>
+          <a:lnRef idx="1">
+            <a:schemeClr val="accent1"/>
+          </a:lnRef>
+          <a:fillRef idx="0">
+            <a:schemeClr val="accent1"/>
+          </a:fillRef>
+          <a:effectRef idx="0">
+            <a:schemeClr val="accent1"/>
+          </a:effectRef>
+          <a:fontRef idx="minor">
+            <a:schemeClr val="tx1"/>
+          </a:fontRef>
+        </p:style>
+        <p:txBody>
+          <a:bodyPr rtlCol="0" anchor="ctr"/>
+          <a:lstStyle/>
+          <a:p>
+            <a:pPr algn="ctr"/>
+            <a:endParaRPr lang="de-DE" dirty="0"/>
+          </a:p>
+        </p:txBody>
+      </p:sp>
+      <p:sp>
+        <p:nvSpPr>
+          <p:cNvPr id="93" name="Ellipse 92"/>
+          <p:cNvSpPr/>
+          <p:nvPr/>
+        </p:nvSpPr>
+        <p:spPr>
+          <a:xfrm>
+            <a:off x="2463545" y="5229200"/>
+            <a:ext cx="288032" cy="288032"/>
+          </a:xfrm>
+          <a:prstGeom prst="ellipse">
+            <a:avLst/>
+          </a:prstGeom>
+          <a:solidFill>
+            <a:schemeClr val="bg1"/>
+          </a:solidFill>
+          <a:ln w="28575">
+            <a:solidFill>
+              <a:schemeClr val="tx1"/>
+            </a:solidFill>
+          </a:ln>
+        </p:spPr>
+        <p:style>
+          <a:lnRef idx="2">
+            <a:schemeClr val="accent1">
+              <a:shade val="50000"/>
+            </a:schemeClr>
+          </a:lnRef>
+          <a:fillRef idx="1">
+            <a:schemeClr val="accent1"/>
+          </a:fillRef>
+          <a:effectRef idx="0">
+            <a:schemeClr val="accent1"/>
+          </a:effectRef>
+          <a:fontRef idx="minor">
+            <a:schemeClr val="lt1"/>
+          </a:fontRef>
+        </p:style>
+        <p:txBody>
+          <a:bodyPr rtlCol="0" anchor="ctr"/>
+          <a:lstStyle/>
+          <a:p>
+            <a:pPr algn="ctr"/>
+            <a:endParaRPr lang="de-DE"/>
+          </a:p>
+        </p:txBody>
+      </p:sp>
+      <p:cxnSp>
+        <p:nvCxnSpPr>
+          <p:cNvPr id="94" name="Gerade Verbindung 93"/>
+          <p:cNvCxnSpPr>
+            <a:stCxn id="93" idx="4"/>
+          </p:cNvCxnSpPr>
+          <p:nvPr/>
+        </p:nvCxnSpPr>
+        <p:spPr>
+          <a:xfrm flipV="1">
+            <a:off x="2607561" y="3767554"/>
+            <a:ext cx="0" cy="1749678"/>
+          </a:xfrm>
+          <a:prstGeom prst="line">
+            <a:avLst/>
+          </a:prstGeom>
+          <a:ln w="28575">
+            <a:solidFill>
+              <a:schemeClr val="tx1"/>
+            </a:solidFill>
+          </a:ln>
+        </p:spPr>
+        <p:style>
+          <a:lnRef idx="1">
+            <a:schemeClr val="accent1"/>
+          </a:lnRef>
+          <a:fillRef idx="0">
+            <a:schemeClr val="accent1"/>
+          </a:fillRef>
+          <a:effectRef idx="0">
+            <a:schemeClr val="accent1"/>
+          </a:effectRef>
+          <a:fontRef idx="minor">
+            <a:schemeClr val="tx1"/>
+          </a:fontRef>
+        </p:style>
+      </p:cxnSp>
+      <p:cxnSp>
+        <p:nvCxnSpPr>
+          <p:cNvPr id="95" name="Gerade Verbindung 94"/>
+          <p:cNvCxnSpPr>
+            <a:stCxn id="93" idx="2"/>
+            <a:endCxn id="93" idx="6"/>
+          </p:cNvCxnSpPr>
+          <p:nvPr/>
+        </p:nvCxnSpPr>
+        <p:spPr>
+          <a:xfrm>
+            <a:off x="2463545" y="5373216"/>
+            <a:ext cx="288032" cy="0"/>
+          </a:xfrm>
+          <a:prstGeom prst="line">
+            <a:avLst/>
+          </a:prstGeom>
+          <a:ln w="28575">
+            <a:solidFill>
+              <a:schemeClr val="tx1"/>
+            </a:solidFill>
+          </a:ln>
+        </p:spPr>
+        <p:style>
+          <a:lnRef idx="1">
+            <a:schemeClr val="accent1"/>
+          </a:lnRef>
+          <a:fillRef idx="0">
+            <a:schemeClr val="accent1"/>
+          </a:fillRef>
+          <a:effectRef idx="0">
+            <a:schemeClr val="accent1"/>
+          </a:effectRef>
+          <a:fontRef idx="minor">
+            <a:schemeClr val="tx1"/>
+          </a:fontRef>
+        </p:style>
+      </p:cxnSp>
+      <p:sp>
+        <p:nvSpPr>
+          <p:cNvPr id="96" name="Textfeld 95"/>
+          <p:cNvSpPr txBox="1"/>
+          <p:nvPr/>
+        </p:nvSpPr>
+        <p:spPr>
+          <a:xfrm>
+            <a:off x="2195736" y="2936819"/>
+            <a:ext cx="722249" cy="338554"/>
+          </a:xfrm>
+          <a:prstGeom prst="rect">
+            <a:avLst/>
+          </a:prstGeom>
+          <a:noFill/>
+        </p:spPr>
+        <p:txBody>
+          <a:bodyPr wrap="none" rtlCol="0">
+            <a:spAutoFit/>
+          </a:bodyPr>
+          <a:lstStyle/>
+          <a:p>
+            <a:r>
+              <a:rPr lang="de-DE" sz="1600" dirty="0" smtClean="0"/>
+              <a:t>Oracle</a:t>
+            </a:r>
+            <a:endParaRPr lang="de-DE" sz="1600" dirty="0"/>
+          </a:p>
+        </p:txBody>
+      </p:sp>
+      <p:sp>
+        <p:nvSpPr>
+          <p:cNvPr id="97" name="Geschweifte Klammer links 96"/>
+          <p:cNvSpPr/>
+          <p:nvPr/>
+        </p:nvSpPr>
+        <p:spPr>
+          <a:xfrm rot="5400000">
+            <a:off x="2474788" y="2555924"/>
+            <a:ext cx="213760" cy="1676407"/>
+          </a:xfrm>
+          <a:prstGeom prst="leftBrace">
+            <a:avLst/>
+          </a:prstGeom>
+          <a:ln w="38100">
+            <a:solidFill>
+              <a:schemeClr val="tx1"/>
+            </a:solidFill>
+          </a:ln>
+        </p:spPr>
+        <p:style>
+          <a:lnRef idx="1">
+            <a:schemeClr val="accent1"/>
+          </a:lnRef>
+          <a:fillRef idx="0">
+            <a:schemeClr val="accent1"/>
+          </a:fillRef>
+          <a:effectRef idx="0">
+            <a:schemeClr val="accent1"/>
+          </a:effectRef>
+          <a:fontRef idx="minor">
+            <a:schemeClr val="tx1"/>
+          </a:fontRef>
+        </p:style>
+        <p:txBody>
+          <a:bodyPr rtlCol="0" anchor="ctr"/>
+          <a:lstStyle/>
+          <a:p>
+            <a:pPr algn="ctr"/>
+            <a:endParaRPr lang="de-DE" dirty="0"/>
+          </a:p>
+        </p:txBody>
+      </p:sp>
+      <p:cxnSp>
+        <p:nvCxnSpPr>
+          <p:cNvPr id="98" name="Gerade Verbindung 97"/>
+          <p:cNvCxnSpPr>
+            <a:stCxn id="103" idx="3"/>
+          </p:cNvCxnSpPr>
+          <p:nvPr/>
+        </p:nvCxnSpPr>
+        <p:spPr>
+          <a:xfrm>
+            <a:off x="755576" y="5373216"/>
+            <a:ext cx="7992888" cy="0"/>
+          </a:xfrm>
+          <a:prstGeom prst="line">
+            <a:avLst/>
+          </a:prstGeom>
+          <a:ln w="19050">
+            <a:solidFill>
+              <a:schemeClr val="tx1"/>
+            </a:solidFill>
+          </a:ln>
+        </p:spPr>
+        <p:style>
+          <a:lnRef idx="1">
+            <a:schemeClr val="accent1"/>
+          </a:lnRef>
+          <a:fillRef idx="0">
+            <a:schemeClr val="accent1"/>
+          </a:fillRef>
+          <a:effectRef idx="0">
+            <a:schemeClr val="accent1"/>
+          </a:effectRef>
+          <a:fontRef idx="minor">
+            <a:schemeClr val="tx1"/>
+          </a:fontRef>
+        </p:style>
+      </p:cxnSp>
+      <p:sp>
+        <p:nvSpPr>
+          <p:cNvPr id="102" name="Rechteck 101"/>
+          <p:cNvSpPr/>
+          <p:nvPr/>
+        </p:nvSpPr>
+        <p:spPr>
+          <a:xfrm>
+            <a:off x="3563888" y="3573016"/>
+            <a:ext cx="1872208" cy="2088232"/>
+          </a:xfrm>
+          <a:prstGeom prst="rect">
+            <a:avLst/>
+          </a:prstGeom>
+          <a:solidFill>
+            <a:schemeClr val="bg1"/>
+          </a:solidFill>
+          <a:ln>
+            <a:solidFill>
+              <a:schemeClr val="tx1"/>
+            </a:solidFill>
+          </a:ln>
+        </p:spPr>
+        <p:style>
+          <a:lnRef idx="2">
+            <a:schemeClr val="accent1">
+              <a:shade val="50000"/>
+            </a:schemeClr>
+          </a:lnRef>
+          <a:fillRef idx="1">
+            <a:schemeClr val="accent1"/>
+          </a:fillRef>
+          <a:effectRef idx="0">
+            <a:schemeClr val="accent1"/>
+          </a:effectRef>
+          <a:fontRef idx="minor">
+            <a:schemeClr val="lt1"/>
+          </a:fontRef>
+        </p:style>
+        <p:txBody>
+          <a:bodyPr rtlCol="0" anchor="ctr"/>
+          <a:lstStyle/>
+          <a:p>
+            <a:pPr algn="ctr"/>
+            <a:r>
+              <a:rPr lang="de-DE" dirty="0" smtClean="0">
+                <a:solidFill>
+                  <a:schemeClr val="tx1"/>
+                </a:solidFill>
+              </a:rPr>
+              <a:t>3-Qubit</a:t>
+            </a:r>
+          </a:p>
+          <a:p>
+            <a:pPr algn="ctr"/>
+            <a:r>
+              <a:rPr lang="de-DE" dirty="0" err="1" smtClean="0">
+                <a:solidFill>
+                  <a:schemeClr val="tx1"/>
+                </a:solidFill>
+              </a:rPr>
+              <a:t>Control</a:t>
+            </a:r>
+            <a:r>
+              <a:rPr lang="de-DE" dirty="0" smtClean="0">
+                <a:solidFill>
+                  <a:schemeClr val="tx1"/>
+                </a:solidFill>
+              </a:rPr>
+              <a:t>-Phase</a:t>
+            </a:r>
+            <a:endParaRPr lang="de-DE" dirty="0">
+              <a:solidFill>
+                <a:schemeClr val="tx1"/>
+              </a:solidFill>
+            </a:endParaRPr>
+          </a:p>
+        </p:txBody>
+      </p:sp>
+      <p:sp>
+        <p:nvSpPr>
+          <p:cNvPr id="103" name="Rechteck 102"/>
+          <p:cNvSpPr/>
+          <p:nvPr/>
+        </p:nvSpPr>
+        <p:spPr>
+          <a:xfrm>
+            <a:off x="179512" y="5085184"/>
+            <a:ext cx="576064" cy="576064"/>
+          </a:xfrm>
+          <a:prstGeom prst="rect">
+            <a:avLst/>
+          </a:prstGeom>
+          <a:solidFill>
+            <a:schemeClr val="bg1"/>
+          </a:solidFill>
+          <a:ln>
+            <a:solidFill>
+              <a:schemeClr val="tx1"/>
+            </a:solidFill>
+          </a:ln>
+        </p:spPr>
+        <p:style>
+          <a:lnRef idx="2">
+            <a:schemeClr val="accent1">
+              <a:shade val="50000"/>
+            </a:schemeClr>
+          </a:lnRef>
+          <a:fillRef idx="1">
+            <a:schemeClr val="accent1"/>
+          </a:fillRef>
+          <a:effectRef idx="0">
+            <a:schemeClr val="accent1"/>
+          </a:effectRef>
+          <a:fontRef idx="minor">
+            <a:schemeClr val="lt1"/>
+          </a:fontRef>
+        </p:style>
+        <p:txBody>
+          <a:bodyPr rtlCol="0" anchor="ctr"/>
+          <a:lstStyle/>
+          <a:p>
+            <a:pPr algn="ctr"/>
+            <a:r>
+              <a:rPr lang="de-DE" b="1" dirty="0" smtClean="0">
+                <a:solidFill>
+                  <a:schemeClr val="tx1"/>
+                </a:solidFill>
+              </a:rPr>
+              <a:t>|0&gt;</a:t>
+            </a:r>
+            <a:endParaRPr lang="de-DE" b="1" dirty="0">
+              <a:solidFill>
+                <a:schemeClr val="tx1"/>
+              </a:solidFill>
+            </a:endParaRPr>
+          </a:p>
+        </p:txBody>
+      </p:sp>
+      <p:sp>
+        <p:nvSpPr>
+          <p:cNvPr id="106" name="Geschweifte Klammer links 105"/>
+          <p:cNvSpPr/>
+          <p:nvPr/>
+        </p:nvSpPr>
+        <p:spPr>
+          <a:xfrm rot="5400000">
+            <a:off x="4391980" y="2456892"/>
+            <a:ext cx="216024" cy="1872208"/>
+          </a:xfrm>
+          <a:prstGeom prst="leftBrace">
+            <a:avLst/>
+          </a:prstGeom>
+          <a:ln w="38100">
+            <a:solidFill>
+              <a:schemeClr val="tx1"/>
+            </a:solidFill>
+          </a:ln>
+        </p:spPr>
+        <p:style>
+          <a:lnRef idx="1">
+            <a:schemeClr val="accent1"/>
+          </a:lnRef>
+          <a:fillRef idx="0">
+            <a:schemeClr val="accent1"/>
+          </a:fillRef>
+          <a:effectRef idx="0">
+            <a:schemeClr val="accent1"/>
+          </a:effectRef>
+          <a:fontRef idx="minor">
+            <a:schemeClr val="tx1"/>
+          </a:fontRef>
+        </p:style>
+        <p:txBody>
+          <a:bodyPr rtlCol="0" anchor="ctr"/>
+          <a:lstStyle/>
+          <a:p>
+            <a:pPr algn="ctr"/>
+            <a:endParaRPr lang="de-DE" dirty="0"/>
+          </a:p>
+        </p:txBody>
+      </p:sp>
+      <p:sp>
+        <p:nvSpPr>
+          <p:cNvPr id="107" name="Textfeld 106"/>
+          <p:cNvSpPr txBox="1"/>
+          <p:nvPr/>
+        </p:nvSpPr>
+        <p:spPr>
+          <a:xfrm>
+            <a:off x="3779912" y="2924944"/>
+            <a:ext cx="1484574" cy="338554"/>
+          </a:xfrm>
+          <a:prstGeom prst="rect">
+            <a:avLst/>
+          </a:prstGeom>
+          <a:noFill/>
+        </p:spPr>
+        <p:txBody>
+          <a:bodyPr wrap="none" rtlCol="0">
+            <a:spAutoFit/>
+          </a:bodyPr>
+          <a:lstStyle/>
+          <a:p>
+            <a:r>
+              <a:rPr lang="de-DE" sz="1600" dirty="0" smtClean="0"/>
+              <a:t>Phase </a:t>
+            </a:r>
+            <a:r>
+              <a:rPr lang="de-DE" sz="1600" dirty="0" err="1" smtClean="0"/>
+              <a:t>Encoding</a:t>
+            </a:r>
+            <a:endParaRPr lang="de-DE" sz="1600" dirty="0"/>
+          </a:p>
+        </p:txBody>
+      </p:sp>
+      <p:sp>
+        <p:nvSpPr>
+          <p:cNvPr id="61" name="Rechteck 60"/>
+          <p:cNvSpPr/>
+          <p:nvPr/>
+        </p:nvSpPr>
+        <p:spPr>
+          <a:xfrm>
+            <a:off x="1763688" y="3573016"/>
+            <a:ext cx="1656184" cy="1368152"/>
+          </a:xfrm>
+          <a:prstGeom prst="rect">
+            <a:avLst/>
+          </a:prstGeom>
+          <a:solidFill>
+            <a:schemeClr val="bg1"/>
+          </a:solidFill>
+          <a:ln>
+            <a:solidFill>
+              <a:schemeClr val="tx1"/>
+            </a:solidFill>
+          </a:ln>
+        </p:spPr>
+        <p:style>
+          <a:lnRef idx="2">
+            <a:schemeClr val="accent1">
+              <a:shade val="50000"/>
+            </a:schemeClr>
+          </a:lnRef>
+          <a:fillRef idx="1">
+            <a:schemeClr val="accent1"/>
+          </a:fillRef>
+          <a:effectRef idx="0">
+            <a:schemeClr val="accent1"/>
+          </a:effectRef>
+          <a:fontRef idx="minor">
+            <a:schemeClr val="lt1"/>
+          </a:fontRef>
+        </p:style>
+        <p:txBody>
+          <a:bodyPr rtlCol="0" anchor="ctr"/>
+          <a:lstStyle/>
+          <a:p>
+            <a:pPr algn="ctr"/>
+            <a:r>
+              <a:rPr lang="de-DE" sz="6000" b="1" dirty="0" smtClean="0">
+                <a:solidFill>
+                  <a:schemeClr val="tx1"/>
+                </a:solidFill>
+              </a:rPr>
+              <a:t>?</a:t>
+            </a:r>
+            <a:endParaRPr lang="de-DE" sz="6000" b="1" dirty="0">
+              <a:solidFill>
+                <a:schemeClr val="tx1"/>
+              </a:solidFill>
+            </a:endParaRPr>
+          </a:p>
+        </p:txBody>
+      </p:sp>
       <p:grpSp>
         <p:nvGrpSpPr>
-          <p:cNvPr id="2" name="Groupe 42"/>
+          <p:cNvPr id="101" name="Gruppieren 100"/>
           <p:cNvGrpSpPr/>
           <p:nvPr/>
         </p:nvGrpSpPr>
         <p:grpSpPr>
           <a:xfrm>
-            <a:off x="7668344" y="3573016"/>
-            <a:ext cx="618594" cy="613563"/>
-            <a:chOff x="5918764" y="1159253"/>
-            <a:chExt cx="618594" cy="613563"/>
+            <a:off x="8388424" y="5085184"/>
+            <a:ext cx="595862" cy="623837"/>
+            <a:chOff x="2937204" y="1258486"/>
+            <a:chExt cx="595862" cy="623837"/>
           </a:xfrm>
         </p:grpSpPr>
         <p:sp>
           <p:nvSpPr>
-            <p:cNvPr id="49" name="Rectangle à coins arrondis 43"/>
+            <p:cNvPr id="68" name="Rectangle à coins arrondis 70"/>
             <p:cNvSpPr/>
             <p:nvPr/>
           </p:nvSpPr>
           <p:spPr>
             <a:xfrm>
-              <a:off x="5940152" y="1159253"/>
+              <a:off x="2937204" y="1268760"/>
               <a:ext cx="576064" cy="613563"/>
             </a:xfrm>
             <a:prstGeom prst="roundRect">
@@ -8260,65 +8992,26 @@
         </p:sp>
         <p:cxnSp>
           <p:nvCxnSpPr>
-            <p:cNvPr id="50" name="Connecteur droit avec flèche 44"/>
-            <p:cNvCxnSpPr/>
-            <p:nvPr/>
-          </p:nvCxnSpPr>
-          <p:spPr>
-            <a:xfrm rot="10800000">
-              <a:off x="6040721" y="1461357"/>
-              <a:ext cx="189802" cy="184040"/>
-            </a:xfrm>
-            <a:prstGeom prst="straightConnector1">
-              <a:avLst/>
-            </a:prstGeom>
-            <a:ln w="28575">
-              <a:solidFill>
-                <a:schemeClr val="bg1">
-                  <a:lumMod val="65000"/>
-                </a:schemeClr>
-              </a:solidFill>
-              <a:headEnd type="oval" w="med" len="med"/>
-              <a:tailEnd type="triangle" w="med" len="med"/>
-            </a:ln>
-          </p:spPr>
-          <p:style>
-            <a:lnRef idx="1">
-              <a:schemeClr val="accent1"/>
-            </a:lnRef>
-            <a:fillRef idx="0">
-              <a:schemeClr val="accent1"/>
-            </a:fillRef>
-            <a:effectRef idx="0">
-              <a:schemeClr val="accent1"/>
-            </a:effectRef>
-            <a:fontRef idx="minor">
-              <a:schemeClr val="tx1"/>
-            </a:fontRef>
-          </p:style>
-        </p:cxnSp>
-        <p:cxnSp>
-          <p:nvCxnSpPr>
-            <p:cNvPr id="51" name="Connecteur droit avec flèche 45"/>
+            <p:cNvPr id="70" name="Connecteur droit avec flèche 72"/>
             <p:cNvCxnSpPr/>
             <p:nvPr/>
           </p:nvCxnSpPr>
           <p:spPr>
             <a:xfrm flipV="1">
-              <a:off x="6231117" y="1464162"/>
-              <a:ext cx="191071" cy="190677"/>
+              <a:off x="3231966" y="1597979"/>
+              <a:ext cx="0" cy="216023"/>
             </a:xfrm>
             <a:prstGeom prst="straightConnector1">
               <a:avLst/>
             </a:prstGeom>
-            <a:ln w="28575">
+            <a:ln w="12700">
               <a:solidFill>
                 <a:schemeClr val="tx1">
                   <a:lumMod val="65000"/>
                   <a:lumOff val="35000"/>
                 </a:schemeClr>
               </a:solidFill>
-              <a:headEnd type="oval" w="med" len="med"/>
+              <a:headEnd type="diamond" w="med" len="med"/>
               <a:tailEnd type="triangle" w="med" len="med"/>
             </a:ln>
           </p:spPr>
@@ -8339,14 +9032,14 @@
         </p:cxnSp>
         <p:sp>
           <p:nvSpPr>
-            <p:cNvPr id="52" name="Rectangle 46"/>
+            <p:cNvPr id="71" name="Rectangle 73"/>
             <p:cNvSpPr/>
             <p:nvPr/>
           </p:nvSpPr>
           <p:spPr>
             <a:xfrm>
-              <a:off x="5918764" y="1164670"/>
-              <a:ext cx="298480" cy="338554"/>
+              <a:off x="2943326" y="1258486"/>
+              <a:ext cx="269626" cy="276999"/>
             </a:xfrm>
             <a:prstGeom prst="rect">
               <a:avLst/>
@@ -8359,13 +9052,13 @@
             <a:lstStyle/>
             <a:p>
               <a:r>
-                <a:rPr lang="fr-FR" sz="1600" dirty="0" smtClean="0">
+                <a:rPr lang="fr-FR" sz="1200" dirty="0" smtClean="0">
                   <a:latin typeface="Arial" pitchFamily="34" charset="0"/>
                   <a:cs typeface="Arial" pitchFamily="34" charset="0"/>
                 </a:rPr>
                 <a:t>0</a:t>
               </a:r>
-              <a:endParaRPr lang="fr-FR" sz="1600" dirty="0">
+              <a:endParaRPr lang="fr-FR" sz="1200" dirty="0">
                 <a:latin typeface="Arial" pitchFamily="34" charset="0"/>
                 <a:cs typeface="Arial" pitchFamily="34" charset="0"/>
               </a:endParaRPr>
@@ -8374,14 +9067,14 @@
         </p:sp>
         <p:sp>
           <p:nvSpPr>
-            <p:cNvPr id="53" name="Rectangle 47"/>
+            <p:cNvPr id="72" name="Rectangle 74"/>
             <p:cNvSpPr/>
             <p:nvPr/>
           </p:nvSpPr>
           <p:spPr>
             <a:xfrm>
-              <a:off x="6238878" y="1159323"/>
-              <a:ext cx="298480" cy="338554"/>
+              <a:off x="3263440" y="1258486"/>
+              <a:ext cx="269626" cy="276999"/>
             </a:xfrm>
             <a:prstGeom prst="rect">
               <a:avLst/>
@@ -8394,43 +9087,148 @@
             <a:lstStyle/>
             <a:p>
               <a:r>
-                <a:rPr lang="fr-FR" sz="1600" dirty="0" smtClean="0">
+                <a:rPr lang="fr-FR" sz="1200" dirty="0" smtClean="0">
                   <a:latin typeface="Arial" pitchFamily="34" charset="0"/>
                   <a:cs typeface="Arial" pitchFamily="34" charset="0"/>
                 </a:rPr>
                 <a:t>1</a:t>
               </a:r>
-              <a:endParaRPr lang="fr-FR" sz="1600" dirty="0">
+              <a:endParaRPr lang="fr-FR" sz="1200" dirty="0">
                 <a:latin typeface="Arial" pitchFamily="34" charset="0"/>
                 <a:cs typeface="Arial" pitchFamily="34" charset="0"/>
               </a:endParaRPr>
             </a:p>
           </p:txBody>
         </p:sp>
+        <p:cxnSp>
+          <p:nvCxnSpPr>
+            <p:cNvPr id="76" name="Gerade Verbindung 75"/>
+            <p:cNvCxnSpPr/>
+            <p:nvPr/>
+          </p:nvCxnSpPr>
+          <p:spPr>
+            <a:xfrm flipV="1">
+              <a:off x="3223170" y="1475885"/>
+              <a:ext cx="0" cy="72008"/>
+            </a:xfrm>
+            <a:prstGeom prst="line">
+              <a:avLst/>
+            </a:prstGeom>
+            <a:ln>
+              <a:solidFill>
+                <a:schemeClr val="tx1"/>
+              </a:solidFill>
+            </a:ln>
+          </p:spPr>
+          <p:style>
+            <a:lnRef idx="1">
+              <a:schemeClr val="accent1"/>
+            </a:lnRef>
+            <a:fillRef idx="0">
+              <a:schemeClr val="accent1"/>
+            </a:fillRef>
+            <a:effectRef idx="0">
+              <a:schemeClr val="accent1"/>
+            </a:effectRef>
+            <a:fontRef idx="minor">
+              <a:schemeClr val="tx1"/>
+            </a:fontRef>
+          </p:style>
+        </p:cxnSp>
+        <p:cxnSp>
+          <p:nvCxnSpPr>
+            <p:cNvPr id="79" name="Gerade Verbindung 78"/>
+            <p:cNvCxnSpPr/>
+            <p:nvPr/>
+          </p:nvCxnSpPr>
+          <p:spPr>
+            <a:xfrm flipV="1">
+              <a:off x="3337590" y="1527039"/>
+              <a:ext cx="37864" cy="68940"/>
+            </a:xfrm>
+            <a:prstGeom prst="line">
+              <a:avLst/>
+            </a:prstGeom>
+            <a:ln>
+              <a:solidFill>
+                <a:schemeClr val="tx1"/>
+              </a:solidFill>
+            </a:ln>
+          </p:spPr>
+          <p:style>
+            <a:lnRef idx="1">
+              <a:schemeClr val="accent1"/>
+            </a:lnRef>
+            <a:fillRef idx="0">
+              <a:schemeClr val="accent1"/>
+            </a:fillRef>
+            <a:effectRef idx="0">
+              <a:schemeClr val="accent1"/>
+            </a:effectRef>
+            <a:fontRef idx="minor">
+              <a:schemeClr val="tx1"/>
+            </a:fontRef>
+          </p:style>
+        </p:cxnSp>
+        <p:cxnSp>
+          <p:nvCxnSpPr>
+            <p:cNvPr id="82" name="Gerade Verbindung 81"/>
+            <p:cNvCxnSpPr/>
+            <p:nvPr/>
+          </p:nvCxnSpPr>
+          <p:spPr>
+            <a:xfrm flipH="1" flipV="1">
+              <a:off x="3083702" y="1518655"/>
+              <a:ext cx="37864" cy="75076"/>
+            </a:xfrm>
+            <a:prstGeom prst="line">
+              <a:avLst/>
+            </a:prstGeom>
+            <a:ln>
+              <a:solidFill>
+                <a:schemeClr val="tx1"/>
+              </a:solidFill>
+            </a:ln>
+          </p:spPr>
+          <p:style>
+            <a:lnRef idx="1">
+              <a:schemeClr val="accent1"/>
+            </a:lnRef>
+            <a:fillRef idx="0">
+              <a:schemeClr val="accent1"/>
+            </a:fillRef>
+            <a:effectRef idx="0">
+              <a:schemeClr val="accent1"/>
+            </a:effectRef>
+            <a:fontRef idx="minor">
+              <a:schemeClr val="tx1"/>
+            </a:fontRef>
+          </p:style>
+        </p:cxnSp>
       </p:grpSp>
       <p:grpSp>
         <p:nvGrpSpPr>
-          <p:cNvPr id="3" name="Groupe 69"/>
+          <p:cNvPr id="104" name="Gruppieren 103"/>
           <p:cNvGrpSpPr/>
           <p:nvPr/>
         </p:nvGrpSpPr>
         <p:grpSpPr>
           <a:xfrm>
-            <a:off x="7668344" y="4327605"/>
-            <a:ext cx="618594" cy="613563"/>
-            <a:chOff x="5918764" y="1159253"/>
-            <a:chExt cx="618594" cy="613563"/>
+            <a:off x="7668344" y="4317331"/>
+            <a:ext cx="595862" cy="623837"/>
+            <a:chOff x="2937204" y="1258486"/>
+            <a:chExt cx="595862" cy="623837"/>
           </a:xfrm>
         </p:grpSpPr>
         <p:sp>
           <p:nvSpPr>
-            <p:cNvPr id="55" name="Rectangle à coins arrondis 70"/>
+            <p:cNvPr id="105" name="Rectangle à coins arrondis 70"/>
             <p:cNvSpPr/>
             <p:nvPr/>
           </p:nvSpPr>
           <p:spPr>
             <a:xfrm>
-              <a:off x="5940152" y="1159253"/>
+              <a:off x="2937204" y="1268760"/>
               <a:ext cx="576064" cy="613563"/>
             </a:xfrm>
             <a:prstGeom prst="roundRect">
@@ -8475,65 +9273,26 @@
         </p:sp>
         <p:cxnSp>
           <p:nvCxnSpPr>
-            <p:cNvPr id="56" name="Connecteur droit avec flèche 71"/>
-            <p:cNvCxnSpPr/>
-            <p:nvPr/>
-          </p:nvCxnSpPr>
-          <p:spPr>
-            <a:xfrm rot="10800000">
-              <a:off x="6040721" y="1461357"/>
-              <a:ext cx="189802" cy="184040"/>
-            </a:xfrm>
-            <a:prstGeom prst="straightConnector1">
-              <a:avLst/>
-            </a:prstGeom>
-            <a:ln w="28575">
-              <a:solidFill>
-                <a:schemeClr val="bg1">
-                  <a:lumMod val="65000"/>
-                </a:schemeClr>
-              </a:solidFill>
-              <a:headEnd type="oval" w="med" len="med"/>
-              <a:tailEnd type="triangle" w="med" len="med"/>
-            </a:ln>
-          </p:spPr>
-          <p:style>
-            <a:lnRef idx="1">
-              <a:schemeClr val="accent1"/>
-            </a:lnRef>
-            <a:fillRef idx="0">
-              <a:schemeClr val="accent1"/>
-            </a:fillRef>
-            <a:effectRef idx="0">
-              <a:schemeClr val="accent1"/>
-            </a:effectRef>
-            <a:fontRef idx="minor">
-              <a:schemeClr val="tx1"/>
-            </a:fontRef>
-          </p:style>
-        </p:cxnSp>
-        <p:cxnSp>
-          <p:nvCxnSpPr>
-            <p:cNvPr id="57" name="Connecteur droit avec flèche 72"/>
+            <p:cNvPr id="108" name="Connecteur droit avec flèche 72"/>
             <p:cNvCxnSpPr/>
             <p:nvPr/>
           </p:nvCxnSpPr>
           <p:spPr>
             <a:xfrm flipV="1">
-              <a:off x="6231117" y="1464162"/>
-              <a:ext cx="191071" cy="190677"/>
+              <a:off x="3231966" y="1597979"/>
+              <a:ext cx="0" cy="216023"/>
             </a:xfrm>
             <a:prstGeom prst="straightConnector1">
               <a:avLst/>
             </a:prstGeom>
-            <a:ln w="28575">
+            <a:ln w="12700">
               <a:solidFill>
                 <a:schemeClr val="tx1">
                   <a:lumMod val="65000"/>
                   <a:lumOff val="35000"/>
                 </a:schemeClr>
               </a:solidFill>
-              <a:headEnd type="oval" w="med" len="med"/>
+              <a:headEnd type="diamond" w="med" len="med"/>
               <a:tailEnd type="triangle" w="med" len="med"/>
             </a:ln>
           </p:spPr>
@@ -8554,14 +9313,14 @@
         </p:cxnSp>
         <p:sp>
           <p:nvSpPr>
-            <p:cNvPr id="58" name="Rectangle 73"/>
+            <p:cNvPr id="109" name="Rectangle 73"/>
             <p:cNvSpPr/>
             <p:nvPr/>
           </p:nvSpPr>
           <p:spPr>
             <a:xfrm>
-              <a:off x="5918764" y="1164670"/>
-              <a:ext cx="298480" cy="338554"/>
+              <a:off x="2943326" y="1258486"/>
+              <a:ext cx="269626" cy="276999"/>
             </a:xfrm>
             <a:prstGeom prst="rect">
               <a:avLst/>
@@ -8574,13 +9333,13 @@
             <a:lstStyle/>
             <a:p>
               <a:r>
-                <a:rPr lang="fr-FR" sz="1600" dirty="0" smtClean="0">
+                <a:rPr lang="fr-FR" sz="1200" dirty="0" smtClean="0">
                   <a:latin typeface="Arial" pitchFamily="34" charset="0"/>
                   <a:cs typeface="Arial" pitchFamily="34" charset="0"/>
                 </a:rPr>
                 <a:t>0</a:t>
               </a:r>
-              <a:endParaRPr lang="fr-FR" sz="1600" dirty="0">
+              <a:endParaRPr lang="fr-FR" sz="1200" dirty="0">
                 <a:latin typeface="Arial" pitchFamily="34" charset="0"/>
                 <a:cs typeface="Arial" pitchFamily="34" charset="0"/>
               </a:endParaRPr>
@@ -8589,14 +9348,14 @@
         </p:sp>
         <p:sp>
           <p:nvSpPr>
-            <p:cNvPr id="59" name="Rectangle 74"/>
+            <p:cNvPr id="110" name="Rectangle 74"/>
             <p:cNvSpPr/>
             <p:nvPr/>
           </p:nvSpPr>
           <p:spPr>
             <a:xfrm>
-              <a:off x="6238878" y="1159323"/>
-              <a:ext cx="298480" cy="338554"/>
+              <a:off x="3263440" y="1258486"/>
+              <a:ext cx="269626" cy="276999"/>
             </a:xfrm>
             <a:prstGeom prst="rect">
               <a:avLst/>
@@ -8609,30 +9368,669 @@
             <a:lstStyle/>
             <a:p>
               <a:r>
-                <a:rPr lang="fr-FR" sz="1600" dirty="0" smtClean="0">
+                <a:rPr lang="fr-FR" sz="1200" dirty="0" smtClean="0">
                   <a:latin typeface="Arial" pitchFamily="34" charset="0"/>
                   <a:cs typeface="Arial" pitchFamily="34" charset="0"/>
                 </a:rPr>
                 <a:t>1</a:t>
               </a:r>
-              <a:endParaRPr lang="fr-FR" sz="1600" dirty="0">
+              <a:endParaRPr lang="fr-FR" sz="1200" dirty="0">
                 <a:latin typeface="Arial" pitchFamily="34" charset="0"/>
                 <a:cs typeface="Arial" pitchFamily="34" charset="0"/>
               </a:endParaRPr>
             </a:p>
           </p:txBody>
         </p:sp>
+        <p:cxnSp>
+          <p:nvCxnSpPr>
+            <p:cNvPr id="111" name="Gerade Verbindung 110"/>
+            <p:cNvCxnSpPr/>
+            <p:nvPr/>
+          </p:nvCxnSpPr>
+          <p:spPr>
+            <a:xfrm flipV="1">
+              <a:off x="3223170" y="1475885"/>
+              <a:ext cx="0" cy="72008"/>
+            </a:xfrm>
+            <a:prstGeom prst="line">
+              <a:avLst/>
+            </a:prstGeom>
+            <a:ln>
+              <a:solidFill>
+                <a:schemeClr val="tx1"/>
+              </a:solidFill>
+            </a:ln>
+          </p:spPr>
+          <p:style>
+            <a:lnRef idx="1">
+              <a:schemeClr val="accent1"/>
+            </a:lnRef>
+            <a:fillRef idx="0">
+              <a:schemeClr val="accent1"/>
+            </a:fillRef>
+            <a:effectRef idx="0">
+              <a:schemeClr val="accent1"/>
+            </a:effectRef>
+            <a:fontRef idx="minor">
+              <a:schemeClr val="tx1"/>
+            </a:fontRef>
+          </p:style>
+        </p:cxnSp>
+        <p:cxnSp>
+          <p:nvCxnSpPr>
+            <p:cNvPr id="112" name="Gerade Verbindung 111"/>
+            <p:cNvCxnSpPr/>
+            <p:nvPr/>
+          </p:nvCxnSpPr>
+          <p:spPr>
+            <a:xfrm flipV="1">
+              <a:off x="3337590" y="1527039"/>
+              <a:ext cx="37864" cy="68940"/>
+            </a:xfrm>
+            <a:prstGeom prst="line">
+              <a:avLst/>
+            </a:prstGeom>
+            <a:ln>
+              <a:solidFill>
+                <a:schemeClr val="tx1"/>
+              </a:solidFill>
+            </a:ln>
+          </p:spPr>
+          <p:style>
+            <a:lnRef idx="1">
+              <a:schemeClr val="accent1"/>
+            </a:lnRef>
+            <a:fillRef idx="0">
+              <a:schemeClr val="accent1"/>
+            </a:fillRef>
+            <a:effectRef idx="0">
+              <a:schemeClr val="accent1"/>
+            </a:effectRef>
+            <a:fontRef idx="minor">
+              <a:schemeClr val="tx1"/>
+            </a:fontRef>
+          </p:style>
+        </p:cxnSp>
+        <p:cxnSp>
+          <p:nvCxnSpPr>
+            <p:cNvPr id="113" name="Gerade Verbindung 112"/>
+            <p:cNvCxnSpPr/>
+            <p:nvPr/>
+          </p:nvCxnSpPr>
+          <p:spPr>
+            <a:xfrm flipH="1" flipV="1">
+              <a:off x="3083702" y="1518655"/>
+              <a:ext cx="37864" cy="75076"/>
+            </a:xfrm>
+            <a:prstGeom prst="line">
+              <a:avLst/>
+            </a:prstGeom>
+            <a:ln>
+              <a:solidFill>
+                <a:schemeClr val="tx1"/>
+              </a:solidFill>
+            </a:ln>
+          </p:spPr>
+          <p:style>
+            <a:lnRef idx="1">
+              <a:schemeClr val="accent1"/>
+            </a:lnRef>
+            <a:fillRef idx="0">
+              <a:schemeClr val="accent1"/>
+            </a:fillRef>
+            <a:effectRef idx="0">
+              <a:schemeClr val="accent1"/>
+            </a:effectRef>
+            <a:fontRef idx="minor">
+              <a:schemeClr val="tx1"/>
+            </a:fontRef>
+          </p:style>
+        </p:cxnSp>
       </p:grpSp>
+      <p:grpSp>
+        <p:nvGrpSpPr>
+          <p:cNvPr id="114" name="Gruppieren 113"/>
+          <p:cNvGrpSpPr/>
+          <p:nvPr/>
+        </p:nvGrpSpPr>
+        <p:grpSpPr>
+          <a:xfrm>
+            <a:off x="7668344" y="3573016"/>
+            <a:ext cx="595862" cy="623837"/>
+            <a:chOff x="2937204" y="1258486"/>
+            <a:chExt cx="595862" cy="623837"/>
+          </a:xfrm>
+        </p:grpSpPr>
+        <p:sp>
+          <p:nvSpPr>
+            <p:cNvPr id="121" name="Rectangle à coins arrondis 70"/>
+            <p:cNvSpPr/>
+            <p:nvPr/>
+          </p:nvSpPr>
+          <p:spPr>
+            <a:xfrm>
+              <a:off x="2937204" y="1268760"/>
+              <a:ext cx="576064" cy="613563"/>
+            </a:xfrm>
+            <a:prstGeom prst="roundRect">
+              <a:avLst/>
+            </a:prstGeom>
+            <a:solidFill>
+              <a:schemeClr val="bg1"/>
+            </a:solidFill>
+            <a:ln>
+              <a:solidFill>
+                <a:schemeClr val="tx1"/>
+              </a:solidFill>
+            </a:ln>
+          </p:spPr>
+          <p:style>
+            <a:lnRef idx="2">
+              <a:schemeClr val="accent1">
+                <a:shade val="50000"/>
+              </a:schemeClr>
+            </a:lnRef>
+            <a:fillRef idx="1">
+              <a:schemeClr val="accent1"/>
+            </a:fillRef>
+            <a:effectRef idx="0">
+              <a:schemeClr val="accent1"/>
+            </a:effectRef>
+            <a:fontRef idx="minor">
+              <a:schemeClr val="lt1"/>
+            </a:fontRef>
+          </p:style>
+          <p:txBody>
+            <a:bodyPr rtlCol="0" anchor="ctr"/>
+            <a:lstStyle/>
+            <a:p>
+              <a:pPr algn="ctr"/>
+              <a:endParaRPr lang="fr-FR">
+                <a:latin typeface="Arial" pitchFamily="34" charset="0"/>
+                <a:cs typeface="Arial" pitchFamily="34" charset="0"/>
+              </a:endParaRPr>
+            </a:p>
+          </p:txBody>
+        </p:sp>
+        <p:cxnSp>
+          <p:nvCxnSpPr>
+            <p:cNvPr id="122" name="Connecteur droit avec flèche 72"/>
+            <p:cNvCxnSpPr/>
+            <p:nvPr/>
+          </p:nvCxnSpPr>
+          <p:spPr>
+            <a:xfrm flipV="1">
+              <a:off x="3231966" y="1597979"/>
+              <a:ext cx="0" cy="216023"/>
+            </a:xfrm>
+            <a:prstGeom prst="straightConnector1">
+              <a:avLst/>
+            </a:prstGeom>
+            <a:ln w="12700">
+              <a:solidFill>
+                <a:schemeClr val="tx1">
+                  <a:lumMod val="65000"/>
+                  <a:lumOff val="35000"/>
+                </a:schemeClr>
+              </a:solidFill>
+              <a:headEnd type="diamond" w="med" len="med"/>
+              <a:tailEnd type="triangle" w="med" len="med"/>
+            </a:ln>
+          </p:spPr>
+          <p:style>
+            <a:lnRef idx="1">
+              <a:schemeClr val="accent1"/>
+            </a:lnRef>
+            <a:fillRef idx="0">
+              <a:schemeClr val="accent1"/>
+            </a:fillRef>
+            <a:effectRef idx="0">
+              <a:schemeClr val="accent1"/>
+            </a:effectRef>
+            <a:fontRef idx="minor">
+              <a:schemeClr val="tx1"/>
+            </a:fontRef>
+          </p:style>
+        </p:cxnSp>
+        <p:sp>
+          <p:nvSpPr>
+            <p:cNvPr id="123" name="Rectangle 73"/>
+            <p:cNvSpPr/>
+            <p:nvPr/>
+          </p:nvSpPr>
+          <p:spPr>
+            <a:xfrm>
+              <a:off x="2943326" y="1258486"/>
+              <a:ext cx="269626" cy="276999"/>
+            </a:xfrm>
+            <a:prstGeom prst="rect">
+              <a:avLst/>
+            </a:prstGeom>
+          </p:spPr>
+          <p:txBody>
+            <a:bodyPr wrap="none">
+              <a:spAutoFit/>
+            </a:bodyPr>
+            <a:lstStyle/>
+            <a:p>
+              <a:r>
+                <a:rPr lang="fr-FR" sz="1200" dirty="0" smtClean="0">
+                  <a:latin typeface="Arial" pitchFamily="34" charset="0"/>
+                  <a:cs typeface="Arial" pitchFamily="34" charset="0"/>
+                </a:rPr>
+                <a:t>0</a:t>
+              </a:r>
+              <a:endParaRPr lang="fr-FR" sz="1200" dirty="0">
+                <a:latin typeface="Arial" pitchFamily="34" charset="0"/>
+                <a:cs typeface="Arial" pitchFamily="34" charset="0"/>
+              </a:endParaRPr>
+            </a:p>
+          </p:txBody>
+        </p:sp>
+        <p:sp>
+          <p:nvSpPr>
+            <p:cNvPr id="124" name="Rectangle 74"/>
+            <p:cNvSpPr/>
+            <p:nvPr/>
+          </p:nvSpPr>
+          <p:spPr>
+            <a:xfrm>
+              <a:off x="3263440" y="1258486"/>
+              <a:ext cx="269626" cy="276999"/>
+            </a:xfrm>
+            <a:prstGeom prst="rect">
+              <a:avLst/>
+            </a:prstGeom>
+          </p:spPr>
+          <p:txBody>
+            <a:bodyPr wrap="none">
+              <a:spAutoFit/>
+            </a:bodyPr>
+            <a:lstStyle/>
+            <a:p>
+              <a:r>
+                <a:rPr lang="fr-FR" sz="1200" dirty="0" smtClean="0">
+                  <a:latin typeface="Arial" pitchFamily="34" charset="0"/>
+                  <a:cs typeface="Arial" pitchFamily="34" charset="0"/>
+                </a:rPr>
+                <a:t>1</a:t>
+              </a:r>
+              <a:endParaRPr lang="fr-FR" sz="1200" dirty="0">
+                <a:latin typeface="Arial" pitchFamily="34" charset="0"/>
+                <a:cs typeface="Arial" pitchFamily="34" charset="0"/>
+              </a:endParaRPr>
+            </a:p>
+          </p:txBody>
+        </p:sp>
+        <p:cxnSp>
+          <p:nvCxnSpPr>
+            <p:cNvPr id="125" name="Gerade Verbindung 124"/>
+            <p:cNvCxnSpPr/>
+            <p:nvPr/>
+          </p:nvCxnSpPr>
+          <p:spPr>
+            <a:xfrm flipV="1">
+              <a:off x="3223170" y="1475885"/>
+              <a:ext cx="0" cy="72008"/>
+            </a:xfrm>
+            <a:prstGeom prst="line">
+              <a:avLst/>
+            </a:prstGeom>
+            <a:ln>
+              <a:solidFill>
+                <a:schemeClr val="tx1"/>
+              </a:solidFill>
+            </a:ln>
+          </p:spPr>
+          <p:style>
+            <a:lnRef idx="1">
+              <a:schemeClr val="accent1"/>
+            </a:lnRef>
+            <a:fillRef idx="0">
+              <a:schemeClr val="accent1"/>
+            </a:fillRef>
+            <a:effectRef idx="0">
+              <a:schemeClr val="accent1"/>
+            </a:effectRef>
+            <a:fontRef idx="minor">
+              <a:schemeClr val="tx1"/>
+            </a:fontRef>
+          </p:style>
+        </p:cxnSp>
+        <p:cxnSp>
+          <p:nvCxnSpPr>
+            <p:cNvPr id="126" name="Gerade Verbindung 125"/>
+            <p:cNvCxnSpPr/>
+            <p:nvPr/>
+          </p:nvCxnSpPr>
+          <p:spPr>
+            <a:xfrm flipV="1">
+              <a:off x="3337590" y="1527039"/>
+              <a:ext cx="37864" cy="68940"/>
+            </a:xfrm>
+            <a:prstGeom prst="line">
+              <a:avLst/>
+            </a:prstGeom>
+            <a:ln>
+              <a:solidFill>
+                <a:schemeClr val="tx1"/>
+              </a:solidFill>
+            </a:ln>
+          </p:spPr>
+          <p:style>
+            <a:lnRef idx="1">
+              <a:schemeClr val="accent1"/>
+            </a:lnRef>
+            <a:fillRef idx="0">
+              <a:schemeClr val="accent1"/>
+            </a:fillRef>
+            <a:effectRef idx="0">
+              <a:schemeClr val="accent1"/>
+            </a:effectRef>
+            <a:fontRef idx="minor">
+              <a:schemeClr val="tx1"/>
+            </a:fontRef>
+          </p:style>
+        </p:cxnSp>
+        <p:cxnSp>
+          <p:nvCxnSpPr>
+            <p:cNvPr id="127" name="Gerade Verbindung 126"/>
+            <p:cNvCxnSpPr/>
+            <p:nvPr/>
+          </p:nvCxnSpPr>
+          <p:spPr>
+            <a:xfrm flipH="1" flipV="1">
+              <a:off x="3083702" y="1518655"/>
+              <a:ext cx="37864" cy="75076"/>
+            </a:xfrm>
+            <a:prstGeom prst="line">
+              <a:avLst/>
+            </a:prstGeom>
+            <a:ln>
+              <a:solidFill>
+                <a:schemeClr val="tx1"/>
+              </a:solidFill>
+            </a:ln>
+          </p:spPr>
+          <p:style>
+            <a:lnRef idx="1">
+              <a:schemeClr val="accent1"/>
+            </a:lnRef>
+            <a:fillRef idx="0">
+              <a:schemeClr val="accent1"/>
+            </a:fillRef>
+            <a:effectRef idx="0">
+              <a:schemeClr val="accent1"/>
+            </a:effectRef>
+            <a:fontRef idx="minor">
+              <a:schemeClr val="tx1"/>
+            </a:fontRef>
+          </p:style>
+        </p:cxnSp>
+      </p:grpSp>
+    </p:spTree>
+  </p:cSld>
+  <p:clrMapOvr>
+    <a:masterClrMapping/>
+  </p:clrMapOvr>
+</p:sld>
+</file>
+
+<file path=ppt/slides/slide3.xml><?xml version="1.0" encoding="utf-8"?>
+<p:sld xmlns:a="http://schemas.openxmlformats.org/drawingml/2006/main" xmlns:r="http://schemas.openxmlformats.org/officeDocument/2006/relationships" xmlns:p="http://schemas.openxmlformats.org/presentationml/2006/main">
+  <p:cSld>
+    <p:spTree>
+      <p:nvGrpSpPr>
+        <p:cNvPr id="1" name=""/>
+        <p:cNvGrpSpPr/>
+        <p:nvPr/>
+      </p:nvGrpSpPr>
+      <p:grpSpPr>
+        <a:xfrm>
+          <a:off x="0" y="0"/>
+          <a:ext cx="0" cy="0"/>
+          <a:chOff x="0" y="0"/>
+          <a:chExt cx="0" cy="0"/>
+        </a:xfrm>
+      </p:grpSpPr>
+      <p:cxnSp>
+        <p:nvCxnSpPr>
+          <p:cNvPr id="80" name="Gerade Verbindung 79"/>
+          <p:cNvCxnSpPr/>
+          <p:nvPr/>
+        </p:nvCxnSpPr>
+        <p:spPr>
+          <a:xfrm>
+            <a:off x="622677" y="3884798"/>
+            <a:ext cx="1728192" cy="0"/>
+          </a:xfrm>
+          <a:prstGeom prst="line">
+            <a:avLst/>
+          </a:prstGeom>
+          <a:ln w="19050">
+            <a:solidFill>
+              <a:schemeClr val="tx1"/>
+            </a:solidFill>
+          </a:ln>
+        </p:spPr>
+        <p:style>
+          <a:lnRef idx="1">
+            <a:schemeClr val="accent1"/>
+          </a:lnRef>
+          <a:fillRef idx="0">
+            <a:schemeClr val="accent1"/>
+          </a:fillRef>
+          <a:effectRef idx="0">
+            <a:schemeClr val="accent1"/>
+          </a:effectRef>
+          <a:fontRef idx="minor">
+            <a:schemeClr val="tx1"/>
+          </a:fontRef>
+        </p:style>
+      </p:cxnSp>
+      <p:cxnSp>
+        <p:nvCxnSpPr>
+          <p:cNvPr id="82" name="Gerade Verbindung 81"/>
+          <p:cNvCxnSpPr/>
+          <p:nvPr/>
+        </p:nvCxnSpPr>
+        <p:spPr>
+          <a:xfrm>
+            <a:off x="622677" y="4485538"/>
+            <a:ext cx="1728192" cy="0"/>
+          </a:xfrm>
+          <a:prstGeom prst="line">
+            <a:avLst/>
+          </a:prstGeom>
+          <a:ln w="19050">
+            <a:solidFill>
+              <a:schemeClr val="tx1"/>
+            </a:solidFill>
+          </a:ln>
+        </p:spPr>
+        <p:style>
+          <a:lnRef idx="1">
+            <a:schemeClr val="accent1"/>
+          </a:lnRef>
+          <a:fillRef idx="0">
+            <a:schemeClr val="accent1"/>
+          </a:fillRef>
+          <a:effectRef idx="0">
+            <a:schemeClr val="accent1"/>
+          </a:effectRef>
+          <a:fontRef idx="minor">
+            <a:schemeClr val="tx1"/>
+          </a:fontRef>
+        </p:style>
+      </p:cxnSp>
+      <p:cxnSp>
+        <p:nvCxnSpPr>
+          <p:cNvPr id="83" name="Gerade Verbindung 82"/>
+          <p:cNvCxnSpPr/>
+          <p:nvPr/>
+        </p:nvCxnSpPr>
+        <p:spPr>
+          <a:xfrm>
+            <a:off x="622677" y="5085184"/>
+            <a:ext cx="1728192" cy="0"/>
+          </a:xfrm>
+          <a:prstGeom prst="line">
+            <a:avLst/>
+          </a:prstGeom>
+          <a:ln w="19050">
+            <a:solidFill>
+              <a:schemeClr val="tx1"/>
+            </a:solidFill>
+          </a:ln>
+        </p:spPr>
+        <p:style>
+          <a:lnRef idx="1">
+            <a:schemeClr val="accent1"/>
+          </a:lnRef>
+          <a:fillRef idx="0">
+            <a:schemeClr val="accent1"/>
+          </a:fillRef>
+          <a:effectRef idx="0">
+            <a:schemeClr val="accent1"/>
+          </a:effectRef>
+          <a:fontRef idx="minor">
+            <a:schemeClr val="tx1"/>
+          </a:fontRef>
+        </p:style>
+      </p:cxnSp>
       <p:sp>
         <p:nvSpPr>
-          <p:cNvPr id="60" name="Textfeld 59"/>
+          <p:cNvPr id="12" name="Ellipse 11"/>
+          <p:cNvSpPr/>
+          <p:nvPr/>
+        </p:nvSpPr>
+        <p:spPr>
+          <a:xfrm>
+            <a:off x="1331641" y="4941168"/>
+            <a:ext cx="288032" cy="288032"/>
+          </a:xfrm>
+          <a:prstGeom prst="ellipse">
+            <a:avLst/>
+          </a:prstGeom>
+          <a:solidFill>
+            <a:schemeClr val="bg1"/>
+          </a:solidFill>
+          <a:ln w="28575">
+            <a:solidFill>
+              <a:schemeClr val="tx1"/>
+            </a:solidFill>
+          </a:ln>
+        </p:spPr>
+        <p:style>
+          <a:lnRef idx="2">
+            <a:schemeClr val="accent1">
+              <a:shade val="50000"/>
+            </a:schemeClr>
+          </a:lnRef>
+          <a:fillRef idx="1">
+            <a:schemeClr val="accent1"/>
+          </a:fillRef>
+          <a:effectRef idx="0">
+            <a:schemeClr val="accent1"/>
+          </a:effectRef>
+          <a:fontRef idx="minor">
+            <a:schemeClr val="lt1"/>
+          </a:fontRef>
+        </p:style>
+        <p:txBody>
+          <a:bodyPr rtlCol="0" anchor="ctr"/>
+          <a:lstStyle/>
+          <a:p>
+            <a:pPr algn="ctr"/>
+            <a:endParaRPr lang="de-DE"/>
+          </a:p>
+        </p:txBody>
+      </p:sp>
+      <p:cxnSp>
+        <p:nvCxnSpPr>
+          <p:cNvPr id="13" name="Gerade Verbindung 12"/>
+          <p:cNvCxnSpPr>
+            <a:stCxn id="12" idx="4"/>
+          </p:cNvCxnSpPr>
+          <p:nvPr/>
+        </p:nvCxnSpPr>
+        <p:spPr>
+          <a:xfrm flipV="1">
+            <a:off x="1475657" y="3815054"/>
+            <a:ext cx="0" cy="1414146"/>
+          </a:xfrm>
+          <a:prstGeom prst="line">
+            <a:avLst/>
+          </a:prstGeom>
+          <a:ln w="28575">
+            <a:solidFill>
+              <a:schemeClr val="tx1"/>
+            </a:solidFill>
+          </a:ln>
+        </p:spPr>
+        <p:style>
+          <a:lnRef idx="1">
+            <a:schemeClr val="accent1"/>
+          </a:lnRef>
+          <a:fillRef idx="0">
+            <a:schemeClr val="accent1"/>
+          </a:fillRef>
+          <a:effectRef idx="0">
+            <a:schemeClr val="accent1"/>
+          </a:effectRef>
+          <a:fontRef idx="minor">
+            <a:schemeClr val="tx1"/>
+          </a:fontRef>
+        </p:style>
+      </p:cxnSp>
+      <p:cxnSp>
+        <p:nvCxnSpPr>
+          <p:cNvPr id="14" name="Gerade Verbindung 13"/>
+          <p:cNvCxnSpPr>
+            <a:stCxn id="12" idx="2"/>
+            <a:endCxn id="12" idx="6"/>
+          </p:cNvCxnSpPr>
+          <p:nvPr/>
+        </p:nvCxnSpPr>
+        <p:spPr>
+          <a:xfrm>
+            <a:off x="1331641" y="5085184"/>
+            <a:ext cx="288032" cy="0"/>
+          </a:xfrm>
+          <a:prstGeom prst="line">
+            <a:avLst/>
+          </a:prstGeom>
+          <a:ln w="28575">
+            <a:solidFill>
+              <a:schemeClr val="tx1"/>
+            </a:solidFill>
+          </a:ln>
+        </p:spPr>
+        <p:style>
+          <a:lnRef idx="1">
+            <a:schemeClr val="accent1"/>
+          </a:lnRef>
+          <a:fillRef idx="0">
+            <a:schemeClr val="accent1"/>
+          </a:fillRef>
+          <a:effectRef idx="0">
+            <a:schemeClr val="accent1"/>
+          </a:effectRef>
+          <a:fontRef idx="minor">
+            <a:schemeClr val="tx1"/>
+          </a:fontRef>
+        </p:style>
+      </p:cxnSp>
+      <p:sp>
+        <p:nvSpPr>
+          <p:cNvPr id="15" name="Textfeld 14"/>
           <p:cNvSpPr txBox="1"/>
           <p:nvPr/>
         </p:nvSpPr>
         <p:spPr>
           <a:xfrm>
-            <a:off x="107504" y="2924944"/>
-            <a:ext cx="1635961" cy="338554"/>
+            <a:off x="1113447" y="2984319"/>
+            <a:ext cx="722249" cy="338554"/>
           </a:xfrm>
           <a:prstGeom prst="rect">
             <a:avLst/>
@@ -8647,11 +10045,7 @@
           <a:p>
             <a:r>
               <a:rPr lang="de-DE" sz="1600" dirty="0" smtClean="0"/>
-              <a:t>State </a:t>
-            </a:r>
-            <a:r>
-              <a:rPr lang="de-DE" sz="1600" dirty="0" err="1" smtClean="0"/>
-              <a:t>Preparation</a:t>
+              <a:t>Oracle</a:t>
             </a:r>
             <a:endParaRPr lang="de-DE" sz="1600" dirty="0"/>
           </a:p>
@@ -8659,74 +10053,14 @@
       </p:sp>
       <p:sp>
         <p:nvSpPr>
-          <p:cNvPr id="62" name="Textfeld 61"/>
-          <p:cNvSpPr txBox="1"/>
-          <p:nvPr/>
-        </p:nvSpPr>
-        <p:spPr>
-          <a:xfrm>
-            <a:off x="5743711" y="2924944"/>
-            <a:ext cx="1735860" cy="338554"/>
-          </a:xfrm>
-          <a:prstGeom prst="rect">
-            <a:avLst/>
-          </a:prstGeom>
-          <a:noFill/>
-        </p:spPr>
-        <p:txBody>
-          <a:bodyPr wrap="none" rtlCol="0">
-            <a:spAutoFit/>
-          </a:bodyPr>
-          <a:lstStyle/>
-          <a:p>
-            <a:r>
-              <a:rPr lang="de-DE" sz="1600" dirty="0" smtClean="0"/>
-              <a:t>Diffusion Operator</a:t>
-            </a:r>
-            <a:endParaRPr lang="de-DE" sz="1600" dirty="0"/>
-          </a:p>
-        </p:txBody>
-      </p:sp>
-      <p:sp>
-        <p:nvSpPr>
-          <p:cNvPr id="63" name="Textfeld 62"/>
-          <p:cNvSpPr txBox="1"/>
-          <p:nvPr/>
-        </p:nvSpPr>
-        <p:spPr>
-          <a:xfrm>
-            <a:off x="7862067" y="2924944"/>
-            <a:ext cx="886397" cy="338554"/>
-          </a:xfrm>
-          <a:prstGeom prst="rect">
-            <a:avLst/>
-          </a:prstGeom>
-          <a:noFill/>
-        </p:spPr>
-        <p:txBody>
-          <a:bodyPr wrap="none" rtlCol="0">
-            <a:spAutoFit/>
-          </a:bodyPr>
-          <a:lstStyle/>
-          <a:p>
-            <a:r>
-              <a:rPr lang="de-DE" sz="1600" dirty="0" err="1" smtClean="0"/>
-              <a:t>Readout</a:t>
-            </a:r>
-            <a:endParaRPr lang="de-DE" sz="1600" dirty="0"/>
-          </a:p>
-        </p:txBody>
-      </p:sp>
-      <p:sp>
-        <p:nvSpPr>
-          <p:cNvPr id="64" name="Geschweifte Klammer links 63"/>
+          <p:cNvPr id="16" name="Geschweifte Klammer links 15"/>
           <p:cNvSpPr/>
           <p:nvPr/>
         </p:nvSpPr>
         <p:spPr>
           <a:xfrm rot="5400000">
-            <a:off x="791580" y="2672916"/>
-            <a:ext cx="216024" cy="1440160"/>
+            <a:off x="1342884" y="2603424"/>
+            <a:ext cx="213760" cy="1676407"/>
           </a:xfrm>
           <a:prstGeom prst="leftBrace">
             <a:avLst/>
@@ -8760,21 +10094,21 @@
           </a:p>
         </p:txBody>
       </p:sp>
-      <p:sp>
-        <p:nvSpPr>
-          <p:cNvPr id="66" name="Geschweifte Klammer links 65"/>
-          <p:cNvSpPr/>
+      <p:cxnSp>
+        <p:nvCxnSpPr>
+          <p:cNvPr id="66" name="Gerade Verbindung 65"/>
+          <p:cNvCxnSpPr/>
           <p:nvPr/>
-        </p:nvSpPr>
+        </p:nvCxnSpPr>
         <p:spPr>
-          <a:xfrm rot="5400000">
-            <a:off x="6444208" y="2492896"/>
-            <a:ext cx="216024" cy="1800200"/>
-          </a:xfrm>
-          <a:prstGeom prst="leftBrace">
+          <a:xfrm>
+            <a:off x="2915816" y="3884798"/>
+            <a:ext cx="1728192" cy="0"/>
+          </a:xfrm>
+          <a:prstGeom prst="line">
             <a:avLst/>
           </a:prstGeom>
-          <a:ln w="38100">
+          <a:ln w="19050">
             <a:solidFill>
               <a:schemeClr val="tx1"/>
             </a:solidFill>
@@ -8794,30 +10128,22 @@
             <a:schemeClr val="tx1"/>
           </a:fontRef>
         </p:style>
-        <p:txBody>
-          <a:bodyPr rtlCol="0" anchor="ctr"/>
-          <a:lstStyle/>
-          <a:p>
-            <a:pPr algn="ctr"/>
-            <a:endParaRPr lang="de-DE" dirty="0"/>
-          </a:p>
-        </p:txBody>
-      </p:sp>
-      <p:sp>
-        <p:nvSpPr>
-          <p:cNvPr id="67" name="Geschweifte Klammer links 66"/>
-          <p:cNvSpPr/>
+      </p:cxnSp>
+      <p:cxnSp>
+        <p:nvCxnSpPr>
+          <p:cNvPr id="74" name="Gerade Verbindung 73"/>
+          <p:cNvCxnSpPr/>
           <p:nvPr/>
-        </p:nvSpPr>
+        </p:nvCxnSpPr>
         <p:spPr>
-          <a:xfrm rot="5400000">
-            <a:off x="8172400" y="2780928"/>
-            <a:ext cx="216024" cy="1224136"/>
-          </a:xfrm>
-          <a:prstGeom prst="leftBrace">
+          <a:xfrm>
+            <a:off x="2915816" y="4485538"/>
+            <a:ext cx="1728192" cy="0"/>
+          </a:xfrm>
+          <a:prstGeom prst="line">
             <a:avLst/>
           </a:prstGeom>
-          <a:ln w="38100">
+          <a:ln w="19050">
             <a:solidFill>
               <a:schemeClr val="tx1"/>
             </a:solidFill>
@@ -8837,24 +10163,51 @@
             <a:schemeClr val="tx1"/>
           </a:fontRef>
         </p:style>
-        <p:txBody>
-          <a:bodyPr rtlCol="0" anchor="ctr"/>
-          <a:lstStyle/>
-          <a:p>
-            <a:pPr algn="ctr"/>
-            <a:endParaRPr lang="de-DE" dirty="0"/>
-          </a:p>
-        </p:txBody>
-      </p:sp>
+      </p:cxnSp>
+      <p:cxnSp>
+        <p:nvCxnSpPr>
+          <p:cNvPr id="75" name="Gerade Verbindung 74"/>
+          <p:cNvCxnSpPr/>
+          <p:nvPr/>
+        </p:nvCxnSpPr>
+        <p:spPr>
+          <a:xfrm>
+            <a:off x="2915816" y="5085184"/>
+            <a:ext cx="1728192" cy="0"/>
+          </a:xfrm>
+          <a:prstGeom prst="line">
+            <a:avLst/>
+          </a:prstGeom>
+          <a:ln w="19050">
+            <a:solidFill>
+              <a:schemeClr val="tx1"/>
+            </a:solidFill>
+          </a:ln>
+        </p:spPr>
+        <p:style>
+          <a:lnRef idx="1">
+            <a:schemeClr val="accent1"/>
+          </a:lnRef>
+          <a:fillRef idx="0">
+            <a:schemeClr val="accent1"/>
+          </a:fillRef>
+          <a:effectRef idx="0">
+            <a:schemeClr val="accent1"/>
+          </a:effectRef>
+          <a:fontRef idx="minor">
+            <a:schemeClr val="tx1"/>
+          </a:fontRef>
+        </p:style>
+      </p:cxnSp>
       <p:grpSp>
         <p:nvGrpSpPr>
-          <p:cNvPr id="84" name="Gruppieren 83"/>
+          <p:cNvPr id="76" name="Gruppieren 75"/>
           <p:cNvGrpSpPr/>
           <p:nvPr/>
         </p:nvGrpSpPr>
         <p:grpSpPr>
           <a:xfrm>
-            <a:off x="1887481" y="3681575"/>
+            <a:off x="3048716" y="3729075"/>
             <a:ext cx="432048" cy="360040"/>
             <a:chOff x="755576" y="359551"/>
             <a:chExt cx="432048" cy="360040"/>
@@ -8862,7 +10215,7 @@
         </p:grpSpPr>
         <p:sp>
           <p:nvSpPr>
-            <p:cNvPr id="85" name="Freihandform 84"/>
+            <p:cNvPr id="77" name="Freihandform 76"/>
             <p:cNvSpPr/>
             <p:nvPr/>
           </p:nvSpPr>
@@ -8977,7 +10330,7 @@
         </p:sp>
         <p:sp>
           <p:nvSpPr>
-            <p:cNvPr id="86" name="Ellipse 85"/>
+            <p:cNvPr id="78" name="Ellipse 77"/>
             <p:cNvSpPr/>
             <p:nvPr/>
           </p:nvSpPr>
@@ -9026,13 +10379,13 @@
       </p:grpSp>
       <p:grpSp>
         <p:nvGrpSpPr>
-          <p:cNvPr id="87" name="Gruppieren 86"/>
+          <p:cNvPr id="79" name="Gruppieren 78"/>
           <p:cNvGrpSpPr/>
           <p:nvPr/>
         </p:nvGrpSpPr>
         <p:grpSpPr>
           <a:xfrm>
-            <a:off x="1887481" y="4472737"/>
+            <a:off x="3048716" y="4305139"/>
             <a:ext cx="432048" cy="360040"/>
             <a:chOff x="755576" y="359551"/>
             <a:chExt cx="432048" cy="360040"/>
@@ -9040,7 +10393,7 @@
         </p:grpSpPr>
         <p:sp>
           <p:nvSpPr>
-            <p:cNvPr id="88" name="Freihandform 87"/>
+            <p:cNvPr id="81" name="Freihandform 80"/>
             <p:cNvSpPr/>
             <p:nvPr/>
           </p:nvSpPr>
@@ -9155,7 +10508,7 @@
         </p:sp>
         <p:sp>
           <p:nvSpPr>
-            <p:cNvPr id="89" name="Ellipse 88"/>
+            <p:cNvPr id="93" name="Ellipse 92"/>
             <p:cNvSpPr/>
             <p:nvPr/>
           </p:nvSpPr>
@@ -9204,13 +10557,13 @@
       </p:grpSp>
       <p:sp>
         <p:nvSpPr>
-          <p:cNvPr id="91" name="Ellipse 90"/>
+          <p:cNvPr id="94" name="Ellipse 93"/>
           <p:cNvSpPr/>
           <p:nvPr/>
         </p:nvSpPr>
         <p:spPr>
           <a:xfrm>
-            <a:off x="2535553" y="3767554"/>
+            <a:off x="3696788" y="3815054"/>
             <a:ext cx="144016" cy="144016"/>
           </a:xfrm>
           <a:prstGeom prst="ellipse">
@@ -9252,13 +10605,13 @@
       </p:sp>
       <p:sp>
         <p:nvSpPr>
-          <p:cNvPr id="92" name="Ellipse 91"/>
+          <p:cNvPr id="95" name="Ellipse 94"/>
           <p:cNvSpPr/>
           <p:nvPr/>
         </p:nvSpPr>
         <p:spPr>
           <a:xfrm>
-            <a:off x="2535553" y="4581128"/>
+            <a:off x="3696788" y="4413530"/>
             <a:ext cx="144016" cy="144016"/>
           </a:xfrm>
           <a:prstGeom prst="ellipse">
@@ -9300,13 +10653,13 @@
       </p:sp>
       <p:sp>
         <p:nvSpPr>
-          <p:cNvPr id="93" name="Ellipse 92"/>
+          <p:cNvPr id="96" name="Ellipse 95"/>
           <p:cNvSpPr/>
           <p:nvPr/>
         </p:nvSpPr>
         <p:spPr>
           <a:xfrm>
-            <a:off x="2463545" y="5229200"/>
+            <a:off x="3624780" y="4941168"/>
             <a:ext cx="288032" cy="288032"/>
           </a:xfrm>
           <a:prstGeom prst="ellipse">
@@ -9348,17 +10701,17 @@
       </p:sp>
       <p:cxnSp>
         <p:nvCxnSpPr>
-          <p:cNvPr id="94" name="Gerade Verbindung 93"/>
+          <p:cNvPr id="97" name="Gerade Verbindung 96"/>
           <p:cNvCxnSpPr>
-            <a:stCxn id="93" idx="4"/>
-            <a:endCxn id="91" idx="0"/>
+            <a:stCxn id="96" idx="4"/>
+            <a:endCxn id="94" idx="0"/>
           </p:cNvCxnSpPr>
           <p:nvPr/>
         </p:nvCxnSpPr>
         <p:spPr>
           <a:xfrm flipV="1">
-            <a:off x="2607561" y="3767554"/>
-            <a:ext cx="0" cy="1749678"/>
+            <a:off x="3768796" y="3815054"/>
+            <a:ext cx="0" cy="1414146"/>
           </a:xfrm>
           <a:prstGeom prst="line">
             <a:avLst/>
@@ -9386,16 +10739,16 @@
       </p:cxnSp>
       <p:cxnSp>
         <p:nvCxnSpPr>
-          <p:cNvPr id="95" name="Gerade Verbindung 94"/>
+          <p:cNvPr id="98" name="Gerade Verbindung 97"/>
           <p:cNvCxnSpPr>
-            <a:stCxn id="93" idx="2"/>
-            <a:endCxn id="93" idx="6"/>
+            <a:stCxn id="96" idx="2"/>
+            <a:endCxn id="96" idx="6"/>
           </p:cNvCxnSpPr>
           <p:nvPr/>
         </p:nvCxnSpPr>
         <p:spPr>
           <a:xfrm>
-            <a:off x="2463545" y="5373216"/>
+            <a:off x="3624780" y="5085184"/>
             <a:ext cx="288032" cy="0"/>
           </a:xfrm>
           <a:prstGeom prst="line">
@@ -9424,13 +10777,13 @@
       </p:cxnSp>
       <p:sp>
         <p:nvSpPr>
-          <p:cNvPr id="96" name="Textfeld 95"/>
+          <p:cNvPr id="99" name="Textfeld 98"/>
           <p:cNvSpPr txBox="1"/>
           <p:nvPr/>
         </p:nvSpPr>
         <p:spPr>
           <a:xfrm>
-            <a:off x="2029679" y="2936819"/>
+            <a:off x="3190914" y="2984319"/>
             <a:ext cx="1102161" cy="338554"/>
           </a:xfrm>
           <a:prstGeom prst="rect">
@@ -9454,13 +10807,13 @@
       </p:sp>
       <p:sp>
         <p:nvSpPr>
-          <p:cNvPr id="97" name="Geschweifte Klammer links 96"/>
+          <p:cNvPr id="100" name="Geschweifte Klammer links 99"/>
           <p:cNvSpPr/>
           <p:nvPr/>
         </p:nvSpPr>
         <p:spPr>
           <a:xfrm rot="5400000">
-            <a:off x="2474788" y="2555924"/>
+            <a:off x="3636023" y="2603424"/>
             <a:ext cx="213760" cy="1676407"/>
           </a:xfrm>
           <a:prstGeom prst="leftBrace">
@@ -9495,268 +10848,15 @@
           </a:p>
         </p:txBody>
       </p:sp>
-      <p:cxnSp>
-        <p:nvCxnSpPr>
-          <p:cNvPr id="98" name="Gerade Verbindung 97"/>
-          <p:cNvCxnSpPr>
-            <a:stCxn id="103" idx="3"/>
-          </p:cNvCxnSpPr>
-          <p:nvPr/>
-        </p:nvCxnSpPr>
-        <p:spPr>
-          <a:xfrm>
-            <a:off x="755576" y="5373216"/>
-            <a:ext cx="7992888" cy="0"/>
-          </a:xfrm>
-          <a:prstGeom prst="line">
-            <a:avLst/>
-          </a:prstGeom>
-          <a:ln w="19050">
-            <a:solidFill>
-              <a:schemeClr val="tx1"/>
-            </a:solidFill>
-          </a:ln>
-        </p:spPr>
-        <p:style>
-          <a:lnRef idx="1">
-            <a:schemeClr val="accent1"/>
-          </a:lnRef>
-          <a:fillRef idx="0">
-            <a:schemeClr val="accent1"/>
-          </a:fillRef>
-          <a:effectRef idx="0">
-            <a:schemeClr val="accent1"/>
-          </a:effectRef>
-          <a:fontRef idx="minor">
-            <a:schemeClr val="tx1"/>
-          </a:fontRef>
-        </p:style>
-      </p:cxnSp>
-      <p:sp>
-        <p:nvSpPr>
-          <p:cNvPr id="102" name="Rechteck 101"/>
-          <p:cNvSpPr/>
-          <p:nvPr/>
-        </p:nvSpPr>
-        <p:spPr>
-          <a:xfrm>
-            <a:off x="3563888" y="3573016"/>
-            <a:ext cx="1872208" cy="2088232"/>
-          </a:xfrm>
-          <a:prstGeom prst="rect">
-            <a:avLst/>
-          </a:prstGeom>
-          <a:solidFill>
-            <a:schemeClr val="bg1"/>
-          </a:solidFill>
-          <a:ln>
-            <a:solidFill>
-              <a:schemeClr val="tx1"/>
-            </a:solidFill>
-          </a:ln>
-        </p:spPr>
-        <p:style>
-          <a:lnRef idx="2">
-            <a:schemeClr val="accent1">
-              <a:shade val="50000"/>
-            </a:schemeClr>
-          </a:lnRef>
-          <a:fillRef idx="1">
-            <a:schemeClr val="accent1"/>
-          </a:fillRef>
-          <a:effectRef idx="0">
-            <a:schemeClr val="accent1"/>
-          </a:effectRef>
-          <a:fontRef idx="minor">
-            <a:schemeClr val="lt1"/>
-          </a:fontRef>
-        </p:style>
-        <p:txBody>
-          <a:bodyPr rtlCol="0" anchor="ctr"/>
-          <a:lstStyle/>
-          <a:p>
-            <a:pPr algn="ctr"/>
-            <a:r>
-              <a:rPr lang="de-DE" dirty="0" smtClean="0">
-                <a:solidFill>
-                  <a:schemeClr val="tx1"/>
-                </a:solidFill>
-              </a:rPr>
-              <a:t>3-Qubit</a:t>
-            </a:r>
-          </a:p>
-          <a:p>
-            <a:pPr algn="ctr"/>
-            <a:r>
-              <a:rPr lang="de-DE" dirty="0" err="1" smtClean="0">
-                <a:solidFill>
-                  <a:schemeClr val="tx1"/>
-                </a:solidFill>
-              </a:rPr>
-              <a:t>Control</a:t>
-            </a:r>
-            <a:r>
-              <a:rPr lang="de-DE" dirty="0" smtClean="0">
-                <a:solidFill>
-                  <a:schemeClr val="tx1"/>
-                </a:solidFill>
-              </a:rPr>
-              <a:t>-Phase</a:t>
-            </a:r>
-            <a:endParaRPr lang="de-DE" dirty="0">
-              <a:solidFill>
-                <a:schemeClr val="tx1"/>
-              </a:solidFill>
-            </a:endParaRPr>
-          </a:p>
-        </p:txBody>
-      </p:sp>
-      <p:sp>
-        <p:nvSpPr>
-          <p:cNvPr id="103" name="Rechteck 102"/>
-          <p:cNvSpPr/>
-          <p:nvPr/>
-        </p:nvSpPr>
-        <p:spPr>
-          <a:xfrm>
-            <a:off x="179512" y="5085184"/>
-            <a:ext cx="576064" cy="576064"/>
-          </a:xfrm>
-          <a:prstGeom prst="rect">
-            <a:avLst/>
-          </a:prstGeom>
-          <a:solidFill>
-            <a:schemeClr val="bg1"/>
-          </a:solidFill>
-          <a:ln>
-            <a:solidFill>
-              <a:schemeClr val="tx1"/>
-            </a:solidFill>
-          </a:ln>
-        </p:spPr>
-        <p:style>
-          <a:lnRef idx="2">
-            <a:schemeClr val="accent1">
-              <a:shade val="50000"/>
-            </a:schemeClr>
-          </a:lnRef>
-          <a:fillRef idx="1">
-            <a:schemeClr val="accent1"/>
-          </a:fillRef>
-          <a:effectRef idx="0">
-            <a:schemeClr val="accent1"/>
-          </a:effectRef>
-          <a:fontRef idx="minor">
-            <a:schemeClr val="lt1"/>
-          </a:fontRef>
-        </p:style>
-        <p:txBody>
-          <a:bodyPr rtlCol="0" anchor="ctr"/>
-          <a:lstStyle/>
-          <a:p>
-            <a:pPr algn="ctr"/>
-            <a:r>
-              <a:rPr lang="de-DE" b="1" dirty="0" smtClean="0">
-                <a:solidFill>
-                  <a:schemeClr val="tx1"/>
-                </a:solidFill>
-              </a:rPr>
-              <a:t>|0&gt;</a:t>
-            </a:r>
-            <a:endParaRPr lang="de-DE" b="1" dirty="0">
-              <a:solidFill>
-                <a:schemeClr val="tx1"/>
-              </a:solidFill>
-            </a:endParaRPr>
-          </a:p>
-        </p:txBody>
-      </p:sp>
-      <p:sp>
-        <p:nvSpPr>
-          <p:cNvPr id="106" name="Geschweifte Klammer links 105"/>
-          <p:cNvSpPr/>
-          <p:nvPr/>
-        </p:nvSpPr>
-        <p:spPr>
-          <a:xfrm rot="5400000">
-            <a:off x="4391980" y="2456892"/>
-            <a:ext cx="216024" cy="1872208"/>
-          </a:xfrm>
-          <a:prstGeom prst="leftBrace">
-            <a:avLst/>
-          </a:prstGeom>
-          <a:ln w="38100">
-            <a:solidFill>
-              <a:schemeClr val="tx1"/>
-            </a:solidFill>
-          </a:ln>
-        </p:spPr>
-        <p:style>
-          <a:lnRef idx="1">
-            <a:schemeClr val="accent1"/>
-          </a:lnRef>
-          <a:fillRef idx="0">
-            <a:schemeClr val="accent1"/>
-          </a:fillRef>
-          <a:effectRef idx="0">
-            <a:schemeClr val="accent1"/>
-          </a:effectRef>
-          <a:fontRef idx="minor">
-            <a:schemeClr val="tx1"/>
-          </a:fontRef>
-        </p:style>
-        <p:txBody>
-          <a:bodyPr rtlCol="0" anchor="ctr"/>
-          <a:lstStyle/>
-          <a:p>
-            <a:pPr algn="ctr"/>
-            <a:endParaRPr lang="de-DE" dirty="0"/>
-          </a:p>
-        </p:txBody>
-      </p:sp>
-      <p:sp>
-        <p:nvSpPr>
-          <p:cNvPr id="107" name="Textfeld 106"/>
-          <p:cNvSpPr txBox="1"/>
-          <p:nvPr/>
-        </p:nvSpPr>
-        <p:spPr>
-          <a:xfrm>
-            <a:off x="3779912" y="2924944"/>
-            <a:ext cx="1484574" cy="338554"/>
-          </a:xfrm>
-          <a:prstGeom prst="rect">
-            <a:avLst/>
-          </a:prstGeom>
-          <a:noFill/>
-        </p:spPr>
-        <p:txBody>
-          <a:bodyPr wrap="none" rtlCol="0">
-            <a:spAutoFit/>
-          </a:bodyPr>
-          <a:lstStyle/>
-          <a:p>
-            <a:r>
-              <a:rPr lang="de-DE" sz="1600" dirty="0" smtClean="0"/>
-              <a:t>Phase </a:t>
-            </a:r>
-            <a:r>
-              <a:rPr lang="de-DE" sz="1600" dirty="0" err="1" smtClean="0"/>
-              <a:t>Encoding</a:t>
-            </a:r>
-            <a:endParaRPr lang="de-DE" sz="1600" dirty="0"/>
-          </a:p>
-        </p:txBody>
-      </p:sp>
       <p:grpSp>
         <p:nvGrpSpPr>
-          <p:cNvPr id="115" name="Gruppieren 114"/>
+          <p:cNvPr id="101" name="Gruppieren 100"/>
           <p:cNvGrpSpPr/>
           <p:nvPr/>
         </p:nvGrpSpPr>
         <p:grpSpPr>
           <a:xfrm>
-            <a:off x="2927691" y="3669532"/>
+            <a:off x="4088926" y="3717032"/>
             <a:ext cx="432048" cy="360040"/>
             <a:chOff x="755576" y="359551"/>
             <a:chExt cx="432048" cy="360040"/>
@@ -9764,7 +10864,7 @@
         </p:grpSpPr>
         <p:sp>
           <p:nvSpPr>
-            <p:cNvPr id="116" name="Freihandform 115"/>
+            <p:cNvPr id="102" name="Freihandform 101"/>
             <p:cNvSpPr/>
             <p:nvPr/>
           </p:nvSpPr>
@@ -9879,7 +10979,7 @@
         </p:sp>
         <p:sp>
           <p:nvSpPr>
-            <p:cNvPr id="117" name="Ellipse 116"/>
+            <p:cNvPr id="103" name="Ellipse 102"/>
             <p:cNvSpPr/>
             <p:nvPr/>
           </p:nvSpPr>
@@ -9928,13 +11028,13 @@
       </p:grpSp>
       <p:grpSp>
         <p:nvGrpSpPr>
-          <p:cNvPr id="118" name="Gruppieren 117"/>
+          <p:cNvPr id="104" name="Gruppieren 103"/>
           <p:cNvGrpSpPr/>
           <p:nvPr/>
         </p:nvGrpSpPr>
         <p:grpSpPr>
           <a:xfrm>
-            <a:off x="2927691" y="4460694"/>
+            <a:off x="4088926" y="4293096"/>
             <a:ext cx="432048" cy="360040"/>
             <a:chOff x="755576" y="359551"/>
             <a:chExt cx="432048" cy="360040"/>
@@ -9942,7 +11042,7 @@
         </p:grpSpPr>
         <p:sp>
           <p:nvSpPr>
-            <p:cNvPr id="119" name="Freihandform 118"/>
+            <p:cNvPr id="105" name="Freihandform 104"/>
             <p:cNvSpPr/>
             <p:nvPr/>
           </p:nvSpPr>
@@ -10057,7 +11157,7 @@
         </p:sp>
         <p:sp>
           <p:nvSpPr>
-            <p:cNvPr id="120" name="Ellipse 119"/>
+            <p:cNvPr id="106" name="Ellipse 105"/>
             <p:cNvSpPr/>
             <p:nvPr/>
           </p:nvSpPr>
@@ -10104,1040 +11204,24 @@
           </p:txBody>
         </p:sp>
       </p:grpSp>
-      <p:grpSp>
-        <p:nvGrpSpPr>
-          <p:cNvPr id="130" name="Groupe 69"/>
-          <p:cNvGrpSpPr/>
-          <p:nvPr/>
-        </p:nvGrpSpPr>
-        <p:grpSpPr>
-          <a:xfrm>
-            <a:off x="8345894" y="5047685"/>
-            <a:ext cx="618594" cy="613563"/>
-            <a:chOff x="5918764" y="1159253"/>
-            <a:chExt cx="618594" cy="613563"/>
-          </a:xfrm>
-        </p:grpSpPr>
-        <p:sp>
-          <p:nvSpPr>
-            <p:cNvPr id="131" name="Rectangle à coins arrondis 70"/>
-            <p:cNvSpPr/>
-            <p:nvPr/>
-          </p:nvSpPr>
-          <p:spPr>
-            <a:xfrm>
-              <a:off x="5940152" y="1159253"/>
-              <a:ext cx="576064" cy="613563"/>
-            </a:xfrm>
-            <a:prstGeom prst="roundRect">
-              <a:avLst/>
-            </a:prstGeom>
-            <a:solidFill>
-              <a:schemeClr val="bg1"/>
-            </a:solidFill>
-            <a:ln>
-              <a:solidFill>
-                <a:schemeClr val="tx1"/>
-              </a:solidFill>
-            </a:ln>
-          </p:spPr>
-          <p:style>
-            <a:lnRef idx="2">
-              <a:schemeClr val="accent1">
-                <a:shade val="50000"/>
-              </a:schemeClr>
-            </a:lnRef>
-            <a:fillRef idx="1">
-              <a:schemeClr val="accent1"/>
-            </a:fillRef>
-            <a:effectRef idx="0">
-              <a:schemeClr val="accent1"/>
-            </a:effectRef>
-            <a:fontRef idx="minor">
-              <a:schemeClr val="lt1"/>
-            </a:fontRef>
-          </p:style>
-          <p:txBody>
-            <a:bodyPr rtlCol="0" anchor="ctr"/>
-            <a:lstStyle/>
-            <a:p>
-              <a:pPr algn="ctr"/>
-              <a:endParaRPr lang="fr-FR">
-                <a:latin typeface="Arial" pitchFamily="34" charset="0"/>
-                <a:cs typeface="Arial" pitchFamily="34" charset="0"/>
-              </a:endParaRPr>
-            </a:p>
-          </p:txBody>
-        </p:sp>
-        <p:cxnSp>
-          <p:nvCxnSpPr>
-            <p:cNvPr id="132" name="Connecteur droit avec flèche 71"/>
-            <p:cNvCxnSpPr/>
-            <p:nvPr/>
-          </p:nvCxnSpPr>
-          <p:spPr>
-            <a:xfrm rot="10800000">
-              <a:off x="6040721" y="1461357"/>
-              <a:ext cx="189802" cy="184040"/>
-            </a:xfrm>
-            <a:prstGeom prst="straightConnector1">
-              <a:avLst/>
-            </a:prstGeom>
-            <a:ln w="28575">
-              <a:solidFill>
-                <a:schemeClr val="bg1">
-                  <a:lumMod val="65000"/>
-                </a:schemeClr>
-              </a:solidFill>
-              <a:headEnd type="oval" w="med" len="med"/>
-              <a:tailEnd type="triangle" w="med" len="med"/>
-            </a:ln>
-          </p:spPr>
-          <p:style>
-            <a:lnRef idx="1">
-              <a:schemeClr val="accent1"/>
-            </a:lnRef>
-            <a:fillRef idx="0">
-              <a:schemeClr val="accent1"/>
-            </a:fillRef>
-            <a:effectRef idx="0">
-              <a:schemeClr val="accent1"/>
-            </a:effectRef>
-            <a:fontRef idx="minor">
-              <a:schemeClr val="tx1"/>
-            </a:fontRef>
-          </p:style>
-        </p:cxnSp>
-        <p:cxnSp>
-          <p:nvCxnSpPr>
-            <p:cNvPr id="133" name="Connecteur droit avec flèche 72"/>
-            <p:cNvCxnSpPr/>
-            <p:nvPr/>
-          </p:nvCxnSpPr>
-          <p:spPr>
-            <a:xfrm flipV="1">
-              <a:off x="6231117" y="1464162"/>
-              <a:ext cx="191071" cy="190677"/>
-            </a:xfrm>
-            <a:prstGeom prst="straightConnector1">
-              <a:avLst/>
-            </a:prstGeom>
-            <a:ln w="28575">
-              <a:solidFill>
-                <a:schemeClr val="tx1">
-                  <a:lumMod val="65000"/>
-                  <a:lumOff val="35000"/>
-                </a:schemeClr>
-              </a:solidFill>
-              <a:headEnd type="oval" w="med" len="med"/>
-              <a:tailEnd type="triangle" w="med" len="med"/>
-            </a:ln>
-          </p:spPr>
-          <p:style>
-            <a:lnRef idx="1">
-              <a:schemeClr val="accent1"/>
-            </a:lnRef>
-            <a:fillRef idx="0">
-              <a:schemeClr val="accent1"/>
-            </a:fillRef>
-            <a:effectRef idx="0">
-              <a:schemeClr val="accent1"/>
-            </a:effectRef>
-            <a:fontRef idx="minor">
-              <a:schemeClr val="tx1"/>
-            </a:fontRef>
-          </p:style>
-        </p:cxnSp>
-        <p:sp>
-          <p:nvSpPr>
-            <p:cNvPr id="134" name="Rectangle 73"/>
-            <p:cNvSpPr/>
-            <p:nvPr/>
-          </p:nvSpPr>
-          <p:spPr>
-            <a:xfrm>
-              <a:off x="5918764" y="1164670"/>
-              <a:ext cx="298480" cy="338554"/>
-            </a:xfrm>
-            <a:prstGeom prst="rect">
-              <a:avLst/>
-            </a:prstGeom>
-          </p:spPr>
-          <p:txBody>
-            <a:bodyPr wrap="none">
-              <a:spAutoFit/>
-            </a:bodyPr>
-            <a:lstStyle/>
-            <a:p>
-              <a:r>
-                <a:rPr lang="fr-FR" sz="1600" dirty="0" smtClean="0">
-                  <a:latin typeface="Arial" pitchFamily="34" charset="0"/>
-                  <a:cs typeface="Arial" pitchFamily="34" charset="0"/>
-                </a:rPr>
-                <a:t>0</a:t>
-              </a:r>
-              <a:endParaRPr lang="fr-FR" sz="1600" dirty="0">
-                <a:latin typeface="Arial" pitchFamily="34" charset="0"/>
-                <a:cs typeface="Arial" pitchFamily="34" charset="0"/>
-              </a:endParaRPr>
-            </a:p>
-          </p:txBody>
-        </p:sp>
-        <p:sp>
-          <p:nvSpPr>
-            <p:cNvPr id="135" name="Rectangle 74"/>
-            <p:cNvSpPr/>
-            <p:nvPr/>
-          </p:nvSpPr>
-          <p:spPr>
-            <a:xfrm>
-              <a:off x="6238878" y="1159323"/>
-              <a:ext cx="298480" cy="338554"/>
-            </a:xfrm>
-            <a:prstGeom prst="rect">
-              <a:avLst/>
-            </a:prstGeom>
-          </p:spPr>
-          <p:txBody>
-            <a:bodyPr wrap="none">
-              <a:spAutoFit/>
-            </a:bodyPr>
-            <a:lstStyle/>
-            <a:p>
-              <a:r>
-                <a:rPr lang="fr-FR" sz="1600" dirty="0" smtClean="0">
-                  <a:latin typeface="Arial" pitchFamily="34" charset="0"/>
-                  <a:cs typeface="Arial" pitchFamily="34" charset="0"/>
-                </a:rPr>
-                <a:t>1</a:t>
-              </a:r>
-              <a:endParaRPr lang="fr-FR" sz="1600" dirty="0">
-                <a:latin typeface="Arial" pitchFamily="34" charset="0"/>
-                <a:cs typeface="Arial" pitchFamily="34" charset="0"/>
-              </a:endParaRPr>
-            </a:p>
-          </p:txBody>
-        </p:sp>
-      </p:grpSp>
-    </p:spTree>
-  </p:cSld>
-  <p:clrMapOvr>
-    <a:masterClrMapping/>
-  </p:clrMapOvr>
-</p:sld>
-</file>
-
-<file path=ppt/slides/slide3.xml><?xml version="1.0" encoding="utf-8"?>
-<p:sld xmlns:a="http://schemas.openxmlformats.org/drawingml/2006/main" xmlns:r="http://schemas.openxmlformats.org/officeDocument/2006/relationships" xmlns:p="http://schemas.openxmlformats.org/presentationml/2006/main">
-  <p:cSld>
-    <p:spTree>
-      <p:nvGrpSpPr>
-        <p:cNvPr id="1" name=""/>
-        <p:cNvGrpSpPr/>
-        <p:nvPr/>
-      </p:nvGrpSpPr>
-      <p:grpSpPr>
-        <a:xfrm>
-          <a:off x="0" y="0"/>
-          <a:ext cx="0" cy="0"/>
-          <a:chOff x="0" y="0"/>
-          <a:chExt cx="0" cy="0"/>
-        </a:xfrm>
-      </p:grpSpPr>
-      <p:cxnSp>
-        <p:nvCxnSpPr>
-          <p:cNvPr id="90" name="Gerade Verbindung 89"/>
-          <p:cNvCxnSpPr/>
-          <p:nvPr/>
-        </p:nvCxnSpPr>
-        <p:spPr>
-          <a:xfrm>
-            <a:off x="6888131" y="3812790"/>
-            <a:ext cx="1728192" cy="0"/>
-          </a:xfrm>
-          <a:prstGeom prst="line">
-            <a:avLst/>
-          </a:prstGeom>
-          <a:ln w="19050">
-            <a:solidFill>
-              <a:schemeClr val="tx1"/>
-            </a:solidFill>
-          </a:ln>
-        </p:spPr>
-        <p:style>
-          <a:lnRef idx="1">
-            <a:schemeClr val="accent1"/>
-          </a:lnRef>
-          <a:fillRef idx="0">
-            <a:schemeClr val="accent1"/>
-          </a:fillRef>
-          <a:effectRef idx="0">
-            <a:schemeClr val="accent1"/>
-          </a:effectRef>
-          <a:fontRef idx="minor">
-            <a:schemeClr val="tx1"/>
-          </a:fontRef>
-        </p:style>
-      </p:cxnSp>
-      <p:cxnSp>
-        <p:nvCxnSpPr>
-          <p:cNvPr id="91" name="Gerade Verbindung 90"/>
-          <p:cNvCxnSpPr/>
-          <p:nvPr/>
-        </p:nvCxnSpPr>
-        <p:spPr>
-          <a:xfrm>
-            <a:off x="6888131" y="4413530"/>
-            <a:ext cx="1728192" cy="0"/>
-          </a:xfrm>
-          <a:prstGeom prst="line">
-            <a:avLst/>
-          </a:prstGeom>
-          <a:ln w="19050">
-            <a:solidFill>
-              <a:schemeClr val="tx1"/>
-            </a:solidFill>
-          </a:ln>
-        </p:spPr>
-        <p:style>
-          <a:lnRef idx="1">
-            <a:schemeClr val="accent1"/>
-          </a:lnRef>
-          <a:fillRef idx="0">
-            <a:schemeClr val="accent1"/>
-          </a:fillRef>
-          <a:effectRef idx="0">
-            <a:schemeClr val="accent1"/>
-          </a:effectRef>
-          <a:fontRef idx="minor">
-            <a:schemeClr val="tx1"/>
-          </a:fontRef>
-        </p:style>
-      </p:cxnSp>
-      <p:cxnSp>
-        <p:nvCxnSpPr>
-          <p:cNvPr id="92" name="Gerade Verbindung 91"/>
-          <p:cNvCxnSpPr/>
-          <p:nvPr/>
-        </p:nvCxnSpPr>
-        <p:spPr>
-          <a:xfrm>
-            <a:off x="6888131" y="5013176"/>
-            <a:ext cx="1728192" cy="0"/>
-          </a:xfrm>
-          <a:prstGeom prst="line">
-            <a:avLst/>
-          </a:prstGeom>
-          <a:ln w="19050">
-            <a:solidFill>
-              <a:schemeClr val="tx1"/>
-            </a:solidFill>
-          </a:ln>
-        </p:spPr>
-        <p:style>
-          <a:lnRef idx="1">
-            <a:schemeClr val="accent1"/>
-          </a:lnRef>
-          <a:fillRef idx="0">
-            <a:schemeClr val="accent1"/>
-          </a:fillRef>
-          <a:effectRef idx="0">
-            <a:schemeClr val="accent1"/>
-          </a:effectRef>
-          <a:fontRef idx="minor">
-            <a:schemeClr val="tx1"/>
-          </a:fontRef>
-        </p:style>
-      </p:cxnSp>
-      <p:cxnSp>
-        <p:nvCxnSpPr>
-          <p:cNvPr id="87" name="Gerade Verbindung 86"/>
-          <p:cNvCxnSpPr/>
-          <p:nvPr/>
-        </p:nvCxnSpPr>
-        <p:spPr>
-          <a:xfrm>
-            <a:off x="4788024" y="3812790"/>
-            <a:ext cx="1728192" cy="0"/>
-          </a:xfrm>
-          <a:prstGeom prst="line">
-            <a:avLst/>
-          </a:prstGeom>
-          <a:ln w="19050">
-            <a:solidFill>
-              <a:schemeClr val="tx1"/>
-            </a:solidFill>
-          </a:ln>
-        </p:spPr>
-        <p:style>
-          <a:lnRef idx="1">
-            <a:schemeClr val="accent1"/>
-          </a:lnRef>
-          <a:fillRef idx="0">
-            <a:schemeClr val="accent1"/>
-          </a:fillRef>
-          <a:effectRef idx="0">
-            <a:schemeClr val="accent1"/>
-          </a:effectRef>
-          <a:fontRef idx="minor">
-            <a:schemeClr val="tx1"/>
-          </a:fontRef>
-        </p:style>
-      </p:cxnSp>
-      <p:cxnSp>
-        <p:nvCxnSpPr>
-          <p:cNvPr id="88" name="Gerade Verbindung 87"/>
-          <p:cNvCxnSpPr/>
-          <p:nvPr/>
-        </p:nvCxnSpPr>
-        <p:spPr>
-          <a:xfrm>
-            <a:off x="4788024" y="4413530"/>
-            <a:ext cx="1728192" cy="0"/>
-          </a:xfrm>
-          <a:prstGeom prst="line">
-            <a:avLst/>
-          </a:prstGeom>
-          <a:ln w="19050">
-            <a:solidFill>
-              <a:schemeClr val="tx1"/>
-            </a:solidFill>
-          </a:ln>
-        </p:spPr>
-        <p:style>
-          <a:lnRef idx="1">
-            <a:schemeClr val="accent1"/>
-          </a:lnRef>
-          <a:fillRef idx="0">
-            <a:schemeClr val="accent1"/>
-          </a:fillRef>
-          <a:effectRef idx="0">
-            <a:schemeClr val="accent1"/>
-          </a:effectRef>
-          <a:fontRef idx="minor">
-            <a:schemeClr val="tx1"/>
-          </a:fontRef>
-        </p:style>
-      </p:cxnSp>
-      <p:cxnSp>
-        <p:nvCxnSpPr>
-          <p:cNvPr id="89" name="Gerade Verbindung 88"/>
-          <p:cNvCxnSpPr/>
-          <p:nvPr/>
-        </p:nvCxnSpPr>
-        <p:spPr>
-          <a:xfrm>
-            <a:off x="4788024" y="5013176"/>
-            <a:ext cx="1728192" cy="0"/>
-          </a:xfrm>
-          <a:prstGeom prst="line">
-            <a:avLst/>
-          </a:prstGeom>
-          <a:ln w="19050">
-            <a:solidFill>
-              <a:schemeClr val="tx1"/>
-            </a:solidFill>
-          </a:ln>
-        </p:spPr>
-        <p:style>
-          <a:lnRef idx="1">
-            <a:schemeClr val="accent1"/>
-          </a:lnRef>
-          <a:fillRef idx="0">
-            <a:schemeClr val="accent1"/>
-          </a:fillRef>
-          <a:effectRef idx="0">
-            <a:schemeClr val="accent1"/>
-          </a:effectRef>
-          <a:fontRef idx="minor">
-            <a:schemeClr val="tx1"/>
-          </a:fontRef>
-        </p:style>
-      </p:cxnSp>
-      <p:cxnSp>
-        <p:nvCxnSpPr>
-          <p:cNvPr id="84" name="Gerade Verbindung 83"/>
-          <p:cNvCxnSpPr/>
-          <p:nvPr/>
-        </p:nvCxnSpPr>
-        <p:spPr>
-          <a:xfrm>
-            <a:off x="2676042" y="3813548"/>
-            <a:ext cx="1728192" cy="0"/>
-          </a:xfrm>
-          <a:prstGeom prst="line">
-            <a:avLst/>
-          </a:prstGeom>
-          <a:ln w="19050">
-            <a:solidFill>
-              <a:schemeClr val="tx1"/>
-            </a:solidFill>
-          </a:ln>
-        </p:spPr>
-        <p:style>
-          <a:lnRef idx="1">
-            <a:schemeClr val="accent1"/>
-          </a:lnRef>
-          <a:fillRef idx="0">
-            <a:schemeClr val="accent1"/>
-          </a:fillRef>
-          <a:effectRef idx="0">
-            <a:schemeClr val="accent1"/>
-          </a:effectRef>
-          <a:fontRef idx="minor">
-            <a:schemeClr val="tx1"/>
-          </a:fontRef>
-        </p:style>
-      </p:cxnSp>
-      <p:cxnSp>
-        <p:nvCxnSpPr>
-          <p:cNvPr id="85" name="Gerade Verbindung 84"/>
-          <p:cNvCxnSpPr/>
-          <p:nvPr/>
-        </p:nvCxnSpPr>
-        <p:spPr>
-          <a:xfrm>
-            <a:off x="2676042" y="4414288"/>
-            <a:ext cx="1728192" cy="0"/>
-          </a:xfrm>
-          <a:prstGeom prst="line">
-            <a:avLst/>
-          </a:prstGeom>
-          <a:ln w="19050">
-            <a:solidFill>
-              <a:schemeClr val="tx1"/>
-            </a:solidFill>
-          </a:ln>
-        </p:spPr>
-        <p:style>
-          <a:lnRef idx="1">
-            <a:schemeClr val="accent1"/>
-          </a:lnRef>
-          <a:fillRef idx="0">
-            <a:schemeClr val="accent1"/>
-          </a:fillRef>
-          <a:effectRef idx="0">
-            <a:schemeClr val="accent1"/>
-          </a:effectRef>
-          <a:fontRef idx="minor">
-            <a:schemeClr val="tx1"/>
-          </a:fontRef>
-        </p:style>
-      </p:cxnSp>
-      <p:cxnSp>
-        <p:nvCxnSpPr>
-          <p:cNvPr id="86" name="Gerade Verbindung 85"/>
-          <p:cNvCxnSpPr/>
-          <p:nvPr/>
-        </p:nvCxnSpPr>
-        <p:spPr>
-          <a:xfrm>
-            <a:off x="2676042" y="5013934"/>
-            <a:ext cx="1728192" cy="0"/>
-          </a:xfrm>
-          <a:prstGeom prst="line">
-            <a:avLst/>
-          </a:prstGeom>
-          <a:ln w="19050">
-            <a:solidFill>
-              <a:schemeClr val="tx1"/>
-            </a:solidFill>
-          </a:ln>
-        </p:spPr>
-        <p:style>
-          <a:lnRef idx="1">
-            <a:schemeClr val="accent1"/>
-          </a:lnRef>
-          <a:fillRef idx="0">
-            <a:schemeClr val="accent1"/>
-          </a:fillRef>
-          <a:effectRef idx="0">
-            <a:schemeClr val="accent1"/>
-          </a:effectRef>
-          <a:fontRef idx="minor">
-            <a:schemeClr val="tx1"/>
-          </a:fontRef>
-        </p:style>
-      </p:cxnSp>
-      <p:cxnSp>
-        <p:nvCxnSpPr>
-          <p:cNvPr id="80" name="Gerade Verbindung 79"/>
-          <p:cNvCxnSpPr/>
-          <p:nvPr/>
-        </p:nvCxnSpPr>
-        <p:spPr>
-          <a:xfrm>
-            <a:off x="622677" y="3837298"/>
-            <a:ext cx="1728192" cy="0"/>
-          </a:xfrm>
-          <a:prstGeom prst="line">
-            <a:avLst/>
-          </a:prstGeom>
-          <a:ln w="19050">
-            <a:solidFill>
-              <a:schemeClr val="tx1"/>
-            </a:solidFill>
-          </a:ln>
-        </p:spPr>
-        <p:style>
-          <a:lnRef idx="1">
-            <a:schemeClr val="accent1"/>
-          </a:lnRef>
-          <a:fillRef idx="0">
-            <a:schemeClr val="accent1"/>
-          </a:fillRef>
-          <a:effectRef idx="0">
-            <a:schemeClr val="accent1"/>
-          </a:effectRef>
-          <a:fontRef idx="minor">
-            <a:schemeClr val="tx1"/>
-          </a:fontRef>
-        </p:style>
-      </p:cxnSp>
-      <p:cxnSp>
-        <p:nvCxnSpPr>
-          <p:cNvPr id="82" name="Gerade Verbindung 81"/>
-          <p:cNvCxnSpPr/>
-          <p:nvPr/>
-        </p:nvCxnSpPr>
-        <p:spPr>
-          <a:xfrm>
-            <a:off x="622677" y="4438038"/>
-            <a:ext cx="1728192" cy="0"/>
-          </a:xfrm>
-          <a:prstGeom prst="line">
-            <a:avLst/>
-          </a:prstGeom>
-          <a:ln w="19050">
-            <a:solidFill>
-              <a:schemeClr val="tx1"/>
-            </a:solidFill>
-          </a:ln>
-        </p:spPr>
-        <p:style>
-          <a:lnRef idx="1">
-            <a:schemeClr val="accent1"/>
-          </a:lnRef>
-          <a:fillRef idx="0">
-            <a:schemeClr val="accent1"/>
-          </a:fillRef>
-          <a:effectRef idx="0">
-            <a:schemeClr val="accent1"/>
-          </a:effectRef>
-          <a:fontRef idx="minor">
-            <a:schemeClr val="tx1"/>
-          </a:fontRef>
-        </p:style>
-      </p:cxnSp>
-      <p:cxnSp>
-        <p:nvCxnSpPr>
-          <p:cNvPr id="83" name="Gerade Verbindung 82"/>
-          <p:cNvCxnSpPr/>
-          <p:nvPr/>
-        </p:nvCxnSpPr>
-        <p:spPr>
-          <a:xfrm>
-            <a:off x="622677" y="5037684"/>
-            <a:ext cx="1728192" cy="0"/>
-          </a:xfrm>
-          <a:prstGeom prst="line">
-            <a:avLst/>
-          </a:prstGeom>
-          <a:ln w="19050">
-            <a:solidFill>
-              <a:schemeClr val="tx1"/>
-            </a:solidFill>
-          </a:ln>
-        </p:spPr>
-        <p:style>
-          <a:lnRef idx="1">
-            <a:schemeClr val="accent1"/>
-          </a:lnRef>
-          <a:fillRef idx="0">
-            <a:schemeClr val="accent1"/>
-          </a:fillRef>
-          <a:effectRef idx="0">
-            <a:schemeClr val="accent1"/>
-          </a:effectRef>
-          <a:fontRef idx="minor">
-            <a:schemeClr val="tx1"/>
-          </a:fontRef>
-        </p:style>
-      </p:cxnSp>
-      <p:grpSp>
-        <p:nvGrpSpPr>
-          <p:cNvPr id="4" name="Gruppieren 3"/>
-          <p:cNvGrpSpPr/>
-          <p:nvPr/>
-        </p:nvGrpSpPr>
-        <p:grpSpPr>
-          <a:xfrm>
-            <a:off x="755577" y="3681575"/>
-            <a:ext cx="432048" cy="360040"/>
-            <a:chOff x="755576" y="359551"/>
-            <a:chExt cx="432048" cy="360040"/>
-          </a:xfrm>
-        </p:grpSpPr>
-        <p:sp>
-          <p:nvSpPr>
-            <p:cNvPr id="5" name="Freihandform 4"/>
-            <p:cNvSpPr/>
-            <p:nvPr/>
-          </p:nvSpPr>
-          <p:spPr>
-            <a:xfrm>
-              <a:off x="755576" y="359551"/>
-              <a:ext cx="288032" cy="360040"/>
-            </a:xfrm>
-            <a:custGeom>
-              <a:avLst/>
-              <a:gdLst>
-                <a:gd name="connsiteX0" fmla="*/ 35859 w 403412"/>
-                <a:gd name="connsiteY0" fmla="*/ 0 h 403412"/>
-                <a:gd name="connsiteX1" fmla="*/ 0 w 403412"/>
-                <a:gd name="connsiteY1" fmla="*/ 403412 h 403412"/>
-                <a:gd name="connsiteX2" fmla="*/ 403412 w 403412"/>
-                <a:gd name="connsiteY2" fmla="*/ 268941 h 403412"/>
-                <a:gd name="connsiteX3" fmla="*/ 35859 w 403412"/>
-                <a:gd name="connsiteY3" fmla="*/ 0 h 403412"/>
-                <a:gd name="connsiteX0" fmla="*/ 35859 w 328464"/>
-                <a:gd name="connsiteY0" fmla="*/ 0 h 403412"/>
-                <a:gd name="connsiteX1" fmla="*/ 0 w 328464"/>
-                <a:gd name="connsiteY1" fmla="*/ 403412 h 403412"/>
-                <a:gd name="connsiteX2" fmla="*/ 328464 w 328464"/>
-                <a:gd name="connsiteY2" fmla="*/ 190092 h 403412"/>
-                <a:gd name="connsiteX3" fmla="*/ 35859 w 328464"/>
-                <a:gd name="connsiteY3" fmla="*/ 0 h 403412"/>
-                <a:gd name="connsiteX0" fmla="*/ 0 w 360040"/>
-                <a:gd name="connsiteY0" fmla="*/ 0 h 429344"/>
-                <a:gd name="connsiteX1" fmla="*/ 31576 w 360040"/>
-                <a:gd name="connsiteY1" fmla="*/ 429344 h 429344"/>
-                <a:gd name="connsiteX2" fmla="*/ 360040 w 360040"/>
-                <a:gd name="connsiteY2" fmla="*/ 216024 h 429344"/>
-                <a:gd name="connsiteX3" fmla="*/ 0 w 360040"/>
-                <a:gd name="connsiteY3" fmla="*/ 0 h 429344"/>
-                <a:gd name="connsiteX0" fmla="*/ 0 w 360040"/>
-                <a:gd name="connsiteY0" fmla="*/ 0 h 432048"/>
-                <a:gd name="connsiteX1" fmla="*/ 0 w 360040"/>
-                <a:gd name="connsiteY1" fmla="*/ 432048 h 432048"/>
-                <a:gd name="connsiteX2" fmla="*/ 360040 w 360040"/>
-                <a:gd name="connsiteY2" fmla="*/ 216024 h 432048"/>
-                <a:gd name="connsiteX3" fmla="*/ 0 w 360040"/>
-                <a:gd name="connsiteY3" fmla="*/ 0 h 432048"/>
-              </a:gdLst>
-              <a:ahLst/>
-              <a:cxnLst>
-                <a:cxn ang="0">
-                  <a:pos x="connsiteX0" y="connsiteY0"/>
-                </a:cxn>
-                <a:cxn ang="0">
-                  <a:pos x="connsiteX1" y="connsiteY1"/>
-                </a:cxn>
-                <a:cxn ang="0">
-                  <a:pos x="connsiteX2" y="connsiteY2"/>
-                </a:cxn>
-                <a:cxn ang="0">
-                  <a:pos x="connsiteX3" y="connsiteY3"/>
-                </a:cxn>
-              </a:cxnLst>
-              <a:rect l="l" t="t" r="r" b="b"/>
-              <a:pathLst>
-                <a:path w="360040" h="432048">
-                  <a:moveTo>
-                    <a:pt x="0" y="0"/>
-                  </a:moveTo>
-                  <a:lnTo>
-                    <a:pt x="0" y="432048"/>
-                  </a:lnTo>
-                  <a:lnTo>
-                    <a:pt x="360040" y="216024"/>
-                  </a:lnTo>
-                  <a:lnTo>
-                    <a:pt x="0" y="0"/>
-                  </a:lnTo>
-                  <a:close/>
-                </a:path>
-              </a:pathLst>
-            </a:custGeom>
-            <a:solidFill>
-              <a:schemeClr val="bg1"/>
-            </a:solidFill>
-            <a:ln>
-              <a:solidFill>
-                <a:schemeClr val="tx1"/>
-              </a:solidFill>
-            </a:ln>
-          </p:spPr>
-          <p:style>
-            <a:lnRef idx="2">
-              <a:schemeClr val="accent1">
-                <a:shade val="50000"/>
-              </a:schemeClr>
-            </a:lnRef>
-            <a:fillRef idx="1">
-              <a:schemeClr val="accent1"/>
-            </a:fillRef>
-            <a:effectRef idx="0">
-              <a:schemeClr val="accent1"/>
-            </a:effectRef>
-            <a:fontRef idx="minor">
-              <a:schemeClr val="lt1"/>
-            </a:fontRef>
-          </p:style>
-          <p:txBody>
-            <a:bodyPr rtlCol="0" anchor="ctr"/>
-            <a:lstStyle/>
-            <a:p>
-              <a:pPr algn="ctr"/>
-              <a:endParaRPr lang="de-DE"/>
-            </a:p>
-          </p:txBody>
-        </p:sp>
-        <p:sp>
-          <p:nvSpPr>
-            <p:cNvPr id="6" name="Ellipse 5"/>
-            <p:cNvSpPr/>
-            <p:nvPr/>
-          </p:nvSpPr>
-          <p:spPr>
-            <a:xfrm>
-              <a:off x="1043608" y="476672"/>
-              <a:ext cx="144016" cy="144016"/>
-            </a:xfrm>
-            <a:prstGeom prst="ellipse">
-              <a:avLst/>
-            </a:prstGeom>
-            <a:solidFill>
-              <a:schemeClr val="bg1"/>
-            </a:solidFill>
-            <a:ln>
-              <a:solidFill>
-                <a:schemeClr val="tx1"/>
-              </a:solidFill>
-            </a:ln>
-          </p:spPr>
-          <p:style>
-            <a:lnRef idx="2">
-              <a:schemeClr val="accent1">
-                <a:shade val="50000"/>
-              </a:schemeClr>
-            </a:lnRef>
-            <a:fillRef idx="1">
-              <a:schemeClr val="accent1"/>
-            </a:fillRef>
-            <a:effectRef idx="0">
-              <a:schemeClr val="accent1"/>
-            </a:effectRef>
-            <a:fontRef idx="minor">
-              <a:schemeClr val="lt1"/>
-            </a:fontRef>
-          </p:style>
-          <p:txBody>
-            <a:bodyPr rtlCol="0" anchor="ctr"/>
-            <a:lstStyle/>
-            <a:p>
-              <a:pPr algn="ctr"/>
-              <a:endParaRPr lang="de-DE"/>
-            </a:p>
-          </p:txBody>
-        </p:sp>
-      </p:grpSp>
-      <p:grpSp>
-        <p:nvGrpSpPr>
-          <p:cNvPr id="7" name="Gruppieren 6"/>
-          <p:cNvGrpSpPr/>
-          <p:nvPr/>
-        </p:nvGrpSpPr>
-        <p:grpSpPr>
-          <a:xfrm>
-            <a:off x="755577" y="4257639"/>
-            <a:ext cx="432048" cy="360040"/>
-            <a:chOff x="755576" y="359551"/>
-            <a:chExt cx="432048" cy="360040"/>
-          </a:xfrm>
-        </p:grpSpPr>
-        <p:sp>
-          <p:nvSpPr>
-            <p:cNvPr id="8" name="Freihandform 7"/>
-            <p:cNvSpPr/>
-            <p:nvPr/>
-          </p:nvSpPr>
-          <p:spPr>
-            <a:xfrm>
-              <a:off x="755576" y="359551"/>
-              <a:ext cx="288032" cy="360040"/>
-            </a:xfrm>
-            <a:custGeom>
-              <a:avLst/>
-              <a:gdLst>
-                <a:gd name="connsiteX0" fmla="*/ 35859 w 403412"/>
-                <a:gd name="connsiteY0" fmla="*/ 0 h 403412"/>
-                <a:gd name="connsiteX1" fmla="*/ 0 w 403412"/>
-                <a:gd name="connsiteY1" fmla="*/ 403412 h 403412"/>
-                <a:gd name="connsiteX2" fmla="*/ 403412 w 403412"/>
-                <a:gd name="connsiteY2" fmla="*/ 268941 h 403412"/>
-                <a:gd name="connsiteX3" fmla="*/ 35859 w 403412"/>
-                <a:gd name="connsiteY3" fmla="*/ 0 h 403412"/>
-                <a:gd name="connsiteX0" fmla="*/ 35859 w 328464"/>
-                <a:gd name="connsiteY0" fmla="*/ 0 h 403412"/>
-                <a:gd name="connsiteX1" fmla="*/ 0 w 328464"/>
-                <a:gd name="connsiteY1" fmla="*/ 403412 h 403412"/>
-                <a:gd name="connsiteX2" fmla="*/ 328464 w 328464"/>
-                <a:gd name="connsiteY2" fmla="*/ 190092 h 403412"/>
-                <a:gd name="connsiteX3" fmla="*/ 35859 w 328464"/>
-                <a:gd name="connsiteY3" fmla="*/ 0 h 403412"/>
-                <a:gd name="connsiteX0" fmla="*/ 0 w 360040"/>
-                <a:gd name="connsiteY0" fmla="*/ 0 h 429344"/>
-                <a:gd name="connsiteX1" fmla="*/ 31576 w 360040"/>
-                <a:gd name="connsiteY1" fmla="*/ 429344 h 429344"/>
-                <a:gd name="connsiteX2" fmla="*/ 360040 w 360040"/>
-                <a:gd name="connsiteY2" fmla="*/ 216024 h 429344"/>
-                <a:gd name="connsiteX3" fmla="*/ 0 w 360040"/>
-                <a:gd name="connsiteY3" fmla="*/ 0 h 429344"/>
-                <a:gd name="connsiteX0" fmla="*/ 0 w 360040"/>
-                <a:gd name="connsiteY0" fmla="*/ 0 h 432048"/>
-                <a:gd name="connsiteX1" fmla="*/ 0 w 360040"/>
-                <a:gd name="connsiteY1" fmla="*/ 432048 h 432048"/>
-                <a:gd name="connsiteX2" fmla="*/ 360040 w 360040"/>
-                <a:gd name="connsiteY2" fmla="*/ 216024 h 432048"/>
-                <a:gd name="connsiteX3" fmla="*/ 0 w 360040"/>
-                <a:gd name="connsiteY3" fmla="*/ 0 h 432048"/>
-              </a:gdLst>
-              <a:ahLst/>
-              <a:cxnLst>
-                <a:cxn ang="0">
-                  <a:pos x="connsiteX0" y="connsiteY0"/>
-                </a:cxn>
-                <a:cxn ang="0">
-                  <a:pos x="connsiteX1" y="connsiteY1"/>
-                </a:cxn>
-                <a:cxn ang="0">
-                  <a:pos x="connsiteX2" y="connsiteY2"/>
-                </a:cxn>
-                <a:cxn ang="0">
-                  <a:pos x="connsiteX3" y="connsiteY3"/>
-                </a:cxn>
-              </a:cxnLst>
-              <a:rect l="l" t="t" r="r" b="b"/>
-              <a:pathLst>
-                <a:path w="360040" h="432048">
-                  <a:moveTo>
-                    <a:pt x="0" y="0"/>
-                  </a:moveTo>
-                  <a:lnTo>
-                    <a:pt x="0" y="432048"/>
-                  </a:lnTo>
-                  <a:lnTo>
-                    <a:pt x="360040" y="216024"/>
-                  </a:lnTo>
-                  <a:lnTo>
-                    <a:pt x="0" y="0"/>
-                  </a:lnTo>
-                  <a:close/>
-                </a:path>
-              </a:pathLst>
-            </a:custGeom>
-            <a:solidFill>
-              <a:schemeClr val="bg1"/>
-            </a:solidFill>
-            <a:ln>
-              <a:solidFill>
-                <a:schemeClr val="tx1"/>
-              </a:solidFill>
-            </a:ln>
-          </p:spPr>
-          <p:style>
-            <a:lnRef idx="2">
-              <a:schemeClr val="accent1">
-                <a:shade val="50000"/>
-              </a:schemeClr>
-            </a:lnRef>
-            <a:fillRef idx="1">
-              <a:schemeClr val="accent1"/>
-            </a:fillRef>
-            <a:effectRef idx="0">
-              <a:schemeClr val="accent1"/>
-            </a:effectRef>
-            <a:fontRef idx="minor">
-              <a:schemeClr val="lt1"/>
-            </a:fontRef>
-          </p:style>
-          <p:txBody>
-            <a:bodyPr rtlCol="0" anchor="ctr"/>
-            <a:lstStyle/>
-            <a:p>
-              <a:pPr algn="ctr"/>
-              <a:endParaRPr lang="de-DE"/>
-            </a:p>
-          </p:txBody>
-        </p:sp>
-        <p:sp>
-          <p:nvSpPr>
-            <p:cNvPr id="9" name="Ellipse 8"/>
-            <p:cNvSpPr/>
-            <p:nvPr/>
-          </p:nvSpPr>
-          <p:spPr>
-            <a:xfrm>
-              <a:off x="1043608" y="476672"/>
-              <a:ext cx="144016" cy="144016"/>
-            </a:xfrm>
-            <a:prstGeom prst="ellipse">
-              <a:avLst/>
-            </a:prstGeom>
-            <a:solidFill>
-              <a:schemeClr val="bg1"/>
-            </a:solidFill>
-            <a:ln>
-              <a:solidFill>
-                <a:schemeClr val="tx1"/>
-              </a:solidFill>
-            </a:ln>
-          </p:spPr>
-          <p:style>
-            <a:lnRef idx="2">
-              <a:schemeClr val="accent1">
-                <a:shade val="50000"/>
-              </a:schemeClr>
-            </a:lnRef>
-            <a:fillRef idx="1">
-              <a:schemeClr val="accent1"/>
-            </a:fillRef>
-            <a:effectRef idx="0">
-              <a:schemeClr val="accent1"/>
-            </a:effectRef>
-            <a:fontRef idx="minor">
-              <a:schemeClr val="lt1"/>
-            </a:fontRef>
-          </p:style>
-          <p:txBody>
-            <a:bodyPr rtlCol="0" anchor="ctr"/>
-            <a:lstStyle/>
-            <a:p>
-              <a:pPr algn="ctr"/>
-              <a:endParaRPr lang="de-DE"/>
-            </a:p>
-          </p:txBody>
-        </p:sp>
-      </p:grpSp>
       <p:sp>
         <p:nvSpPr>
-          <p:cNvPr id="10" name="Ellipse 9"/>
+          <p:cNvPr id="108" name="Rechteck 107"/>
           <p:cNvSpPr/>
           <p:nvPr/>
         </p:nvSpPr>
         <p:spPr>
           <a:xfrm>
-            <a:off x="1403649" y="3767554"/>
-            <a:ext cx="144016" cy="144016"/>
-          </a:xfrm>
-          <a:prstGeom prst="ellipse">
+            <a:off x="683568" y="3645024"/>
+            <a:ext cx="1584176" cy="1070392"/>
+          </a:xfrm>
+          <a:prstGeom prst="rect">
             <a:avLst/>
           </a:prstGeom>
           <a:solidFill>
-            <a:schemeClr val="tx1"/>
+            <a:schemeClr val="bg1"/>
           </a:solidFill>
-          <a:ln w="28575">
+          <a:ln>
             <a:solidFill>
               <a:schemeClr val="tx1"/>
             </a:solidFill>
@@ -11164,2199 +11248,19 @@
           <a:lstStyle/>
           <a:p>
             <a:pPr algn="ctr"/>
-            <a:endParaRPr lang="de-DE"/>
-          </a:p>
-        </p:txBody>
-      </p:sp>
-      <p:sp>
-        <p:nvSpPr>
-          <p:cNvPr id="11" name="Ellipse 10"/>
-          <p:cNvSpPr/>
-          <p:nvPr/>
-        </p:nvSpPr>
-        <p:spPr>
-          <a:xfrm>
-            <a:off x="1403649" y="4366030"/>
-            <a:ext cx="144016" cy="144016"/>
-          </a:xfrm>
-          <a:prstGeom prst="ellipse">
-            <a:avLst/>
-          </a:prstGeom>
-          <a:solidFill>
-            <a:schemeClr val="tx1"/>
-          </a:solidFill>
-          <a:ln w="28575">
-            <a:solidFill>
-              <a:schemeClr val="tx1"/>
-            </a:solidFill>
-          </a:ln>
-        </p:spPr>
-        <p:style>
-          <a:lnRef idx="2">
-            <a:schemeClr val="accent1">
-              <a:shade val="50000"/>
-            </a:schemeClr>
-          </a:lnRef>
-          <a:fillRef idx="1">
-            <a:schemeClr val="accent1"/>
-          </a:fillRef>
-          <a:effectRef idx="0">
-            <a:schemeClr val="accent1"/>
-          </a:effectRef>
-          <a:fontRef idx="minor">
-            <a:schemeClr val="lt1"/>
-          </a:fontRef>
-        </p:style>
-        <p:txBody>
-          <a:bodyPr rtlCol="0" anchor="ctr"/>
-          <a:lstStyle/>
-          <a:p>
-            <a:pPr algn="ctr"/>
-            <a:endParaRPr lang="de-DE"/>
-          </a:p>
-        </p:txBody>
-      </p:sp>
-      <p:sp>
-        <p:nvSpPr>
-          <p:cNvPr id="12" name="Ellipse 11"/>
-          <p:cNvSpPr/>
-          <p:nvPr/>
-        </p:nvSpPr>
-        <p:spPr>
-          <a:xfrm>
-            <a:off x="1331641" y="4893668"/>
-            <a:ext cx="288032" cy="288032"/>
-          </a:xfrm>
-          <a:prstGeom prst="ellipse">
-            <a:avLst/>
-          </a:prstGeom>
-          <a:solidFill>
-            <a:schemeClr val="bg1"/>
-          </a:solidFill>
-          <a:ln w="28575">
-            <a:solidFill>
-              <a:schemeClr val="tx1"/>
-            </a:solidFill>
-          </a:ln>
-        </p:spPr>
-        <p:style>
-          <a:lnRef idx="2">
-            <a:schemeClr val="accent1">
-              <a:shade val="50000"/>
-            </a:schemeClr>
-          </a:lnRef>
-          <a:fillRef idx="1">
-            <a:schemeClr val="accent1"/>
-          </a:fillRef>
-          <a:effectRef idx="0">
-            <a:schemeClr val="accent1"/>
-          </a:effectRef>
-          <a:fontRef idx="minor">
-            <a:schemeClr val="lt1"/>
-          </a:fontRef>
-        </p:style>
-        <p:txBody>
-          <a:bodyPr rtlCol="0" anchor="ctr"/>
-          <a:lstStyle/>
-          <a:p>
-            <a:pPr algn="ctr"/>
-            <a:endParaRPr lang="de-DE"/>
-          </a:p>
-        </p:txBody>
-      </p:sp>
-      <p:cxnSp>
-        <p:nvCxnSpPr>
-          <p:cNvPr id="13" name="Gerade Verbindung 12"/>
-          <p:cNvCxnSpPr>
-            <a:stCxn id="12" idx="4"/>
-            <a:endCxn id="10" idx="0"/>
-          </p:cNvCxnSpPr>
-          <p:nvPr/>
-        </p:nvCxnSpPr>
-        <p:spPr>
-          <a:xfrm flipV="1">
-            <a:off x="1475657" y="3767554"/>
-            <a:ext cx="0" cy="1414146"/>
-          </a:xfrm>
-          <a:prstGeom prst="line">
-            <a:avLst/>
-          </a:prstGeom>
-          <a:ln w="28575">
-            <a:solidFill>
-              <a:schemeClr val="tx1"/>
-            </a:solidFill>
-          </a:ln>
-        </p:spPr>
-        <p:style>
-          <a:lnRef idx="1">
-            <a:schemeClr val="accent1"/>
-          </a:lnRef>
-          <a:fillRef idx="0">
-            <a:schemeClr val="accent1"/>
-          </a:fillRef>
-          <a:effectRef idx="0">
-            <a:schemeClr val="accent1"/>
-          </a:effectRef>
-          <a:fontRef idx="minor">
-            <a:schemeClr val="tx1"/>
-          </a:fontRef>
-        </p:style>
-      </p:cxnSp>
-      <p:cxnSp>
-        <p:nvCxnSpPr>
-          <p:cNvPr id="14" name="Gerade Verbindung 13"/>
-          <p:cNvCxnSpPr>
-            <a:stCxn id="12" idx="2"/>
-            <a:endCxn id="12" idx="6"/>
-          </p:cNvCxnSpPr>
-          <p:nvPr/>
-        </p:nvCxnSpPr>
-        <p:spPr>
-          <a:xfrm>
-            <a:off x="1331641" y="5037684"/>
-            <a:ext cx="288032" cy="0"/>
-          </a:xfrm>
-          <a:prstGeom prst="line">
-            <a:avLst/>
-          </a:prstGeom>
-          <a:ln w="28575">
-            <a:solidFill>
-              <a:schemeClr val="tx1"/>
-            </a:solidFill>
-          </a:ln>
-        </p:spPr>
-        <p:style>
-          <a:lnRef idx="1">
-            <a:schemeClr val="accent1"/>
-          </a:lnRef>
-          <a:fillRef idx="0">
-            <a:schemeClr val="accent1"/>
-          </a:fillRef>
-          <a:effectRef idx="0">
-            <a:schemeClr val="accent1"/>
-          </a:effectRef>
-          <a:fontRef idx="minor">
-            <a:schemeClr val="tx1"/>
-          </a:fontRef>
-        </p:style>
-      </p:cxnSp>
-      <p:sp>
-        <p:nvSpPr>
-          <p:cNvPr id="15" name="Textfeld 14"/>
-          <p:cNvSpPr txBox="1"/>
-          <p:nvPr/>
-        </p:nvSpPr>
-        <p:spPr>
-          <a:xfrm>
-            <a:off x="897775" y="2936819"/>
-            <a:ext cx="1102161" cy="338554"/>
-          </a:xfrm>
-          <a:prstGeom prst="rect">
-            <a:avLst/>
-          </a:prstGeom>
-          <a:noFill/>
-        </p:spPr>
-        <p:txBody>
-          <a:bodyPr wrap="none" rtlCol="0">
-            <a:spAutoFit/>
-          </a:bodyPr>
-          <a:lstStyle/>
-          <a:p>
-            <a:r>
-              <a:rPr lang="de-DE" sz="1600" dirty="0" smtClean="0"/>
-              <a:t>Oracle (00)</a:t>
-            </a:r>
-            <a:endParaRPr lang="de-DE" sz="1600" dirty="0"/>
-          </a:p>
-        </p:txBody>
-      </p:sp>
-      <p:sp>
-        <p:nvSpPr>
-          <p:cNvPr id="16" name="Geschweifte Klammer links 15"/>
-          <p:cNvSpPr/>
-          <p:nvPr/>
-        </p:nvSpPr>
-        <p:spPr>
-          <a:xfrm rot="5400000">
-            <a:off x="1342884" y="2555924"/>
-            <a:ext cx="213760" cy="1676407"/>
-          </a:xfrm>
-          <a:prstGeom prst="leftBrace">
-            <a:avLst/>
-          </a:prstGeom>
-          <a:ln w="38100">
-            <a:solidFill>
-              <a:schemeClr val="tx1"/>
-            </a:solidFill>
-          </a:ln>
-        </p:spPr>
-        <p:style>
-          <a:lnRef idx="1">
-            <a:schemeClr val="accent1"/>
-          </a:lnRef>
-          <a:fillRef idx="0">
-            <a:schemeClr val="accent1"/>
-          </a:fillRef>
-          <a:effectRef idx="0">
-            <a:schemeClr val="accent1"/>
-          </a:effectRef>
-          <a:fontRef idx="minor">
-            <a:schemeClr val="tx1"/>
-          </a:fontRef>
-        </p:style>
-        <p:txBody>
-          <a:bodyPr rtlCol="0" anchor="ctr"/>
-          <a:lstStyle/>
-          <a:p>
-            <a:pPr algn="ctr"/>
-            <a:endParaRPr lang="de-DE" dirty="0"/>
-          </a:p>
-        </p:txBody>
-      </p:sp>
-      <p:grpSp>
-        <p:nvGrpSpPr>
-          <p:cNvPr id="17" name="Gruppieren 16"/>
-          <p:cNvGrpSpPr/>
-          <p:nvPr/>
-        </p:nvGrpSpPr>
-        <p:grpSpPr>
-          <a:xfrm>
-            <a:off x="1795787" y="3669532"/>
-            <a:ext cx="432048" cy="360040"/>
-            <a:chOff x="755576" y="359551"/>
-            <a:chExt cx="432048" cy="360040"/>
-          </a:xfrm>
-        </p:grpSpPr>
-        <p:sp>
-          <p:nvSpPr>
-            <p:cNvPr id="18" name="Freihandform 17"/>
-            <p:cNvSpPr/>
-            <p:nvPr/>
-          </p:nvSpPr>
-          <p:spPr>
-            <a:xfrm>
-              <a:off x="755576" y="359551"/>
-              <a:ext cx="288032" cy="360040"/>
-            </a:xfrm>
-            <a:custGeom>
-              <a:avLst/>
-              <a:gdLst>
-                <a:gd name="connsiteX0" fmla="*/ 35859 w 403412"/>
-                <a:gd name="connsiteY0" fmla="*/ 0 h 403412"/>
-                <a:gd name="connsiteX1" fmla="*/ 0 w 403412"/>
-                <a:gd name="connsiteY1" fmla="*/ 403412 h 403412"/>
-                <a:gd name="connsiteX2" fmla="*/ 403412 w 403412"/>
-                <a:gd name="connsiteY2" fmla="*/ 268941 h 403412"/>
-                <a:gd name="connsiteX3" fmla="*/ 35859 w 403412"/>
-                <a:gd name="connsiteY3" fmla="*/ 0 h 403412"/>
-                <a:gd name="connsiteX0" fmla="*/ 35859 w 328464"/>
-                <a:gd name="connsiteY0" fmla="*/ 0 h 403412"/>
-                <a:gd name="connsiteX1" fmla="*/ 0 w 328464"/>
-                <a:gd name="connsiteY1" fmla="*/ 403412 h 403412"/>
-                <a:gd name="connsiteX2" fmla="*/ 328464 w 328464"/>
-                <a:gd name="connsiteY2" fmla="*/ 190092 h 403412"/>
-                <a:gd name="connsiteX3" fmla="*/ 35859 w 328464"/>
-                <a:gd name="connsiteY3" fmla="*/ 0 h 403412"/>
-                <a:gd name="connsiteX0" fmla="*/ 0 w 360040"/>
-                <a:gd name="connsiteY0" fmla="*/ 0 h 429344"/>
-                <a:gd name="connsiteX1" fmla="*/ 31576 w 360040"/>
-                <a:gd name="connsiteY1" fmla="*/ 429344 h 429344"/>
-                <a:gd name="connsiteX2" fmla="*/ 360040 w 360040"/>
-                <a:gd name="connsiteY2" fmla="*/ 216024 h 429344"/>
-                <a:gd name="connsiteX3" fmla="*/ 0 w 360040"/>
-                <a:gd name="connsiteY3" fmla="*/ 0 h 429344"/>
-                <a:gd name="connsiteX0" fmla="*/ 0 w 360040"/>
-                <a:gd name="connsiteY0" fmla="*/ 0 h 432048"/>
-                <a:gd name="connsiteX1" fmla="*/ 0 w 360040"/>
-                <a:gd name="connsiteY1" fmla="*/ 432048 h 432048"/>
-                <a:gd name="connsiteX2" fmla="*/ 360040 w 360040"/>
-                <a:gd name="connsiteY2" fmla="*/ 216024 h 432048"/>
-                <a:gd name="connsiteX3" fmla="*/ 0 w 360040"/>
-                <a:gd name="connsiteY3" fmla="*/ 0 h 432048"/>
-              </a:gdLst>
-              <a:ahLst/>
-              <a:cxnLst>
-                <a:cxn ang="0">
-                  <a:pos x="connsiteX0" y="connsiteY0"/>
-                </a:cxn>
-                <a:cxn ang="0">
-                  <a:pos x="connsiteX1" y="connsiteY1"/>
-                </a:cxn>
-                <a:cxn ang="0">
-                  <a:pos x="connsiteX2" y="connsiteY2"/>
-                </a:cxn>
-                <a:cxn ang="0">
-                  <a:pos x="connsiteX3" y="connsiteY3"/>
-                </a:cxn>
-              </a:cxnLst>
-              <a:rect l="l" t="t" r="r" b="b"/>
-              <a:pathLst>
-                <a:path w="360040" h="432048">
-                  <a:moveTo>
-                    <a:pt x="0" y="0"/>
-                  </a:moveTo>
-                  <a:lnTo>
-                    <a:pt x="0" y="432048"/>
-                  </a:lnTo>
-                  <a:lnTo>
-                    <a:pt x="360040" y="216024"/>
-                  </a:lnTo>
-                  <a:lnTo>
-                    <a:pt x="0" y="0"/>
-                  </a:lnTo>
-                  <a:close/>
-                </a:path>
-              </a:pathLst>
-            </a:custGeom>
-            <a:solidFill>
-              <a:schemeClr val="bg1"/>
-            </a:solidFill>
-            <a:ln>
+            <a:r>
+              <a:rPr lang="de-DE" sz="6000" b="1" dirty="0" smtClean="0">
+                <a:solidFill>
+                  <a:schemeClr val="tx1"/>
+                </a:solidFill>
+              </a:rPr>
+              <a:t>?</a:t>
+            </a:r>
+            <a:endParaRPr lang="de-DE" b="1" dirty="0">
               <a:solidFill>
                 <a:schemeClr val="tx1"/>
               </a:solidFill>
-            </a:ln>
-          </p:spPr>
-          <p:style>
-            <a:lnRef idx="2">
-              <a:schemeClr val="accent1">
-                <a:shade val="50000"/>
-              </a:schemeClr>
-            </a:lnRef>
-            <a:fillRef idx="1">
-              <a:schemeClr val="accent1"/>
-            </a:fillRef>
-            <a:effectRef idx="0">
-              <a:schemeClr val="accent1"/>
-            </a:effectRef>
-            <a:fontRef idx="minor">
-              <a:schemeClr val="lt1"/>
-            </a:fontRef>
-          </p:style>
-          <p:txBody>
-            <a:bodyPr rtlCol="0" anchor="ctr"/>
-            <a:lstStyle/>
-            <a:p>
-              <a:pPr algn="ctr"/>
-              <a:endParaRPr lang="de-DE"/>
-            </a:p>
-          </p:txBody>
-        </p:sp>
-        <p:sp>
-          <p:nvSpPr>
-            <p:cNvPr id="19" name="Ellipse 18"/>
-            <p:cNvSpPr/>
-            <p:nvPr/>
-          </p:nvSpPr>
-          <p:spPr>
-            <a:xfrm>
-              <a:off x="1043608" y="476672"/>
-              <a:ext cx="144016" cy="144016"/>
-            </a:xfrm>
-            <a:prstGeom prst="ellipse">
-              <a:avLst/>
-            </a:prstGeom>
-            <a:solidFill>
-              <a:schemeClr val="bg1"/>
-            </a:solidFill>
-            <a:ln>
-              <a:solidFill>
-                <a:schemeClr val="tx1"/>
-              </a:solidFill>
-            </a:ln>
-          </p:spPr>
-          <p:style>
-            <a:lnRef idx="2">
-              <a:schemeClr val="accent1">
-                <a:shade val="50000"/>
-              </a:schemeClr>
-            </a:lnRef>
-            <a:fillRef idx="1">
-              <a:schemeClr val="accent1"/>
-            </a:fillRef>
-            <a:effectRef idx="0">
-              <a:schemeClr val="accent1"/>
-            </a:effectRef>
-            <a:fontRef idx="minor">
-              <a:schemeClr val="lt1"/>
-            </a:fontRef>
-          </p:style>
-          <p:txBody>
-            <a:bodyPr rtlCol="0" anchor="ctr"/>
-            <a:lstStyle/>
-            <a:p>
-              <a:pPr algn="ctr"/>
-              <a:endParaRPr lang="de-DE"/>
-            </a:p>
-          </p:txBody>
-        </p:sp>
-      </p:grpSp>
-      <p:grpSp>
-        <p:nvGrpSpPr>
-          <p:cNvPr id="20" name="Gruppieren 19"/>
-          <p:cNvGrpSpPr/>
-          <p:nvPr/>
-        </p:nvGrpSpPr>
-        <p:grpSpPr>
-          <a:xfrm>
-            <a:off x="1795787" y="4245596"/>
-            <a:ext cx="432048" cy="360040"/>
-            <a:chOff x="755576" y="359551"/>
-            <a:chExt cx="432048" cy="360040"/>
-          </a:xfrm>
-        </p:grpSpPr>
-        <p:sp>
-          <p:nvSpPr>
-            <p:cNvPr id="21" name="Freihandform 20"/>
-            <p:cNvSpPr/>
-            <p:nvPr/>
-          </p:nvSpPr>
-          <p:spPr>
-            <a:xfrm>
-              <a:off x="755576" y="359551"/>
-              <a:ext cx="288032" cy="360040"/>
-            </a:xfrm>
-            <a:custGeom>
-              <a:avLst/>
-              <a:gdLst>
-                <a:gd name="connsiteX0" fmla="*/ 35859 w 403412"/>
-                <a:gd name="connsiteY0" fmla="*/ 0 h 403412"/>
-                <a:gd name="connsiteX1" fmla="*/ 0 w 403412"/>
-                <a:gd name="connsiteY1" fmla="*/ 403412 h 403412"/>
-                <a:gd name="connsiteX2" fmla="*/ 403412 w 403412"/>
-                <a:gd name="connsiteY2" fmla="*/ 268941 h 403412"/>
-                <a:gd name="connsiteX3" fmla="*/ 35859 w 403412"/>
-                <a:gd name="connsiteY3" fmla="*/ 0 h 403412"/>
-                <a:gd name="connsiteX0" fmla="*/ 35859 w 328464"/>
-                <a:gd name="connsiteY0" fmla="*/ 0 h 403412"/>
-                <a:gd name="connsiteX1" fmla="*/ 0 w 328464"/>
-                <a:gd name="connsiteY1" fmla="*/ 403412 h 403412"/>
-                <a:gd name="connsiteX2" fmla="*/ 328464 w 328464"/>
-                <a:gd name="connsiteY2" fmla="*/ 190092 h 403412"/>
-                <a:gd name="connsiteX3" fmla="*/ 35859 w 328464"/>
-                <a:gd name="connsiteY3" fmla="*/ 0 h 403412"/>
-                <a:gd name="connsiteX0" fmla="*/ 0 w 360040"/>
-                <a:gd name="connsiteY0" fmla="*/ 0 h 429344"/>
-                <a:gd name="connsiteX1" fmla="*/ 31576 w 360040"/>
-                <a:gd name="connsiteY1" fmla="*/ 429344 h 429344"/>
-                <a:gd name="connsiteX2" fmla="*/ 360040 w 360040"/>
-                <a:gd name="connsiteY2" fmla="*/ 216024 h 429344"/>
-                <a:gd name="connsiteX3" fmla="*/ 0 w 360040"/>
-                <a:gd name="connsiteY3" fmla="*/ 0 h 429344"/>
-                <a:gd name="connsiteX0" fmla="*/ 0 w 360040"/>
-                <a:gd name="connsiteY0" fmla="*/ 0 h 432048"/>
-                <a:gd name="connsiteX1" fmla="*/ 0 w 360040"/>
-                <a:gd name="connsiteY1" fmla="*/ 432048 h 432048"/>
-                <a:gd name="connsiteX2" fmla="*/ 360040 w 360040"/>
-                <a:gd name="connsiteY2" fmla="*/ 216024 h 432048"/>
-                <a:gd name="connsiteX3" fmla="*/ 0 w 360040"/>
-                <a:gd name="connsiteY3" fmla="*/ 0 h 432048"/>
-              </a:gdLst>
-              <a:ahLst/>
-              <a:cxnLst>
-                <a:cxn ang="0">
-                  <a:pos x="connsiteX0" y="connsiteY0"/>
-                </a:cxn>
-                <a:cxn ang="0">
-                  <a:pos x="connsiteX1" y="connsiteY1"/>
-                </a:cxn>
-                <a:cxn ang="0">
-                  <a:pos x="connsiteX2" y="connsiteY2"/>
-                </a:cxn>
-                <a:cxn ang="0">
-                  <a:pos x="connsiteX3" y="connsiteY3"/>
-                </a:cxn>
-              </a:cxnLst>
-              <a:rect l="l" t="t" r="r" b="b"/>
-              <a:pathLst>
-                <a:path w="360040" h="432048">
-                  <a:moveTo>
-                    <a:pt x="0" y="0"/>
-                  </a:moveTo>
-                  <a:lnTo>
-                    <a:pt x="0" y="432048"/>
-                  </a:lnTo>
-                  <a:lnTo>
-                    <a:pt x="360040" y="216024"/>
-                  </a:lnTo>
-                  <a:lnTo>
-                    <a:pt x="0" y="0"/>
-                  </a:lnTo>
-                  <a:close/>
-                </a:path>
-              </a:pathLst>
-            </a:custGeom>
-            <a:solidFill>
-              <a:schemeClr val="bg1"/>
-            </a:solidFill>
-            <a:ln>
-              <a:solidFill>
-                <a:schemeClr val="tx1"/>
-              </a:solidFill>
-            </a:ln>
-          </p:spPr>
-          <p:style>
-            <a:lnRef idx="2">
-              <a:schemeClr val="accent1">
-                <a:shade val="50000"/>
-              </a:schemeClr>
-            </a:lnRef>
-            <a:fillRef idx="1">
-              <a:schemeClr val="accent1"/>
-            </a:fillRef>
-            <a:effectRef idx="0">
-              <a:schemeClr val="accent1"/>
-            </a:effectRef>
-            <a:fontRef idx="minor">
-              <a:schemeClr val="lt1"/>
-            </a:fontRef>
-          </p:style>
-          <p:txBody>
-            <a:bodyPr rtlCol="0" anchor="ctr"/>
-            <a:lstStyle/>
-            <a:p>
-              <a:pPr algn="ctr"/>
-              <a:endParaRPr lang="de-DE"/>
-            </a:p>
-          </p:txBody>
-        </p:sp>
-        <p:sp>
-          <p:nvSpPr>
-            <p:cNvPr id="22" name="Ellipse 21"/>
-            <p:cNvSpPr/>
-            <p:nvPr/>
-          </p:nvSpPr>
-          <p:spPr>
-            <a:xfrm>
-              <a:off x="1043608" y="476672"/>
-              <a:ext cx="144016" cy="144016"/>
-            </a:xfrm>
-            <a:prstGeom prst="ellipse">
-              <a:avLst/>
-            </a:prstGeom>
-            <a:solidFill>
-              <a:schemeClr val="bg1"/>
-            </a:solidFill>
-            <a:ln>
-              <a:solidFill>
-                <a:schemeClr val="tx1"/>
-              </a:solidFill>
-            </a:ln>
-          </p:spPr>
-          <p:style>
-            <a:lnRef idx="2">
-              <a:schemeClr val="accent1">
-                <a:shade val="50000"/>
-              </a:schemeClr>
-            </a:lnRef>
-            <a:fillRef idx="1">
-              <a:schemeClr val="accent1"/>
-            </a:fillRef>
-            <a:effectRef idx="0">
-              <a:schemeClr val="accent1"/>
-            </a:effectRef>
-            <a:fontRef idx="minor">
-              <a:schemeClr val="lt1"/>
-            </a:fontRef>
-          </p:style>
-          <p:txBody>
-            <a:bodyPr rtlCol="0" anchor="ctr"/>
-            <a:lstStyle/>
-            <a:p>
-              <a:pPr algn="ctr"/>
-              <a:endParaRPr lang="de-DE"/>
-            </a:p>
-          </p:txBody>
-        </p:sp>
-      </p:grpSp>
-      <p:grpSp>
-        <p:nvGrpSpPr>
-          <p:cNvPr id="23" name="Gruppieren 22"/>
-          <p:cNvGrpSpPr/>
-          <p:nvPr/>
-        </p:nvGrpSpPr>
-        <p:grpSpPr>
-          <a:xfrm>
-            <a:off x="2811710" y="3657067"/>
-            <a:ext cx="432048" cy="360040"/>
-            <a:chOff x="755576" y="359551"/>
-            <a:chExt cx="432048" cy="360040"/>
-          </a:xfrm>
-        </p:grpSpPr>
-        <p:sp>
-          <p:nvSpPr>
-            <p:cNvPr id="24" name="Freihandform 23"/>
-            <p:cNvSpPr/>
-            <p:nvPr/>
-          </p:nvSpPr>
-          <p:spPr>
-            <a:xfrm>
-              <a:off x="755576" y="359551"/>
-              <a:ext cx="288032" cy="360040"/>
-            </a:xfrm>
-            <a:custGeom>
-              <a:avLst/>
-              <a:gdLst>
-                <a:gd name="connsiteX0" fmla="*/ 35859 w 403412"/>
-                <a:gd name="connsiteY0" fmla="*/ 0 h 403412"/>
-                <a:gd name="connsiteX1" fmla="*/ 0 w 403412"/>
-                <a:gd name="connsiteY1" fmla="*/ 403412 h 403412"/>
-                <a:gd name="connsiteX2" fmla="*/ 403412 w 403412"/>
-                <a:gd name="connsiteY2" fmla="*/ 268941 h 403412"/>
-                <a:gd name="connsiteX3" fmla="*/ 35859 w 403412"/>
-                <a:gd name="connsiteY3" fmla="*/ 0 h 403412"/>
-                <a:gd name="connsiteX0" fmla="*/ 35859 w 328464"/>
-                <a:gd name="connsiteY0" fmla="*/ 0 h 403412"/>
-                <a:gd name="connsiteX1" fmla="*/ 0 w 328464"/>
-                <a:gd name="connsiteY1" fmla="*/ 403412 h 403412"/>
-                <a:gd name="connsiteX2" fmla="*/ 328464 w 328464"/>
-                <a:gd name="connsiteY2" fmla="*/ 190092 h 403412"/>
-                <a:gd name="connsiteX3" fmla="*/ 35859 w 328464"/>
-                <a:gd name="connsiteY3" fmla="*/ 0 h 403412"/>
-                <a:gd name="connsiteX0" fmla="*/ 0 w 360040"/>
-                <a:gd name="connsiteY0" fmla="*/ 0 h 429344"/>
-                <a:gd name="connsiteX1" fmla="*/ 31576 w 360040"/>
-                <a:gd name="connsiteY1" fmla="*/ 429344 h 429344"/>
-                <a:gd name="connsiteX2" fmla="*/ 360040 w 360040"/>
-                <a:gd name="connsiteY2" fmla="*/ 216024 h 429344"/>
-                <a:gd name="connsiteX3" fmla="*/ 0 w 360040"/>
-                <a:gd name="connsiteY3" fmla="*/ 0 h 429344"/>
-                <a:gd name="connsiteX0" fmla="*/ 0 w 360040"/>
-                <a:gd name="connsiteY0" fmla="*/ 0 h 432048"/>
-                <a:gd name="connsiteX1" fmla="*/ 0 w 360040"/>
-                <a:gd name="connsiteY1" fmla="*/ 432048 h 432048"/>
-                <a:gd name="connsiteX2" fmla="*/ 360040 w 360040"/>
-                <a:gd name="connsiteY2" fmla="*/ 216024 h 432048"/>
-                <a:gd name="connsiteX3" fmla="*/ 0 w 360040"/>
-                <a:gd name="connsiteY3" fmla="*/ 0 h 432048"/>
-              </a:gdLst>
-              <a:ahLst/>
-              <a:cxnLst>
-                <a:cxn ang="0">
-                  <a:pos x="connsiteX0" y="connsiteY0"/>
-                </a:cxn>
-                <a:cxn ang="0">
-                  <a:pos x="connsiteX1" y="connsiteY1"/>
-                </a:cxn>
-                <a:cxn ang="0">
-                  <a:pos x="connsiteX2" y="connsiteY2"/>
-                </a:cxn>
-                <a:cxn ang="0">
-                  <a:pos x="connsiteX3" y="connsiteY3"/>
-                </a:cxn>
-              </a:cxnLst>
-              <a:rect l="l" t="t" r="r" b="b"/>
-              <a:pathLst>
-                <a:path w="360040" h="432048">
-                  <a:moveTo>
-                    <a:pt x="0" y="0"/>
-                  </a:moveTo>
-                  <a:lnTo>
-                    <a:pt x="0" y="432048"/>
-                  </a:lnTo>
-                  <a:lnTo>
-                    <a:pt x="360040" y="216024"/>
-                  </a:lnTo>
-                  <a:lnTo>
-                    <a:pt x="0" y="0"/>
-                  </a:lnTo>
-                  <a:close/>
-                </a:path>
-              </a:pathLst>
-            </a:custGeom>
-            <a:solidFill>
-              <a:schemeClr val="bg1"/>
-            </a:solidFill>
-            <a:ln>
-              <a:solidFill>
-                <a:schemeClr val="tx1"/>
-              </a:solidFill>
-            </a:ln>
-          </p:spPr>
-          <p:style>
-            <a:lnRef idx="2">
-              <a:schemeClr val="accent1">
-                <a:shade val="50000"/>
-              </a:schemeClr>
-            </a:lnRef>
-            <a:fillRef idx="1">
-              <a:schemeClr val="accent1"/>
-            </a:fillRef>
-            <a:effectRef idx="0">
-              <a:schemeClr val="accent1"/>
-            </a:effectRef>
-            <a:fontRef idx="minor">
-              <a:schemeClr val="lt1"/>
-            </a:fontRef>
-          </p:style>
-          <p:txBody>
-            <a:bodyPr rtlCol="0" anchor="ctr"/>
-            <a:lstStyle/>
-            <a:p>
-              <a:pPr algn="ctr"/>
-              <a:endParaRPr lang="de-DE"/>
-            </a:p>
-          </p:txBody>
-        </p:sp>
-        <p:sp>
-          <p:nvSpPr>
-            <p:cNvPr id="25" name="Ellipse 24"/>
-            <p:cNvSpPr/>
-            <p:nvPr/>
-          </p:nvSpPr>
-          <p:spPr>
-            <a:xfrm>
-              <a:off x="1043608" y="476672"/>
-              <a:ext cx="144016" cy="144016"/>
-            </a:xfrm>
-            <a:prstGeom prst="ellipse">
-              <a:avLst/>
-            </a:prstGeom>
-            <a:solidFill>
-              <a:schemeClr val="bg1"/>
-            </a:solidFill>
-            <a:ln>
-              <a:solidFill>
-                <a:schemeClr val="tx1"/>
-              </a:solidFill>
-            </a:ln>
-          </p:spPr>
-          <p:style>
-            <a:lnRef idx="2">
-              <a:schemeClr val="accent1">
-                <a:shade val="50000"/>
-              </a:schemeClr>
-            </a:lnRef>
-            <a:fillRef idx="1">
-              <a:schemeClr val="accent1"/>
-            </a:fillRef>
-            <a:effectRef idx="0">
-              <a:schemeClr val="accent1"/>
-            </a:effectRef>
-            <a:fontRef idx="minor">
-              <a:schemeClr val="lt1"/>
-            </a:fontRef>
-          </p:style>
-          <p:txBody>
-            <a:bodyPr rtlCol="0" anchor="ctr"/>
-            <a:lstStyle/>
-            <a:p>
-              <a:pPr algn="ctr"/>
-              <a:endParaRPr lang="de-DE"/>
-            </a:p>
-          </p:txBody>
-        </p:sp>
-      </p:grpSp>
-      <p:sp>
-        <p:nvSpPr>
-          <p:cNvPr id="29" name="Ellipse 28"/>
-          <p:cNvSpPr/>
-          <p:nvPr/>
-        </p:nvSpPr>
-        <p:spPr>
-          <a:xfrm>
-            <a:off x="3459782" y="3743046"/>
-            <a:ext cx="144016" cy="144016"/>
-          </a:xfrm>
-          <a:prstGeom prst="ellipse">
-            <a:avLst/>
-          </a:prstGeom>
-          <a:solidFill>
-            <a:schemeClr val="tx1"/>
-          </a:solidFill>
-          <a:ln w="28575">
-            <a:solidFill>
-              <a:schemeClr val="tx1"/>
-            </a:solidFill>
-          </a:ln>
-        </p:spPr>
-        <p:style>
-          <a:lnRef idx="2">
-            <a:schemeClr val="accent1">
-              <a:shade val="50000"/>
-            </a:schemeClr>
-          </a:lnRef>
-          <a:fillRef idx="1">
-            <a:schemeClr val="accent1"/>
-          </a:fillRef>
-          <a:effectRef idx="0">
-            <a:schemeClr val="accent1"/>
-          </a:effectRef>
-          <a:fontRef idx="minor">
-            <a:schemeClr val="lt1"/>
-          </a:fontRef>
-        </p:style>
-        <p:txBody>
-          <a:bodyPr rtlCol="0" anchor="ctr"/>
-          <a:lstStyle/>
-          <a:p>
-            <a:pPr algn="ctr"/>
-            <a:endParaRPr lang="de-DE"/>
-          </a:p>
-        </p:txBody>
-      </p:sp>
-      <p:sp>
-        <p:nvSpPr>
-          <p:cNvPr id="30" name="Ellipse 29"/>
-          <p:cNvSpPr/>
-          <p:nvPr/>
-        </p:nvSpPr>
-        <p:spPr>
-          <a:xfrm>
-            <a:off x="3459782" y="4341522"/>
-            <a:ext cx="144016" cy="144016"/>
-          </a:xfrm>
-          <a:prstGeom prst="ellipse">
-            <a:avLst/>
-          </a:prstGeom>
-          <a:solidFill>
-            <a:schemeClr val="tx1"/>
-          </a:solidFill>
-          <a:ln w="28575">
-            <a:solidFill>
-              <a:schemeClr val="tx1"/>
-            </a:solidFill>
-          </a:ln>
-        </p:spPr>
-        <p:style>
-          <a:lnRef idx="2">
-            <a:schemeClr val="accent1">
-              <a:shade val="50000"/>
-            </a:schemeClr>
-          </a:lnRef>
-          <a:fillRef idx="1">
-            <a:schemeClr val="accent1"/>
-          </a:fillRef>
-          <a:effectRef idx="0">
-            <a:schemeClr val="accent1"/>
-          </a:effectRef>
-          <a:fontRef idx="minor">
-            <a:schemeClr val="lt1"/>
-          </a:fontRef>
-        </p:style>
-        <p:txBody>
-          <a:bodyPr rtlCol="0" anchor="ctr"/>
-          <a:lstStyle/>
-          <a:p>
-            <a:pPr algn="ctr"/>
-            <a:endParaRPr lang="de-DE"/>
-          </a:p>
-        </p:txBody>
-      </p:sp>
-      <p:sp>
-        <p:nvSpPr>
-          <p:cNvPr id="31" name="Ellipse 30"/>
-          <p:cNvSpPr/>
-          <p:nvPr/>
-        </p:nvSpPr>
-        <p:spPr>
-          <a:xfrm>
-            <a:off x="3387774" y="4869160"/>
-            <a:ext cx="288032" cy="288032"/>
-          </a:xfrm>
-          <a:prstGeom prst="ellipse">
-            <a:avLst/>
-          </a:prstGeom>
-          <a:solidFill>
-            <a:schemeClr val="bg1"/>
-          </a:solidFill>
-          <a:ln w="28575">
-            <a:solidFill>
-              <a:schemeClr val="tx1"/>
-            </a:solidFill>
-          </a:ln>
-        </p:spPr>
-        <p:style>
-          <a:lnRef idx="2">
-            <a:schemeClr val="accent1">
-              <a:shade val="50000"/>
-            </a:schemeClr>
-          </a:lnRef>
-          <a:fillRef idx="1">
-            <a:schemeClr val="accent1"/>
-          </a:fillRef>
-          <a:effectRef idx="0">
-            <a:schemeClr val="accent1"/>
-          </a:effectRef>
-          <a:fontRef idx="minor">
-            <a:schemeClr val="lt1"/>
-          </a:fontRef>
-        </p:style>
-        <p:txBody>
-          <a:bodyPr rtlCol="0" anchor="ctr"/>
-          <a:lstStyle/>
-          <a:p>
-            <a:pPr algn="ctr"/>
-            <a:endParaRPr lang="de-DE"/>
-          </a:p>
-        </p:txBody>
-      </p:sp>
-      <p:cxnSp>
-        <p:nvCxnSpPr>
-          <p:cNvPr id="32" name="Gerade Verbindung 31"/>
-          <p:cNvCxnSpPr>
-            <a:stCxn id="31" idx="4"/>
-            <a:endCxn id="29" idx="0"/>
-          </p:cNvCxnSpPr>
-          <p:nvPr/>
-        </p:nvCxnSpPr>
-        <p:spPr>
-          <a:xfrm flipV="1">
-            <a:off x="3531790" y="3743046"/>
-            <a:ext cx="0" cy="1414146"/>
-          </a:xfrm>
-          <a:prstGeom prst="line">
-            <a:avLst/>
-          </a:prstGeom>
-          <a:ln w="28575">
-            <a:solidFill>
-              <a:schemeClr val="tx1"/>
-            </a:solidFill>
-          </a:ln>
-        </p:spPr>
-        <p:style>
-          <a:lnRef idx="1">
-            <a:schemeClr val="accent1"/>
-          </a:lnRef>
-          <a:fillRef idx="0">
-            <a:schemeClr val="accent1"/>
-          </a:fillRef>
-          <a:effectRef idx="0">
-            <a:schemeClr val="accent1"/>
-          </a:effectRef>
-          <a:fontRef idx="minor">
-            <a:schemeClr val="tx1"/>
-          </a:fontRef>
-        </p:style>
-      </p:cxnSp>
-      <p:cxnSp>
-        <p:nvCxnSpPr>
-          <p:cNvPr id="33" name="Gerade Verbindung 32"/>
-          <p:cNvCxnSpPr>
-            <a:stCxn id="31" idx="2"/>
-            <a:endCxn id="31" idx="6"/>
-          </p:cNvCxnSpPr>
-          <p:nvPr/>
-        </p:nvCxnSpPr>
-        <p:spPr>
-          <a:xfrm>
-            <a:off x="3387774" y="5013176"/>
-            <a:ext cx="288032" cy="0"/>
-          </a:xfrm>
-          <a:prstGeom prst="line">
-            <a:avLst/>
-          </a:prstGeom>
-          <a:ln w="28575">
-            <a:solidFill>
-              <a:schemeClr val="tx1"/>
-            </a:solidFill>
-          </a:ln>
-        </p:spPr>
-        <p:style>
-          <a:lnRef idx="1">
-            <a:schemeClr val="accent1"/>
-          </a:lnRef>
-          <a:fillRef idx="0">
-            <a:schemeClr val="accent1"/>
-          </a:fillRef>
-          <a:effectRef idx="0">
-            <a:schemeClr val="accent1"/>
-          </a:effectRef>
-          <a:fontRef idx="minor">
-            <a:schemeClr val="tx1"/>
-          </a:fontRef>
-        </p:style>
-      </p:cxnSp>
-      <p:sp>
-        <p:nvSpPr>
-          <p:cNvPr id="34" name="Textfeld 33"/>
-          <p:cNvSpPr txBox="1"/>
-          <p:nvPr/>
-        </p:nvSpPr>
-        <p:spPr>
-          <a:xfrm>
-            <a:off x="2953908" y="2912311"/>
-            <a:ext cx="1102161" cy="338554"/>
-          </a:xfrm>
-          <a:prstGeom prst="rect">
-            <a:avLst/>
-          </a:prstGeom>
-          <a:noFill/>
-        </p:spPr>
-        <p:txBody>
-          <a:bodyPr wrap="none" rtlCol="0">
-            <a:spAutoFit/>
-          </a:bodyPr>
-          <a:lstStyle/>
-          <a:p>
-            <a:r>
-              <a:rPr lang="de-DE" sz="1600" dirty="0" smtClean="0"/>
-              <a:t>Oracle (01)</a:t>
-            </a:r>
-            <a:endParaRPr lang="de-DE" sz="1600" dirty="0"/>
-          </a:p>
-        </p:txBody>
-      </p:sp>
-      <p:sp>
-        <p:nvSpPr>
-          <p:cNvPr id="35" name="Geschweifte Klammer links 34"/>
-          <p:cNvSpPr/>
-          <p:nvPr/>
-        </p:nvSpPr>
-        <p:spPr>
-          <a:xfrm rot="5400000">
-            <a:off x="3399017" y="2531416"/>
-            <a:ext cx="213760" cy="1676407"/>
-          </a:xfrm>
-          <a:prstGeom prst="leftBrace">
-            <a:avLst/>
-          </a:prstGeom>
-          <a:ln w="38100">
-            <a:solidFill>
-              <a:schemeClr val="tx1"/>
-            </a:solidFill>
-          </a:ln>
-        </p:spPr>
-        <p:style>
-          <a:lnRef idx="1">
-            <a:schemeClr val="accent1"/>
-          </a:lnRef>
-          <a:fillRef idx="0">
-            <a:schemeClr val="accent1"/>
-          </a:fillRef>
-          <a:effectRef idx="0">
-            <a:schemeClr val="accent1"/>
-          </a:effectRef>
-          <a:fontRef idx="minor">
-            <a:schemeClr val="tx1"/>
-          </a:fontRef>
-        </p:style>
-        <p:txBody>
-          <a:bodyPr rtlCol="0" anchor="ctr"/>
-          <a:lstStyle/>
-          <a:p>
-            <a:pPr algn="ctr"/>
-            <a:endParaRPr lang="de-DE" dirty="0"/>
-          </a:p>
-        </p:txBody>
-      </p:sp>
-      <p:grpSp>
-        <p:nvGrpSpPr>
-          <p:cNvPr id="36" name="Gruppieren 35"/>
-          <p:cNvGrpSpPr/>
-          <p:nvPr/>
-        </p:nvGrpSpPr>
-        <p:grpSpPr>
-          <a:xfrm>
-            <a:off x="3851920" y="3645024"/>
-            <a:ext cx="432048" cy="360040"/>
-            <a:chOff x="755576" y="359551"/>
-            <a:chExt cx="432048" cy="360040"/>
-          </a:xfrm>
-        </p:grpSpPr>
-        <p:sp>
-          <p:nvSpPr>
-            <p:cNvPr id="37" name="Freihandform 36"/>
-            <p:cNvSpPr/>
-            <p:nvPr/>
-          </p:nvSpPr>
-          <p:spPr>
-            <a:xfrm>
-              <a:off x="755576" y="359551"/>
-              <a:ext cx="288032" cy="360040"/>
-            </a:xfrm>
-            <a:custGeom>
-              <a:avLst/>
-              <a:gdLst>
-                <a:gd name="connsiteX0" fmla="*/ 35859 w 403412"/>
-                <a:gd name="connsiteY0" fmla="*/ 0 h 403412"/>
-                <a:gd name="connsiteX1" fmla="*/ 0 w 403412"/>
-                <a:gd name="connsiteY1" fmla="*/ 403412 h 403412"/>
-                <a:gd name="connsiteX2" fmla="*/ 403412 w 403412"/>
-                <a:gd name="connsiteY2" fmla="*/ 268941 h 403412"/>
-                <a:gd name="connsiteX3" fmla="*/ 35859 w 403412"/>
-                <a:gd name="connsiteY3" fmla="*/ 0 h 403412"/>
-                <a:gd name="connsiteX0" fmla="*/ 35859 w 328464"/>
-                <a:gd name="connsiteY0" fmla="*/ 0 h 403412"/>
-                <a:gd name="connsiteX1" fmla="*/ 0 w 328464"/>
-                <a:gd name="connsiteY1" fmla="*/ 403412 h 403412"/>
-                <a:gd name="connsiteX2" fmla="*/ 328464 w 328464"/>
-                <a:gd name="connsiteY2" fmla="*/ 190092 h 403412"/>
-                <a:gd name="connsiteX3" fmla="*/ 35859 w 328464"/>
-                <a:gd name="connsiteY3" fmla="*/ 0 h 403412"/>
-                <a:gd name="connsiteX0" fmla="*/ 0 w 360040"/>
-                <a:gd name="connsiteY0" fmla="*/ 0 h 429344"/>
-                <a:gd name="connsiteX1" fmla="*/ 31576 w 360040"/>
-                <a:gd name="connsiteY1" fmla="*/ 429344 h 429344"/>
-                <a:gd name="connsiteX2" fmla="*/ 360040 w 360040"/>
-                <a:gd name="connsiteY2" fmla="*/ 216024 h 429344"/>
-                <a:gd name="connsiteX3" fmla="*/ 0 w 360040"/>
-                <a:gd name="connsiteY3" fmla="*/ 0 h 429344"/>
-                <a:gd name="connsiteX0" fmla="*/ 0 w 360040"/>
-                <a:gd name="connsiteY0" fmla="*/ 0 h 432048"/>
-                <a:gd name="connsiteX1" fmla="*/ 0 w 360040"/>
-                <a:gd name="connsiteY1" fmla="*/ 432048 h 432048"/>
-                <a:gd name="connsiteX2" fmla="*/ 360040 w 360040"/>
-                <a:gd name="connsiteY2" fmla="*/ 216024 h 432048"/>
-                <a:gd name="connsiteX3" fmla="*/ 0 w 360040"/>
-                <a:gd name="connsiteY3" fmla="*/ 0 h 432048"/>
-              </a:gdLst>
-              <a:ahLst/>
-              <a:cxnLst>
-                <a:cxn ang="0">
-                  <a:pos x="connsiteX0" y="connsiteY0"/>
-                </a:cxn>
-                <a:cxn ang="0">
-                  <a:pos x="connsiteX1" y="connsiteY1"/>
-                </a:cxn>
-                <a:cxn ang="0">
-                  <a:pos x="connsiteX2" y="connsiteY2"/>
-                </a:cxn>
-                <a:cxn ang="0">
-                  <a:pos x="connsiteX3" y="connsiteY3"/>
-                </a:cxn>
-              </a:cxnLst>
-              <a:rect l="l" t="t" r="r" b="b"/>
-              <a:pathLst>
-                <a:path w="360040" h="432048">
-                  <a:moveTo>
-                    <a:pt x="0" y="0"/>
-                  </a:moveTo>
-                  <a:lnTo>
-                    <a:pt x="0" y="432048"/>
-                  </a:lnTo>
-                  <a:lnTo>
-                    <a:pt x="360040" y="216024"/>
-                  </a:lnTo>
-                  <a:lnTo>
-                    <a:pt x="0" y="0"/>
-                  </a:lnTo>
-                  <a:close/>
-                </a:path>
-              </a:pathLst>
-            </a:custGeom>
-            <a:solidFill>
-              <a:schemeClr val="bg1"/>
-            </a:solidFill>
-            <a:ln>
-              <a:solidFill>
-                <a:schemeClr val="tx1"/>
-              </a:solidFill>
-            </a:ln>
-          </p:spPr>
-          <p:style>
-            <a:lnRef idx="2">
-              <a:schemeClr val="accent1">
-                <a:shade val="50000"/>
-              </a:schemeClr>
-            </a:lnRef>
-            <a:fillRef idx="1">
-              <a:schemeClr val="accent1"/>
-            </a:fillRef>
-            <a:effectRef idx="0">
-              <a:schemeClr val="accent1"/>
-            </a:effectRef>
-            <a:fontRef idx="minor">
-              <a:schemeClr val="lt1"/>
-            </a:fontRef>
-          </p:style>
-          <p:txBody>
-            <a:bodyPr rtlCol="0" anchor="ctr"/>
-            <a:lstStyle/>
-            <a:p>
-              <a:pPr algn="ctr"/>
-              <a:endParaRPr lang="de-DE"/>
-            </a:p>
-          </p:txBody>
-        </p:sp>
-        <p:sp>
-          <p:nvSpPr>
-            <p:cNvPr id="38" name="Ellipse 37"/>
-            <p:cNvSpPr/>
-            <p:nvPr/>
-          </p:nvSpPr>
-          <p:spPr>
-            <a:xfrm>
-              <a:off x="1043608" y="476672"/>
-              <a:ext cx="144016" cy="144016"/>
-            </a:xfrm>
-            <a:prstGeom prst="ellipse">
-              <a:avLst/>
-            </a:prstGeom>
-            <a:solidFill>
-              <a:schemeClr val="bg1"/>
-            </a:solidFill>
-            <a:ln>
-              <a:solidFill>
-                <a:schemeClr val="tx1"/>
-              </a:solidFill>
-            </a:ln>
-          </p:spPr>
-          <p:style>
-            <a:lnRef idx="2">
-              <a:schemeClr val="accent1">
-                <a:shade val="50000"/>
-              </a:schemeClr>
-            </a:lnRef>
-            <a:fillRef idx="1">
-              <a:schemeClr val="accent1"/>
-            </a:fillRef>
-            <a:effectRef idx="0">
-              <a:schemeClr val="accent1"/>
-            </a:effectRef>
-            <a:fontRef idx="minor">
-              <a:schemeClr val="lt1"/>
-            </a:fontRef>
-          </p:style>
-          <p:txBody>
-            <a:bodyPr rtlCol="0" anchor="ctr"/>
-            <a:lstStyle/>
-            <a:p>
-              <a:pPr algn="ctr"/>
-              <a:endParaRPr lang="de-DE"/>
-            </a:p>
-          </p:txBody>
-        </p:sp>
-      </p:grpSp>
-      <p:grpSp>
-        <p:nvGrpSpPr>
-          <p:cNvPr id="45" name="Gruppieren 44"/>
-          <p:cNvGrpSpPr/>
-          <p:nvPr/>
-        </p:nvGrpSpPr>
-        <p:grpSpPr>
-          <a:xfrm>
-            <a:off x="4971950" y="4233131"/>
-            <a:ext cx="432048" cy="360040"/>
-            <a:chOff x="755576" y="359551"/>
-            <a:chExt cx="432048" cy="360040"/>
-          </a:xfrm>
-        </p:grpSpPr>
-        <p:sp>
-          <p:nvSpPr>
-            <p:cNvPr id="46" name="Freihandform 45"/>
-            <p:cNvSpPr/>
-            <p:nvPr/>
-          </p:nvSpPr>
-          <p:spPr>
-            <a:xfrm>
-              <a:off x="755576" y="359551"/>
-              <a:ext cx="288032" cy="360040"/>
-            </a:xfrm>
-            <a:custGeom>
-              <a:avLst/>
-              <a:gdLst>
-                <a:gd name="connsiteX0" fmla="*/ 35859 w 403412"/>
-                <a:gd name="connsiteY0" fmla="*/ 0 h 403412"/>
-                <a:gd name="connsiteX1" fmla="*/ 0 w 403412"/>
-                <a:gd name="connsiteY1" fmla="*/ 403412 h 403412"/>
-                <a:gd name="connsiteX2" fmla="*/ 403412 w 403412"/>
-                <a:gd name="connsiteY2" fmla="*/ 268941 h 403412"/>
-                <a:gd name="connsiteX3" fmla="*/ 35859 w 403412"/>
-                <a:gd name="connsiteY3" fmla="*/ 0 h 403412"/>
-                <a:gd name="connsiteX0" fmla="*/ 35859 w 328464"/>
-                <a:gd name="connsiteY0" fmla="*/ 0 h 403412"/>
-                <a:gd name="connsiteX1" fmla="*/ 0 w 328464"/>
-                <a:gd name="connsiteY1" fmla="*/ 403412 h 403412"/>
-                <a:gd name="connsiteX2" fmla="*/ 328464 w 328464"/>
-                <a:gd name="connsiteY2" fmla="*/ 190092 h 403412"/>
-                <a:gd name="connsiteX3" fmla="*/ 35859 w 328464"/>
-                <a:gd name="connsiteY3" fmla="*/ 0 h 403412"/>
-                <a:gd name="connsiteX0" fmla="*/ 0 w 360040"/>
-                <a:gd name="connsiteY0" fmla="*/ 0 h 429344"/>
-                <a:gd name="connsiteX1" fmla="*/ 31576 w 360040"/>
-                <a:gd name="connsiteY1" fmla="*/ 429344 h 429344"/>
-                <a:gd name="connsiteX2" fmla="*/ 360040 w 360040"/>
-                <a:gd name="connsiteY2" fmla="*/ 216024 h 429344"/>
-                <a:gd name="connsiteX3" fmla="*/ 0 w 360040"/>
-                <a:gd name="connsiteY3" fmla="*/ 0 h 429344"/>
-                <a:gd name="connsiteX0" fmla="*/ 0 w 360040"/>
-                <a:gd name="connsiteY0" fmla="*/ 0 h 432048"/>
-                <a:gd name="connsiteX1" fmla="*/ 0 w 360040"/>
-                <a:gd name="connsiteY1" fmla="*/ 432048 h 432048"/>
-                <a:gd name="connsiteX2" fmla="*/ 360040 w 360040"/>
-                <a:gd name="connsiteY2" fmla="*/ 216024 h 432048"/>
-                <a:gd name="connsiteX3" fmla="*/ 0 w 360040"/>
-                <a:gd name="connsiteY3" fmla="*/ 0 h 432048"/>
-              </a:gdLst>
-              <a:ahLst/>
-              <a:cxnLst>
-                <a:cxn ang="0">
-                  <a:pos x="connsiteX0" y="connsiteY0"/>
-                </a:cxn>
-                <a:cxn ang="0">
-                  <a:pos x="connsiteX1" y="connsiteY1"/>
-                </a:cxn>
-                <a:cxn ang="0">
-                  <a:pos x="connsiteX2" y="connsiteY2"/>
-                </a:cxn>
-                <a:cxn ang="0">
-                  <a:pos x="connsiteX3" y="connsiteY3"/>
-                </a:cxn>
-              </a:cxnLst>
-              <a:rect l="l" t="t" r="r" b="b"/>
-              <a:pathLst>
-                <a:path w="360040" h="432048">
-                  <a:moveTo>
-                    <a:pt x="0" y="0"/>
-                  </a:moveTo>
-                  <a:lnTo>
-                    <a:pt x="0" y="432048"/>
-                  </a:lnTo>
-                  <a:lnTo>
-                    <a:pt x="360040" y="216024"/>
-                  </a:lnTo>
-                  <a:lnTo>
-                    <a:pt x="0" y="0"/>
-                  </a:lnTo>
-                  <a:close/>
-                </a:path>
-              </a:pathLst>
-            </a:custGeom>
-            <a:solidFill>
-              <a:schemeClr val="bg1"/>
-            </a:solidFill>
-            <a:ln>
-              <a:solidFill>
-                <a:schemeClr val="tx1"/>
-              </a:solidFill>
-            </a:ln>
-          </p:spPr>
-          <p:style>
-            <a:lnRef idx="2">
-              <a:schemeClr val="accent1">
-                <a:shade val="50000"/>
-              </a:schemeClr>
-            </a:lnRef>
-            <a:fillRef idx="1">
-              <a:schemeClr val="accent1"/>
-            </a:fillRef>
-            <a:effectRef idx="0">
-              <a:schemeClr val="accent1"/>
-            </a:effectRef>
-            <a:fontRef idx="minor">
-              <a:schemeClr val="lt1"/>
-            </a:fontRef>
-          </p:style>
-          <p:txBody>
-            <a:bodyPr rtlCol="0" anchor="ctr"/>
-            <a:lstStyle/>
-            <a:p>
-              <a:pPr algn="ctr"/>
-              <a:endParaRPr lang="de-DE"/>
-            </a:p>
-          </p:txBody>
-        </p:sp>
-        <p:sp>
-          <p:nvSpPr>
-            <p:cNvPr id="47" name="Ellipse 46"/>
-            <p:cNvSpPr/>
-            <p:nvPr/>
-          </p:nvSpPr>
-          <p:spPr>
-            <a:xfrm>
-              <a:off x="1043608" y="476672"/>
-              <a:ext cx="144016" cy="144016"/>
-            </a:xfrm>
-            <a:prstGeom prst="ellipse">
-              <a:avLst/>
-            </a:prstGeom>
-            <a:solidFill>
-              <a:schemeClr val="bg1"/>
-            </a:solidFill>
-            <a:ln>
-              <a:solidFill>
-                <a:schemeClr val="tx1"/>
-              </a:solidFill>
-            </a:ln>
-          </p:spPr>
-          <p:style>
-            <a:lnRef idx="2">
-              <a:schemeClr val="accent1">
-                <a:shade val="50000"/>
-              </a:schemeClr>
-            </a:lnRef>
-            <a:fillRef idx="1">
-              <a:schemeClr val="accent1"/>
-            </a:fillRef>
-            <a:effectRef idx="0">
-              <a:schemeClr val="accent1"/>
-            </a:effectRef>
-            <a:fontRef idx="minor">
-              <a:schemeClr val="lt1"/>
-            </a:fontRef>
-          </p:style>
-          <p:txBody>
-            <a:bodyPr rtlCol="0" anchor="ctr"/>
-            <a:lstStyle/>
-            <a:p>
-              <a:pPr algn="ctr"/>
-              <a:endParaRPr lang="de-DE"/>
-            </a:p>
-          </p:txBody>
-        </p:sp>
-      </p:grpSp>
-      <p:sp>
-        <p:nvSpPr>
-          <p:cNvPr id="48" name="Ellipse 47"/>
-          <p:cNvSpPr/>
-          <p:nvPr/>
-        </p:nvSpPr>
-        <p:spPr>
-          <a:xfrm>
-            <a:off x="5620022" y="3743046"/>
-            <a:ext cx="144016" cy="144016"/>
-          </a:xfrm>
-          <a:prstGeom prst="ellipse">
-            <a:avLst/>
-          </a:prstGeom>
-          <a:solidFill>
-            <a:schemeClr val="tx1"/>
-          </a:solidFill>
-          <a:ln w="28575">
-            <a:solidFill>
-              <a:schemeClr val="tx1"/>
-            </a:solidFill>
-          </a:ln>
-        </p:spPr>
-        <p:style>
-          <a:lnRef idx="2">
-            <a:schemeClr val="accent1">
-              <a:shade val="50000"/>
-            </a:schemeClr>
-          </a:lnRef>
-          <a:fillRef idx="1">
-            <a:schemeClr val="accent1"/>
-          </a:fillRef>
-          <a:effectRef idx="0">
-            <a:schemeClr val="accent1"/>
-          </a:effectRef>
-          <a:fontRef idx="minor">
-            <a:schemeClr val="lt1"/>
-          </a:fontRef>
-        </p:style>
-        <p:txBody>
-          <a:bodyPr rtlCol="0" anchor="ctr"/>
-          <a:lstStyle/>
-          <a:p>
-            <a:pPr algn="ctr"/>
-            <a:endParaRPr lang="de-DE"/>
-          </a:p>
-        </p:txBody>
-      </p:sp>
-      <p:sp>
-        <p:nvSpPr>
-          <p:cNvPr id="49" name="Ellipse 48"/>
-          <p:cNvSpPr/>
-          <p:nvPr/>
-        </p:nvSpPr>
-        <p:spPr>
-          <a:xfrm>
-            <a:off x="5620022" y="4341522"/>
-            <a:ext cx="144016" cy="144016"/>
-          </a:xfrm>
-          <a:prstGeom prst="ellipse">
-            <a:avLst/>
-          </a:prstGeom>
-          <a:solidFill>
-            <a:schemeClr val="tx1"/>
-          </a:solidFill>
-          <a:ln w="28575">
-            <a:solidFill>
-              <a:schemeClr val="tx1"/>
-            </a:solidFill>
-          </a:ln>
-        </p:spPr>
-        <p:style>
-          <a:lnRef idx="2">
-            <a:schemeClr val="accent1">
-              <a:shade val="50000"/>
-            </a:schemeClr>
-          </a:lnRef>
-          <a:fillRef idx="1">
-            <a:schemeClr val="accent1"/>
-          </a:fillRef>
-          <a:effectRef idx="0">
-            <a:schemeClr val="accent1"/>
-          </a:effectRef>
-          <a:fontRef idx="minor">
-            <a:schemeClr val="lt1"/>
-          </a:fontRef>
-        </p:style>
-        <p:txBody>
-          <a:bodyPr rtlCol="0" anchor="ctr"/>
-          <a:lstStyle/>
-          <a:p>
-            <a:pPr algn="ctr"/>
-            <a:endParaRPr lang="de-DE"/>
-          </a:p>
-        </p:txBody>
-      </p:sp>
-      <p:sp>
-        <p:nvSpPr>
-          <p:cNvPr id="50" name="Ellipse 49"/>
-          <p:cNvSpPr/>
-          <p:nvPr/>
-        </p:nvSpPr>
-        <p:spPr>
-          <a:xfrm>
-            <a:off x="5548014" y="4869160"/>
-            <a:ext cx="288032" cy="288032"/>
-          </a:xfrm>
-          <a:prstGeom prst="ellipse">
-            <a:avLst/>
-          </a:prstGeom>
-          <a:solidFill>
-            <a:schemeClr val="bg1"/>
-          </a:solidFill>
-          <a:ln w="28575">
-            <a:solidFill>
-              <a:schemeClr val="tx1"/>
-            </a:solidFill>
-          </a:ln>
-        </p:spPr>
-        <p:style>
-          <a:lnRef idx="2">
-            <a:schemeClr val="accent1">
-              <a:shade val="50000"/>
-            </a:schemeClr>
-          </a:lnRef>
-          <a:fillRef idx="1">
-            <a:schemeClr val="accent1"/>
-          </a:fillRef>
-          <a:effectRef idx="0">
-            <a:schemeClr val="accent1"/>
-          </a:effectRef>
-          <a:fontRef idx="minor">
-            <a:schemeClr val="lt1"/>
-          </a:fontRef>
-        </p:style>
-        <p:txBody>
-          <a:bodyPr rtlCol="0" anchor="ctr"/>
-          <a:lstStyle/>
-          <a:p>
-            <a:pPr algn="ctr"/>
-            <a:endParaRPr lang="de-DE"/>
-          </a:p>
-        </p:txBody>
-      </p:sp>
-      <p:cxnSp>
-        <p:nvCxnSpPr>
-          <p:cNvPr id="51" name="Gerade Verbindung 50"/>
-          <p:cNvCxnSpPr>
-            <a:stCxn id="50" idx="4"/>
-            <a:endCxn id="48" idx="0"/>
-          </p:cNvCxnSpPr>
-          <p:nvPr/>
-        </p:nvCxnSpPr>
-        <p:spPr>
-          <a:xfrm flipV="1">
-            <a:off x="5692030" y="3743046"/>
-            <a:ext cx="0" cy="1414146"/>
-          </a:xfrm>
-          <a:prstGeom prst="line">
-            <a:avLst/>
-          </a:prstGeom>
-          <a:ln w="28575">
-            <a:solidFill>
-              <a:schemeClr val="tx1"/>
-            </a:solidFill>
-          </a:ln>
-        </p:spPr>
-        <p:style>
-          <a:lnRef idx="1">
-            <a:schemeClr val="accent1"/>
-          </a:lnRef>
-          <a:fillRef idx="0">
-            <a:schemeClr val="accent1"/>
-          </a:fillRef>
-          <a:effectRef idx="0">
-            <a:schemeClr val="accent1"/>
-          </a:effectRef>
-          <a:fontRef idx="minor">
-            <a:schemeClr val="tx1"/>
-          </a:fontRef>
-        </p:style>
-      </p:cxnSp>
-      <p:cxnSp>
-        <p:nvCxnSpPr>
-          <p:cNvPr id="52" name="Gerade Verbindung 51"/>
-          <p:cNvCxnSpPr>
-            <a:stCxn id="50" idx="2"/>
-            <a:endCxn id="50" idx="6"/>
-          </p:cNvCxnSpPr>
-          <p:nvPr/>
-        </p:nvCxnSpPr>
-        <p:spPr>
-          <a:xfrm>
-            <a:off x="5548014" y="5013176"/>
-            <a:ext cx="288032" cy="0"/>
-          </a:xfrm>
-          <a:prstGeom prst="line">
-            <a:avLst/>
-          </a:prstGeom>
-          <a:ln w="28575">
-            <a:solidFill>
-              <a:schemeClr val="tx1"/>
-            </a:solidFill>
-          </a:ln>
-        </p:spPr>
-        <p:style>
-          <a:lnRef idx="1">
-            <a:schemeClr val="accent1"/>
-          </a:lnRef>
-          <a:fillRef idx="0">
-            <a:schemeClr val="accent1"/>
-          </a:fillRef>
-          <a:effectRef idx="0">
-            <a:schemeClr val="accent1"/>
-          </a:effectRef>
-          <a:fontRef idx="minor">
-            <a:schemeClr val="tx1"/>
-          </a:fontRef>
-        </p:style>
-      </p:cxnSp>
-      <p:sp>
-        <p:nvSpPr>
-          <p:cNvPr id="53" name="Textfeld 52"/>
-          <p:cNvSpPr txBox="1"/>
-          <p:nvPr/>
-        </p:nvSpPr>
-        <p:spPr>
-          <a:xfrm>
-            <a:off x="5114148" y="2912311"/>
-            <a:ext cx="1102161" cy="338554"/>
-          </a:xfrm>
-          <a:prstGeom prst="rect">
-            <a:avLst/>
-          </a:prstGeom>
-          <a:noFill/>
-        </p:spPr>
-        <p:txBody>
-          <a:bodyPr wrap="none" rtlCol="0">
-            <a:spAutoFit/>
-          </a:bodyPr>
-          <a:lstStyle/>
-          <a:p>
-            <a:r>
-              <a:rPr lang="de-DE" sz="1600" dirty="0" smtClean="0"/>
-              <a:t>Oracle (10)</a:t>
-            </a:r>
-            <a:endParaRPr lang="de-DE" sz="1600" dirty="0"/>
-          </a:p>
-        </p:txBody>
-      </p:sp>
-      <p:sp>
-        <p:nvSpPr>
-          <p:cNvPr id="54" name="Geschweifte Klammer links 53"/>
-          <p:cNvSpPr/>
-          <p:nvPr/>
-        </p:nvSpPr>
-        <p:spPr>
-          <a:xfrm rot="5400000">
-            <a:off x="5559257" y="2531416"/>
-            <a:ext cx="213760" cy="1676407"/>
-          </a:xfrm>
-          <a:prstGeom prst="leftBrace">
-            <a:avLst/>
-          </a:prstGeom>
-          <a:ln w="38100">
-            <a:solidFill>
-              <a:schemeClr val="tx1"/>
-            </a:solidFill>
-          </a:ln>
-        </p:spPr>
-        <p:style>
-          <a:lnRef idx="1">
-            <a:schemeClr val="accent1"/>
-          </a:lnRef>
-          <a:fillRef idx="0">
-            <a:schemeClr val="accent1"/>
-          </a:fillRef>
-          <a:effectRef idx="0">
-            <a:schemeClr val="accent1"/>
-          </a:effectRef>
-          <a:fontRef idx="minor">
-            <a:schemeClr val="tx1"/>
-          </a:fontRef>
-        </p:style>
-        <p:txBody>
-          <a:bodyPr rtlCol="0" anchor="ctr"/>
-          <a:lstStyle/>
-          <a:p>
-            <a:pPr algn="ctr"/>
-            <a:endParaRPr lang="de-DE" dirty="0"/>
-          </a:p>
-        </p:txBody>
-      </p:sp>
-      <p:grpSp>
-        <p:nvGrpSpPr>
-          <p:cNvPr id="58" name="Gruppieren 57"/>
-          <p:cNvGrpSpPr/>
-          <p:nvPr/>
-        </p:nvGrpSpPr>
-        <p:grpSpPr>
-          <a:xfrm>
-            <a:off x="6012160" y="4221088"/>
-            <a:ext cx="432048" cy="360040"/>
-            <a:chOff x="755576" y="359551"/>
-            <a:chExt cx="432048" cy="360040"/>
-          </a:xfrm>
-        </p:grpSpPr>
-        <p:sp>
-          <p:nvSpPr>
-            <p:cNvPr id="59" name="Freihandform 58"/>
-            <p:cNvSpPr/>
-            <p:nvPr/>
-          </p:nvSpPr>
-          <p:spPr>
-            <a:xfrm>
-              <a:off x="755576" y="359551"/>
-              <a:ext cx="288032" cy="360040"/>
-            </a:xfrm>
-            <a:custGeom>
-              <a:avLst/>
-              <a:gdLst>
-                <a:gd name="connsiteX0" fmla="*/ 35859 w 403412"/>
-                <a:gd name="connsiteY0" fmla="*/ 0 h 403412"/>
-                <a:gd name="connsiteX1" fmla="*/ 0 w 403412"/>
-                <a:gd name="connsiteY1" fmla="*/ 403412 h 403412"/>
-                <a:gd name="connsiteX2" fmla="*/ 403412 w 403412"/>
-                <a:gd name="connsiteY2" fmla="*/ 268941 h 403412"/>
-                <a:gd name="connsiteX3" fmla="*/ 35859 w 403412"/>
-                <a:gd name="connsiteY3" fmla="*/ 0 h 403412"/>
-                <a:gd name="connsiteX0" fmla="*/ 35859 w 328464"/>
-                <a:gd name="connsiteY0" fmla="*/ 0 h 403412"/>
-                <a:gd name="connsiteX1" fmla="*/ 0 w 328464"/>
-                <a:gd name="connsiteY1" fmla="*/ 403412 h 403412"/>
-                <a:gd name="connsiteX2" fmla="*/ 328464 w 328464"/>
-                <a:gd name="connsiteY2" fmla="*/ 190092 h 403412"/>
-                <a:gd name="connsiteX3" fmla="*/ 35859 w 328464"/>
-                <a:gd name="connsiteY3" fmla="*/ 0 h 403412"/>
-                <a:gd name="connsiteX0" fmla="*/ 0 w 360040"/>
-                <a:gd name="connsiteY0" fmla="*/ 0 h 429344"/>
-                <a:gd name="connsiteX1" fmla="*/ 31576 w 360040"/>
-                <a:gd name="connsiteY1" fmla="*/ 429344 h 429344"/>
-                <a:gd name="connsiteX2" fmla="*/ 360040 w 360040"/>
-                <a:gd name="connsiteY2" fmla="*/ 216024 h 429344"/>
-                <a:gd name="connsiteX3" fmla="*/ 0 w 360040"/>
-                <a:gd name="connsiteY3" fmla="*/ 0 h 429344"/>
-                <a:gd name="connsiteX0" fmla="*/ 0 w 360040"/>
-                <a:gd name="connsiteY0" fmla="*/ 0 h 432048"/>
-                <a:gd name="connsiteX1" fmla="*/ 0 w 360040"/>
-                <a:gd name="connsiteY1" fmla="*/ 432048 h 432048"/>
-                <a:gd name="connsiteX2" fmla="*/ 360040 w 360040"/>
-                <a:gd name="connsiteY2" fmla="*/ 216024 h 432048"/>
-                <a:gd name="connsiteX3" fmla="*/ 0 w 360040"/>
-                <a:gd name="connsiteY3" fmla="*/ 0 h 432048"/>
-              </a:gdLst>
-              <a:ahLst/>
-              <a:cxnLst>
-                <a:cxn ang="0">
-                  <a:pos x="connsiteX0" y="connsiteY0"/>
-                </a:cxn>
-                <a:cxn ang="0">
-                  <a:pos x="connsiteX1" y="connsiteY1"/>
-                </a:cxn>
-                <a:cxn ang="0">
-                  <a:pos x="connsiteX2" y="connsiteY2"/>
-                </a:cxn>
-                <a:cxn ang="0">
-                  <a:pos x="connsiteX3" y="connsiteY3"/>
-                </a:cxn>
-              </a:cxnLst>
-              <a:rect l="l" t="t" r="r" b="b"/>
-              <a:pathLst>
-                <a:path w="360040" h="432048">
-                  <a:moveTo>
-                    <a:pt x="0" y="0"/>
-                  </a:moveTo>
-                  <a:lnTo>
-                    <a:pt x="0" y="432048"/>
-                  </a:lnTo>
-                  <a:lnTo>
-                    <a:pt x="360040" y="216024"/>
-                  </a:lnTo>
-                  <a:lnTo>
-                    <a:pt x="0" y="0"/>
-                  </a:lnTo>
-                  <a:close/>
-                </a:path>
-              </a:pathLst>
-            </a:custGeom>
-            <a:solidFill>
-              <a:schemeClr val="bg1"/>
-            </a:solidFill>
-            <a:ln>
-              <a:solidFill>
-                <a:schemeClr val="tx1"/>
-              </a:solidFill>
-            </a:ln>
-          </p:spPr>
-          <p:style>
-            <a:lnRef idx="2">
-              <a:schemeClr val="accent1">
-                <a:shade val="50000"/>
-              </a:schemeClr>
-            </a:lnRef>
-            <a:fillRef idx="1">
-              <a:schemeClr val="accent1"/>
-            </a:fillRef>
-            <a:effectRef idx="0">
-              <a:schemeClr val="accent1"/>
-            </a:effectRef>
-            <a:fontRef idx="minor">
-              <a:schemeClr val="lt1"/>
-            </a:fontRef>
-          </p:style>
-          <p:txBody>
-            <a:bodyPr rtlCol="0" anchor="ctr"/>
-            <a:lstStyle/>
-            <a:p>
-              <a:pPr algn="ctr"/>
-              <a:endParaRPr lang="de-DE"/>
-            </a:p>
-          </p:txBody>
-        </p:sp>
-        <p:sp>
-          <p:nvSpPr>
-            <p:cNvPr id="60" name="Ellipse 59"/>
-            <p:cNvSpPr/>
-            <p:nvPr/>
-          </p:nvSpPr>
-          <p:spPr>
-            <a:xfrm>
-              <a:off x="1043608" y="476672"/>
-              <a:ext cx="144016" cy="144016"/>
-            </a:xfrm>
-            <a:prstGeom prst="ellipse">
-              <a:avLst/>
-            </a:prstGeom>
-            <a:solidFill>
-              <a:schemeClr val="bg1"/>
-            </a:solidFill>
-            <a:ln>
-              <a:solidFill>
-                <a:schemeClr val="tx1"/>
-              </a:solidFill>
-            </a:ln>
-          </p:spPr>
-          <p:style>
-            <a:lnRef idx="2">
-              <a:schemeClr val="accent1">
-                <a:shade val="50000"/>
-              </a:schemeClr>
-            </a:lnRef>
-            <a:fillRef idx="1">
-              <a:schemeClr val="accent1"/>
-            </a:fillRef>
-            <a:effectRef idx="0">
-              <a:schemeClr val="accent1"/>
-            </a:effectRef>
-            <a:fontRef idx="minor">
-              <a:schemeClr val="lt1"/>
-            </a:fontRef>
-          </p:style>
-          <p:txBody>
-            <a:bodyPr rtlCol="0" anchor="ctr"/>
-            <a:lstStyle/>
-            <a:p>
-              <a:pPr algn="ctr"/>
-              <a:endParaRPr lang="de-DE"/>
-            </a:p>
-          </p:txBody>
-        </p:sp>
-      </p:grpSp>
-      <p:sp>
-        <p:nvSpPr>
-          <p:cNvPr id="67" name="Ellipse 66"/>
-          <p:cNvSpPr/>
-          <p:nvPr/>
-        </p:nvSpPr>
-        <p:spPr>
-          <a:xfrm>
-            <a:off x="7708254" y="3743046"/>
-            <a:ext cx="144016" cy="144016"/>
-          </a:xfrm>
-          <a:prstGeom prst="ellipse">
-            <a:avLst/>
-          </a:prstGeom>
-          <a:solidFill>
-            <a:schemeClr val="tx1"/>
-          </a:solidFill>
-          <a:ln w="28575">
-            <a:solidFill>
-              <a:schemeClr val="tx1"/>
-            </a:solidFill>
-          </a:ln>
-        </p:spPr>
-        <p:style>
-          <a:lnRef idx="2">
-            <a:schemeClr val="accent1">
-              <a:shade val="50000"/>
-            </a:schemeClr>
-          </a:lnRef>
-          <a:fillRef idx="1">
-            <a:schemeClr val="accent1"/>
-          </a:fillRef>
-          <a:effectRef idx="0">
-            <a:schemeClr val="accent1"/>
-          </a:effectRef>
-          <a:fontRef idx="minor">
-            <a:schemeClr val="lt1"/>
-          </a:fontRef>
-        </p:style>
-        <p:txBody>
-          <a:bodyPr rtlCol="0" anchor="ctr"/>
-          <a:lstStyle/>
-          <a:p>
-            <a:pPr algn="ctr"/>
-            <a:endParaRPr lang="de-DE"/>
-          </a:p>
-        </p:txBody>
-      </p:sp>
-      <p:sp>
-        <p:nvSpPr>
-          <p:cNvPr id="68" name="Ellipse 67"/>
-          <p:cNvSpPr/>
-          <p:nvPr/>
-        </p:nvSpPr>
-        <p:spPr>
-          <a:xfrm>
-            <a:off x="7708254" y="4341522"/>
-            <a:ext cx="144016" cy="144016"/>
-          </a:xfrm>
-          <a:prstGeom prst="ellipse">
-            <a:avLst/>
-          </a:prstGeom>
-          <a:solidFill>
-            <a:schemeClr val="tx1"/>
-          </a:solidFill>
-          <a:ln w="28575">
-            <a:solidFill>
-              <a:schemeClr val="tx1"/>
-            </a:solidFill>
-          </a:ln>
-        </p:spPr>
-        <p:style>
-          <a:lnRef idx="2">
-            <a:schemeClr val="accent1">
-              <a:shade val="50000"/>
-            </a:schemeClr>
-          </a:lnRef>
-          <a:fillRef idx="1">
-            <a:schemeClr val="accent1"/>
-          </a:fillRef>
-          <a:effectRef idx="0">
-            <a:schemeClr val="accent1"/>
-          </a:effectRef>
-          <a:fontRef idx="minor">
-            <a:schemeClr val="lt1"/>
-          </a:fontRef>
-        </p:style>
-        <p:txBody>
-          <a:bodyPr rtlCol="0" anchor="ctr"/>
-          <a:lstStyle/>
-          <a:p>
-            <a:pPr algn="ctr"/>
-            <a:endParaRPr lang="de-DE"/>
-          </a:p>
-        </p:txBody>
-      </p:sp>
-      <p:sp>
-        <p:nvSpPr>
-          <p:cNvPr id="69" name="Ellipse 68"/>
-          <p:cNvSpPr/>
-          <p:nvPr/>
-        </p:nvSpPr>
-        <p:spPr>
-          <a:xfrm>
-            <a:off x="7636246" y="4869160"/>
-            <a:ext cx="288032" cy="288032"/>
-          </a:xfrm>
-          <a:prstGeom prst="ellipse">
-            <a:avLst/>
-          </a:prstGeom>
-          <a:solidFill>
-            <a:schemeClr val="bg1"/>
-          </a:solidFill>
-          <a:ln w="28575">
-            <a:solidFill>
-              <a:schemeClr val="tx1"/>
-            </a:solidFill>
-          </a:ln>
-        </p:spPr>
-        <p:style>
-          <a:lnRef idx="2">
-            <a:schemeClr val="accent1">
-              <a:shade val="50000"/>
-            </a:schemeClr>
-          </a:lnRef>
-          <a:fillRef idx="1">
-            <a:schemeClr val="accent1"/>
-          </a:fillRef>
-          <a:effectRef idx="0">
-            <a:schemeClr val="accent1"/>
-          </a:effectRef>
-          <a:fontRef idx="minor">
-            <a:schemeClr val="lt1"/>
-          </a:fontRef>
-        </p:style>
-        <p:txBody>
-          <a:bodyPr rtlCol="0" anchor="ctr"/>
-          <a:lstStyle/>
-          <a:p>
-            <a:pPr algn="ctr"/>
-            <a:endParaRPr lang="de-DE"/>
-          </a:p>
-        </p:txBody>
-      </p:sp>
-      <p:cxnSp>
-        <p:nvCxnSpPr>
-          <p:cNvPr id="70" name="Gerade Verbindung 69"/>
-          <p:cNvCxnSpPr>
-            <a:stCxn id="69" idx="4"/>
-            <a:endCxn id="67" idx="0"/>
-          </p:cNvCxnSpPr>
-          <p:nvPr/>
-        </p:nvCxnSpPr>
-        <p:spPr>
-          <a:xfrm flipV="1">
-            <a:off x="7780262" y="3743046"/>
-            <a:ext cx="0" cy="1414146"/>
-          </a:xfrm>
-          <a:prstGeom prst="line">
-            <a:avLst/>
-          </a:prstGeom>
-          <a:ln w="28575">
-            <a:solidFill>
-              <a:schemeClr val="tx1"/>
-            </a:solidFill>
-          </a:ln>
-        </p:spPr>
-        <p:style>
-          <a:lnRef idx="1">
-            <a:schemeClr val="accent1"/>
-          </a:lnRef>
-          <a:fillRef idx="0">
-            <a:schemeClr val="accent1"/>
-          </a:fillRef>
-          <a:effectRef idx="0">
-            <a:schemeClr val="accent1"/>
-          </a:effectRef>
-          <a:fontRef idx="minor">
-            <a:schemeClr val="tx1"/>
-          </a:fontRef>
-        </p:style>
-      </p:cxnSp>
-      <p:cxnSp>
-        <p:nvCxnSpPr>
-          <p:cNvPr id="71" name="Gerade Verbindung 70"/>
-          <p:cNvCxnSpPr>
-            <a:stCxn id="69" idx="2"/>
-            <a:endCxn id="69" idx="6"/>
-          </p:cNvCxnSpPr>
-          <p:nvPr/>
-        </p:nvCxnSpPr>
-        <p:spPr>
-          <a:xfrm>
-            <a:off x="7636246" y="5013176"/>
-            <a:ext cx="288032" cy="0"/>
-          </a:xfrm>
-          <a:prstGeom prst="line">
-            <a:avLst/>
-          </a:prstGeom>
-          <a:ln w="28575">
-            <a:solidFill>
-              <a:schemeClr val="tx1"/>
-            </a:solidFill>
-          </a:ln>
-        </p:spPr>
-        <p:style>
-          <a:lnRef idx="1">
-            <a:schemeClr val="accent1"/>
-          </a:lnRef>
-          <a:fillRef idx="0">
-            <a:schemeClr val="accent1"/>
-          </a:fillRef>
-          <a:effectRef idx="0">
-            <a:schemeClr val="accent1"/>
-          </a:effectRef>
-          <a:fontRef idx="minor">
-            <a:schemeClr val="tx1"/>
-          </a:fontRef>
-        </p:style>
-      </p:cxnSp>
-      <p:sp>
-        <p:nvSpPr>
-          <p:cNvPr id="72" name="Textfeld 71"/>
-          <p:cNvSpPr txBox="1"/>
-          <p:nvPr/>
-        </p:nvSpPr>
-        <p:spPr>
-          <a:xfrm>
-            <a:off x="7202380" y="2912311"/>
-            <a:ext cx="1102161" cy="338554"/>
-          </a:xfrm>
-          <a:prstGeom prst="rect">
-            <a:avLst/>
-          </a:prstGeom>
-          <a:noFill/>
-        </p:spPr>
-        <p:txBody>
-          <a:bodyPr wrap="none" rtlCol="0">
-            <a:spAutoFit/>
-          </a:bodyPr>
-          <a:lstStyle/>
-          <a:p>
-            <a:r>
-              <a:rPr lang="de-DE" sz="1600" dirty="0" smtClean="0"/>
-              <a:t>Oracle (11)</a:t>
-            </a:r>
-            <a:endParaRPr lang="de-DE" sz="1600" dirty="0"/>
-          </a:p>
-        </p:txBody>
-      </p:sp>
-      <p:sp>
-        <p:nvSpPr>
-          <p:cNvPr id="73" name="Geschweifte Klammer links 72"/>
-          <p:cNvSpPr/>
-          <p:nvPr/>
-        </p:nvSpPr>
-        <p:spPr>
-          <a:xfrm rot="5400000">
-            <a:off x="7647489" y="2531416"/>
-            <a:ext cx="213760" cy="1676407"/>
-          </a:xfrm>
-          <a:prstGeom prst="leftBrace">
-            <a:avLst/>
-          </a:prstGeom>
-          <a:ln w="38100">
-            <a:solidFill>
-              <a:schemeClr val="tx1"/>
-            </a:solidFill>
-          </a:ln>
-        </p:spPr>
-        <p:style>
-          <a:lnRef idx="1">
-            <a:schemeClr val="accent1"/>
-          </a:lnRef>
-          <a:fillRef idx="0">
-            <a:schemeClr val="accent1"/>
-          </a:fillRef>
-          <a:effectRef idx="0">
-            <a:schemeClr val="accent1"/>
-          </a:effectRef>
-          <a:fontRef idx="minor">
-            <a:schemeClr val="tx1"/>
-          </a:fontRef>
-        </p:style>
-        <p:txBody>
-          <a:bodyPr rtlCol="0" anchor="ctr"/>
-          <a:lstStyle/>
-          <a:p>
-            <a:pPr algn="ctr"/>
-            <a:endParaRPr lang="de-DE" dirty="0"/>
+            </a:endParaRPr>
           </a:p>
         </p:txBody>
       </p:sp>
@@ -13365,6 +11269,13 @@
   <p:clrMapOvr>
     <a:masterClrMapping/>
   </p:clrMapOvr>
+  <p:timing>
+    <p:tnLst>
+      <p:par>
+        <p:cTn id="1" dur="indefinite" restart="never" nodeType="tmRoot"/>
+      </p:par>
+    </p:tnLst>
+  </p:timing>
 </p:sld>
 </file>
 
@@ -14167,29 +12078,329 @@
           </a:p>
         </p:txBody>
       </p:sp>
+      <p:sp>
+        <p:nvSpPr>
+          <p:cNvPr id="60" name="Textfeld 59"/>
+          <p:cNvSpPr txBox="1"/>
+          <p:nvPr/>
+        </p:nvSpPr>
+        <p:spPr>
+          <a:xfrm>
+            <a:off x="179512" y="2924944"/>
+            <a:ext cx="1635961" cy="338554"/>
+          </a:xfrm>
+          <a:prstGeom prst="rect">
+            <a:avLst/>
+          </a:prstGeom>
+          <a:noFill/>
+        </p:spPr>
+        <p:txBody>
+          <a:bodyPr wrap="none" rtlCol="0">
+            <a:spAutoFit/>
+          </a:bodyPr>
+          <a:lstStyle/>
+          <a:p>
+            <a:r>
+              <a:rPr lang="de-DE" sz="1600" dirty="0" smtClean="0"/>
+              <a:t>State </a:t>
+            </a:r>
+            <a:r>
+              <a:rPr lang="de-DE" sz="1600" dirty="0" err="1" smtClean="0"/>
+              <a:t>Preparation</a:t>
+            </a:r>
+            <a:endParaRPr lang="de-DE" sz="1600" dirty="0"/>
+          </a:p>
+        </p:txBody>
+      </p:sp>
+      <p:sp>
+        <p:nvSpPr>
+          <p:cNvPr id="61" name="Textfeld 60"/>
+          <p:cNvSpPr txBox="1"/>
+          <p:nvPr/>
+        </p:nvSpPr>
+        <p:spPr>
+          <a:xfrm>
+            <a:off x="2243464" y="2924944"/>
+            <a:ext cx="1496500" cy="338554"/>
+          </a:xfrm>
+          <a:prstGeom prst="rect">
+            <a:avLst/>
+          </a:prstGeom>
+          <a:noFill/>
+        </p:spPr>
+        <p:txBody>
+          <a:bodyPr wrap="none" rtlCol="0">
+            <a:spAutoFit/>
+          </a:bodyPr>
+          <a:lstStyle/>
+          <a:p>
+            <a:r>
+              <a:rPr lang="de-DE" sz="1600" dirty="0" smtClean="0"/>
+              <a:t>Oracle </a:t>
+            </a:r>
+            <a:r>
+              <a:rPr lang="de-DE" sz="1600" dirty="0" err="1" smtClean="0"/>
+              <a:t>Function</a:t>
+            </a:r>
+            <a:endParaRPr lang="de-DE" sz="1600" dirty="0"/>
+          </a:p>
+        </p:txBody>
+      </p:sp>
+      <p:sp>
+        <p:nvSpPr>
+          <p:cNvPr id="62" name="Textfeld 61"/>
+          <p:cNvSpPr txBox="1"/>
+          <p:nvPr/>
+        </p:nvSpPr>
+        <p:spPr>
+          <a:xfrm>
+            <a:off x="4231543" y="2924944"/>
+            <a:ext cx="1735860" cy="338554"/>
+          </a:xfrm>
+          <a:prstGeom prst="rect">
+            <a:avLst/>
+          </a:prstGeom>
+          <a:noFill/>
+        </p:spPr>
+        <p:txBody>
+          <a:bodyPr wrap="none" rtlCol="0">
+            <a:spAutoFit/>
+          </a:bodyPr>
+          <a:lstStyle/>
+          <a:p>
+            <a:r>
+              <a:rPr lang="de-DE" sz="1600" dirty="0" smtClean="0"/>
+              <a:t>Diffusion Operator</a:t>
+            </a:r>
+            <a:endParaRPr lang="de-DE" sz="1600" dirty="0"/>
+          </a:p>
+        </p:txBody>
+      </p:sp>
+      <p:sp>
+        <p:nvSpPr>
+          <p:cNvPr id="63" name="Textfeld 62"/>
+          <p:cNvSpPr txBox="1"/>
+          <p:nvPr/>
+        </p:nvSpPr>
+        <p:spPr>
+          <a:xfrm>
+            <a:off x="6061867" y="2924944"/>
+            <a:ext cx="886397" cy="338554"/>
+          </a:xfrm>
+          <a:prstGeom prst="rect">
+            <a:avLst/>
+          </a:prstGeom>
+          <a:noFill/>
+        </p:spPr>
+        <p:txBody>
+          <a:bodyPr wrap="none" rtlCol="0">
+            <a:spAutoFit/>
+          </a:bodyPr>
+          <a:lstStyle/>
+          <a:p>
+            <a:r>
+              <a:rPr lang="de-DE" sz="1600" dirty="0" err="1" smtClean="0"/>
+              <a:t>Readout</a:t>
+            </a:r>
+            <a:endParaRPr lang="de-DE" sz="1600" dirty="0"/>
+          </a:p>
+        </p:txBody>
+      </p:sp>
+      <p:sp>
+        <p:nvSpPr>
+          <p:cNvPr id="64" name="Geschweifte Klammer links 63"/>
+          <p:cNvSpPr/>
+          <p:nvPr/>
+        </p:nvSpPr>
+        <p:spPr>
+          <a:xfrm rot="5400000">
+            <a:off x="863588" y="2672916"/>
+            <a:ext cx="216024" cy="1440160"/>
+          </a:xfrm>
+          <a:prstGeom prst="leftBrace">
+            <a:avLst/>
+          </a:prstGeom>
+          <a:ln w="38100">
+            <a:solidFill>
+              <a:schemeClr val="tx1"/>
+            </a:solidFill>
+          </a:ln>
+        </p:spPr>
+        <p:style>
+          <a:lnRef idx="1">
+            <a:schemeClr val="accent1"/>
+          </a:lnRef>
+          <a:fillRef idx="0">
+            <a:schemeClr val="accent1"/>
+          </a:fillRef>
+          <a:effectRef idx="0">
+            <a:schemeClr val="accent1"/>
+          </a:effectRef>
+          <a:fontRef idx="minor">
+            <a:schemeClr val="tx1"/>
+          </a:fontRef>
+        </p:style>
+        <p:txBody>
+          <a:bodyPr rtlCol="0" anchor="ctr"/>
+          <a:lstStyle/>
+          <a:p>
+            <a:pPr algn="ctr"/>
+            <a:endParaRPr lang="de-DE" dirty="0"/>
+          </a:p>
+        </p:txBody>
+      </p:sp>
+      <p:sp>
+        <p:nvSpPr>
+          <p:cNvPr id="65" name="Geschweifte Klammer links 64"/>
+          <p:cNvSpPr/>
+          <p:nvPr/>
+        </p:nvSpPr>
+        <p:spPr>
+          <a:xfrm rot="5400000">
+            <a:off x="2807804" y="2456892"/>
+            <a:ext cx="216024" cy="1872208"/>
+          </a:xfrm>
+          <a:prstGeom prst="leftBrace">
+            <a:avLst/>
+          </a:prstGeom>
+          <a:ln w="38100">
+            <a:solidFill>
+              <a:schemeClr val="tx1"/>
+            </a:solidFill>
+          </a:ln>
+        </p:spPr>
+        <p:style>
+          <a:lnRef idx="1">
+            <a:schemeClr val="accent1"/>
+          </a:lnRef>
+          <a:fillRef idx="0">
+            <a:schemeClr val="accent1"/>
+          </a:fillRef>
+          <a:effectRef idx="0">
+            <a:schemeClr val="accent1"/>
+          </a:effectRef>
+          <a:fontRef idx="minor">
+            <a:schemeClr val="tx1"/>
+          </a:fontRef>
+        </p:style>
+        <p:txBody>
+          <a:bodyPr rtlCol="0" anchor="ctr"/>
+          <a:lstStyle/>
+          <a:p>
+            <a:pPr algn="ctr"/>
+            <a:endParaRPr lang="de-DE" dirty="0"/>
+          </a:p>
+        </p:txBody>
+      </p:sp>
+      <p:sp>
+        <p:nvSpPr>
+          <p:cNvPr id="66" name="Geschweifte Klammer links 65"/>
+          <p:cNvSpPr/>
+          <p:nvPr/>
+        </p:nvSpPr>
+        <p:spPr>
+          <a:xfrm rot="5400000">
+            <a:off x="4932040" y="2492896"/>
+            <a:ext cx="216024" cy="1800200"/>
+          </a:xfrm>
+          <a:prstGeom prst="leftBrace">
+            <a:avLst/>
+          </a:prstGeom>
+          <a:ln w="38100">
+            <a:solidFill>
+              <a:schemeClr val="tx1"/>
+            </a:solidFill>
+          </a:ln>
+        </p:spPr>
+        <p:style>
+          <a:lnRef idx="1">
+            <a:schemeClr val="accent1"/>
+          </a:lnRef>
+          <a:fillRef idx="0">
+            <a:schemeClr val="accent1"/>
+          </a:fillRef>
+          <a:effectRef idx="0">
+            <a:schemeClr val="accent1"/>
+          </a:effectRef>
+          <a:fontRef idx="minor">
+            <a:schemeClr val="tx1"/>
+          </a:fontRef>
+        </p:style>
+        <p:txBody>
+          <a:bodyPr rtlCol="0" anchor="ctr"/>
+          <a:lstStyle/>
+          <a:p>
+            <a:pPr algn="ctr"/>
+            <a:endParaRPr lang="de-DE" dirty="0"/>
+          </a:p>
+        </p:txBody>
+      </p:sp>
+      <p:sp>
+        <p:nvSpPr>
+          <p:cNvPr id="67" name="Geschweifte Klammer links 66"/>
+          <p:cNvSpPr/>
+          <p:nvPr/>
+        </p:nvSpPr>
+        <p:spPr>
+          <a:xfrm rot="5400000">
+            <a:off x="6372200" y="3068960"/>
+            <a:ext cx="216024" cy="648072"/>
+          </a:xfrm>
+          <a:prstGeom prst="leftBrace">
+            <a:avLst/>
+          </a:prstGeom>
+          <a:ln w="38100">
+            <a:solidFill>
+              <a:schemeClr val="tx1"/>
+            </a:solidFill>
+          </a:ln>
+        </p:spPr>
+        <p:style>
+          <a:lnRef idx="1">
+            <a:schemeClr val="accent1"/>
+          </a:lnRef>
+          <a:fillRef idx="0">
+            <a:schemeClr val="accent1"/>
+          </a:fillRef>
+          <a:effectRef idx="0">
+            <a:schemeClr val="accent1"/>
+          </a:effectRef>
+          <a:fontRef idx="minor">
+            <a:schemeClr val="tx1"/>
+          </a:fontRef>
+        </p:style>
+        <p:txBody>
+          <a:bodyPr rtlCol="0" anchor="ctr"/>
+          <a:lstStyle/>
+          <a:p>
+            <a:pPr algn="ctr"/>
+            <a:endParaRPr lang="de-DE" dirty="0"/>
+          </a:p>
+        </p:txBody>
+      </p:sp>
       <p:grpSp>
         <p:nvGrpSpPr>
-          <p:cNvPr id="48" name="Groupe 42"/>
+          <p:cNvPr id="34" name="Gruppieren 33"/>
           <p:cNvGrpSpPr/>
           <p:nvPr/>
         </p:nvGrpSpPr>
         <p:grpSpPr>
           <a:xfrm>
-            <a:off x="6156176" y="3573016"/>
-            <a:ext cx="618594" cy="613563"/>
-            <a:chOff x="5918764" y="1159253"/>
-            <a:chExt cx="618594" cy="613563"/>
+            <a:off x="6197272" y="4323918"/>
+            <a:ext cx="595862" cy="623837"/>
+            <a:chOff x="2937204" y="1258486"/>
+            <a:chExt cx="595862" cy="623837"/>
           </a:xfrm>
         </p:grpSpPr>
         <p:sp>
           <p:nvSpPr>
-            <p:cNvPr id="49" name="Rectangle à coins arrondis 43"/>
+            <p:cNvPr id="35" name="Rectangle à coins arrondis 70"/>
             <p:cNvSpPr/>
             <p:nvPr/>
           </p:nvSpPr>
           <p:spPr>
             <a:xfrm>
-              <a:off x="5940152" y="1159253"/>
+              <a:off x="2937204" y="1268760"/>
               <a:ext cx="576064" cy="613563"/>
             </a:xfrm>
             <a:prstGeom prst="roundRect">
@@ -14234,65 +12445,26 @@
         </p:sp>
         <p:cxnSp>
           <p:nvCxnSpPr>
-            <p:cNvPr id="50" name="Connecteur droit avec flèche 44"/>
-            <p:cNvCxnSpPr/>
-            <p:nvPr/>
-          </p:nvCxnSpPr>
-          <p:spPr>
-            <a:xfrm rot="10800000">
-              <a:off x="6040721" y="1461357"/>
-              <a:ext cx="189802" cy="184040"/>
-            </a:xfrm>
-            <a:prstGeom prst="straightConnector1">
-              <a:avLst/>
-            </a:prstGeom>
-            <a:ln w="28575">
-              <a:solidFill>
-                <a:schemeClr val="bg1">
-                  <a:lumMod val="65000"/>
-                </a:schemeClr>
-              </a:solidFill>
-              <a:headEnd type="oval" w="med" len="med"/>
-              <a:tailEnd type="triangle" w="med" len="med"/>
-            </a:ln>
-          </p:spPr>
-          <p:style>
-            <a:lnRef idx="1">
-              <a:schemeClr val="accent1"/>
-            </a:lnRef>
-            <a:fillRef idx="0">
-              <a:schemeClr val="accent1"/>
-            </a:fillRef>
-            <a:effectRef idx="0">
-              <a:schemeClr val="accent1"/>
-            </a:effectRef>
-            <a:fontRef idx="minor">
-              <a:schemeClr val="tx1"/>
-            </a:fontRef>
-          </p:style>
-        </p:cxnSp>
-        <p:cxnSp>
-          <p:nvCxnSpPr>
-            <p:cNvPr id="51" name="Connecteur droit avec flèche 45"/>
+            <p:cNvPr id="68" name="Connecteur droit avec flèche 72"/>
             <p:cNvCxnSpPr/>
             <p:nvPr/>
           </p:nvCxnSpPr>
           <p:spPr>
             <a:xfrm flipV="1">
-              <a:off x="6231117" y="1464162"/>
-              <a:ext cx="191071" cy="190677"/>
+              <a:off x="3231966" y="1597979"/>
+              <a:ext cx="0" cy="216023"/>
             </a:xfrm>
             <a:prstGeom prst="straightConnector1">
               <a:avLst/>
             </a:prstGeom>
-            <a:ln w="28575">
+            <a:ln w="12700">
               <a:solidFill>
                 <a:schemeClr val="tx1">
                   <a:lumMod val="65000"/>
                   <a:lumOff val="35000"/>
                 </a:schemeClr>
               </a:solidFill>
-              <a:headEnd type="oval" w="med" len="med"/>
+              <a:headEnd type="diamond" w="med" len="med"/>
               <a:tailEnd type="triangle" w="med" len="med"/>
             </a:ln>
           </p:spPr>
@@ -14313,14 +12485,14 @@
         </p:cxnSp>
         <p:sp>
           <p:nvSpPr>
-            <p:cNvPr id="52" name="Rectangle 46"/>
+            <p:cNvPr id="69" name="Rectangle 73"/>
             <p:cNvSpPr/>
             <p:nvPr/>
           </p:nvSpPr>
           <p:spPr>
             <a:xfrm>
-              <a:off x="5918764" y="1164670"/>
-              <a:ext cx="298480" cy="338554"/>
+              <a:off x="2943326" y="1258486"/>
+              <a:ext cx="269626" cy="276999"/>
             </a:xfrm>
             <a:prstGeom prst="rect">
               <a:avLst/>
@@ -14333,13 +12505,13 @@
             <a:lstStyle/>
             <a:p>
               <a:r>
-                <a:rPr lang="fr-FR" sz="1600" dirty="0" smtClean="0">
+                <a:rPr lang="fr-FR" sz="1200" dirty="0" smtClean="0">
                   <a:latin typeface="Arial" pitchFamily="34" charset="0"/>
                   <a:cs typeface="Arial" pitchFamily="34" charset="0"/>
                 </a:rPr>
                 <a:t>0</a:t>
               </a:r>
-              <a:endParaRPr lang="fr-FR" sz="1600" dirty="0">
+              <a:endParaRPr lang="fr-FR" sz="1200" dirty="0">
                 <a:latin typeface="Arial" pitchFamily="34" charset="0"/>
                 <a:cs typeface="Arial" pitchFamily="34" charset="0"/>
               </a:endParaRPr>
@@ -14348,14 +12520,14 @@
         </p:sp>
         <p:sp>
           <p:nvSpPr>
-            <p:cNvPr id="53" name="Rectangle 47"/>
+            <p:cNvPr id="70" name="Rectangle 74"/>
             <p:cNvSpPr/>
             <p:nvPr/>
           </p:nvSpPr>
           <p:spPr>
             <a:xfrm>
-              <a:off x="6238878" y="1159323"/>
-              <a:ext cx="298480" cy="338554"/>
+              <a:off x="3263440" y="1258486"/>
+              <a:ext cx="269626" cy="276999"/>
             </a:xfrm>
             <a:prstGeom prst="rect">
               <a:avLst/>
@@ -14368,43 +12540,148 @@
             <a:lstStyle/>
             <a:p>
               <a:r>
-                <a:rPr lang="fr-FR" sz="1600" dirty="0" smtClean="0">
+                <a:rPr lang="fr-FR" sz="1200" dirty="0" smtClean="0">
                   <a:latin typeface="Arial" pitchFamily="34" charset="0"/>
                   <a:cs typeface="Arial" pitchFamily="34" charset="0"/>
                 </a:rPr>
                 <a:t>1</a:t>
               </a:r>
-              <a:endParaRPr lang="fr-FR" sz="1600" dirty="0">
+              <a:endParaRPr lang="fr-FR" sz="1200" dirty="0">
                 <a:latin typeface="Arial" pitchFamily="34" charset="0"/>
                 <a:cs typeface="Arial" pitchFamily="34" charset="0"/>
               </a:endParaRPr>
             </a:p>
           </p:txBody>
         </p:sp>
+        <p:cxnSp>
+          <p:nvCxnSpPr>
+            <p:cNvPr id="71" name="Gerade Verbindung 70"/>
+            <p:cNvCxnSpPr/>
+            <p:nvPr/>
+          </p:nvCxnSpPr>
+          <p:spPr>
+            <a:xfrm flipV="1">
+              <a:off x="3223170" y="1475885"/>
+              <a:ext cx="0" cy="72008"/>
+            </a:xfrm>
+            <a:prstGeom prst="line">
+              <a:avLst/>
+            </a:prstGeom>
+            <a:ln>
+              <a:solidFill>
+                <a:schemeClr val="tx1"/>
+              </a:solidFill>
+            </a:ln>
+          </p:spPr>
+          <p:style>
+            <a:lnRef idx="1">
+              <a:schemeClr val="accent1"/>
+            </a:lnRef>
+            <a:fillRef idx="0">
+              <a:schemeClr val="accent1"/>
+            </a:fillRef>
+            <a:effectRef idx="0">
+              <a:schemeClr val="accent1"/>
+            </a:effectRef>
+            <a:fontRef idx="minor">
+              <a:schemeClr val="tx1"/>
+            </a:fontRef>
+          </p:style>
+        </p:cxnSp>
+        <p:cxnSp>
+          <p:nvCxnSpPr>
+            <p:cNvPr id="72" name="Gerade Verbindung 71"/>
+            <p:cNvCxnSpPr/>
+            <p:nvPr/>
+          </p:nvCxnSpPr>
+          <p:spPr>
+            <a:xfrm flipV="1">
+              <a:off x="3337590" y="1527039"/>
+              <a:ext cx="37864" cy="68940"/>
+            </a:xfrm>
+            <a:prstGeom prst="line">
+              <a:avLst/>
+            </a:prstGeom>
+            <a:ln>
+              <a:solidFill>
+                <a:schemeClr val="tx1"/>
+              </a:solidFill>
+            </a:ln>
+          </p:spPr>
+          <p:style>
+            <a:lnRef idx="1">
+              <a:schemeClr val="accent1"/>
+            </a:lnRef>
+            <a:fillRef idx="0">
+              <a:schemeClr val="accent1"/>
+            </a:fillRef>
+            <a:effectRef idx="0">
+              <a:schemeClr val="accent1"/>
+            </a:effectRef>
+            <a:fontRef idx="minor">
+              <a:schemeClr val="tx1"/>
+            </a:fontRef>
+          </p:style>
+        </p:cxnSp>
+        <p:cxnSp>
+          <p:nvCxnSpPr>
+            <p:cNvPr id="73" name="Gerade Verbindung 72"/>
+            <p:cNvCxnSpPr/>
+            <p:nvPr/>
+          </p:nvCxnSpPr>
+          <p:spPr>
+            <a:xfrm flipH="1" flipV="1">
+              <a:off x="3083702" y="1518655"/>
+              <a:ext cx="37864" cy="75076"/>
+            </a:xfrm>
+            <a:prstGeom prst="line">
+              <a:avLst/>
+            </a:prstGeom>
+            <a:ln>
+              <a:solidFill>
+                <a:schemeClr val="tx1"/>
+              </a:solidFill>
+            </a:ln>
+          </p:spPr>
+          <p:style>
+            <a:lnRef idx="1">
+              <a:schemeClr val="accent1"/>
+            </a:lnRef>
+            <a:fillRef idx="0">
+              <a:schemeClr val="accent1"/>
+            </a:fillRef>
+            <a:effectRef idx="0">
+              <a:schemeClr val="accent1"/>
+            </a:effectRef>
+            <a:fontRef idx="minor">
+              <a:schemeClr val="tx1"/>
+            </a:fontRef>
+          </p:style>
+        </p:cxnSp>
       </p:grpSp>
       <p:grpSp>
         <p:nvGrpSpPr>
-          <p:cNvPr id="54" name="Groupe 69"/>
+          <p:cNvPr id="74" name="Gruppieren 73"/>
           <p:cNvGrpSpPr/>
           <p:nvPr/>
         </p:nvGrpSpPr>
         <p:grpSpPr>
           <a:xfrm>
-            <a:off x="6156176" y="4327605"/>
-            <a:ext cx="618594" cy="613563"/>
-            <a:chOff x="5918764" y="1159253"/>
-            <a:chExt cx="618594" cy="613563"/>
+            <a:off x="6197272" y="3579603"/>
+            <a:ext cx="595862" cy="623837"/>
+            <a:chOff x="2937204" y="1258486"/>
+            <a:chExt cx="595862" cy="623837"/>
           </a:xfrm>
         </p:grpSpPr>
         <p:sp>
           <p:nvSpPr>
-            <p:cNvPr id="55" name="Rectangle à coins arrondis 70"/>
+            <p:cNvPr id="75" name="Rectangle à coins arrondis 70"/>
             <p:cNvSpPr/>
             <p:nvPr/>
           </p:nvSpPr>
           <p:spPr>
             <a:xfrm>
-              <a:off x="5940152" y="1159253"/>
+              <a:off x="2937204" y="1268760"/>
               <a:ext cx="576064" cy="613563"/>
             </a:xfrm>
             <a:prstGeom prst="roundRect">
@@ -14449,65 +12726,26 @@
         </p:sp>
         <p:cxnSp>
           <p:nvCxnSpPr>
-            <p:cNvPr id="56" name="Connecteur droit avec flèche 71"/>
-            <p:cNvCxnSpPr/>
-            <p:nvPr/>
-          </p:nvCxnSpPr>
-          <p:spPr>
-            <a:xfrm rot="10800000">
-              <a:off x="6040721" y="1461357"/>
-              <a:ext cx="189802" cy="184040"/>
-            </a:xfrm>
-            <a:prstGeom prst="straightConnector1">
-              <a:avLst/>
-            </a:prstGeom>
-            <a:ln w="28575">
-              <a:solidFill>
-                <a:schemeClr val="bg1">
-                  <a:lumMod val="65000"/>
-                </a:schemeClr>
-              </a:solidFill>
-              <a:headEnd type="oval" w="med" len="med"/>
-              <a:tailEnd type="triangle" w="med" len="med"/>
-            </a:ln>
-          </p:spPr>
-          <p:style>
-            <a:lnRef idx="1">
-              <a:schemeClr val="accent1"/>
-            </a:lnRef>
-            <a:fillRef idx="0">
-              <a:schemeClr val="accent1"/>
-            </a:fillRef>
-            <a:effectRef idx="0">
-              <a:schemeClr val="accent1"/>
-            </a:effectRef>
-            <a:fontRef idx="minor">
-              <a:schemeClr val="tx1"/>
-            </a:fontRef>
-          </p:style>
-        </p:cxnSp>
-        <p:cxnSp>
-          <p:nvCxnSpPr>
-            <p:cNvPr id="57" name="Connecteur droit avec flèche 72"/>
+            <p:cNvPr id="76" name="Connecteur droit avec flèche 72"/>
             <p:cNvCxnSpPr/>
             <p:nvPr/>
           </p:nvCxnSpPr>
           <p:spPr>
             <a:xfrm flipV="1">
-              <a:off x="6231117" y="1464162"/>
-              <a:ext cx="191071" cy="190677"/>
+              <a:off x="3231966" y="1597979"/>
+              <a:ext cx="0" cy="216023"/>
             </a:xfrm>
             <a:prstGeom prst="straightConnector1">
               <a:avLst/>
             </a:prstGeom>
-            <a:ln w="28575">
+            <a:ln w="12700">
               <a:solidFill>
                 <a:schemeClr val="tx1">
                   <a:lumMod val="65000"/>
                   <a:lumOff val="35000"/>
                 </a:schemeClr>
               </a:solidFill>
-              <a:headEnd type="oval" w="med" len="med"/>
+              <a:headEnd type="diamond" w="med" len="med"/>
               <a:tailEnd type="triangle" w="med" len="med"/>
             </a:ln>
           </p:spPr>
@@ -14528,14 +12766,14 @@
         </p:cxnSp>
         <p:sp>
           <p:nvSpPr>
-            <p:cNvPr id="58" name="Rectangle 73"/>
+            <p:cNvPr id="77" name="Rectangle 73"/>
             <p:cNvSpPr/>
             <p:nvPr/>
           </p:nvSpPr>
           <p:spPr>
             <a:xfrm>
-              <a:off x="5918764" y="1164670"/>
-              <a:ext cx="298480" cy="338554"/>
+              <a:off x="2943326" y="1258486"/>
+              <a:ext cx="269626" cy="276999"/>
             </a:xfrm>
             <a:prstGeom prst="rect">
               <a:avLst/>
@@ -14548,13 +12786,13 @@
             <a:lstStyle/>
             <a:p>
               <a:r>
-                <a:rPr lang="fr-FR" sz="1600" dirty="0" smtClean="0">
+                <a:rPr lang="fr-FR" sz="1200" dirty="0" smtClean="0">
                   <a:latin typeface="Arial" pitchFamily="34" charset="0"/>
                   <a:cs typeface="Arial" pitchFamily="34" charset="0"/>
                 </a:rPr>
                 <a:t>0</a:t>
               </a:r>
-              <a:endParaRPr lang="fr-FR" sz="1600" dirty="0">
+              <a:endParaRPr lang="fr-FR" sz="1200" dirty="0">
                 <a:latin typeface="Arial" pitchFamily="34" charset="0"/>
                 <a:cs typeface="Arial" pitchFamily="34" charset="0"/>
               </a:endParaRPr>
@@ -14563,14 +12801,14 @@
         </p:sp>
         <p:sp>
           <p:nvSpPr>
-            <p:cNvPr id="59" name="Rectangle 74"/>
+            <p:cNvPr id="78" name="Rectangle 74"/>
             <p:cNvSpPr/>
             <p:nvPr/>
           </p:nvSpPr>
           <p:spPr>
             <a:xfrm>
-              <a:off x="6238878" y="1159323"/>
-              <a:ext cx="298480" cy="338554"/>
+              <a:off x="3263440" y="1258486"/>
+              <a:ext cx="269626" cy="276999"/>
             </a:xfrm>
             <a:prstGeom prst="rect">
               <a:avLst/>
@@ -14583,325 +12821,137 @@
             <a:lstStyle/>
             <a:p>
               <a:r>
-                <a:rPr lang="fr-FR" sz="1600" dirty="0" smtClean="0">
+                <a:rPr lang="fr-FR" sz="1200" dirty="0" smtClean="0">
                   <a:latin typeface="Arial" pitchFamily="34" charset="0"/>
                   <a:cs typeface="Arial" pitchFamily="34" charset="0"/>
                 </a:rPr>
                 <a:t>1</a:t>
               </a:r>
-              <a:endParaRPr lang="fr-FR" sz="1600" dirty="0">
+              <a:endParaRPr lang="fr-FR" sz="1200" dirty="0">
                 <a:latin typeface="Arial" pitchFamily="34" charset="0"/>
                 <a:cs typeface="Arial" pitchFamily="34" charset="0"/>
               </a:endParaRPr>
             </a:p>
           </p:txBody>
         </p:sp>
+        <p:cxnSp>
+          <p:nvCxnSpPr>
+            <p:cNvPr id="79" name="Gerade Verbindung 78"/>
+            <p:cNvCxnSpPr/>
+            <p:nvPr/>
+          </p:nvCxnSpPr>
+          <p:spPr>
+            <a:xfrm flipV="1">
+              <a:off x="3223170" y="1475885"/>
+              <a:ext cx="0" cy="72008"/>
+            </a:xfrm>
+            <a:prstGeom prst="line">
+              <a:avLst/>
+            </a:prstGeom>
+            <a:ln>
+              <a:solidFill>
+                <a:schemeClr val="tx1"/>
+              </a:solidFill>
+            </a:ln>
+          </p:spPr>
+          <p:style>
+            <a:lnRef idx="1">
+              <a:schemeClr val="accent1"/>
+            </a:lnRef>
+            <a:fillRef idx="0">
+              <a:schemeClr val="accent1"/>
+            </a:fillRef>
+            <a:effectRef idx="0">
+              <a:schemeClr val="accent1"/>
+            </a:effectRef>
+            <a:fontRef idx="minor">
+              <a:schemeClr val="tx1"/>
+            </a:fontRef>
+          </p:style>
+        </p:cxnSp>
+        <p:cxnSp>
+          <p:nvCxnSpPr>
+            <p:cNvPr id="80" name="Gerade Verbindung 79"/>
+            <p:cNvCxnSpPr/>
+            <p:nvPr/>
+          </p:nvCxnSpPr>
+          <p:spPr>
+            <a:xfrm flipV="1">
+              <a:off x="3337590" y="1527039"/>
+              <a:ext cx="37864" cy="68940"/>
+            </a:xfrm>
+            <a:prstGeom prst="line">
+              <a:avLst/>
+            </a:prstGeom>
+            <a:ln>
+              <a:solidFill>
+                <a:schemeClr val="tx1"/>
+              </a:solidFill>
+            </a:ln>
+          </p:spPr>
+          <p:style>
+            <a:lnRef idx="1">
+              <a:schemeClr val="accent1"/>
+            </a:lnRef>
+            <a:fillRef idx="0">
+              <a:schemeClr val="accent1"/>
+            </a:fillRef>
+            <a:effectRef idx="0">
+              <a:schemeClr val="accent1"/>
+            </a:effectRef>
+            <a:fontRef idx="minor">
+              <a:schemeClr val="tx1"/>
+            </a:fontRef>
+          </p:style>
+        </p:cxnSp>
+        <p:cxnSp>
+          <p:nvCxnSpPr>
+            <p:cNvPr id="81" name="Gerade Verbindung 80"/>
+            <p:cNvCxnSpPr/>
+            <p:nvPr/>
+          </p:nvCxnSpPr>
+          <p:spPr>
+            <a:xfrm flipH="1" flipV="1">
+              <a:off x="3083702" y="1518655"/>
+              <a:ext cx="37864" cy="75076"/>
+            </a:xfrm>
+            <a:prstGeom prst="line">
+              <a:avLst/>
+            </a:prstGeom>
+            <a:ln>
+              <a:solidFill>
+                <a:schemeClr val="tx1"/>
+              </a:solidFill>
+            </a:ln>
+          </p:spPr>
+          <p:style>
+            <a:lnRef idx="1">
+              <a:schemeClr val="accent1"/>
+            </a:lnRef>
+            <a:fillRef idx="0">
+              <a:schemeClr val="accent1"/>
+            </a:fillRef>
+            <a:effectRef idx="0">
+              <a:schemeClr val="accent1"/>
+            </a:effectRef>
+            <a:fontRef idx="minor">
+              <a:schemeClr val="tx1"/>
+            </a:fontRef>
+          </p:style>
+        </p:cxnSp>
       </p:grpSp>
-      <p:sp>
-        <p:nvSpPr>
-          <p:cNvPr id="60" name="Textfeld 59"/>
-          <p:cNvSpPr txBox="1"/>
-          <p:nvPr/>
-        </p:nvSpPr>
-        <p:spPr>
-          <a:xfrm>
-            <a:off x="179512" y="2924944"/>
-            <a:ext cx="1635961" cy="338554"/>
-          </a:xfrm>
-          <a:prstGeom prst="rect">
-            <a:avLst/>
-          </a:prstGeom>
-          <a:noFill/>
-        </p:spPr>
-        <p:txBody>
-          <a:bodyPr wrap="none" rtlCol="0">
-            <a:spAutoFit/>
-          </a:bodyPr>
-          <a:lstStyle/>
-          <a:p>
-            <a:r>
-              <a:rPr lang="de-DE" sz="1600" dirty="0" smtClean="0"/>
-              <a:t>State </a:t>
-            </a:r>
-            <a:r>
-              <a:rPr lang="de-DE" sz="1600" dirty="0" err="1" smtClean="0"/>
-              <a:t>Preparation</a:t>
-            </a:r>
-            <a:endParaRPr lang="de-DE" sz="1600" dirty="0"/>
-          </a:p>
-        </p:txBody>
-      </p:sp>
-      <p:sp>
-        <p:nvSpPr>
-          <p:cNvPr id="61" name="Textfeld 60"/>
-          <p:cNvSpPr txBox="1"/>
-          <p:nvPr/>
-        </p:nvSpPr>
-        <p:spPr>
-          <a:xfrm>
-            <a:off x="2243464" y="2924944"/>
-            <a:ext cx="1496500" cy="338554"/>
-          </a:xfrm>
-          <a:prstGeom prst="rect">
-            <a:avLst/>
-          </a:prstGeom>
-          <a:noFill/>
-        </p:spPr>
-        <p:txBody>
-          <a:bodyPr wrap="none" rtlCol="0">
-            <a:spAutoFit/>
-          </a:bodyPr>
-          <a:lstStyle/>
-          <a:p>
-            <a:r>
-              <a:rPr lang="de-DE" sz="1600" dirty="0" smtClean="0"/>
-              <a:t>Oracle </a:t>
-            </a:r>
-            <a:r>
-              <a:rPr lang="de-DE" sz="1600" dirty="0" err="1" smtClean="0"/>
-              <a:t>Function</a:t>
-            </a:r>
-            <a:endParaRPr lang="de-DE" sz="1600" dirty="0"/>
-          </a:p>
-        </p:txBody>
-      </p:sp>
-      <p:sp>
-        <p:nvSpPr>
-          <p:cNvPr id="62" name="Textfeld 61"/>
-          <p:cNvSpPr txBox="1"/>
-          <p:nvPr/>
-        </p:nvSpPr>
-        <p:spPr>
-          <a:xfrm>
-            <a:off x="4231543" y="2924944"/>
-            <a:ext cx="1735860" cy="338554"/>
-          </a:xfrm>
-          <a:prstGeom prst="rect">
-            <a:avLst/>
-          </a:prstGeom>
-          <a:noFill/>
-        </p:spPr>
-        <p:txBody>
-          <a:bodyPr wrap="none" rtlCol="0">
-            <a:spAutoFit/>
-          </a:bodyPr>
-          <a:lstStyle/>
-          <a:p>
-            <a:r>
-              <a:rPr lang="de-DE" sz="1600" dirty="0" smtClean="0"/>
-              <a:t>Diffusion Operator</a:t>
-            </a:r>
-            <a:endParaRPr lang="de-DE" sz="1600" dirty="0"/>
-          </a:p>
-        </p:txBody>
-      </p:sp>
-      <p:sp>
-        <p:nvSpPr>
-          <p:cNvPr id="63" name="Textfeld 62"/>
-          <p:cNvSpPr txBox="1"/>
-          <p:nvPr/>
-        </p:nvSpPr>
-        <p:spPr>
-          <a:xfrm>
-            <a:off x="6061867" y="2924944"/>
-            <a:ext cx="886397" cy="338554"/>
-          </a:xfrm>
-          <a:prstGeom prst="rect">
-            <a:avLst/>
-          </a:prstGeom>
-          <a:noFill/>
-        </p:spPr>
-        <p:txBody>
-          <a:bodyPr wrap="none" rtlCol="0">
-            <a:spAutoFit/>
-          </a:bodyPr>
-          <a:lstStyle/>
-          <a:p>
-            <a:r>
-              <a:rPr lang="de-DE" sz="1600" dirty="0" err="1" smtClean="0"/>
-              <a:t>Readout</a:t>
-            </a:r>
-            <a:endParaRPr lang="de-DE" sz="1600" dirty="0"/>
-          </a:p>
-        </p:txBody>
-      </p:sp>
-      <p:sp>
-        <p:nvSpPr>
-          <p:cNvPr id="64" name="Geschweifte Klammer links 63"/>
-          <p:cNvSpPr/>
-          <p:nvPr/>
-        </p:nvSpPr>
-        <p:spPr>
-          <a:xfrm rot="5400000">
-            <a:off x="863588" y="2672916"/>
-            <a:ext cx="216024" cy="1440160"/>
-          </a:xfrm>
-          <a:prstGeom prst="leftBrace">
-            <a:avLst/>
-          </a:prstGeom>
-          <a:ln w="38100">
-            <a:solidFill>
-              <a:schemeClr val="tx1"/>
-            </a:solidFill>
-          </a:ln>
-        </p:spPr>
-        <p:style>
-          <a:lnRef idx="1">
-            <a:schemeClr val="accent1"/>
-          </a:lnRef>
-          <a:fillRef idx="0">
-            <a:schemeClr val="accent1"/>
-          </a:fillRef>
-          <a:effectRef idx="0">
-            <a:schemeClr val="accent1"/>
-          </a:effectRef>
-          <a:fontRef idx="minor">
-            <a:schemeClr val="tx1"/>
-          </a:fontRef>
-        </p:style>
-        <p:txBody>
-          <a:bodyPr rtlCol="0" anchor="ctr"/>
-          <a:lstStyle/>
-          <a:p>
-            <a:pPr algn="ctr"/>
-            <a:endParaRPr lang="de-DE" dirty="0"/>
-          </a:p>
-        </p:txBody>
-      </p:sp>
-      <p:sp>
-        <p:nvSpPr>
-          <p:cNvPr id="65" name="Geschweifte Klammer links 64"/>
-          <p:cNvSpPr/>
-          <p:nvPr/>
-        </p:nvSpPr>
-        <p:spPr>
-          <a:xfrm rot="5400000">
-            <a:off x="2807804" y="2456892"/>
-            <a:ext cx="216024" cy="1872208"/>
-          </a:xfrm>
-          <a:prstGeom prst="leftBrace">
-            <a:avLst/>
-          </a:prstGeom>
-          <a:ln w="38100">
-            <a:solidFill>
-              <a:schemeClr val="tx1"/>
-            </a:solidFill>
-          </a:ln>
-        </p:spPr>
-        <p:style>
-          <a:lnRef idx="1">
-            <a:schemeClr val="accent1"/>
-          </a:lnRef>
-          <a:fillRef idx="0">
-            <a:schemeClr val="accent1"/>
-          </a:fillRef>
-          <a:effectRef idx="0">
-            <a:schemeClr val="accent1"/>
-          </a:effectRef>
-          <a:fontRef idx="minor">
-            <a:schemeClr val="tx1"/>
-          </a:fontRef>
-        </p:style>
-        <p:txBody>
-          <a:bodyPr rtlCol="0" anchor="ctr"/>
-          <a:lstStyle/>
-          <a:p>
-            <a:pPr algn="ctr"/>
-            <a:endParaRPr lang="de-DE" dirty="0"/>
-          </a:p>
-        </p:txBody>
-      </p:sp>
-      <p:sp>
-        <p:nvSpPr>
-          <p:cNvPr id="66" name="Geschweifte Klammer links 65"/>
-          <p:cNvSpPr/>
-          <p:nvPr/>
-        </p:nvSpPr>
-        <p:spPr>
-          <a:xfrm rot="5400000">
-            <a:off x="4932040" y="2492896"/>
-            <a:ext cx="216024" cy="1800200"/>
-          </a:xfrm>
-          <a:prstGeom prst="leftBrace">
-            <a:avLst/>
-          </a:prstGeom>
-          <a:ln w="38100">
-            <a:solidFill>
-              <a:schemeClr val="tx1"/>
-            </a:solidFill>
-          </a:ln>
-        </p:spPr>
-        <p:style>
-          <a:lnRef idx="1">
-            <a:schemeClr val="accent1"/>
-          </a:lnRef>
-          <a:fillRef idx="0">
-            <a:schemeClr val="accent1"/>
-          </a:fillRef>
-          <a:effectRef idx="0">
-            <a:schemeClr val="accent1"/>
-          </a:effectRef>
-          <a:fontRef idx="minor">
-            <a:schemeClr val="tx1"/>
-          </a:fontRef>
-        </p:style>
-        <p:txBody>
-          <a:bodyPr rtlCol="0" anchor="ctr"/>
-          <a:lstStyle/>
-          <a:p>
-            <a:pPr algn="ctr"/>
-            <a:endParaRPr lang="de-DE" dirty="0"/>
-          </a:p>
-        </p:txBody>
-      </p:sp>
-      <p:sp>
-        <p:nvSpPr>
-          <p:cNvPr id="67" name="Geschweifte Klammer links 66"/>
-          <p:cNvSpPr/>
-          <p:nvPr/>
-        </p:nvSpPr>
-        <p:spPr>
-          <a:xfrm rot="5400000">
-            <a:off x="6372200" y="3068960"/>
-            <a:ext cx="216024" cy="648072"/>
-          </a:xfrm>
-          <a:prstGeom prst="leftBrace">
-            <a:avLst/>
-          </a:prstGeom>
-          <a:ln w="38100">
-            <a:solidFill>
-              <a:schemeClr val="tx1"/>
-            </a:solidFill>
-          </a:ln>
-        </p:spPr>
-        <p:style>
-          <a:lnRef idx="1">
-            <a:schemeClr val="accent1"/>
-          </a:lnRef>
-          <a:fillRef idx="0">
-            <a:schemeClr val="accent1"/>
-          </a:fillRef>
-          <a:effectRef idx="0">
-            <a:schemeClr val="accent1"/>
-          </a:effectRef>
-          <a:fontRef idx="minor">
-            <a:schemeClr val="tx1"/>
-          </a:fontRef>
-        </p:style>
-        <p:txBody>
-          <a:bodyPr rtlCol="0" anchor="ctr"/>
-          <a:lstStyle/>
-          <a:p>
-            <a:pPr algn="ctr"/>
-            <a:endParaRPr lang="de-DE" dirty="0"/>
-          </a:p>
-        </p:txBody>
-      </p:sp>
     </p:spTree>
   </p:cSld>
   <p:clrMapOvr>
     <a:masterClrMapping/>
   </p:clrMapOvr>
+  <p:timing>
+    <p:tnLst>
+      <p:par>
+        <p:cTn id="1" dur="indefinite" restart="never" nodeType="tmRoot"/>
+      </p:par>
+    </p:tnLst>
+  </p:timing>
 </p:sld>
 </file>
 
@@ -15832,29 +13882,545 @@
           </a:p>
         </p:txBody>
       </p:sp>
+      <p:sp>
+        <p:nvSpPr>
+          <p:cNvPr id="60" name="Textfeld 59"/>
+          <p:cNvSpPr txBox="1"/>
+          <p:nvPr/>
+        </p:nvSpPr>
+        <p:spPr>
+          <a:xfrm>
+            <a:off x="107504" y="2924944"/>
+            <a:ext cx="1635961" cy="338554"/>
+          </a:xfrm>
+          <a:prstGeom prst="rect">
+            <a:avLst/>
+          </a:prstGeom>
+          <a:noFill/>
+        </p:spPr>
+        <p:txBody>
+          <a:bodyPr wrap="none" rtlCol="0">
+            <a:spAutoFit/>
+          </a:bodyPr>
+          <a:lstStyle/>
+          <a:p>
+            <a:r>
+              <a:rPr lang="de-DE" sz="1600" dirty="0" smtClean="0"/>
+              <a:t>State </a:t>
+            </a:r>
+            <a:r>
+              <a:rPr lang="de-DE" sz="1600" dirty="0" err="1" smtClean="0"/>
+              <a:t>Preparation</a:t>
+            </a:r>
+            <a:endParaRPr lang="de-DE" sz="1600" dirty="0"/>
+          </a:p>
+        </p:txBody>
+      </p:sp>
+      <p:sp>
+        <p:nvSpPr>
+          <p:cNvPr id="61" name="Textfeld 60"/>
+          <p:cNvSpPr txBox="1"/>
+          <p:nvPr/>
+        </p:nvSpPr>
+        <p:spPr>
+          <a:xfrm>
+            <a:off x="1979712" y="2924944"/>
+            <a:ext cx="1496500" cy="338554"/>
+          </a:xfrm>
+          <a:prstGeom prst="rect">
+            <a:avLst/>
+          </a:prstGeom>
+          <a:noFill/>
+        </p:spPr>
+        <p:txBody>
+          <a:bodyPr wrap="none" rtlCol="0">
+            <a:spAutoFit/>
+          </a:bodyPr>
+          <a:lstStyle/>
+          <a:p>
+            <a:r>
+              <a:rPr lang="de-DE" sz="1600" dirty="0" smtClean="0"/>
+              <a:t>Oracle </a:t>
+            </a:r>
+            <a:r>
+              <a:rPr lang="de-DE" sz="1600" dirty="0" err="1" smtClean="0"/>
+              <a:t>Function</a:t>
+            </a:r>
+            <a:endParaRPr lang="de-DE" sz="1600" dirty="0"/>
+          </a:p>
+        </p:txBody>
+      </p:sp>
+      <p:sp>
+        <p:nvSpPr>
+          <p:cNvPr id="62" name="Textfeld 61"/>
+          <p:cNvSpPr txBox="1"/>
+          <p:nvPr/>
+        </p:nvSpPr>
+        <p:spPr>
+          <a:xfrm>
+            <a:off x="4087527" y="2924944"/>
+            <a:ext cx="1735860" cy="338554"/>
+          </a:xfrm>
+          <a:prstGeom prst="rect">
+            <a:avLst/>
+          </a:prstGeom>
+          <a:noFill/>
+        </p:spPr>
+        <p:txBody>
+          <a:bodyPr wrap="none" rtlCol="0">
+            <a:spAutoFit/>
+          </a:bodyPr>
+          <a:lstStyle/>
+          <a:p>
+            <a:r>
+              <a:rPr lang="de-DE" sz="1600" dirty="0" smtClean="0"/>
+              <a:t>Diffusion Operator</a:t>
+            </a:r>
+            <a:endParaRPr lang="de-DE" sz="1600" dirty="0"/>
+          </a:p>
+        </p:txBody>
+      </p:sp>
+      <p:sp>
+        <p:nvSpPr>
+          <p:cNvPr id="63" name="Textfeld 62"/>
+          <p:cNvSpPr txBox="1"/>
+          <p:nvPr/>
+        </p:nvSpPr>
+        <p:spPr>
+          <a:xfrm>
+            <a:off x="6061867" y="2924944"/>
+            <a:ext cx="886397" cy="338554"/>
+          </a:xfrm>
+          <a:prstGeom prst="rect">
+            <a:avLst/>
+          </a:prstGeom>
+          <a:noFill/>
+        </p:spPr>
+        <p:txBody>
+          <a:bodyPr wrap="none" rtlCol="0">
+            <a:spAutoFit/>
+          </a:bodyPr>
+          <a:lstStyle/>
+          <a:p>
+            <a:r>
+              <a:rPr lang="de-DE" sz="1600" dirty="0" err="1" smtClean="0"/>
+              <a:t>Readout</a:t>
+            </a:r>
+            <a:endParaRPr lang="de-DE" sz="1600" dirty="0"/>
+          </a:p>
+        </p:txBody>
+      </p:sp>
+      <p:sp>
+        <p:nvSpPr>
+          <p:cNvPr id="64" name="Geschweifte Klammer links 63"/>
+          <p:cNvSpPr/>
+          <p:nvPr/>
+        </p:nvSpPr>
+        <p:spPr>
+          <a:xfrm rot="5400000">
+            <a:off x="791580" y="2672916"/>
+            <a:ext cx="216024" cy="1440160"/>
+          </a:xfrm>
+          <a:prstGeom prst="leftBrace">
+            <a:avLst/>
+          </a:prstGeom>
+          <a:ln w="38100">
+            <a:solidFill>
+              <a:schemeClr val="tx1"/>
+            </a:solidFill>
+          </a:ln>
+        </p:spPr>
+        <p:style>
+          <a:lnRef idx="1">
+            <a:schemeClr val="accent1"/>
+          </a:lnRef>
+          <a:fillRef idx="0">
+            <a:schemeClr val="accent1"/>
+          </a:fillRef>
+          <a:effectRef idx="0">
+            <a:schemeClr val="accent1"/>
+          </a:effectRef>
+          <a:fontRef idx="minor">
+            <a:schemeClr val="tx1"/>
+          </a:fontRef>
+        </p:style>
+        <p:txBody>
+          <a:bodyPr rtlCol="0" anchor="ctr"/>
+          <a:lstStyle/>
+          <a:p>
+            <a:pPr algn="ctr"/>
+            <a:endParaRPr lang="de-DE" dirty="0"/>
+          </a:p>
+        </p:txBody>
+      </p:sp>
+      <p:sp>
+        <p:nvSpPr>
+          <p:cNvPr id="65" name="Geschweifte Klammer links 64"/>
+          <p:cNvSpPr/>
+          <p:nvPr/>
+        </p:nvSpPr>
+        <p:spPr>
+          <a:xfrm rot="5400000">
+            <a:off x="2591780" y="2456892"/>
+            <a:ext cx="216024" cy="1872208"/>
+          </a:xfrm>
+          <a:prstGeom prst="leftBrace">
+            <a:avLst/>
+          </a:prstGeom>
+          <a:ln w="38100">
+            <a:solidFill>
+              <a:schemeClr val="tx1"/>
+            </a:solidFill>
+          </a:ln>
+        </p:spPr>
+        <p:style>
+          <a:lnRef idx="1">
+            <a:schemeClr val="accent1"/>
+          </a:lnRef>
+          <a:fillRef idx="0">
+            <a:schemeClr val="accent1"/>
+          </a:fillRef>
+          <a:effectRef idx="0">
+            <a:schemeClr val="accent1"/>
+          </a:effectRef>
+          <a:fontRef idx="minor">
+            <a:schemeClr val="tx1"/>
+          </a:fontRef>
+        </p:style>
+        <p:txBody>
+          <a:bodyPr rtlCol="0" anchor="ctr"/>
+          <a:lstStyle/>
+          <a:p>
+            <a:pPr algn="ctr"/>
+            <a:endParaRPr lang="de-DE" dirty="0"/>
+          </a:p>
+        </p:txBody>
+      </p:sp>
+      <p:sp>
+        <p:nvSpPr>
+          <p:cNvPr id="66" name="Geschweifte Klammer links 65"/>
+          <p:cNvSpPr/>
+          <p:nvPr/>
+        </p:nvSpPr>
+        <p:spPr>
+          <a:xfrm rot="5400000">
+            <a:off x="4788024" y="2492896"/>
+            <a:ext cx="216024" cy="1800200"/>
+          </a:xfrm>
+          <a:prstGeom prst="leftBrace">
+            <a:avLst/>
+          </a:prstGeom>
+          <a:ln w="38100">
+            <a:solidFill>
+              <a:schemeClr val="tx1"/>
+            </a:solidFill>
+          </a:ln>
+        </p:spPr>
+        <p:style>
+          <a:lnRef idx="1">
+            <a:schemeClr val="accent1"/>
+          </a:lnRef>
+          <a:fillRef idx="0">
+            <a:schemeClr val="accent1"/>
+          </a:fillRef>
+          <a:effectRef idx="0">
+            <a:schemeClr val="accent1"/>
+          </a:effectRef>
+          <a:fontRef idx="minor">
+            <a:schemeClr val="tx1"/>
+          </a:fontRef>
+        </p:style>
+        <p:txBody>
+          <a:bodyPr rtlCol="0" anchor="ctr"/>
+          <a:lstStyle/>
+          <a:p>
+            <a:pPr algn="ctr"/>
+            <a:endParaRPr lang="de-DE" dirty="0"/>
+          </a:p>
+        </p:txBody>
+      </p:sp>
+      <p:sp>
+        <p:nvSpPr>
+          <p:cNvPr id="67" name="Geschweifte Klammer links 66"/>
+          <p:cNvSpPr/>
+          <p:nvPr/>
+        </p:nvSpPr>
+        <p:spPr>
+          <a:xfrm rot="5400000">
+            <a:off x="6372200" y="3068960"/>
+            <a:ext cx="216024" cy="648072"/>
+          </a:xfrm>
+          <a:prstGeom prst="leftBrace">
+            <a:avLst/>
+          </a:prstGeom>
+          <a:ln w="38100">
+            <a:solidFill>
+              <a:schemeClr val="tx1"/>
+            </a:solidFill>
+          </a:ln>
+        </p:spPr>
+        <p:style>
+          <a:lnRef idx="1">
+            <a:schemeClr val="accent1"/>
+          </a:lnRef>
+          <a:fillRef idx="0">
+            <a:schemeClr val="accent1"/>
+          </a:fillRef>
+          <a:effectRef idx="0">
+            <a:schemeClr val="accent1"/>
+          </a:effectRef>
+          <a:fontRef idx="minor">
+            <a:schemeClr val="tx1"/>
+          </a:fontRef>
+        </p:style>
+        <p:txBody>
+          <a:bodyPr rtlCol="0" anchor="ctr"/>
+          <a:lstStyle/>
+          <a:p>
+            <a:pPr algn="ctr"/>
+            <a:endParaRPr lang="de-DE" dirty="0"/>
+          </a:p>
+        </p:txBody>
+      </p:sp>
+      <p:cxnSp>
+        <p:nvCxnSpPr>
+          <p:cNvPr id="54" name="Gerade Verbindung 53"/>
+          <p:cNvCxnSpPr/>
+          <p:nvPr/>
+        </p:nvCxnSpPr>
+        <p:spPr>
+          <a:xfrm>
+            <a:off x="1668312" y="3573016"/>
+            <a:ext cx="0" cy="1440160"/>
+          </a:xfrm>
+          <a:prstGeom prst="line">
+            <a:avLst/>
+          </a:prstGeom>
+          <a:ln>
+            <a:solidFill>
+              <a:schemeClr val="tx1"/>
+            </a:solidFill>
+            <a:prstDash val="dash"/>
+          </a:ln>
+        </p:spPr>
+        <p:style>
+          <a:lnRef idx="1">
+            <a:schemeClr val="accent1"/>
+          </a:lnRef>
+          <a:fillRef idx="0">
+            <a:schemeClr val="accent1"/>
+          </a:fillRef>
+          <a:effectRef idx="0">
+            <a:schemeClr val="accent1"/>
+          </a:effectRef>
+          <a:fontRef idx="minor">
+            <a:schemeClr val="tx1"/>
+          </a:fontRef>
+        </p:style>
+      </p:cxnSp>
+      <p:cxnSp>
+        <p:nvCxnSpPr>
+          <p:cNvPr id="75" name="Gerade Verbindung 74"/>
+          <p:cNvCxnSpPr/>
+          <p:nvPr/>
+        </p:nvCxnSpPr>
+        <p:spPr>
+          <a:xfrm>
+            <a:off x="2824352" y="3573016"/>
+            <a:ext cx="0" cy="1440160"/>
+          </a:xfrm>
+          <a:prstGeom prst="line">
+            <a:avLst/>
+          </a:prstGeom>
+          <a:ln>
+            <a:solidFill>
+              <a:schemeClr val="tx1"/>
+            </a:solidFill>
+            <a:prstDash val="dash"/>
+          </a:ln>
+        </p:spPr>
+        <p:style>
+          <a:lnRef idx="1">
+            <a:schemeClr val="accent1"/>
+          </a:lnRef>
+          <a:fillRef idx="0">
+            <a:schemeClr val="accent1"/>
+          </a:fillRef>
+          <a:effectRef idx="0">
+            <a:schemeClr val="accent1"/>
+          </a:effectRef>
+          <a:fontRef idx="minor">
+            <a:schemeClr val="tx1"/>
+          </a:fontRef>
+        </p:style>
+      </p:cxnSp>
+      <p:cxnSp>
+        <p:nvCxnSpPr>
+          <p:cNvPr id="77" name="Gerade Verbindung 76"/>
+          <p:cNvCxnSpPr/>
+          <p:nvPr/>
+        </p:nvCxnSpPr>
+        <p:spPr>
+          <a:xfrm>
+            <a:off x="3779912" y="3573016"/>
+            <a:ext cx="0" cy="1440160"/>
+          </a:xfrm>
+          <a:prstGeom prst="line">
+            <a:avLst/>
+          </a:prstGeom>
+          <a:ln>
+            <a:solidFill>
+              <a:schemeClr val="tx1"/>
+            </a:solidFill>
+            <a:prstDash val="dash"/>
+          </a:ln>
+        </p:spPr>
+        <p:style>
+          <a:lnRef idx="1">
+            <a:schemeClr val="accent1"/>
+          </a:lnRef>
+          <a:fillRef idx="0">
+            <a:schemeClr val="accent1"/>
+          </a:fillRef>
+          <a:effectRef idx="0">
+            <a:schemeClr val="accent1"/>
+          </a:effectRef>
+          <a:fontRef idx="minor">
+            <a:schemeClr val="tx1"/>
+          </a:fontRef>
+        </p:style>
+      </p:cxnSp>
+      <p:cxnSp>
+        <p:nvCxnSpPr>
+          <p:cNvPr id="78" name="Gerade Verbindung 77"/>
+          <p:cNvCxnSpPr/>
+          <p:nvPr/>
+        </p:nvCxnSpPr>
+        <p:spPr>
+          <a:xfrm>
+            <a:off x="5004048" y="3573016"/>
+            <a:ext cx="0" cy="1440160"/>
+          </a:xfrm>
+          <a:prstGeom prst="line">
+            <a:avLst/>
+          </a:prstGeom>
+          <a:ln>
+            <a:solidFill>
+              <a:schemeClr val="tx1"/>
+            </a:solidFill>
+            <a:prstDash val="dash"/>
+          </a:ln>
+        </p:spPr>
+        <p:style>
+          <a:lnRef idx="1">
+            <a:schemeClr val="accent1"/>
+          </a:lnRef>
+          <a:fillRef idx="0">
+            <a:schemeClr val="accent1"/>
+          </a:fillRef>
+          <a:effectRef idx="0">
+            <a:schemeClr val="accent1"/>
+          </a:effectRef>
+          <a:fontRef idx="minor">
+            <a:schemeClr val="tx1"/>
+          </a:fontRef>
+        </p:style>
+      </p:cxnSp>
+      <p:cxnSp>
+        <p:nvCxnSpPr>
+          <p:cNvPr id="79" name="Gerade Verbindung 78"/>
+          <p:cNvCxnSpPr/>
+          <p:nvPr/>
+        </p:nvCxnSpPr>
+        <p:spPr>
+          <a:xfrm>
+            <a:off x="5940152" y="3573016"/>
+            <a:ext cx="0" cy="1440160"/>
+          </a:xfrm>
+          <a:prstGeom prst="line">
+            <a:avLst/>
+          </a:prstGeom>
+          <a:ln>
+            <a:solidFill>
+              <a:schemeClr val="tx1"/>
+            </a:solidFill>
+            <a:prstDash val="dash"/>
+          </a:ln>
+        </p:spPr>
+        <p:style>
+          <a:lnRef idx="1">
+            <a:schemeClr val="accent1"/>
+          </a:lnRef>
+          <a:fillRef idx="0">
+            <a:schemeClr val="accent1"/>
+          </a:fillRef>
+          <a:effectRef idx="0">
+            <a:schemeClr val="accent1"/>
+          </a:effectRef>
+          <a:fontRef idx="minor">
+            <a:schemeClr val="tx1"/>
+          </a:fontRef>
+        </p:style>
+      </p:cxnSp>
+      <p:cxnSp>
+        <p:nvCxnSpPr>
+          <p:cNvPr id="80" name="Gerade Verbindung 79"/>
+          <p:cNvCxnSpPr/>
+          <p:nvPr/>
+        </p:nvCxnSpPr>
+        <p:spPr>
+          <a:xfrm>
+            <a:off x="6876256" y="3573016"/>
+            <a:ext cx="0" cy="1440160"/>
+          </a:xfrm>
+          <a:prstGeom prst="line">
+            <a:avLst/>
+          </a:prstGeom>
+          <a:ln>
+            <a:solidFill>
+              <a:schemeClr val="tx1"/>
+            </a:solidFill>
+            <a:prstDash val="dash"/>
+          </a:ln>
+        </p:spPr>
+        <p:style>
+          <a:lnRef idx="1">
+            <a:schemeClr val="accent1"/>
+          </a:lnRef>
+          <a:fillRef idx="0">
+            <a:schemeClr val="accent1"/>
+          </a:fillRef>
+          <a:effectRef idx="0">
+            <a:schemeClr val="accent1"/>
+          </a:effectRef>
+          <a:fontRef idx="minor">
+            <a:schemeClr val="tx1"/>
+          </a:fontRef>
+        </p:style>
+      </p:cxnSp>
       <p:grpSp>
         <p:nvGrpSpPr>
-          <p:cNvPr id="2" name="Groupe 42"/>
+          <p:cNvPr id="48" name="Gruppieren 47"/>
           <p:cNvGrpSpPr/>
           <p:nvPr/>
         </p:nvGrpSpPr>
         <p:grpSpPr>
           <a:xfrm>
-            <a:off x="6156176" y="3573016"/>
-            <a:ext cx="618594" cy="613563"/>
-            <a:chOff x="5918764" y="1159253"/>
-            <a:chExt cx="618594" cy="613563"/>
+            <a:off x="6197272" y="4327605"/>
+            <a:ext cx="595862" cy="623837"/>
+            <a:chOff x="2937204" y="1258486"/>
+            <a:chExt cx="595862" cy="623837"/>
           </a:xfrm>
         </p:grpSpPr>
         <p:sp>
           <p:nvSpPr>
-            <p:cNvPr id="49" name="Rectangle à coins arrondis 43"/>
+            <p:cNvPr id="68" name="Rectangle à coins arrondis 70"/>
             <p:cNvSpPr/>
             <p:nvPr/>
           </p:nvSpPr>
           <p:spPr>
             <a:xfrm>
-              <a:off x="5940152" y="1159253"/>
+              <a:off x="2937204" y="1268760"/>
               <a:ext cx="576064" cy="613563"/>
             </a:xfrm>
             <a:prstGeom prst="roundRect">
@@ -15899,65 +14465,26 @@
         </p:sp>
         <p:cxnSp>
           <p:nvCxnSpPr>
-            <p:cNvPr id="50" name="Connecteur droit avec flèche 44"/>
-            <p:cNvCxnSpPr/>
-            <p:nvPr/>
-          </p:nvCxnSpPr>
-          <p:spPr>
-            <a:xfrm rot="10800000">
-              <a:off x="6040721" y="1461357"/>
-              <a:ext cx="189802" cy="184040"/>
-            </a:xfrm>
-            <a:prstGeom prst="straightConnector1">
-              <a:avLst/>
-            </a:prstGeom>
-            <a:ln w="28575">
-              <a:solidFill>
-                <a:schemeClr val="bg1">
-                  <a:lumMod val="65000"/>
-                </a:schemeClr>
-              </a:solidFill>
-              <a:headEnd type="oval" w="med" len="med"/>
-              <a:tailEnd type="triangle" w="med" len="med"/>
-            </a:ln>
-          </p:spPr>
-          <p:style>
-            <a:lnRef idx="1">
-              <a:schemeClr val="accent1"/>
-            </a:lnRef>
-            <a:fillRef idx="0">
-              <a:schemeClr val="accent1"/>
-            </a:fillRef>
-            <a:effectRef idx="0">
-              <a:schemeClr val="accent1"/>
-            </a:effectRef>
-            <a:fontRef idx="minor">
-              <a:schemeClr val="tx1"/>
-            </a:fontRef>
-          </p:style>
-        </p:cxnSp>
-        <p:cxnSp>
-          <p:nvCxnSpPr>
-            <p:cNvPr id="51" name="Connecteur droit avec flèche 45"/>
+            <p:cNvPr id="69" name="Connecteur droit avec flèche 72"/>
             <p:cNvCxnSpPr/>
             <p:nvPr/>
           </p:nvCxnSpPr>
           <p:spPr>
             <a:xfrm flipV="1">
-              <a:off x="6231117" y="1464162"/>
-              <a:ext cx="191071" cy="190677"/>
+              <a:off x="3231966" y="1597979"/>
+              <a:ext cx="0" cy="216023"/>
             </a:xfrm>
             <a:prstGeom prst="straightConnector1">
               <a:avLst/>
             </a:prstGeom>
-            <a:ln w="28575">
+            <a:ln w="12700">
               <a:solidFill>
                 <a:schemeClr val="tx1">
                   <a:lumMod val="65000"/>
                   <a:lumOff val="35000"/>
                 </a:schemeClr>
               </a:solidFill>
-              <a:headEnd type="oval" w="med" len="med"/>
+              <a:headEnd type="diamond" w="med" len="med"/>
               <a:tailEnd type="triangle" w="med" len="med"/>
             </a:ln>
           </p:spPr>
@@ -15978,14 +14505,14 @@
         </p:cxnSp>
         <p:sp>
           <p:nvSpPr>
-            <p:cNvPr id="52" name="Rectangle 46"/>
+            <p:cNvPr id="70" name="Rectangle 73"/>
             <p:cNvSpPr/>
             <p:nvPr/>
           </p:nvSpPr>
           <p:spPr>
             <a:xfrm>
-              <a:off x="5918764" y="1164670"/>
-              <a:ext cx="298480" cy="338554"/>
+              <a:off x="2943326" y="1258486"/>
+              <a:ext cx="269626" cy="276999"/>
             </a:xfrm>
             <a:prstGeom prst="rect">
               <a:avLst/>
@@ -15998,13 +14525,13 @@
             <a:lstStyle/>
             <a:p>
               <a:r>
-                <a:rPr lang="fr-FR" sz="1600" dirty="0" smtClean="0">
+                <a:rPr lang="fr-FR" sz="1200" dirty="0" smtClean="0">
                   <a:latin typeface="Arial" pitchFamily="34" charset="0"/>
                   <a:cs typeface="Arial" pitchFamily="34" charset="0"/>
                 </a:rPr>
                 <a:t>0</a:t>
               </a:r>
-              <a:endParaRPr lang="fr-FR" sz="1600" dirty="0">
+              <a:endParaRPr lang="fr-FR" sz="1200" dirty="0">
                 <a:latin typeface="Arial" pitchFamily="34" charset="0"/>
                 <a:cs typeface="Arial" pitchFamily="34" charset="0"/>
               </a:endParaRPr>
@@ -16013,14 +14540,14 @@
         </p:sp>
         <p:sp>
           <p:nvSpPr>
-            <p:cNvPr id="53" name="Rectangle 47"/>
+            <p:cNvPr id="71" name="Rectangle 74"/>
             <p:cNvSpPr/>
             <p:nvPr/>
           </p:nvSpPr>
           <p:spPr>
             <a:xfrm>
-              <a:off x="6238878" y="1159323"/>
-              <a:ext cx="298480" cy="338554"/>
+              <a:off x="3263440" y="1258486"/>
+              <a:ext cx="269626" cy="276999"/>
             </a:xfrm>
             <a:prstGeom prst="rect">
               <a:avLst/>
@@ -16033,43 +14560,148 @@
             <a:lstStyle/>
             <a:p>
               <a:r>
-                <a:rPr lang="fr-FR" sz="1600" dirty="0" smtClean="0">
+                <a:rPr lang="fr-FR" sz="1200" dirty="0" smtClean="0">
                   <a:latin typeface="Arial" pitchFamily="34" charset="0"/>
                   <a:cs typeface="Arial" pitchFamily="34" charset="0"/>
                 </a:rPr>
                 <a:t>1</a:t>
               </a:r>
-              <a:endParaRPr lang="fr-FR" sz="1600" dirty="0">
+              <a:endParaRPr lang="fr-FR" sz="1200" dirty="0">
                 <a:latin typeface="Arial" pitchFamily="34" charset="0"/>
                 <a:cs typeface="Arial" pitchFamily="34" charset="0"/>
               </a:endParaRPr>
             </a:p>
           </p:txBody>
         </p:sp>
+        <p:cxnSp>
+          <p:nvCxnSpPr>
+            <p:cNvPr id="72" name="Gerade Verbindung 71"/>
+            <p:cNvCxnSpPr/>
+            <p:nvPr/>
+          </p:nvCxnSpPr>
+          <p:spPr>
+            <a:xfrm flipV="1">
+              <a:off x="3223170" y="1475885"/>
+              <a:ext cx="0" cy="72008"/>
+            </a:xfrm>
+            <a:prstGeom prst="line">
+              <a:avLst/>
+            </a:prstGeom>
+            <a:ln>
+              <a:solidFill>
+                <a:schemeClr val="tx1"/>
+              </a:solidFill>
+            </a:ln>
+          </p:spPr>
+          <p:style>
+            <a:lnRef idx="1">
+              <a:schemeClr val="accent1"/>
+            </a:lnRef>
+            <a:fillRef idx="0">
+              <a:schemeClr val="accent1"/>
+            </a:fillRef>
+            <a:effectRef idx="0">
+              <a:schemeClr val="accent1"/>
+            </a:effectRef>
+            <a:fontRef idx="minor">
+              <a:schemeClr val="tx1"/>
+            </a:fontRef>
+          </p:style>
+        </p:cxnSp>
+        <p:cxnSp>
+          <p:nvCxnSpPr>
+            <p:cNvPr id="73" name="Gerade Verbindung 72"/>
+            <p:cNvCxnSpPr/>
+            <p:nvPr/>
+          </p:nvCxnSpPr>
+          <p:spPr>
+            <a:xfrm flipV="1">
+              <a:off x="3337590" y="1527039"/>
+              <a:ext cx="37864" cy="68940"/>
+            </a:xfrm>
+            <a:prstGeom prst="line">
+              <a:avLst/>
+            </a:prstGeom>
+            <a:ln>
+              <a:solidFill>
+                <a:schemeClr val="tx1"/>
+              </a:solidFill>
+            </a:ln>
+          </p:spPr>
+          <p:style>
+            <a:lnRef idx="1">
+              <a:schemeClr val="accent1"/>
+            </a:lnRef>
+            <a:fillRef idx="0">
+              <a:schemeClr val="accent1"/>
+            </a:fillRef>
+            <a:effectRef idx="0">
+              <a:schemeClr val="accent1"/>
+            </a:effectRef>
+            <a:fontRef idx="minor">
+              <a:schemeClr val="tx1"/>
+            </a:fontRef>
+          </p:style>
+        </p:cxnSp>
+        <p:cxnSp>
+          <p:nvCxnSpPr>
+            <p:cNvPr id="74" name="Gerade Verbindung 73"/>
+            <p:cNvCxnSpPr/>
+            <p:nvPr/>
+          </p:nvCxnSpPr>
+          <p:spPr>
+            <a:xfrm flipH="1" flipV="1">
+              <a:off x="3083702" y="1518655"/>
+              <a:ext cx="37864" cy="75076"/>
+            </a:xfrm>
+            <a:prstGeom prst="line">
+              <a:avLst/>
+            </a:prstGeom>
+            <a:ln>
+              <a:solidFill>
+                <a:schemeClr val="tx1"/>
+              </a:solidFill>
+            </a:ln>
+          </p:spPr>
+          <p:style>
+            <a:lnRef idx="1">
+              <a:schemeClr val="accent1"/>
+            </a:lnRef>
+            <a:fillRef idx="0">
+              <a:schemeClr val="accent1"/>
+            </a:fillRef>
+            <a:effectRef idx="0">
+              <a:schemeClr val="accent1"/>
+            </a:effectRef>
+            <a:fontRef idx="minor">
+              <a:schemeClr val="tx1"/>
+            </a:fontRef>
+          </p:style>
+        </p:cxnSp>
       </p:grpSp>
       <p:grpSp>
         <p:nvGrpSpPr>
-          <p:cNvPr id="3" name="Groupe 69"/>
+          <p:cNvPr id="76" name="Gruppieren 75"/>
           <p:cNvGrpSpPr/>
           <p:nvPr/>
         </p:nvGrpSpPr>
         <p:grpSpPr>
           <a:xfrm>
-            <a:off x="6156176" y="4327605"/>
-            <a:ext cx="618594" cy="613563"/>
-            <a:chOff x="5918764" y="1159253"/>
-            <a:chExt cx="618594" cy="613563"/>
+            <a:off x="6197272" y="3583290"/>
+            <a:ext cx="595862" cy="623837"/>
+            <a:chOff x="2937204" y="1258486"/>
+            <a:chExt cx="595862" cy="623837"/>
           </a:xfrm>
         </p:grpSpPr>
         <p:sp>
           <p:nvSpPr>
-            <p:cNvPr id="55" name="Rectangle à coins arrondis 70"/>
+            <p:cNvPr id="81" name="Rectangle à coins arrondis 70"/>
             <p:cNvSpPr/>
             <p:nvPr/>
           </p:nvSpPr>
           <p:spPr>
             <a:xfrm>
-              <a:off x="5940152" y="1159253"/>
+              <a:off x="2937204" y="1268760"/>
               <a:ext cx="576064" cy="613563"/>
             </a:xfrm>
             <a:prstGeom prst="roundRect">
@@ -16114,65 +14746,26 @@
         </p:sp>
         <p:cxnSp>
           <p:nvCxnSpPr>
-            <p:cNvPr id="56" name="Connecteur droit avec flèche 71"/>
-            <p:cNvCxnSpPr/>
-            <p:nvPr/>
-          </p:nvCxnSpPr>
-          <p:spPr>
-            <a:xfrm rot="10800000">
-              <a:off x="6040721" y="1461357"/>
-              <a:ext cx="189802" cy="184040"/>
-            </a:xfrm>
-            <a:prstGeom prst="straightConnector1">
-              <a:avLst/>
-            </a:prstGeom>
-            <a:ln w="28575">
-              <a:solidFill>
-                <a:schemeClr val="bg1">
-                  <a:lumMod val="65000"/>
-                </a:schemeClr>
-              </a:solidFill>
-              <a:headEnd type="oval" w="med" len="med"/>
-              <a:tailEnd type="triangle" w="med" len="med"/>
-            </a:ln>
-          </p:spPr>
-          <p:style>
-            <a:lnRef idx="1">
-              <a:schemeClr val="accent1"/>
-            </a:lnRef>
-            <a:fillRef idx="0">
-              <a:schemeClr val="accent1"/>
-            </a:fillRef>
-            <a:effectRef idx="0">
-              <a:schemeClr val="accent1"/>
-            </a:effectRef>
-            <a:fontRef idx="minor">
-              <a:schemeClr val="tx1"/>
-            </a:fontRef>
-          </p:style>
-        </p:cxnSp>
-        <p:cxnSp>
-          <p:nvCxnSpPr>
-            <p:cNvPr id="57" name="Connecteur droit avec flèche 72"/>
+            <p:cNvPr id="82" name="Connecteur droit avec flèche 72"/>
             <p:cNvCxnSpPr/>
             <p:nvPr/>
           </p:nvCxnSpPr>
           <p:spPr>
             <a:xfrm flipV="1">
-              <a:off x="6231117" y="1464162"/>
-              <a:ext cx="191071" cy="190677"/>
+              <a:off x="3231966" y="1597979"/>
+              <a:ext cx="0" cy="216023"/>
             </a:xfrm>
             <a:prstGeom prst="straightConnector1">
               <a:avLst/>
             </a:prstGeom>
-            <a:ln w="28575">
+            <a:ln w="12700">
               <a:solidFill>
                 <a:schemeClr val="tx1">
                   <a:lumMod val="65000"/>
                   <a:lumOff val="35000"/>
                 </a:schemeClr>
               </a:solidFill>
-              <a:headEnd type="oval" w="med" len="med"/>
+              <a:headEnd type="diamond" w="med" len="med"/>
               <a:tailEnd type="triangle" w="med" len="med"/>
             </a:ln>
           </p:spPr>
@@ -16193,14 +14786,14 @@
         </p:cxnSp>
         <p:sp>
           <p:nvSpPr>
-            <p:cNvPr id="58" name="Rectangle 73"/>
+            <p:cNvPr id="83" name="Rectangle 73"/>
             <p:cNvSpPr/>
             <p:nvPr/>
           </p:nvSpPr>
           <p:spPr>
             <a:xfrm>
-              <a:off x="5918764" y="1164670"/>
-              <a:ext cx="298480" cy="338554"/>
+              <a:off x="2943326" y="1258486"/>
+              <a:ext cx="269626" cy="276999"/>
             </a:xfrm>
             <a:prstGeom prst="rect">
               <a:avLst/>
@@ -16213,13 +14806,13 @@
             <a:lstStyle/>
             <a:p>
               <a:r>
-                <a:rPr lang="fr-FR" sz="1600" dirty="0" smtClean="0">
+                <a:rPr lang="fr-FR" sz="1200" dirty="0" smtClean="0">
                   <a:latin typeface="Arial" pitchFamily="34" charset="0"/>
                   <a:cs typeface="Arial" pitchFamily="34" charset="0"/>
                 </a:rPr>
                 <a:t>0</a:t>
               </a:r>
-              <a:endParaRPr lang="fr-FR" sz="1600" dirty="0">
+              <a:endParaRPr lang="fr-FR" sz="1200" dirty="0">
                 <a:latin typeface="Arial" pitchFamily="34" charset="0"/>
                 <a:cs typeface="Arial" pitchFamily="34" charset="0"/>
               </a:endParaRPr>
@@ -16228,14 +14821,14 @@
         </p:sp>
         <p:sp>
           <p:nvSpPr>
-            <p:cNvPr id="59" name="Rectangle 74"/>
+            <p:cNvPr id="84" name="Rectangle 74"/>
             <p:cNvSpPr/>
             <p:nvPr/>
           </p:nvSpPr>
           <p:spPr>
             <a:xfrm>
-              <a:off x="6238878" y="1159323"/>
-              <a:ext cx="298480" cy="338554"/>
+              <a:off x="3263440" y="1258486"/>
+              <a:ext cx="269626" cy="276999"/>
             </a:xfrm>
             <a:prstGeom prst="rect">
               <a:avLst/>
@@ -16248,637 +14841,137 @@
             <a:lstStyle/>
             <a:p>
               <a:r>
-                <a:rPr lang="fr-FR" sz="1600" dirty="0" smtClean="0">
+                <a:rPr lang="fr-FR" sz="1200" dirty="0" smtClean="0">
                   <a:latin typeface="Arial" pitchFamily="34" charset="0"/>
                   <a:cs typeface="Arial" pitchFamily="34" charset="0"/>
                 </a:rPr>
                 <a:t>1</a:t>
               </a:r>
-              <a:endParaRPr lang="fr-FR" sz="1600" dirty="0">
+              <a:endParaRPr lang="fr-FR" sz="1200" dirty="0">
                 <a:latin typeface="Arial" pitchFamily="34" charset="0"/>
                 <a:cs typeface="Arial" pitchFamily="34" charset="0"/>
               </a:endParaRPr>
             </a:p>
           </p:txBody>
         </p:sp>
+        <p:cxnSp>
+          <p:nvCxnSpPr>
+            <p:cNvPr id="85" name="Gerade Verbindung 84"/>
+            <p:cNvCxnSpPr/>
+            <p:nvPr/>
+          </p:nvCxnSpPr>
+          <p:spPr>
+            <a:xfrm flipV="1">
+              <a:off x="3223170" y="1475885"/>
+              <a:ext cx="0" cy="72008"/>
+            </a:xfrm>
+            <a:prstGeom prst="line">
+              <a:avLst/>
+            </a:prstGeom>
+            <a:ln>
+              <a:solidFill>
+                <a:schemeClr val="tx1"/>
+              </a:solidFill>
+            </a:ln>
+          </p:spPr>
+          <p:style>
+            <a:lnRef idx="1">
+              <a:schemeClr val="accent1"/>
+            </a:lnRef>
+            <a:fillRef idx="0">
+              <a:schemeClr val="accent1"/>
+            </a:fillRef>
+            <a:effectRef idx="0">
+              <a:schemeClr val="accent1"/>
+            </a:effectRef>
+            <a:fontRef idx="minor">
+              <a:schemeClr val="tx1"/>
+            </a:fontRef>
+          </p:style>
+        </p:cxnSp>
+        <p:cxnSp>
+          <p:nvCxnSpPr>
+            <p:cNvPr id="86" name="Gerade Verbindung 85"/>
+            <p:cNvCxnSpPr/>
+            <p:nvPr/>
+          </p:nvCxnSpPr>
+          <p:spPr>
+            <a:xfrm flipV="1">
+              <a:off x="3337590" y="1527039"/>
+              <a:ext cx="37864" cy="68940"/>
+            </a:xfrm>
+            <a:prstGeom prst="line">
+              <a:avLst/>
+            </a:prstGeom>
+            <a:ln>
+              <a:solidFill>
+                <a:schemeClr val="tx1"/>
+              </a:solidFill>
+            </a:ln>
+          </p:spPr>
+          <p:style>
+            <a:lnRef idx="1">
+              <a:schemeClr val="accent1"/>
+            </a:lnRef>
+            <a:fillRef idx="0">
+              <a:schemeClr val="accent1"/>
+            </a:fillRef>
+            <a:effectRef idx="0">
+              <a:schemeClr val="accent1"/>
+            </a:effectRef>
+            <a:fontRef idx="minor">
+              <a:schemeClr val="tx1"/>
+            </a:fontRef>
+          </p:style>
+        </p:cxnSp>
+        <p:cxnSp>
+          <p:nvCxnSpPr>
+            <p:cNvPr id="87" name="Gerade Verbindung 86"/>
+            <p:cNvCxnSpPr/>
+            <p:nvPr/>
+          </p:nvCxnSpPr>
+          <p:spPr>
+            <a:xfrm flipH="1" flipV="1">
+              <a:off x="3083702" y="1518655"/>
+              <a:ext cx="37864" cy="75076"/>
+            </a:xfrm>
+            <a:prstGeom prst="line">
+              <a:avLst/>
+            </a:prstGeom>
+            <a:ln>
+              <a:solidFill>
+                <a:schemeClr val="tx1"/>
+              </a:solidFill>
+            </a:ln>
+          </p:spPr>
+          <p:style>
+            <a:lnRef idx="1">
+              <a:schemeClr val="accent1"/>
+            </a:lnRef>
+            <a:fillRef idx="0">
+              <a:schemeClr val="accent1"/>
+            </a:fillRef>
+            <a:effectRef idx="0">
+              <a:schemeClr val="accent1"/>
+            </a:effectRef>
+            <a:fontRef idx="minor">
+              <a:schemeClr val="tx1"/>
+            </a:fontRef>
+          </p:style>
+        </p:cxnSp>
       </p:grpSp>
-      <p:sp>
-        <p:nvSpPr>
-          <p:cNvPr id="60" name="Textfeld 59"/>
-          <p:cNvSpPr txBox="1"/>
-          <p:nvPr/>
-        </p:nvSpPr>
-        <p:spPr>
-          <a:xfrm>
-            <a:off x="107504" y="2924944"/>
-            <a:ext cx="1635961" cy="338554"/>
-          </a:xfrm>
-          <a:prstGeom prst="rect">
-            <a:avLst/>
-          </a:prstGeom>
-          <a:noFill/>
-        </p:spPr>
-        <p:txBody>
-          <a:bodyPr wrap="none" rtlCol="0">
-            <a:spAutoFit/>
-          </a:bodyPr>
-          <a:lstStyle/>
-          <a:p>
-            <a:r>
-              <a:rPr lang="de-DE" sz="1600" dirty="0" smtClean="0"/>
-              <a:t>State </a:t>
-            </a:r>
-            <a:r>
-              <a:rPr lang="de-DE" sz="1600" dirty="0" err="1" smtClean="0"/>
-              <a:t>Preparation</a:t>
-            </a:r>
-            <a:endParaRPr lang="de-DE" sz="1600" dirty="0"/>
-          </a:p>
-        </p:txBody>
-      </p:sp>
-      <p:sp>
-        <p:nvSpPr>
-          <p:cNvPr id="61" name="Textfeld 60"/>
-          <p:cNvSpPr txBox="1"/>
-          <p:nvPr/>
-        </p:nvSpPr>
-        <p:spPr>
-          <a:xfrm>
-            <a:off x="1979712" y="2924944"/>
-            <a:ext cx="1496500" cy="338554"/>
-          </a:xfrm>
-          <a:prstGeom prst="rect">
-            <a:avLst/>
-          </a:prstGeom>
-          <a:noFill/>
-        </p:spPr>
-        <p:txBody>
-          <a:bodyPr wrap="none" rtlCol="0">
-            <a:spAutoFit/>
-          </a:bodyPr>
-          <a:lstStyle/>
-          <a:p>
-            <a:r>
-              <a:rPr lang="de-DE" sz="1600" dirty="0" smtClean="0"/>
-              <a:t>Oracle </a:t>
-            </a:r>
-            <a:r>
-              <a:rPr lang="de-DE" sz="1600" dirty="0" err="1" smtClean="0"/>
-              <a:t>Function</a:t>
-            </a:r>
-            <a:endParaRPr lang="de-DE" sz="1600" dirty="0"/>
-          </a:p>
-        </p:txBody>
-      </p:sp>
-      <p:sp>
-        <p:nvSpPr>
-          <p:cNvPr id="62" name="Textfeld 61"/>
-          <p:cNvSpPr txBox="1"/>
-          <p:nvPr/>
-        </p:nvSpPr>
-        <p:spPr>
-          <a:xfrm>
-            <a:off x="4087527" y="2924944"/>
-            <a:ext cx="1735860" cy="338554"/>
-          </a:xfrm>
-          <a:prstGeom prst="rect">
-            <a:avLst/>
-          </a:prstGeom>
-          <a:noFill/>
-        </p:spPr>
-        <p:txBody>
-          <a:bodyPr wrap="none" rtlCol="0">
-            <a:spAutoFit/>
-          </a:bodyPr>
-          <a:lstStyle/>
-          <a:p>
-            <a:r>
-              <a:rPr lang="de-DE" sz="1600" dirty="0" smtClean="0"/>
-              <a:t>Diffusion Operator</a:t>
-            </a:r>
-            <a:endParaRPr lang="de-DE" sz="1600" dirty="0"/>
-          </a:p>
-        </p:txBody>
-      </p:sp>
-      <p:sp>
-        <p:nvSpPr>
-          <p:cNvPr id="63" name="Textfeld 62"/>
-          <p:cNvSpPr txBox="1"/>
-          <p:nvPr/>
-        </p:nvSpPr>
-        <p:spPr>
-          <a:xfrm>
-            <a:off x="6061867" y="2924944"/>
-            <a:ext cx="886397" cy="338554"/>
-          </a:xfrm>
-          <a:prstGeom prst="rect">
-            <a:avLst/>
-          </a:prstGeom>
-          <a:noFill/>
-        </p:spPr>
-        <p:txBody>
-          <a:bodyPr wrap="none" rtlCol="0">
-            <a:spAutoFit/>
-          </a:bodyPr>
-          <a:lstStyle/>
-          <a:p>
-            <a:r>
-              <a:rPr lang="de-DE" sz="1600" dirty="0" err="1" smtClean="0"/>
-              <a:t>Readout</a:t>
-            </a:r>
-            <a:endParaRPr lang="de-DE" sz="1600" dirty="0"/>
-          </a:p>
-        </p:txBody>
-      </p:sp>
-      <p:sp>
-        <p:nvSpPr>
-          <p:cNvPr id="64" name="Geschweifte Klammer links 63"/>
-          <p:cNvSpPr/>
-          <p:nvPr/>
-        </p:nvSpPr>
-        <p:spPr>
-          <a:xfrm rot="5400000">
-            <a:off x="791580" y="2672916"/>
-            <a:ext cx="216024" cy="1440160"/>
-          </a:xfrm>
-          <a:prstGeom prst="leftBrace">
-            <a:avLst/>
-          </a:prstGeom>
-          <a:ln w="38100">
-            <a:solidFill>
-              <a:schemeClr val="tx1"/>
-            </a:solidFill>
-          </a:ln>
-        </p:spPr>
-        <p:style>
-          <a:lnRef idx="1">
-            <a:schemeClr val="accent1"/>
-          </a:lnRef>
-          <a:fillRef idx="0">
-            <a:schemeClr val="accent1"/>
-          </a:fillRef>
-          <a:effectRef idx="0">
-            <a:schemeClr val="accent1"/>
-          </a:effectRef>
-          <a:fontRef idx="minor">
-            <a:schemeClr val="tx1"/>
-          </a:fontRef>
-        </p:style>
-        <p:txBody>
-          <a:bodyPr rtlCol="0" anchor="ctr"/>
-          <a:lstStyle/>
-          <a:p>
-            <a:pPr algn="ctr"/>
-            <a:endParaRPr lang="de-DE" dirty="0"/>
-          </a:p>
-        </p:txBody>
-      </p:sp>
-      <p:sp>
-        <p:nvSpPr>
-          <p:cNvPr id="65" name="Geschweifte Klammer links 64"/>
-          <p:cNvSpPr/>
-          <p:nvPr/>
-        </p:nvSpPr>
-        <p:spPr>
-          <a:xfrm rot="5400000">
-            <a:off x="2591780" y="2456892"/>
-            <a:ext cx="216024" cy="1872208"/>
-          </a:xfrm>
-          <a:prstGeom prst="leftBrace">
-            <a:avLst/>
-          </a:prstGeom>
-          <a:ln w="38100">
-            <a:solidFill>
-              <a:schemeClr val="tx1"/>
-            </a:solidFill>
-          </a:ln>
-        </p:spPr>
-        <p:style>
-          <a:lnRef idx="1">
-            <a:schemeClr val="accent1"/>
-          </a:lnRef>
-          <a:fillRef idx="0">
-            <a:schemeClr val="accent1"/>
-          </a:fillRef>
-          <a:effectRef idx="0">
-            <a:schemeClr val="accent1"/>
-          </a:effectRef>
-          <a:fontRef idx="minor">
-            <a:schemeClr val="tx1"/>
-          </a:fontRef>
-        </p:style>
-        <p:txBody>
-          <a:bodyPr rtlCol="0" anchor="ctr"/>
-          <a:lstStyle/>
-          <a:p>
-            <a:pPr algn="ctr"/>
-            <a:endParaRPr lang="de-DE" dirty="0"/>
-          </a:p>
-        </p:txBody>
-      </p:sp>
-      <p:sp>
-        <p:nvSpPr>
-          <p:cNvPr id="66" name="Geschweifte Klammer links 65"/>
-          <p:cNvSpPr/>
-          <p:nvPr/>
-        </p:nvSpPr>
-        <p:spPr>
-          <a:xfrm rot="5400000">
-            <a:off x="4788024" y="2492896"/>
-            <a:ext cx="216024" cy="1800200"/>
-          </a:xfrm>
-          <a:prstGeom prst="leftBrace">
-            <a:avLst/>
-          </a:prstGeom>
-          <a:ln w="38100">
-            <a:solidFill>
-              <a:schemeClr val="tx1"/>
-            </a:solidFill>
-          </a:ln>
-        </p:spPr>
-        <p:style>
-          <a:lnRef idx="1">
-            <a:schemeClr val="accent1"/>
-          </a:lnRef>
-          <a:fillRef idx="0">
-            <a:schemeClr val="accent1"/>
-          </a:fillRef>
-          <a:effectRef idx="0">
-            <a:schemeClr val="accent1"/>
-          </a:effectRef>
-          <a:fontRef idx="minor">
-            <a:schemeClr val="tx1"/>
-          </a:fontRef>
-        </p:style>
-        <p:txBody>
-          <a:bodyPr rtlCol="0" anchor="ctr"/>
-          <a:lstStyle/>
-          <a:p>
-            <a:pPr algn="ctr"/>
-            <a:endParaRPr lang="de-DE" dirty="0"/>
-          </a:p>
-        </p:txBody>
-      </p:sp>
-      <p:sp>
-        <p:nvSpPr>
-          <p:cNvPr id="67" name="Geschweifte Klammer links 66"/>
-          <p:cNvSpPr/>
-          <p:nvPr/>
-        </p:nvSpPr>
-        <p:spPr>
-          <a:xfrm rot="5400000">
-            <a:off x="6372200" y="3068960"/>
-            <a:ext cx="216024" cy="648072"/>
-          </a:xfrm>
-          <a:prstGeom prst="leftBrace">
-            <a:avLst/>
-          </a:prstGeom>
-          <a:ln w="38100">
-            <a:solidFill>
-              <a:schemeClr val="tx1"/>
-            </a:solidFill>
-          </a:ln>
-        </p:spPr>
-        <p:style>
-          <a:lnRef idx="1">
-            <a:schemeClr val="accent1"/>
-          </a:lnRef>
-          <a:fillRef idx="0">
-            <a:schemeClr val="accent1"/>
-          </a:fillRef>
-          <a:effectRef idx="0">
-            <a:schemeClr val="accent1"/>
-          </a:effectRef>
-          <a:fontRef idx="minor">
-            <a:schemeClr val="tx1"/>
-          </a:fontRef>
-        </p:style>
-        <p:txBody>
-          <a:bodyPr rtlCol="0" anchor="ctr"/>
-          <a:lstStyle/>
-          <a:p>
-            <a:pPr algn="ctr"/>
-            <a:endParaRPr lang="de-DE" dirty="0"/>
-          </a:p>
-        </p:txBody>
-      </p:sp>
-      <p:sp>
-        <p:nvSpPr>
-          <p:cNvPr id="34" name="Gewitterblitz 33"/>
-          <p:cNvSpPr/>
-          <p:nvPr/>
-        </p:nvSpPr>
-        <p:spPr>
-          <a:xfrm rot="429266">
-            <a:off x="3668931" y="3301729"/>
-            <a:ext cx="288032" cy="1800200"/>
-          </a:xfrm>
-          <a:prstGeom prst="lightningBolt">
-            <a:avLst/>
-          </a:prstGeom>
-          <a:solidFill>
-            <a:schemeClr val="bg1"/>
-          </a:solidFill>
-          <a:ln>
-            <a:solidFill>
-              <a:schemeClr val="tx1"/>
-            </a:solidFill>
-          </a:ln>
-        </p:spPr>
-        <p:style>
-          <a:lnRef idx="2">
-            <a:schemeClr val="accent1">
-              <a:shade val="50000"/>
-            </a:schemeClr>
-          </a:lnRef>
-          <a:fillRef idx="1">
-            <a:schemeClr val="accent1"/>
-          </a:fillRef>
-          <a:effectRef idx="0">
-            <a:schemeClr val="accent1"/>
-          </a:effectRef>
-          <a:fontRef idx="minor">
-            <a:schemeClr val="lt1"/>
-          </a:fontRef>
-        </p:style>
-        <p:txBody>
-          <a:bodyPr rtlCol="0" anchor="ctr"/>
-          <a:lstStyle/>
-          <a:p>
-            <a:pPr algn="ctr"/>
-            <a:endParaRPr lang="de-DE"/>
-          </a:p>
-        </p:txBody>
-      </p:sp>
-      <p:sp>
-        <p:nvSpPr>
-          <p:cNvPr id="35" name="Gewitterblitz 34"/>
-          <p:cNvSpPr/>
-          <p:nvPr/>
-        </p:nvSpPr>
-        <p:spPr>
-          <a:xfrm rot="429266">
-            <a:off x="5829171" y="3276457"/>
-            <a:ext cx="288032" cy="1800200"/>
-          </a:xfrm>
-          <a:prstGeom prst="lightningBolt">
-            <a:avLst/>
-          </a:prstGeom>
-          <a:solidFill>
-            <a:schemeClr val="bg1"/>
-          </a:solidFill>
-          <a:ln>
-            <a:solidFill>
-              <a:schemeClr val="tx1"/>
-            </a:solidFill>
-          </a:ln>
-        </p:spPr>
-        <p:style>
-          <a:lnRef idx="2">
-            <a:schemeClr val="accent1">
-              <a:shade val="50000"/>
-            </a:schemeClr>
-          </a:lnRef>
-          <a:fillRef idx="1">
-            <a:schemeClr val="accent1"/>
-          </a:fillRef>
-          <a:effectRef idx="0">
-            <a:schemeClr val="accent1"/>
-          </a:effectRef>
-          <a:fontRef idx="minor">
-            <a:schemeClr val="lt1"/>
-          </a:fontRef>
-        </p:style>
-        <p:txBody>
-          <a:bodyPr rtlCol="0" anchor="ctr"/>
-          <a:lstStyle/>
-          <a:p>
-            <a:pPr algn="ctr"/>
-            <a:endParaRPr lang="de-DE"/>
-          </a:p>
-        </p:txBody>
-      </p:sp>
-      <p:cxnSp>
-        <p:nvCxnSpPr>
-          <p:cNvPr id="54" name="Gerade Verbindung 53"/>
-          <p:cNvCxnSpPr/>
-          <p:nvPr/>
-        </p:nvCxnSpPr>
-        <p:spPr>
-          <a:xfrm>
-            <a:off x="1658584" y="3573016"/>
-            <a:ext cx="0" cy="1440160"/>
-          </a:xfrm>
-          <a:prstGeom prst="line">
-            <a:avLst/>
-          </a:prstGeom>
-          <a:ln>
-            <a:solidFill>
-              <a:schemeClr val="tx1"/>
-            </a:solidFill>
-            <a:prstDash val="dash"/>
-          </a:ln>
-        </p:spPr>
-        <p:style>
-          <a:lnRef idx="1">
-            <a:schemeClr val="accent1"/>
-          </a:lnRef>
-          <a:fillRef idx="0">
-            <a:schemeClr val="accent1"/>
-          </a:fillRef>
-          <a:effectRef idx="0">
-            <a:schemeClr val="accent1"/>
-          </a:effectRef>
-          <a:fontRef idx="minor">
-            <a:schemeClr val="tx1"/>
-          </a:fontRef>
-        </p:style>
-      </p:cxnSp>
-      <p:cxnSp>
-        <p:nvCxnSpPr>
-          <p:cNvPr id="75" name="Gerade Verbindung 74"/>
-          <p:cNvCxnSpPr/>
-          <p:nvPr/>
-        </p:nvCxnSpPr>
-        <p:spPr>
-          <a:xfrm>
-            <a:off x="2843808" y="3573016"/>
-            <a:ext cx="0" cy="1440160"/>
-          </a:xfrm>
-          <a:prstGeom prst="line">
-            <a:avLst/>
-          </a:prstGeom>
-          <a:ln>
-            <a:solidFill>
-              <a:schemeClr val="tx1"/>
-            </a:solidFill>
-            <a:prstDash val="dash"/>
-          </a:ln>
-        </p:spPr>
-        <p:style>
-          <a:lnRef idx="1">
-            <a:schemeClr val="accent1"/>
-          </a:lnRef>
-          <a:fillRef idx="0">
-            <a:schemeClr val="accent1"/>
-          </a:fillRef>
-          <a:effectRef idx="0">
-            <a:schemeClr val="accent1"/>
-          </a:effectRef>
-          <a:fontRef idx="minor">
-            <a:schemeClr val="tx1"/>
-          </a:fontRef>
-        </p:style>
-      </p:cxnSp>
-      <p:cxnSp>
-        <p:nvCxnSpPr>
-          <p:cNvPr id="77" name="Gerade Verbindung 76"/>
-          <p:cNvCxnSpPr/>
-          <p:nvPr/>
-        </p:nvCxnSpPr>
-        <p:spPr>
-          <a:xfrm>
-            <a:off x="3635896" y="3573016"/>
-            <a:ext cx="0" cy="1440160"/>
-          </a:xfrm>
-          <a:prstGeom prst="line">
-            <a:avLst/>
-          </a:prstGeom>
-          <a:ln>
-            <a:solidFill>
-              <a:schemeClr val="tx1"/>
-            </a:solidFill>
-            <a:prstDash val="dash"/>
-          </a:ln>
-        </p:spPr>
-        <p:style>
-          <a:lnRef idx="1">
-            <a:schemeClr val="accent1"/>
-          </a:lnRef>
-          <a:fillRef idx="0">
-            <a:schemeClr val="accent1"/>
-          </a:fillRef>
-          <a:effectRef idx="0">
-            <a:schemeClr val="accent1"/>
-          </a:effectRef>
-          <a:fontRef idx="minor">
-            <a:schemeClr val="tx1"/>
-          </a:fontRef>
-        </p:style>
-      </p:cxnSp>
-      <p:cxnSp>
-        <p:nvCxnSpPr>
-          <p:cNvPr id="78" name="Gerade Verbindung 77"/>
-          <p:cNvCxnSpPr/>
-          <p:nvPr/>
-        </p:nvCxnSpPr>
-        <p:spPr>
-          <a:xfrm>
-            <a:off x="5004048" y="3573016"/>
-            <a:ext cx="0" cy="1440160"/>
-          </a:xfrm>
-          <a:prstGeom prst="line">
-            <a:avLst/>
-          </a:prstGeom>
-          <a:ln>
-            <a:solidFill>
-              <a:schemeClr val="tx1"/>
-            </a:solidFill>
-            <a:prstDash val="dash"/>
-          </a:ln>
-        </p:spPr>
-        <p:style>
-          <a:lnRef idx="1">
-            <a:schemeClr val="accent1"/>
-          </a:lnRef>
-          <a:fillRef idx="0">
-            <a:schemeClr val="accent1"/>
-          </a:fillRef>
-          <a:effectRef idx="0">
-            <a:schemeClr val="accent1"/>
-          </a:effectRef>
-          <a:fontRef idx="minor">
-            <a:schemeClr val="tx1"/>
-          </a:fontRef>
-        </p:style>
-      </p:cxnSp>
-      <p:cxnSp>
-        <p:nvCxnSpPr>
-          <p:cNvPr id="79" name="Gerade Verbindung 78"/>
-          <p:cNvCxnSpPr/>
-          <p:nvPr/>
-        </p:nvCxnSpPr>
-        <p:spPr>
-          <a:xfrm>
-            <a:off x="5796136" y="3573016"/>
-            <a:ext cx="0" cy="1440160"/>
-          </a:xfrm>
-          <a:prstGeom prst="line">
-            <a:avLst/>
-          </a:prstGeom>
-          <a:ln>
-            <a:solidFill>
-              <a:schemeClr val="tx1"/>
-            </a:solidFill>
-            <a:prstDash val="dash"/>
-          </a:ln>
-        </p:spPr>
-        <p:style>
-          <a:lnRef idx="1">
-            <a:schemeClr val="accent1"/>
-          </a:lnRef>
-          <a:fillRef idx="0">
-            <a:schemeClr val="accent1"/>
-          </a:fillRef>
-          <a:effectRef idx="0">
-            <a:schemeClr val="accent1"/>
-          </a:effectRef>
-          <a:fontRef idx="minor">
-            <a:schemeClr val="tx1"/>
-          </a:fontRef>
-        </p:style>
-      </p:cxnSp>
-      <p:cxnSp>
-        <p:nvCxnSpPr>
-          <p:cNvPr id="80" name="Gerade Verbindung 79"/>
-          <p:cNvCxnSpPr/>
-          <p:nvPr/>
-        </p:nvCxnSpPr>
-        <p:spPr>
-          <a:xfrm>
-            <a:off x="6876256" y="3573016"/>
-            <a:ext cx="0" cy="1440160"/>
-          </a:xfrm>
-          <a:prstGeom prst="line">
-            <a:avLst/>
-          </a:prstGeom>
-          <a:ln>
-            <a:solidFill>
-              <a:schemeClr val="tx1"/>
-            </a:solidFill>
-            <a:prstDash val="dash"/>
-          </a:ln>
-        </p:spPr>
-        <p:style>
-          <a:lnRef idx="1">
-            <a:schemeClr val="accent1"/>
-          </a:lnRef>
-          <a:fillRef idx="0">
-            <a:schemeClr val="accent1"/>
-          </a:fillRef>
-          <a:effectRef idx="0">
-            <a:schemeClr val="accent1"/>
-          </a:effectRef>
-          <a:fontRef idx="minor">
-            <a:schemeClr val="tx1"/>
-          </a:fontRef>
-        </p:style>
-      </p:cxnSp>
     </p:spTree>
   </p:cSld>
   <p:clrMapOvr>
     <a:masterClrMapping/>
   </p:clrMapOvr>
+  <p:timing>
+    <p:tnLst>
+      <p:par>
+        <p:cTn id="1" dur="indefinite" restart="never" nodeType="tmRoot"/>
+      </p:par>
+    </p:tnLst>
+  </p:timing>
 </p:sld>
 </file>
 

--- a/material/papers/grover/classical_reversible_algorithm.pptx
+++ b/material/papers/grover/classical_reversible_algorithm.pptx
@@ -293,7 +293,7 @@
             <a:fld id="{7A68A57C-3EBA-40C1-9071-8CC5E80F3BD3}" type="datetimeFigureOut">
               <a:rPr lang="de-DE" smtClean="0"/>
               <a:pPr/>
-              <a:t>18.05.2012</a:t>
+              <a:t>13.06.2012</a:t>
             </a:fld>
             <a:endParaRPr lang="de-DE"/>
           </a:p>
@@ -460,7 +460,7 @@
             <a:fld id="{7A68A57C-3EBA-40C1-9071-8CC5E80F3BD3}" type="datetimeFigureOut">
               <a:rPr lang="de-DE" smtClean="0"/>
               <a:pPr/>
-              <a:t>18.05.2012</a:t>
+              <a:t>13.06.2012</a:t>
             </a:fld>
             <a:endParaRPr lang="de-DE"/>
           </a:p>
@@ -637,7 +637,7 @@
             <a:fld id="{7A68A57C-3EBA-40C1-9071-8CC5E80F3BD3}" type="datetimeFigureOut">
               <a:rPr lang="de-DE" smtClean="0"/>
               <a:pPr/>
-              <a:t>18.05.2012</a:t>
+              <a:t>13.06.2012</a:t>
             </a:fld>
             <a:endParaRPr lang="de-DE"/>
           </a:p>
@@ -804,7 +804,7 @@
             <a:fld id="{7A68A57C-3EBA-40C1-9071-8CC5E80F3BD3}" type="datetimeFigureOut">
               <a:rPr lang="de-DE" smtClean="0"/>
               <a:pPr/>
-              <a:t>18.05.2012</a:t>
+              <a:t>13.06.2012</a:t>
             </a:fld>
             <a:endParaRPr lang="de-DE"/>
           </a:p>
@@ -1047,7 +1047,7 @@
             <a:fld id="{7A68A57C-3EBA-40C1-9071-8CC5E80F3BD3}" type="datetimeFigureOut">
               <a:rPr lang="de-DE" smtClean="0"/>
               <a:pPr/>
-              <a:t>18.05.2012</a:t>
+              <a:t>13.06.2012</a:t>
             </a:fld>
             <a:endParaRPr lang="de-DE"/>
           </a:p>
@@ -1332,7 +1332,7 @@
             <a:fld id="{7A68A57C-3EBA-40C1-9071-8CC5E80F3BD3}" type="datetimeFigureOut">
               <a:rPr lang="de-DE" smtClean="0"/>
               <a:pPr/>
-              <a:t>18.05.2012</a:t>
+              <a:t>13.06.2012</a:t>
             </a:fld>
             <a:endParaRPr lang="de-DE"/>
           </a:p>
@@ -1751,7 +1751,7 @@
             <a:fld id="{7A68A57C-3EBA-40C1-9071-8CC5E80F3BD3}" type="datetimeFigureOut">
               <a:rPr lang="de-DE" smtClean="0"/>
               <a:pPr/>
-              <a:t>18.05.2012</a:t>
+              <a:t>13.06.2012</a:t>
             </a:fld>
             <a:endParaRPr lang="de-DE"/>
           </a:p>
@@ -1866,7 +1866,7 @@
             <a:fld id="{7A68A57C-3EBA-40C1-9071-8CC5E80F3BD3}" type="datetimeFigureOut">
               <a:rPr lang="de-DE" smtClean="0"/>
               <a:pPr/>
-              <a:t>18.05.2012</a:t>
+              <a:t>13.06.2012</a:t>
             </a:fld>
             <a:endParaRPr lang="de-DE"/>
           </a:p>
@@ -1958,7 +1958,7 @@
             <a:fld id="{7A68A57C-3EBA-40C1-9071-8CC5E80F3BD3}" type="datetimeFigureOut">
               <a:rPr lang="de-DE" smtClean="0"/>
               <a:pPr/>
-              <a:t>18.05.2012</a:t>
+              <a:t>13.06.2012</a:t>
             </a:fld>
             <a:endParaRPr lang="de-DE"/>
           </a:p>
@@ -2232,7 +2232,7 @@
             <a:fld id="{7A68A57C-3EBA-40C1-9071-8CC5E80F3BD3}" type="datetimeFigureOut">
               <a:rPr lang="de-DE" smtClean="0"/>
               <a:pPr/>
-              <a:t>18.05.2012</a:t>
+              <a:t>13.06.2012</a:t>
             </a:fld>
             <a:endParaRPr lang="de-DE"/>
           </a:p>
@@ -2482,7 +2482,7 @@
             <a:fld id="{7A68A57C-3EBA-40C1-9071-8CC5E80F3BD3}" type="datetimeFigureOut">
               <a:rPr lang="de-DE" smtClean="0"/>
               <a:pPr/>
-              <a:t>18.05.2012</a:t>
+              <a:t>13.06.2012</a:t>
             </a:fld>
             <a:endParaRPr lang="de-DE"/>
           </a:p>
@@ -2692,7 +2692,7 @@
             <a:fld id="{7A68A57C-3EBA-40C1-9071-8CC5E80F3BD3}" type="datetimeFigureOut">
               <a:rPr lang="de-DE" smtClean="0"/>
               <a:pPr/>
-              <a:t>18.05.2012</a:t>
+              <a:t>13.06.2012</a:t>
             </a:fld>
             <a:endParaRPr lang="de-DE"/>
           </a:p>
@@ -6448,186 +6448,6 @@
           </a:p>
         </p:txBody>
       </p:sp>
-      <p:grpSp>
-        <p:nvGrpSpPr>
-          <p:cNvPr id="110" name="Gruppieren 109"/>
-          <p:cNvGrpSpPr/>
-          <p:nvPr/>
-        </p:nvGrpSpPr>
-        <p:grpSpPr>
-          <a:xfrm>
-            <a:off x="8489390" y="1389328"/>
-            <a:ext cx="244447" cy="277171"/>
-            <a:chOff x="7857012" y="527290"/>
-            <a:chExt cx="244447" cy="277171"/>
-          </a:xfrm>
-        </p:grpSpPr>
-        <p:pic>
-          <p:nvPicPr>
-            <p:cNvPr id="1027" name="Picture 3"/>
-            <p:cNvPicPr>
-              <a:picLocks noChangeAspect="1" noChangeArrowheads="1"/>
-            </p:cNvPicPr>
-            <p:nvPr/>
-          </p:nvPicPr>
-          <p:blipFill>
-            <a:blip r:embed="rId2" cstate="print"/>
-            <a:srcRect/>
-            <a:stretch>
-              <a:fillRect/>
-            </a:stretch>
-          </p:blipFill>
-          <p:spPr bwMode="auto">
-            <a:xfrm>
-              <a:off x="7857012" y="533048"/>
-              <a:ext cx="159827" cy="262012"/>
-            </a:xfrm>
-            <a:prstGeom prst="rect">
-              <a:avLst/>
-            </a:prstGeom>
-            <a:noFill/>
-            <a:ln w="9525">
-              <a:noFill/>
-              <a:miter lim="800000"/>
-              <a:headEnd/>
-              <a:tailEnd/>
-            </a:ln>
-          </p:spPr>
-        </p:pic>
-        <p:pic>
-          <p:nvPicPr>
-            <p:cNvPr id="1029" name="Picture 5"/>
-            <p:cNvPicPr>
-              <a:picLocks noChangeAspect="1" noChangeArrowheads="1"/>
-            </p:cNvPicPr>
-            <p:nvPr/>
-          </p:nvPicPr>
-          <p:blipFill>
-            <a:blip r:embed="rId3" cstate="print">
-              <a:clrChange>
-                <a:clrFrom>
-                  <a:srgbClr val="FFFFFF"/>
-                </a:clrFrom>
-                <a:clrTo>
-                  <a:srgbClr val="FFFFFF">
-                    <a:alpha val="0"/>
-                  </a:srgbClr>
-                </a:clrTo>
-              </a:clrChange>
-            </a:blip>
-            <a:srcRect/>
-            <a:stretch>
-              <a:fillRect/>
-            </a:stretch>
-          </p:blipFill>
-          <p:spPr bwMode="auto">
-            <a:xfrm>
-              <a:off x="8055740" y="527290"/>
-              <a:ext cx="45719" cy="277171"/>
-            </a:xfrm>
-            <a:prstGeom prst="rect">
-              <a:avLst/>
-            </a:prstGeom>
-            <a:noFill/>
-            <a:ln w="9525">
-              <a:noFill/>
-              <a:miter lim="800000"/>
-              <a:headEnd/>
-              <a:tailEnd/>
-            </a:ln>
-          </p:spPr>
-        </p:pic>
-      </p:grpSp>
-      <p:grpSp>
-        <p:nvGrpSpPr>
-          <p:cNvPr id="111" name="Gruppieren 110"/>
-          <p:cNvGrpSpPr/>
-          <p:nvPr/>
-        </p:nvGrpSpPr>
-        <p:grpSpPr>
-          <a:xfrm>
-            <a:off x="8488323" y="1891720"/>
-            <a:ext cx="244447" cy="277171"/>
-            <a:chOff x="7857012" y="527290"/>
-            <a:chExt cx="244447" cy="277171"/>
-          </a:xfrm>
-        </p:grpSpPr>
-        <p:pic>
-          <p:nvPicPr>
-            <p:cNvPr id="112" name="Picture 3"/>
-            <p:cNvPicPr>
-              <a:picLocks noChangeAspect="1" noChangeArrowheads="1"/>
-            </p:cNvPicPr>
-            <p:nvPr/>
-          </p:nvPicPr>
-          <p:blipFill>
-            <a:blip r:embed="rId2" cstate="print"/>
-            <a:srcRect/>
-            <a:stretch>
-              <a:fillRect/>
-            </a:stretch>
-          </p:blipFill>
-          <p:spPr bwMode="auto">
-            <a:xfrm>
-              <a:off x="7857012" y="533048"/>
-              <a:ext cx="159827" cy="262012"/>
-            </a:xfrm>
-            <a:prstGeom prst="rect">
-              <a:avLst/>
-            </a:prstGeom>
-            <a:noFill/>
-            <a:ln w="9525">
-              <a:noFill/>
-              <a:miter lim="800000"/>
-              <a:headEnd/>
-              <a:tailEnd/>
-            </a:ln>
-          </p:spPr>
-        </p:pic>
-        <p:pic>
-          <p:nvPicPr>
-            <p:cNvPr id="113" name="Picture 5"/>
-            <p:cNvPicPr>
-              <a:picLocks noChangeAspect="1" noChangeArrowheads="1"/>
-            </p:cNvPicPr>
-            <p:nvPr/>
-          </p:nvPicPr>
-          <p:blipFill>
-            <a:blip r:embed="rId3" cstate="print">
-              <a:clrChange>
-                <a:clrFrom>
-                  <a:srgbClr val="FFFFFF"/>
-                </a:clrFrom>
-                <a:clrTo>
-                  <a:srgbClr val="FFFFFF">
-                    <a:alpha val="0"/>
-                  </a:srgbClr>
-                </a:clrTo>
-              </a:clrChange>
-            </a:blip>
-            <a:srcRect/>
-            <a:stretch>
-              <a:fillRect/>
-            </a:stretch>
-          </p:blipFill>
-          <p:spPr bwMode="auto">
-            <a:xfrm>
-              <a:off x="8055740" y="527290"/>
-              <a:ext cx="45719" cy="277171"/>
-            </a:xfrm>
-            <a:prstGeom prst="rect">
-              <a:avLst/>
-            </a:prstGeom>
-            <a:noFill/>
-            <a:ln w="9525">
-              <a:noFill/>
-              <a:miter lim="800000"/>
-              <a:headEnd/>
-              <a:tailEnd/>
-            </a:ln>
-          </p:spPr>
-        </p:pic>
-      </p:grpSp>
       <p:sp>
         <p:nvSpPr>
           <p:cNvPr id="116" name="Textfeld 115"/>
@@ -6710,96 +6530,6 @@
           </a:p>
         </p:txBody>
       </p:sp>
-      <p:grpSp>
-        <p:nvGrpSpPr>
-          <p:cNvPr id="91" name="Gruppieren 90"/>
-          <p:cNvGrpSpPr/>
-          <p:nvPr/>
-        </p:nvGrpSpPr>
-        <p:grpSpPr>
-          <a:xfrm>
-            <a:off x="8488323" y="2395776"/>
-            <a:ext cx="244447" cy="277171"/>
-            <a:chOff x="7857012" y="527290"/>
-            <a:chExt cx="244447" cy="277171"/>
-          </a:xfrm>
-        </p:grpSpPr>
-        <p:pic>
-          <p:nvPicPr>
-            <p:cNvPr id="92" name="Picture 3"/>
-            <p:cNvPicPr>
-              <a:picLocks noChangeAspect="1" noChangeArrowheads="1"/>
-            </p:cNvPicPr>
-            <p:nvPr/>
-          </p:nvPicPr>
-          <p:blipFill>
-            <a:blip r:embed="rId2" cstate="print"/>
-            <a:srcRect/>
-            <a:stretch>
-              <a:fillRect/>
-            </a:stretch>
-          </p:blipFill>
-          <p:spPr bwMode="auto">
-            <a:xfrm>
-              <a:off x="7857012" y="533048"/>
-              <a:ext cx="159827" cy="262012"/>
-            </a:xfrm>
-            <a:prstGeom prst="rect">
-              <a:avLst/>
-            </a:prstGeom>
-            <a:noFill/>
-            <a:ln w="9525">
-              <a:noFill/>
-              <a:miter lim="800000"/>
-              <a:headEnd/>
-              <a:tailEnd/>
-            </a:ln>
-          </p:spPr>
-        </p:pic>
-        <p:pic>
-          <p:nvPicPr>
-            <p:cNvPr id="93" name="Picture 5"/>
-            <p:cNvPicPr>
-              <a:picLocks noChangeAspect="1" noChangeArrowheads="1"/>
-            </p:cNvPicPr>
-            <p:nvPr/>
-          </p:nvPicPr>
-          <p:blipFill>
-            <a:blip r:embed="rId3" cstate="print">
-              <a:clrChange>
-                <a:clrFrom>
-                  <a:srgbClr val="FFFFFF"/>
-                </a:clrFrom>
-                <a:clrTo>
-                  <a:srgbClr val="FFFFFF">
-                    <a:alpha val="0"/>
-                  </a:srgbClr>
-                </a:clrTo>
-              </a:clrChange>
-            </a:blip>
-            <a:srcRect/>
-            <a:stretch>
-              <a:fillRect/>
-            </a:stretch>
-          </p:blipFill>
-          <p:spPr bwMode="auto">
-            <a:xfrm>
-              <a:off x="8055740" y="527290"/>
-              <a:ext cx="45719" cy="277171"/>
-            </a:xfrm>
-            <a:prstGeom prst="rect">
-              <a:avLst/>
-            </a:prstGeom>
-            <a:noFill/>
-            <a:ln w="9525">
-              <a:noFill/>
-              <a:miter lim="800000"/>
-              <a:headEnd/>
-              <a:tailEnd/>
-            </a:ln>
-          </p:spPr>
-        </p:pic>
-      </p:grpSp>
       <p:sp>
         <p:nvSpPr>
           <p:cNvPr id="138" name="Geschweifte Klammer links 137"/>
@@ -7610,6 +7340,276 @@
           </p:txBody>
         </p:sp>
       </p:grpSp>
+      <p:grpSp>
+        <p:nvGrpSpPr>
+          <p:cNvPr id="109" name="Gruppieren 108"/>
+          <p:cNvGrpSpPr/>
+          <p:nvPr/>
+        </p:nvGrpSpPr>
+        <p:grpSpPr>
+          <a:xfrm>
+            <a:off x="8532440" y="1389328"/>
+            <a:ext cx="160777" cy="277171"/>
+            <a:chOff x="7857012" y="527290"/>
+            <a:chExt cx="160777" cy="277171"/>
+          </a:xfrm>
+        </p:grpSpPr>
+        <p:pic>
+          <p:nvPicPr>
+            <p:cNvPr id="114" name="Picture 3"/>
+            <p:cNvPicPr>
+              <a:picLocks noChangeAspect="1" noChangeArrowheads="1"/>
+            </p:cNvPicPr>
+            <p:nvPr/>
+          </p:nvPicPr>
+          <p:blipFill>
+            <a:blip r:embed="rId2" cstate="print"/>
+            <a:srcRect/>
+            <a:stretch>
+              <a:fillRect/>
+            </a:stretch>
+          </p:blipFill>
+          <p:spPr bwMode="auto">
+            <a:xfrm>
+              <a:off x="7857012" y="533048"/>
+              <a:ext cx="159827" cy="262012"/>
+            </a:xfrm>
+            <a:prstGeom prst="rect">
+              <a:avLst/>
+            </a:prstGeom>
+            <a:noFill/>
+            <a:ln w="9525">
+              <a:noFill/>
+              <a:miter lim="800000"/>
+              <a:headEnd/>
+              <a:tailEnd/>
+            </a:ln>
+          </p:spPr>
+        </p:pic>
+        <p:pic>
+          <p:nvPicPr>
+            <p:cNvPr id="115" name="Picture 5"/>
+            <p:cNvPicPr>
+              <a:picLocks noChangeAspect="1" noChangeArrowheads="1"/>
+            </p:cNvPicPr>
+            <p:nvPr/>
+          </p:nvPicPr>
+          <p:blipFill>
+            <a:blip r:embed="rId3" cstate="print">
+              <a:clrChange>
+                <a:clrFrom>
+                  <a:srgbClr val="FFFFFF"/>
+                </a:clrFrom>
+                <a:clrTo>
+                  <a:srgbClr val="FFFFFF">
+                    <a:alpha val="0"/>
+                  </a:srgbClr>
+                </a:clrTo>
+              </a:clrChange>
+            </a:blip>
+            <a:srcRect/>
+            <a:stretch>
+              <a:fillRect/>
+            </a:stretch>
+          </p:blipFill>
+          <p:spPr bwMode="auto">
+            <a:xfrm>
+              <a:off x="7972070" y="527290"/>
+              <a:ext cx="45719" cy="277171"/>
+            </a:xfrm>
+            <a:prstGeom prst="rect">
+              <a:avLst/>
+            </a:prstGeom>
+            <a:noFill/>
+            <a:ln w="9525">
+              <a:noFill/>
+              <a:miter lim="800000"/>
+              <a:headEnd/>
+              <a:tailEnd/>
+            </a:ln>
+          </p:spPr>
+        </p:pic>
+      </p:grpSp>
+      <p:grpSp>
+        <p:nvGrpSpPr>
+          <p:cNvPr id="117" name="Gruppieren 116"/>
+          <p:cNvGrpSpPr/>
+          <p:nvPr/>
+        </p:nvGrpSpPr>
+        <p:grpSpPr>
+          <a:xfrm>
+            <a:off x="8532440" y="1896284"/>
+            <a:ext cx="160777" cy="277171"/>
+            <a:chOff x="7857012" y="527290"/>
+            <a:chExt cx="160777" cy="277171"/>
+          </a:xfrm>
+        </p:grpSpPr>
+        <p:pic>
+          <p:nvPicPr>
+            <p:cNvPr id="118" name="Picture 3"/>
+            <p:cNvPicPr>
+              <a:picLocks noChangeAspect="1" noChangeArrowheads="1"/>
+            </p:cNvPicPr>
+            <p:nvPr/>
+          </p:nvPicPr>
+          <p:blipFill>
+            <a:blip r:embed="rId2" cstate="print"/>
+            <a:srcRect/>
+            <a:stretch>
+              <a:fillRect/>
+            </a:stretch>
+          </p:blipFill>
+          <p:spPr bwMode="auto">
+            <a:xfrm>
+              <a:off x="7857012" y="533048"/>
+              <a:ext cx="159827" cy="262012"/>
+            </a:xfrm>
+            <a:prstGeom prst="rect">
+              <a:avLst/>
+            </a:prstGeom>
+            <a:noFill/>
+            <a:ln w="9525">
+              <a:noFill/>
+              <a:miter lim="800000"/>
+              <a:headEnd/>
+              <a:tailEnd/>
+            </a:ln>
+          </p:spPr>
+        </p:pic>
+        <p:pic>
+          <p:nvPicPr>
+            <p:cNvPr id="119" name="Picture 5"/>
+            <p:cNvPicPr>
+              <a:picLocks noChangeAspect="1" noChangeArrowheads="1"/>
+            </p:cNvPicPr>
+            <p:nvPr/>
+          </p:nvPicPr>
+          <p:blipFill>
+            <a:blip r:embed="rId3" cstate="print">
+              <a:clrChange>
+                <a:clrFrom>
+                  <a:srgbClr val="FFFFFF"/>
+                </a:clrFrom>
+                <a:clrTo>
+                  <a:srgbClr val="FFFFFF">
+                    <a:alpha val="0"/>
+                  </a:srgbClr>
+                </a:clrTo>
+              </a:clrChange>
+            </a:blip>
+            <a:srcRect/>
+            <a:stretch>
+              <a:fillRect/>
+            </a:stretch>
+          </p:blipFill>
+          <p:spPr bwMode="auto">
+            <a:xfrm>
+              <a:off x="7972070" y="527290"/>
+              <a:ext cx="45719" cy="277171"/>
+            </a:xfrm>
+            <a:prstGeom prst="rect">
+              <a:avLst/>
+            </a:prstGeom>
+            <a:noFill/>
+            <a:ln w="9525">
+              <a:noFill/>
+              <a:miter lim="800000"/>
+              <a:headEnd/>
+              <a:tailEnd/>
+            </a:ln>
+          </p:spPr>
+        </p:pic>
+      </p:grpSp>
+      <p:grpSp>
+        <p:nvGrpSpPr>
+          <p:cNvPr id="120" name="Gruppieren 119"/>
+          <p:cNvGrpSpPr/>
+          <p:nvPr/>
+        </p:nvGrpSpPr>
+        <p:grpSpPr>
+          <a:xfrm>
+            <a:off x="8532440" y="2390066"/>
+            <a:ext cx="160777" cy="277171"/>
+            <a:chOff x="7857012" y="527290"/>
+            <a:chExt cx="160777" cy="277171"/>
+          </a:xfrm>
+        </p:grpSpPr>
+        <p:pic>
+          <p:nvPicPr>
+            <p:cNvPr id="121" name="Picture 3"/>
+            <p:cNvPicPr>
+              <a:picLocks noChangeAspect="1" noChangeArrowheads="1"/>
+            </p:cNvPicPr>
+            <p:nvPr/>
+          </p:nvPicPr>
+          <p:blipFill>
+            <a:blip r:embed="rId2" cstate="print"/>
+            <a:srcRect/>
+            <a:stretch>
+              <a:fillRect/>
+            </a:stretch>
+          </p:blipFill>
+          <p:spPr bwMode="auto">
+            <a:xfrm>
+              <a:off x="7857012" y="533048"/>
+              <a:ext cx="159827" cy="262012"/>
+            </a:xfrm>
+            <a:prstGeom prst="rect">
+              <a:avLst/>
+            </a:prstGeom>
+            <a:noFill/>
+            <a:ln w="9525">
+              <a:noFill/>
+              <a:miter lim="800000"/>
+              <a:headEnd/>
+              <a:tailEnd/>
+            </a:ln>
+          </p:spPr>
+        </p:pic>
+        <p:pic>
+          <p:nvPicPr>
+            <p:cNvPr id="122" name="Picture 5"/>
+            <p:cNvPicPr>
+              <a:picLocks noChangeAspect="1" noChangeArrowheads="1"/>
+            </p:cNvPicPr>
+            <p:nvPr/>
+          </p:nvPicPr>
+          <p:blipFill>
+            <a:blip r:embed="rId3" cstate="print">
+              <a:clrChange>
+                <a:clrFrom>
+                  <a:srgbClr val="FFFFFF"/>
+                </a:clrFrom>
+                <a:clrTo>
+                  <a:srgbClr val="FFFFFF">
+                    <a:alpha val="0"/>
+                  </a:srgbClr>
+                </a:clrTo>
+              </a:clrChange>
+            </a:blip>
+            <a:srcRect/>
+            <a:stretch>
+              <a:fillRect/>
+            </a:stretch>
+          </p:blipFill>
+          <p:spPr bwMode="auto">
+            <a:xfrm>
+              <a:off x="7972070" y="527290"/>
+              <a:ext cx="45719" cy="277171"/>
+            </a:xfrm>
+            <a:prstGeom prst="rect">
+              <a:avLst/>
+            </a:prstGeom>
+            <a:noFill/>
+            <a:ln w="9525">
+              <a:noFill/>
+              <a:miter lim="800000"/>
+              <a:headEnd/>
+              <a:tailEnd/>
+            </a:ln>
+          </p:spPr>
+        </p:pic>
+      </p:grpSp>
     </p:spTree>
   </p:cSld>
   <p:clrMapOvr>
@@ -7956,218 +7956,6 @@
                 </a:solidFill>
               </a:rPr>
               <a:t>Y</a:t>
-            </a:r>
-            <a:r>
-              <a:rPr lang="el-GR" b="1" baseline="-25000" dirty="0" smtClean="0">
-                <a:solidFill>
-                  <a:schemeClr val="tx1"/>
-                </a:solidFill>
-              </a:rPr>
-              <a:t>π</a:t>
-            </a:r>
-            <a:r>
-              <a:rPr lang="de-DE" b="1" baseline="-25000" dirty="0" smtClean="0">
-                <a:solidFill>
-                  <a:schemeClr val="tx1"/>
-                </a:solidFill>
-              </a:rPr>
-              <a:t>/2</a:t>
-            </a:r>
-            <a:endParaRPr lang="de-DE" b="1" baseline="-25000" dirty="0">
-              <a:solidFill>
-                <a:schemeClr val="tx1"/>
-              </a:solidFill>
-            </a:endParaRPr>
-          </a:p>
-        </p:txBody>
-      </p:sp>
-      <p:sp>
-        <p:nvSpPr>
-          <p:cNvPr id="45" name="Rechteck 44"/>
-          <p:cNvSpPr/>
-          <p:nvPr/>
-        </p:nvSpPr>
-        <p:spPr>
-          <a:xfrm>
-            <a:off x="5652120" y="3573016"/>
-            <a:ext cx="936104" cy="1368152"/>
-          </a:xfrm>
-          <a:prstGeom prst="rect">
-            <a:avLst/>
-          </a:prstGeom>
-          <a:solidFill>
-            <a:schemeClr val="bg1"/>
-          </a:solidFill>
-          <a:ln>
-            <a:solidFill>
-              <a:schemeClr val="tx1"/>
-            </a:solidFill>
-          </a:ln>
-        </p:spPr>
-        <p:style>
-          <a:lnRef idx="2">
-            <a:schemeClr val="accent1">
-              <a:shade val="50000"/>
-            </a:schemeClr>
-          </a:lnRef>
-          <a:fillRef idx="1">
-            <a:schemeClr val="accent1"/>
-          </a:fillRef>
-          <a:effectRef idx="0">
-            <a:schemeClr val="accent1"/>
-          </a:effectRef>
-          <a:fontRef idx="minor">
-            <a:schemeClr val="lt1"/>
-          </a:fontRef>
-        </p:style>
-        <p:txBody>
-          <a:bodyPr vert="vert270" rtlCol="0" anchor="ctr"/>
-          <a:lstStyle/>
-          <a:p>
-            <a:pPr algn="ctr"/>
-            <a:r>
-              <a:rPr lang="de-DE" b="1" dirty="0" err="1" smtClean="0">
-                <a:solidFill>
-                  <a:schemeClr val="tx1"/>
-                </a:solidFill>
-              </a:rPr>
-              <a:t>iSWAP</a:t>
-            </a:r>
-            <a:endParaRPr lang="de-DE" b="1" dirty="0">
-              <a:solidFill>
-                <a:schemeClr val="tx1"/>
-              </a:solidFill>
-            </a:endParaRPr>
-          </a:p>
-        </p:txBody>
-      </p:sp>
-      <p:sp>
-        <p:nvSpPr>
-          <p:cNvPr id="46" name="Rechteck 45"/>
-          <p:cNvSpPr/>
-          <p:nvPr/>
-        </p:nvSpPr>
-        <p:spPr>
-          <a:xfrm>
-            <a:off x="6876256" y="3573016"/>
-            <a:ext cx="576064" cy="571582"/>
-          </a:xfrm>
-          <a:prstGeom prst="rect">
-            <a:avLst/>
-          </a:prstGeom>
-          <a:solidFill>
-            <a:schemeClr val="bg1"/>
-          </a:solidFill>
-          <a:ln>
-            <a:solidFill>
-              <a:schemeClr val="tx1"/>
-            </a:solidFill>
-          </a:ln>
-        </p:spPr>
-        <p:style>
-          <a:lnRef idx="2">
-            <a:schemeClr val="accent1">
-              <a:shade val="50000"/>
-            </a:schemeClr>
-          </a:lnRef>
-          <a:fillRef idx="1">
-            <a:schemeClr val="accent1"/>
-          </a:fillRef>
-          <a:effectRef idx="0">
-            <a:schemeClr val="accent1"/>
-          </a:effectRef>
-          <a:fontRef idx="minor">
-            <a:schemeClr val="lt1"/>
-          </a:fontRef>
-        </p:style>
-        <p:txBody>
-          <a:bodyPr rtlCol="0" anchor="ctr"/>
-          <a:lstStyle/>
-          <a:p>
-            <a:pPr algn="ctr"/>
-            <a:r>
-              <a:rPr lang="de-DE" b="1" dirty="0" smtClean="0">
-                <a:solidFill>
-                  <a:schemeClr val="tx1"/>
-                </a:solidFill>
-              </a:rPr>
-              <a:t>X</a:t>
-            </a:r>
-            <a:r>
-              <a:rPr lang="el-GR" b="1" baseline="-25000" dirty="0" smtClean="0">
-                <a:solidFill>
-                  <a:schemeClr val="tx1"/>
-                </a:solidFill>
-              </a:rPr>
-              <a:t> π</a:t>
-            </a:r>
-            <a:r>
-              <a:rPr lang="de-DE" b="1" baseline="-25000" dirty="0" smtClean="0">
-                <a:solidFill>
-                  <a:schemeClr val="tx1"/>
-                </a:solidFill>
-              </a:rPr>
-              <a:t>/2</a:t>
-            </a:r>
-            <a:endParaRPr lang="de-DE" b="1" dirty="0">
-              <a:solidFill>
-                <a:schemeClr val="tx1"/>
-              </a:solidFill>
-            </a:endParaRPr>
-          </a:p>
-        </p:txBody>
-      </p:sp>
-      <p:sp>
-        <p:nvSpPr>
-          <p:cNvPr id="47" name="Rechteck 46"/>
-          <p:cNvSpPr/>
-          <p:nvPr/>
-        </p:nvSpPr>
-        <p:spPr>
-          <a:xfrm>
-            <a:off x="6876256" y="4365104"/>
-            <a:ext cx="576064" cy="571582"/>
-          </a:xfrm>
-          <a:prstGeom prst="rect">
-            <a:avLst/>
-          </a:prstGeom>
-          <a:solidFill>
-            <a:schemeClr val="bg1"/>
-          </a:solidFill>
-          <a:ln>
-            <a:solidFill>
-              <a:schemeClr val="tx1"/>
-            </a:solidFill>
-          </a:ln>
-        </p:spPr>
-        <p:style>
-          <a:lnRef idx="2">
-            <a:schemeClr val="accent1">
-              <a:shade val="50000"/>
-            </a:schemeClr>
-          </a:lnRef>
-          <a:fillRef idx="1">
-            <a:schemeClr val="accent1"/>
-          </a:fillRef>
-          <a:effectRef idx="0">
-            <a:schemeClr val="accent1"/>
-          </a:effectRef>
-          <a:fontRef idx="minor">
-            <a:schemeClr val="lt1"/>
-          </a:fontRef>
-        </p:style>
-        <p:txBody>
-          <a:bodyPr rtlCol="0" anchor="ctr"/>
-          <a:lstStyle/>
-          <a:p>
-            <a:pPr algn="ctr"/>
-            <a:r>
-              <a:rPr lang="de-DE" b="1" dirty="0" smtClean="0">
-                <a:solidFill>
-                  <a:schemeClr val="tx1"/>
-                </a:solidFill>
-              </a:rPr>
-              <a:t>X</a:t>
             </a:r>
             <a:r>
               <a:rPr lang="el-GR" b="1" baseline="-25000" dirty="0" smtClean="0">
@@ -9768,6 +9556,82 @@
           </p:style>
         </p:cxnSp>
       </p:grpSp>
+      <p:sp>
+        <p:nvSpPr>
+          <p:cNvPr id="52" name="Rechteck 51"/>
+          <p:cNvSpPr/>
+          <p:nvPr/>
+        </p:nvSpPr>
+        <p:spPr>
+          <a:xfrm>
+            <a:off x="5652120" y="3573016"/>
+            <a:ext cx="1800200" cy="1368152"/>
+          </a:xfrm>
+          <a:prstGeom prst="rect">
+            <a:avLst/>
+          </a:prstGeom>
+          <a:solidFill>
+            <a:schemeClr val="bg1"/>
+          </a:solidFill>
+          <a:ln>
+            <a:solidFill>
+              <a:schemeClr val="tx1"/>
+            </a:solidFill>
+          </a:ln>
+        </p:spPr>
+        <p:style>
+          <a:lnRef idx="2">
+            <a:schemeClr val="accent1">
+              <a:shade val="50000"/>
+            </a:schemeClr>
+          </a:lnRef>
+          <a:fillRef idx="1">
+            <a:schemeClr val="accent1"/>
+          </a:fillRef>
+          <a:effectRef idx="0">
+            <a:schemeClr val="accent1"/>
+          </a:effectRef>
+          <a:fontRef idx="minor">
+            <a:schemeClr val="lt1"/>
+          </a:fontRef>
+        </p:style>
+        <p:txBody>
+          <a:bodyPr rtlCol="0" anchor="ctr"/>
+          <a:lstStyle/>
+          <a:p>
+            <a:pPr algn="ctr"/>
+            <a:r>
+              <a:rPr lang="de-DE" dirty="0" smtClean="0">
+                <a:solidFill>
+                  <a:schemeClr val="tx1"/>
+                </a:solidFill>
+              </a:rPr>
+              <a:t>D</a:t>
+            </a:r>
+            <a:r>
+              <a:rPr lang="de-DE" dirty="0" smtClean="0">
+                <a:solidFill>
+                  <a:schemeClr val="tx1"/>
+                </a:solidFill>
+              </a:rPr>
+              <a:t>iffusion </a:t>
+            </a:r>
+            <a:r>
+              <a:rPr lang="de-DE" dirty="0" err="1" smtClean="0">
+                <a:solidFill>
+                  <a:schemeClr val="tx1"/>
+                </a:solidFill>
+              </a:rPr>
+              <a:t>operator</a:t>
+            </a:r>
+            <a:endParaRPr lang="de-DE" dirty="0">
+              <a:solidFill>
+                <a:schemeClr val="tx1"/>
+              </a:solidFill>
+            </a:endParaRPr>
+          </a:p>
+        </p:txBody>
+      </p:sp>
     </p:spTree>
   </p:cSld>
   <p:clrMapOvr>
@@ -12939,6 +12803,458 @@
             </a:fontRef>
           </p:style>
         </p:cxnSp>
+      </p:grpSp>
+      <p:grpSp>
+        <p:nvGrpSpPr>
+          <p:cNvPr id="51" name="Gruppieren 50"/>
+          <p:cNvGrpSpPr/>
+          <p:nvPr/>
+        </p:nvGrpSpPr>
+        <p:grpSpPr>
+          <a:xfrm>
+            <a:off x="1619672" y="3573016"/>
+            <a:ext cx="432048" cy="2016224"/>
+            <a:chOff x="1619672" y="3573016"/>
+            <a:chExt cx="432048" cy="2016224"/>
+          </a:xfrm>
+        </p:grpSpPr>
+        <p:cxnSp>
+          <p:nvCxnSpPr>
+            <p:cNvPr id="49" name="Gerade Verbindung 48"/>
+            <p:cNvCxnSpPr>
+              <a:endCxn id="50" idx="0"/>
+            </p:cNvCxnSpPr>
+            <p:nvPr/>
+          </p:nvCxnSpPr>
+          <p:spPr>
+            <a:xfrm>
+              <a:off x="1835696" y="3573016"/>
+              <a:ext cx="0" cy="1584176"/>
+            </a:xfrm>
+            <a:prstGeom prst="line">
+              <a:avLst/>
+            </a:prstGeom>
+            <a:ln w="19050">
+              <a:solidFill>
+                <a:schemeClr val="tx1"/>
+              </a:solidFill>
+              <a:prstDash val="sysDash"/>
+            </a:ln>
+          </p:spPr>
+          <p:style>
+            <a:lnRef idx="1">
+              <a:schemeClr val="accent1"/>
+            </a:lnRef>
+            <a:fillRef idx="0">
+              <a:schemeClr val="accent1"/>
+            </a:fillRef>
+            <a:effectRef idx="0">
+              <a:schemeClr val="accent1"/>
+            </a:effectRef>
+            <a:fontRef idx="minor">
+              <a:schemeClr val="tx1"/>
+            </a:fontRef>
+          </p:style>
+        </p:cxnSp>
+        <p:sp>
+          <p:nvSpPr>
+            <p:cNvPr id="50" name="Ellipse 49"/>
+            <p:cNvSpPr/>
+            <p:nvPr/>
+          </p:nvSpPr>
+          <p:spPr>
+            <a:xfrm>
+              <a:off x="1619672" y="5157192"/>
+              <a:ext cx="432048" cy="432048"/>
+            </a:xfrm>
+            <a:prstGeom prst="ellipse">
+              <a:avLst/>
+            </a:prstGeom>
+            <a:solidFill>
+              <a:schemeClr val="bg1"/>
+            </a:solidFill>
+            <a:ln>
+              <a:solidFill>
+                <a:schemeClr val="tx1"/>
+              </a:solidFill>
+            </a:ln>
+          </p:spPr>
+          <p:style>
+            <a:lnRef idx="2">
+              <a:schemeClr val="accent1">
+                <a:shade val="50000"/>
+              </a:schemeClr>
+            </a:lnRef>
+            <a:fillRef idx="1">
+              <a:schemeClr val="accent1"/>
+            </a:fillRef>
+            <a:effectRef idx="0">
+              <a:schemeClr val="accent1"/>
+            </a:effectRef>
+            <a:fontRef idx="minor">
+              <a:schemeClr val="lt1"/>
+            </a:fontRef>
+          </p:style>
+          <p:txBody>
+            <a:bodyPr rtlCol="0" anchor="ctr"/>
+            <a:lstStyle/>
+            <a:p>
+              <a:pPr algn="ctr"/>
+              <a:r>
+                <a:rPr lang="de-DE" dirty="0" smtClean="0">
+                  <a:solidFill>
+                    <a:schemeClr val="tx1"/>
+                  </a:solidFill>
+                </a:rPr>
+                <a:t>1</a:t>
+              </a:r>
+              <a:endParaRPr lang="de-DE" dirty="0">
+                <a:solidFill>
+                  <a:schemeClr val="tx1"/>
+                </a:solidFill>
+              </a:endParaRPr>
+            </a:p>
+          </p:txBody>
+        </p:sp>
+      </p:grpSp>
+      <p:grpSp>
+        <p:nvGrpSpPr>
+          <p:cNvPr id="82" name="Gruppieren 81"/>
+          <p:cNvGrpSpPr/>
+          <p:nvPr/>
+        </p:nvGrpSpPr>
+        <p:grpSpPr>
+          <a:xfrm>
+            <a:off x="3779912" y="3573016"/>
+            <a:ext cx="432048" cy="2016224"/>
+            <a:chOff x="1619672" y="3573016"/>
+            <a:chExt cx="432048" cy="2016224"/>
+          </a:xfrm>
+        </p:grpSpPr>
+        <p:cxnSp>
+          <p:nvCxnSpPr>
+            <p:cNvPr id="83" name="Gerade Verbindung 82"/>
+            <p:cNvCxnSpPr>
+              <a:endCxn id="84" idx="0"/>
+            </p:cNvCxnSpPr>
+            <p:nvPr/>
+          </p:nvCxnSpPr>
+          <p:spPr>
+            <a:xfrm>
+              <a:off x="1835696" y="3573016"/>
+              <a:ext cx="0" cy="1584176"/>
+            </a:xfrm>
+            <a:prstGeom prst="line">
+              <a:avLst/>
+            </a:prstGeom>
+            <a:ln w="19050">
+              <a:solidFill>
+                <a:schemeClr val="tx1"/>
+              </a:solidFill>
+              <a:prstDash val="sysDash"/>
+            </a:ln>
+          </p:spPr>
+          <p:style>
+            <a:lnRef idx="1">
+              <a:schemeClr val="accent1"/>
+            </a:lnRef>
+            <a:fillRef idx="0">
+              <a:schemeClr val="accent1"/>
+            </a:fillRef>
+            <a:effectRef idx="0">
+              <a:schemeClr val="accent1"/>
+            </a:effectRef>
+            <a:fontRef idx="minor">
+              <a:schemeClr val="tx1"/>
+            </a:fontRef>
+          </p:style>
+        </p:cxnSp>
+        <p:sp>
+          <p:nvSpPr>
+            <p:cNvPr id="84" name="Ellipse 83"/>
+            <p:cNvSpPr/>
+            <p:nvPr/>
+          </p:nvSpPr>
+          <p:spPr>
+            <a:xfrm>
+              <a:off x="1619672" y="5157192"/>
+              <a:ext cx="432048" cy="432048"/>
+            </a:xfrm>
+            <a:prstGeom prst="ellipse">
+              <a:avLst/>
+            </a:prstGeom>
+            <a:solidFill>
+              <a:schemeClr val="bg1"/>
+            </a:solidFill>
+            <a:ln>
+              <a:solidFill>
+                <a:schemeClr val="tx1"/>
+              </a:solidFill>
+            </a:ln>
+          </p:spPr>
+          <p:style>
+            <a:lnRef idx="2">
+              <a:schemeClr val="accent1">
+                <a:shade val="50000"/>
+              </a:schemeClr>
+            </a:lnRef>
+            <a:fillRef idx="1">
+              <a:schemeClr val="accent1"/>
+            </a:fillRef>
+            <a:effectRef idx="0">
+              <a:schemeClr val="accent1"/>
+            </a:effectRef>
+            <a:fontRef idx="minor">
+              <a:schemeClr val="lt1"/>
+            </a:fontRef>
+          </p:style>
+          <p:txBody>
+            <a:bodyPr rtlCol="0" anchor="ctr"/>
+            <a:lstStyle/>
+            <a:p>
+              <a:pPr algn="ctr"/>
+              <a:r>
+                <a:rPr lang="de-DE" dirty="0" smtClean="0">
+                  <a:solidFill>
+                    <a:schemeClr val="tx1"/>
+                  </a:solidFill>
+                </a:rPr>
+                <a:t>2</a:t>
+              </a:r>
+              <a:endParaRPr lang="de-DE" dirty="0">
+                <a:solidFill>
+                  <a:schemeClr val="tx1"/>
+                </a:solidFill>
+              </a:endParaRPr>
+            </a:p>
+          </p:txBody>
+        </p:sp>
+      </p:grpSp>
+      <p:grpSp>
+        <p:nvGrpSpPr>
+          <p:cNvPr id="85" name="Gruppieren 84"/>
+          <p:cNvGrpSpPr/>
+          <p:nvPr/>
+        </p:nvGrpSpPr>
+        <p:grpSpPr>
+          <a:xfrm>
+            <a:off x="5004048" y="3573016"/>
+            <a:ext cx="432048" cy="2016224"/>
+            <a:chOff x="1619672" y="3573016"/>
+            <a:chExt cx="432048" cy="2016224"/>
+          </a:xfrm>
+        </p:grpSpPr>
+        <p:cxnSp>
+          <p:nvCxnSpPr>
+            <p:cNvPr id="86" name="Gerade Verbindung 85"/>
+            <p:cNvCxnSpPr>
+              <a:endCxn id="87" idx="0"/>
+            </p:cNvCxnSpPr>
+            <p:nvPr/>
+          </p:nvCxnSpPr>
+          <p:spPr>
+            <a:xfrm>
+              <a:off x="1835696" y="3573016"/>
+              <a:ext cx="0" cy="1584176"/>
+            </a:xfrm>
+            <a:prstGeom prst="line">
+              <a:avLst/>
+            </a:prstGeom>
+            <a:ln w="19050">
+              <a:solidFill>
+                <a:schemeClr val="tx1"/>
+              </a:solidFill>
+              <a:prstDash val="sysDash"/>
+            </a:ln>
+          </p:spPr>
+          <p:style>
+            <a:lnRef idx="1">
+              <a:schemeClr val="accent1"/>
+            </a:lnRef>
+            <a:fillRef idx="0">
+              <a:schemeClr val="accent1"/>
+            </a:fillRef>
+            <a:effectRef idx="0">
+              <a:schemeClr val="accent1"/>
+            </a:effectRef>
+            <a:fontRef idx="minor">
+              <a:schemeClr val="tx1"/>
+            </a:fontRef>
+          </p:style>
+        </p:cxnSp>
+        <p:sp>
+          <p:nvSpPr>
+            <p:cNvPr id="87" name="Ellipse 86"/>
+            <p:cNvSpPr/>
+            <p:nvPr/>
+          </p:nvSpPr>
+          <p:spPr>
+            <a:xfrm>
+              <a:off x="1619672" y="5157192"/>
+              <a:ext cx="432048" cy="432048"/>
+            </a:xfrm>
+            <a:prstGeom prst="ellipse">
+              <a:avLst/>
+            </a:prstGeom>
+            <a:solidFill>
+              <a:schemeClr val="bg1"/>
+            </a:solidFill>
+            <a:ln>
+              <a:solidFill>
+                <a:schemeClr val="tx1"/>
+              </a:solidFill>
+            </a:ln>
+          </p:spPr>
+          <p:style>
+            <a:lnRef idx="2">
+              <a:schemeClr val="accent1">
+                <a:shade val="50000"/>
+              </a:schemeClr>
+            </a:lnRef>
+            <a:fillRef idx="1">
+              <a:schemeClr val="accent1"/>
+            </a:fillRef>
+            <a:effectRef idx="0">
+              <a:schemeClr val="accent1"/>
+            </a:effectRef>
+            <a:fontRef idx="minor">
+              <a:schemeClr val="lt1"/>
+            </a:fontRef>
+          </p:style>
+          <p:txBody>
+            <a:bodyPr rtlCol="0" anchor="ctr"/>
+            <a:lstStyle/>
+            <a:p>
+              <a:pPr algn="ctr"/>
+              <a:r>
+                <a:rPr lang="de-DE" dirty="0" smtClean="0">
+                  <a:solidFill>
+                    <a:schemeClr val="tx1"/>
+                  </a:solidFill>
+                </a:rPr>
+                <a:t>3</a:t>
+              </a:r>
+              <a:endParaRPr lang="de-DE" dirty="0">
+                <a:solidFill>
+                  <a:schemeClr val="tx1"/>
+                </a:solidFill>
+              </a:endParaRPr>
+            </a:p>
+          </p:txBody>
+        </p:sp>
+      </p:grpSp>
+      <p:grpSp>
+        <p:nvGrpSpPr>
+          <p:cNvPr id="88" name="Gruppieren 87"/>
+          <p:cNvGrpSpPr/>
+          <p:nvPr/>
+        </p:nvGrpSpPr>
+        <p:grpSpPr>
+          <a:xfrm>
+            <a:off x="5868144" y="3573016"/>
+            <a:ext cx="432048" cy="2016224"/>
+            <a:chOff x="1619672" y="3573016"/>
+            <a:chExt cx="432048" cy="2016224"/>
+          </a:xfrm>
+        </p:grpSpPr>
+        <p:cxnSp>
+          <p:nvCxnSpPr>
+            <p:cNvPr id="89" name="Gerade Verbindung 88"/>
+            <p:cNvCxnSpPr>
+              <a:endCxn id="90" idx="0"/>
+            </p:cNvCxnSpPr>
+            <p:nvPr/>
+          </p:nvCxnSpPr>
+          <p:spPr>
+            <a:xfrm>
+              <a:off x="1835696" y="3573016"/>
+              <a:ext cx="0" cy="1584176"/>
+            </a:xfrm>
+            <a:prstGeom prst="line">
+              <a:avLst/>
+            </a:prstGeom>
+            <a:ln w="19050">
+              <a:solidFill>
+                <a:schemeClr val="tx1"/>
+              </a:solidFill>
+              <a:prstDash val="sysDash"/>
+            </a:ln>
+          </p:spPr>
+          <p:style>
+            <a:lnRef idx="1">
+              <a:schemeClr val="accent1"/>
+            </a:lnRef>
+            <a:fillRef idx="0">
+              <a:schemeClr val="accent1"/>
+            </a:fillRef>
+            <a:effectRef idx="0">
+              <a:schemeClr val="accent1"/>
+            </a:effectRef>
+            <a:fontRef idx="minor">
+              <a:schemeClr val="tx1"/>
+            </a:fontRef>
+          </p:style>
+        </p:cxnSp>
+        <p:sp>
+          <p:nvSpPr>
+            <p:cNvPr id="90" name="Ellipse 89"/>
+            <p:cNvSpPr/>
+            <p:nvPr/>
+          </p:nvSpPr>
+          <p:spPr>
+            <a:xfrm>
+              <a:off x="1619672" y="5157192"/>
+              <a:ext cx="432048" cy="432048"/>
+            </a:xfrm>
+            <a:prstGeom prst="ellipse">
+              <a:avLst/>
+            </a:prstGeom>
+            <a:solidFill>
+              <a:schemeClr val="bg1"/>
+            </a:solidFill>
+            <a:ln>
+              <a:solidFill>
+                <a:schemeClr val="tx1"/>
+              </a:solidFill>
+            </a:ln>
+          </p:spPr>
+          <p:style>
+            <a:lnRef idx="2">
+              <a:schemeClr val="accent1">
+                <a:shade val="50000"/>
+              </a:schemeClr>
+            </a:lnRef>
+            <a:fillRef idx="1">
+              <a:schemeClr val="accent1"/>
+            </a:fillRef>
+            <a:effectRef idx="0">
+              <a:schemeClr val="accent1"/>
+            </a:effectRef>
+            <a:fontRef idx="minor">
+              <a:schemeClr val="lt1"/>
+            </a:fontRef>
+          </p:style>
+          <p:txBody>
+            <a:bodyPr rtlCol="0" anchor="ctr"/>
+            <a:lstStyle/>
+            <a:p>
+              <a:pPr algn="ctr"/>
+              <a:r>
+                <a:rPr lang="de-DE" dirty="0" smtClean="0">
+                  <a:solidFill>
+                    <a:schemeClr val="tx1"/>
+                  </a:solidFill>
+                </a:rPr>
+                <a:t>4</a:t>
+              </a:r>
+              <a:endParaRPr lang="de-DE" dirty="0">
+                <a:solidFill>
+                  <a:schemeClr val="tx1"/>
+                </a:solidFill>
+              </a:endParaRPr>
+            </a:p>
+          </p:txBody>
+        </p:sp>
       </p:grpSp>
     </p:spTree>
   </p:cSld>

--- a/material/papers/grover/classical_reversible_algorithm.pptx
+++ b/material/papers/grover/classical_reversible_algorithm.pptx
@@ -293,7 +293,7 @@
             <a:fld id="{7A68A57C-3EBA-40C1-9071-8CC5E80F3BD3}" type="datetimeFigureOut">
               <a:rPr lang="de-DE" smtClean="0"/>
               <a:pPr/>
-              <a:t>13.06.2012</a:t>
+              <a:t>05.09.2012</a:t>
             </a:fld>
             <a:endParaRPr lang="de-DE"/>
           </a:p>
@@ -460,7 +460,7 @@
             <a:fld id="{7A68A57C-3EBA-40C1-9071-8CC5E80F3BD3}" type="datetimeFigureOut">
               <a:rPr lang="de-DE" smtClean="0"/>
               <a:pPr/>
-              <a:t>13.06.2012</a:t>
+              <a:t>05.09.2012</a:t>
             </a:fld>
             <a:endParaRPr lang="de-DE"/>
           </a:p>
@@ -637,7 +637,7 @@
             <a:fld id="{7A68A57C-3EBA-40C1-9071-8CC5E80F3BD3}" type="datetimeFigureOut">
               <a:rPr lang="de-DE" smtClean="0"/>
               <a:pPr/>
-              <a:t>13.06.2012</a:t>
+              <a:t>05.09.2012</a:t>
             </a:fld>
             <a:endParaRPr lang="de-DE"/>
           </a:p>
@@ -804,7 +804,7 @@
             <a:fld id="{7A68A57C-3EBA-40C1-9071-8CC5E80F3BD3}" type="datetimeFigureOut">
               <a:rPr lang="de-DE" smtClean="0"/>
               <a:pPr/>
-              <a:t>13.06.2012</a:t>
+              <a:t>05.09.2012</a:t>
             </a:fld>
             <a:endParaRPr lang="de-DE"/>
           </a:p>
@@ -1047,7 +1047,7 @@
             <a:fld id="{7A68A57C-3EBA-40C1-9071-8CC5E80F3BD3}" type="datetimeFigureOut">
               <a:rPr lang="de-DE" smtClean="0"/>
               <a:pPr/>
-              <a:t>13.06.2012</a:t>
+              <a:t>05.09.2012</a:t>
             </a:fld>
             <a:endParaRPr lang="de-DE"/>
           </a:p>
@@ -1332,7 +1332,7 @@
             <a:fld id="{7A68A57C-3EBA-40C1-9071-8CC5E80F3BD3}" type="datetimeFigureOut">
               <a:rPr lang="de-DE" smtClean="0"/>
               <a:pPr/>
-              <a:t>13.06.2012</a:t>
+              <a:t>05.09.2012</a:t>
             </a:fld>
             <a:endParaRPr lang="de-DE"/>
           </a:p>
@@ -1751,7 +1751,7 @@
             <a:fld id="{7A68A57C-3EBA-40C1-9071-8CC5E80F3BD3}" type="datetimeFigureOut">
               <a:rPr lang="de-DE" smtClean="0"/>
               <a:pPr/>
-              <a:t>13.06.2012</a:t>
+              <a:t>05.09.2012</a:t>
             </a:fld>
             <a:endParaRPr lang="de-DE"/>
           </a:p>
@@ -1866,7 +1866,7 @@
             <a:fld id="{7A68A57C-3EBA-40C1-9071-8CC5E80F3BD3}" type="datetimeFigureOut">
               <a:rPr lang="de-DE" smtClean="0"/>
               <a:pPr/>
-              <a:t>13.06.2012</a:t>
+              <a:t>05.09.2012</a:t>
             </a:fld>
             <a:endParaRPr lang="de-DE"/>
           </a:p>
@@ -1958,7 +1958,7 @@
             <a:fld id="{7A68A57C-3EBA-40C1-9071-8CC5E80F3BD3}" type="datetimeFigureOut">
               <a:rPr lang="de-DE" smtClean="0"/>
               <a:pPr/>
-              <a:t>13.06.2012</a:t>
+              <a:t>05.09.2012</a:t>
             </a:fld>
             <a:endParaRPr lang="de-DE"/>
           </a:p>
@@ -2232,7 +2232,7 @@
             <a:fld id="{7A68A57C-3EBA-40C1-9071-8CC5E80F3BD3}" type="datetimeFigureOut">
               <a:rPr lang="de-DE" smtClean="0"/>
               <a:pPr/>
-              <a:t>13.06.2012</a:t>
+              <a:t>05.09.2012</a:t>
             </a:fld>
             <a:endParaRPr lang="de-DE"/>
           </a:p>
@@ -2482,7 +2482,7 @@
             <a:fld id="{7A68A57C-3EBA-40C1-9071-8CC5E80F3BD3}" type="datetimeFigureOut">
               <a:rPr lang="de-DE" smtClean="0"/>
               <a:pPr/>
-              <a:t>13.06.2012</a:t>
+              <a:t>05.09.2012</a:t>
             </a:fld>
             <a:endParaRPr lang="de-DE"/>
           </a:p>
@@ -2692,7 +2692,7 @@
             <a:fld id="{7A68A57C-3EBA-40C1-9071-8CC5E80F3BD3}" type="datetimeFigureOut">
               <a:rPr lang="de-DE" smtClean="0"/>
               <a:pPr/>
-              <a:t>13.06.2012</a:t>
+              <a:t>05.09.2012</a:t>
             </a:fld>
             <a:endParaRPr lang="de-DE"/>
           </a:p>
@@ -9606,15 +9606,7 @@
                   <a:schemeClr val="tx1"/>
                 </a:solidFill>
               </a:rPr>
-              <a:t>D</a:t>
-            </a:r>
-            <a:r>
-              <a:rPr lang="de-DE" dirty="0" smtClean="0">
-                <a:solidFill>
-                  <a:schemeClr val="tx1"/>
-                </a:solidFill>
-              </a:rPr>
-              <a:t>iffusion </a:t>
+              <a:t>Diffusion </a:t>
             </a:r>
             <a:r>
               <a:rPr lang="de-DE" dirty="0" err="1" smtClean="0">
@@ -9659,13 +9651,83 @@
       </p:grpSpPr>
       <p:cxnSp>
         <p:nvCxnSpPr>
+          <p:cNvPr id="44" name="Gerade Verbindung 43"/>
+          <p:cNvCxnSpPr/>
+          <p:nvPr/>
+        </p:nvCxnSpPr>
+        <p:spPr>
+          <a:xfrm>
+            <a:off x="971600" y="3819862"/>
+            <a:ext cx="1152128" cy="0"/>
+          </a:xfrm>
+          <a:prstGeom prst="line">
+            <a:avLst/>
+          </a:prstGeom>
+          <a:ln w="19050">
+            <a:solidFill>
+              <a:schemeClr val="tx1"/>
+            </a:solidFill>
+          </a:ln>
+        </p:spPr>
+        <p:style>
+          <a:lnRef idx="1">
+            <a:schemeClr val="accent1"/>
+          </a:lnRef>
+          <a:fillRef idx="0">
+            <a:schemeClr val="accent1"/>
+          </a:fillRef>
+          <a:effectRef idx="0">
+            <a:schemeClr val="accent1"/>
+          </a:effectRef>
+          <a:fontRef idx="minor">
+            <a:schemeClr val="tx1"/>
+          </a:fontRef>
+        </p:style>
+      </p:cxnSp>
+      <p:cxnSp>
+        <p:nvCxnSpPr>
+          <p:cNvPr id="47" name="Gerade Verbindung 46"/>
+          <p:cNvCxnSpPr/>
+          <p:nvPr/>
+        </p:nvCxnSpPr>
+        <p:spPr>
+          <a:xfrm>
+            <a:off x="971600" y="4406290"/>
+            <a:ext cx="1152128" cy="0"/>
+          </a:xfrm>
+          <a:prstGeom prst="line">
+            <a:avLst/>
+          </a:prstGeom>
+          <a:ln w="19050">
+            <a:solidFill>
+              <a:schemeClr val="tx1"/>
+            </a:solidFill>
+          </a:ln>
+        </p:spPr>
+        <p:style>
+          <a:lnRef idx="1">
+            <a:schemeClr val="accent1"/>
+          </a:lnRef>
+          <a:fillRef idx="0">
+            <a:schemeClr val="accent1"/>
+          </a:fillRef>
+          <a:effectRef idx="0">
+            <a:schemeClr val="accent1"/>
+          </a:effectRef>
+          <a:fontRef idx="minor">
+            <a:schemeClr val="tx1"/>
+          </a:fontRef>
+        </p:style>
+      </p:cxnSp>
+      <p:cxnSp>
+        <p:nvCxnSpPr>
           <p:cNvPr id="80" name="Gerade Verbindung 79"/>
           <p:cNvCxnSpPr/>
           <p:nvPr/>
         </p:nvCxnSpPr>
         <p:spPr>
           <a:xfrm>
-            <a:off x="622677" y="3884798"/>
+            <a:off x="2854925" y="3884798"/>
             <a:ext cx="1728192" cy="0"/>
           </a:xfrm>
           <a:prstGeom prst="line">
@@ -9700,7 +9762,7 @@
         </p:nvCxnSpPr>
         <p:spPr>
           <a:xfrm>
-            <a:off x="622677" y="4485538"/>
+            <a:off x="2854925" y="4485538"/>
             <a:ext cx="1728192" cy="0"/>
           </a:xfrm>
           <a:prstGeom prst="line">
@@ -9735,7 +9797,7 @@
         </p:nvCxnSpPr>
         <p:spPr>
           <a:xfrm>
-            <a:off x="622677" y="5085184"/>
+            <a:off x="2854925" y="5085184"/>
             <a:ext cx="1728192" cy="0"/>
           </a:xfrm>
           <a:prstGeom prst="line">
@@ -9770,7 +9832,7 @@
         </p:nvSpPr>
         <p:spPr>
           <a:xfrm>
-            <a:off x="1331641" y="4941168"/>
+            <a:off x="3563889" y="4941168"/>
             <a:ext cx="288032" cy="288032"/>
           </a:xfrm>
           <a:prstGeom prst="ellipse">
@@ -9806,7 +9868,7 @@
           <a:lstStyle/>
           <a:p>
             <a:pPr algn="ctr"/>
-            <a:endParaRPr lang="de-DE"/>
+            <a:endParaRPr lang="de-DE" sz="1600"/>
           </a:p>
         </p:txBody>
       </p:sp>
@@ -9820,7 +9882,7 @@
         </p:nvCxnSpPr>
         <p:spPr>
           <a:xfrm flipV="1">
-            <a:off x="1475657" y="3815054"/>
+            <a:off x="3707905" y="3815054"/>
             <a:ext cx="0" cy="1414146"/>
           </a:xfrm>
           <a:prstGeom prst="line">
@@ -9858,7 +9920,7 @@
         </p:nvCxnSpPr>
         <p:spPr>
           <a:xfrm>
-            <a:off x="1331641" y="5085184"/>
+            <a:off x="3563889" y="5085184"/>
             <a:ext cx="288032" cy="0"/>
           </a:xfrm>
           <a:prstGeom prst="line">
@@ -9893,8 +9955,8 @@
         </p:nvSpPr>
         <p:spPr>
           <a:xfrm>
-            <a:off x="1113447" y="2984319"/>
-            <a:ext cx="722249" cy="338554"/>
+            <a:off x="3345695" y="2984319"/>
+            <a:ext cx="655500" cy="307777"/>
           </a:xfrm>
           <a:prstGeom prst="rect">
             <a:avLst/>
@@ -9908,10 +9970,10 @@
           <a:lstStyle/>
           <a:p>
             <a:r>
-              <a:rPr lang="de-DE" sz="1600" dirty="0" smtClean="0"/>
+              <a:rPr lang="de-DE" sz="1400" dirty="0" smtClean="0"/>
               <a:t>Oracle</a:t>
             </a:r>
-            <a:endParaRPr lang="de-DE" sz="1600" dirty="0"/>
+            <a:endParaRPr lang="de-DE" sz="1400" dirty="0"/>
           </a:p>
         </p:txBody>
       </p:sp>
@@ -9923,7 +9985,7 @@
         </p:nvSpPr>
         <p:spPr>
           <a:xfrm rot="5400000">
-            <a:off x="1342884" y="2603424"/>
+            <a:off x="3575132" y="2603424"/>
             <a:ext cx="213760" cy="1676407"/>
           </a:xfrm>
           <a:prstGeom prst="leftBrace">
@@ -9954,7 +10016,7 @@
           <a:lstStyle/>
           <a:p>
             <a:pPr algn="ctr"/>
-            <a:endParaRPr lang="de-DE" dirty="0"/>
+            <a:endParaRPr lang="de-DE" sz="1600" dirty="0"/>
           </a:p>
         </p:txBody>
       </p:sp>
@@ -9966,7 +10028,7 @@
         </p:nvCxnSpPr>
         <p:spPr>
           <a:xfrm>
-            <a:off x="2915816" y="3884798"/>
+            <a:off x="5148064" y="3884798"/>
             <a:ext cx="1728192" cy="0"/>
           </a:xfrm>
           <a:prstGeom prst="line">
@@ -10001,7 +10063,7 @@
         </p:nvCxnSpPr>
         <p:spPr>
           <a:xfrm>
-            <a:off x="2915816" y="4485538"/>
+            <a:off x="5148064" y="4485538"/>
             <a:ext cx="1728192" cy="0"/>
           </a:xfrm>
           <a:prstGeom prst="line">
@@ -10036,7 +10098,7 @@
         </p:nvCxnSpPr>
         <p:spPr>
           <a:xfrm>
-            <a:off x="2915816" y="5085184"/>
+            <a:off x="5148064" y="5085184"/>
             <a:ext cx="1728192" cy="0"/>
           </a:xfrm>
           <a:prstGeom prst="line">
@@ -10071,7 +10133,7 @@
         </p:nvGrpSpPr>
         <p:grpSpPr>
           <a:xfrm>
-            <a:off x="3048716" y="3729075"/>
+            <a:off x="5280964" y="3729075"/>
             <a:ext cx="432048" cy="360040"/>
             <a:chOff x="755576" y="359551"/>
             <a:chExt cx="432048" cy="360040"/>
@@ -10188,7 +10250,7 @@
             <a:lstStyle/>
             <a:p>
               <a:pPr algn="ctr"/>
-              <a:endParaRPr lang="de-DE"/>
+              <a:endParaRPr lang="de-DE" sz="1600"/>
             </a:p>
           </p:txBody>
         </p:sp>
@@ -10236,7 +10298,7 @@
             <a:lstStyle/>
             <a:p>
               <a:pPr algn="ctr"/>
-              <a:endParaRPr lang="de-DE"/>
+              <a:endParaRPr lang="de-DE" sz="1600"/>
             </a:p>
           </p:txBody>
         </p:sp>
@@ -10249,7 +10311,7 @@
         </p:nvGrpSpPr>
         <p:grpSpPr>
           <a:xfrm>
-            <a:off x="3048716" y="4305139"/>
+            <a:off x="5280964" y="4305139"/>
             <a:ext cx="432048" cy="360040"/>
             <a:chOff x="755576" y="359551"/>
             <a:chExt cx="432048" cy="360040"/>
@@ -10366,7 +10428,7 @@
             <a:lstStyle/>
             <a:p>
               <a:pPr algn="ctr"/>
-              <a:endParaRPr lang="de-DE"/>
+              <a:endParaRPr lang="de-DE" sz="1600"/>
             </a:p>
           </p:txBody>
         </p:sp>
@@ -10414,7 +10476,7 @@
             <a:lstStyle/>
             <a:p>
               <a:pPr algn="ctr"/>
-              <a:endParaRPr lang="de-DE"/>
+              <a:endParaRPr lang="de-DE" sz="1600"/>
             </a:p>
           </p:txBody>
         </p:sp>
@@ -10427,7 +10489,7 @@
         </p:nvSpPr>
         <p:spPr>
           <a:xfrm>
-            <a:off x="3696788" y="3815054"/>
+            <a:off x="5929036" y="3815054"/>
             <a:ext cx="144016" cy="144016"/>
           </a:xfrm>
           <a:prstGeom prst="ellipse">
@@ -10463,7 +10525,7 @@
           <a:lstStyle/>
           <a:p>
             <a:pPr algn="ctr"/>
-            <a:endParaRPr lang="de-DE"/>
+            <a:endParaRPr lang="de-DE" sz="1600"/>
           </a:p>
         </p:txBody>
       </p:sp>
@@ -10475,7 +10537,7 @@
         </p:nvSpPr>
         <p:spPr>
           <a:xfrm>
-            <a:off x="3696788" y="4413530"/>
+            <a:off x="5929036" y="4413530"/>
             <a:ext cx="144016" cy="144016"/>
           </a:xfrm>
           <a:prstGeom prst="ellipse">
@@ -10511,7 +10573,7 @@
           <a:lstStyle/>
           <a:p>
             <a:pPr algn="ctr"/>
-            <a:endParaRPr lang="de-DE"/>
+            <a:endParaRPr lang="de-DE" sz="1600"/>
           </a:p>
         </p:txBody>
       </p:sp>
@@ -10523,7 +10585,7 @@
         </p:nvSpPr>
         <p:spPr>
           <a:xfrm>
-            <a:off x="3624780" y="4941168"/>
+            <a:off x="5857028" y="4941168"/>
             <a:ext cx="288032" cy="288032"/>
           </a:xfrm>
           <a:prstGeom prst="ellipse">
@@ -10559,7 +10621,7 @@
           <a:lstStyle/>
           <a:p>
             <a:pPr algn="ctr"/>
-            <a:endParaRPr lang="de-DE"/>
+            <a:endParaRPr lang="de-DE" sz="1600"/>
           </a:p>
         </p:txBody>
       </p:sp>
@@ -10574,7 +10636,7 @@
         </p:nvCxnSpPr>
         <p:spPr>
           <a:xfrm flipV="1">
-            <a:off x="3768796" y="3815054"/>
+            <a:off x="6001044" y="3815054"/>
             <a:ext cx="0" cy="1414146"/>
           </a:xfrm>
           <a:prstGeom prst="line">
@@ -10612,7 +10674,7 @@
         </p:nvCxnSpPr>
         <p:spPr>
           <a:xfrm>
-            <a:off x="3624780" y="5085184"/>
+            <a:off x="5857028" y="5085184"/>
             <a:ext cx="288032" cy="0"/>
           </a:xfrm>
           <a:prstGeom prst="line">
@@ -10647,8 +10709,8 @@
         </p:nvSpPr>
         <p:spPr>
           <a:xfrm>
-            <a:off x="3190914" y="2984319"/>
-            <a:ext cx="1102161" cy="338554"/>
+            <a:off x="5423162" y="2984319"/>
+            <a:ext cx="987322" cy="307777"/>
           </a:xfrm>
           <a:prstGeom prst="rect">
             <a:avLst/>
@@ -10662,10 +10724,10 @@
           <a:lstStyle/>
           <a:p>
             <a:r>
-              <a:rPr lang="de-DE" sz="1600" dirty="0" smtClean="0"/>
+              <a:rPr lang="de-DE" sz="1400" dirty="0" smtClean="0"/>
               <a:t>Oracle (00)</a:t>
             </a:r>
-            <a:endParaRPr lang="de-DE" sz="1600" dirty="0"/>
+            <a:endParaRPr lang="de-DE" sz="1400" dirty="0"/>
           </a:p>
         </p:txBody>
       </p:sp>
@@ -10677,7 +10739,7 @@
         </p:nvSpPr>
         <p:spPr>
           <a:xfrm rot="5400000">
-            <a:off x="3636023" y="2603424"/>
+            <a:off x="5868271" y="2603424"/>
             <a:ext cx="213760" cy="1676407"/>
           </a:xfrm>
           <a:prstGeom prst="leftBrace">
@@ -10708,7 +10770,7 @@
           <a:lstStyle/>
           <a:p>
             <a:pPr algn="ctr"/>
-            <a:endParaRPr lang="de-DE" dirty="0"/>
+            <a:endParaRPr lang="de-DE" sz="1600" dirty="0"/>
           </a:p>
         </p:txBody>
       </p:sp>
@@ -10720,7 +10782,7 @@
         </p:nvGrpSpPr>
         <p:grpSpPr>
           <a:xfrm>
-            <a:off x="4088926" y="3717032"/>
+            <a:off x="6321174" y="3717032"/>
             <a:ext cx="432048" cy="360040"/>
             <a:chOff x="755576" y="359551"/>
             <a:chExt cx="432048" cy="360040"/>
@@ -10837,7 +10899,7 @@
             <a:lstStyle/>
             <a:p>
               <a:pPr algn="ctr"/>
-              <a:endParaRPr lang="de-DE"/>
+              <a:endParaRPr lang="de-DE" sz="1600"/>
             </a:p>
           </p:txBody>
         </p:sp>
@@ -10885,7 +10947,7 @@
             <a:lstStyle/>
             <a:p>
               <a:pPr algn="ctr"/>
-              <a:endParaRPr lang="de-DE"/>
+              <a:endParaRPr lang="de-DE" sz="1600"/>
             </a:p>
           </p:txBody>
         </p:sp>
@@ -10898,7 +10960,7 @@
         </p:nvGrpSpPr>
         <p:grpSpPr>
           <a:xfrm>
-            <a:off x="4088926" y="4293096"/>
+            <a:off x="6321174" y="4293096"/>
             <a:ext cx="432048" cy="360040"/>
             <a:chOff x="755576" y="359551"/>
             <a:chExt cx="432048" cy="360040"/>
@@ -11015,7 +11077,7 @@
             <a:lstStyle/>
             <a:p>
               <a:pPr algn="ctr"/>
-              <a:endParaRPr lang="de-DE"/>
+              <a:endParaRPr lang="de-DE" sz="1600"/>
             </a:p>
           </p:txBody>
         </p:sp>
@@ -11063,7 +11125,7 @@
             <a:lstStyle/>
             <a:p>
               <a:pPr algn="ctr"/>
-              <a:endParaRPr lang="de-DE"/>
+              <a:endParaRPr lang="de-DE" sz="1600"/>
             </a:p>
           </p:txBody>
         </p:sp>
@@ -11076,7 +11138,7 @@
         </p:nvSpPr>
         <p:spPr>
           <a:xfrm>
-            <a:off x="683568" y="3645024"/>
+            <a:off x="2915816" y="3645024"/>
             <a:ext cx="1584176" cy="1070392"/>
           </a:xfrm>
           <a:prstGeom prst="rect">
@@ -11113,18 +11175,588 @@
           <a:p>
             <a:pPr algn="ctr"/>
             <a:r>
-              <a:rPr lang="de-DE" sz="6000" b="1" dirty="0" smtClean="0">
+              <a:rPr lang="de-DE" sz="5400" b="1" dirty="0" smtClean="0">
                 <a:solidFill>
                   <a:schemeClr val="tx1"/>
                 </a:solidFill>
               </a:rPr>
               <a:t>?</a:t>
             </a:r>
-            <a:endParaRPr lang="de-DE" b="1" dirty="0">
+            <a:endParaRPr lang="de-DE" sz="1600" b="1" dirty="0">
               <a:solidFill>
                 <a:schemeClr val="tx1"/>
               </a:solidFill>
             </a:endParaRPr>
+          </a:p>
+        </p:txBody>
+      </p:sp>
+      <p:grpSp>
+        <p:nvGrpSpPr>
+          <p:cNvPr id="33" name="Gruppieren 32"/>
+          <p:cNvGrpSpPr/>
+          <p:nvPr/>
+        </p:nvGrpSpPr>
+        <p:grpSpPr>
+          <a:xfrm>
+            <a:off x="1331640" y="3645024"/>
+            <a:ext cx="432048" cy="360040"/>
+            <a:chOff x="755576" y="359551"/>
+            <a:chExt cx="432048" cy="360040"/>
+          </a:xfrm>
+        </p:grpSpPr>
+        <p:sp>
+          <p:nvSpPr>
+            <p:cNvPr id="34" name="Freihandform 33"/>
+            <p:cNvSpPr/>
+            <p:nvPr/>
+          </p:nvSpPr>
+          <p:spPr>
+            <a:xfrm>
+              <a:off x="755576" y="359551"/>
+              <a:ext cx="288032" cy="360040"/>
+            </a:xfrm>
+            <a:custGeom>
+              <a:avLst/>
+              <a:gdLst>
+                <a:gd name="connsiteX0" fmla="*/ 35859 w 403412"/>
+                <a:gd name="connsiteY0" fmla="*/ 0 h 403412"/>
+                <a:gd name="connsiteX1" fmla="*/ 0 w 403412"/>
+                <a:gd name="connsiteY1" fmla="*/ 403412 h 403412"/>
+                <a:gd name="connsiteX2" fmla="*/ 403412 w 403412"/>
+                <a:gd name="connsiteY2" fmla="*/ 268941 h 403412"/>
+                <a:gd name="connsiteX3" fmla="*/ 35859 w 403412"/>
+                <a:gd name="connsiteY3" fmla="*/ 0 h 403412"/>
+                <a:gd name="connsiteX0" fmla="*/ 35859 w 328464"/>
+                <a:gd name="connsiteY0" fmla="*/ 0 h 403412"/>
+                <a:gd name="connsiteX1" fmla="*/ 0 w 328464"/>
+                <a:gd name="connsiteY1" fmla="*/ 403412 h 403412"/>
+                <a:gd name="connsiteX2" fmla="*/ 328464 w 328464"/>
+                <a:gd name="connsiteY2" fmla="*/ 190092 h 403412"/>
+                <a:gd name="connsiteX3" fmla="*/ 35859 w 328464"/>
+                <a:gd name="connsiteY3" fmla="*/ 0 h 403412"/>
+                <a:gd name="connsiteX0" fmla="*/ 0 w 360040"/>
+                <a:gd name="connsiteY0" fmla="*/ 0 h 429344"/>
+                <a:gd name="connsiteX1" fmla="*/ 31576 w 360040"/>
+                <a:gd name="connsiteY1" fmla="*/ 429344 h 429344"/>
+                <a:gd name="connsiteX2" fmla="*/ 360040 w 360040"/>
+                <a:gd name="connsiteY2" fmla="*/ 216024 h 429344"/>
+                <a:gd name="connsiteX3" fmla="*/ 0 w 360040"/>
+                <a:gd name="connsiteY3" fmla="*/ 0 h 429344"/>
+                <a:gd name="connsiteX0" fmla="*/ 0 w 360040"/>
+                <a:gd name="connsiteY0" fmla="*/ 0 h 432048"/>
+                <a:gd name="connsiteX1" fmla="*/ 0 w 360040"/>
+                <a:gd name="connsiteY1" fmla="*/ 432048 h 432048"/>
+                <a:gd name="connsiteX2" fmla="*/ 360040 w 360040"/>
+                <a:gd name="connsiteY2" fmla="*/ 216024 h 432048"/>
+                <a:gd name="connsiteX3" fmla="*/ 0 w 360040"/>
+                <a:gd name="connsiteY3" fmla="*/ 0 h 432048"/>
+              </a:gdLst>
+              <a:ahLst/>
+              <a:cxnLst>
+                <a:cxn ang="0">
+                  <a:pos x="connsiteX0" y="connsiteY0"/>
+                </a:cxn>
+                <a:cxn ang="0">
+                  <a:pos x="connsiteX1" y="connsiteY1"/>
+                </a:cxn>
+                <a:cxn ang="0">
+                  <a:pos x="connsiteX2" y="connsiteY2"/>
+                </a:cxn>
+                <a:cxn ang="0">
+                  <a:pos x="connsiteX3" y="connsiteY3"/>
+                </a:cxn>
+              </a:cxnLst>
+              <a:rect l="l" t="t" r="r" b="b"/>
+              <a:pathLst>
+                <a:path w="360040" h="432048">
+                  <a:moveTo>
+                    <a:pt x="0" y="0"/>
+                  </a:moveTo>
+                  <a:lnTo>
+                    <a:pt x="0" y="432048"/>
+                  </a:lnTo>
+                  <a:lnTo>
+                    <a:pt x="360040" y="216024"/>
+                  </a:lnTo>
+                  <a:lnTo>
+                    <a:pt x="0" y="0"/>
+                  </a:lnTo>
+                  <a:close/>
+                </a:path>
+              </a:pathLst>
+            </a:custGeom>
+            <a:solidFill>
+              <a:schemeClr val="bg1"/>
+            </a:solidFill>
+            <a:ln>
+              <a:solidFill>
+                <a:schemeClr val="tx1"/>
+              </a:solidFill>
+            </a:ln>
+          </p:spPr>
+          <p:style>
+            <a:lnRef idx="2">
+              <a:schemeClr val="accent1">
+                <a:shade val="50000"/>
+              </a:schemeClr>
+            </a:lnRef>
+            <a:fillRef idx="1">
+              <a:schemeClr val="accent1"/>
+            </a:fillRef>
+            <a:effectRef idx="0">
+              <a:schemeClr val="accent1"/>
+            </a:effectRef>
+            <a:fontRef idx="minor">
+              <a:schemeClr val="lt1"/>
+            </a:fontRef>
+          </p:style>
+          <p:txBody>
+            <a:bodyPr rtlCol="0" anchor="ctr"/>
+            <a:lstStyle/>
+            <a:p>
+              <a:pPr algn="ctr"/>
+              <a:endParaRPr lang="de-DE" sz="1600"/>
+            </a:p>
+          </p:txBody>
+        </p:sp>
+        <p:sp>
+          <p:nvSpPr>
+            <p:cNvPr id="35" name="Ellipse 34"/>
+            <p:cNvSpPr/>
+            <p:nvPr/>
+          </p:nvSpPr>
+          <p:spPr>
+            <a:xfrm>
+              <a:off x="1043608" y="476672"/>
+              <a:ext cx="144016" cy="144016"/>
+            </a:xfrm>
+            <a:prstGeom prst="ellipse">
+              <a:avLst/>
+            </a:prstGeom>
+            <a:solidFill>
+              <a:schemeClr val="bg1"/>
+            </a:solidFill>
+            <a:ln>
+              <a:solidFill>
+                <a:schemeClr val="tx1"/>
+              </a:solidFill>
+            </a:ln>
+          </p:spPr>
+          <p:style>
+            <a:lnRef idx="2">
+              <a:schemeClr val="accent1">
+                <a:shade val="50000"/>
+              </a:schemeClr>
+            </a:lnRef>
+            <a:fillRef idx="1">
+              <a:schemeClr val="accent1"/>
+            </a:fillRef>
+            <a:effectRef idx="0">
+              <a:schemeClr val="accent1"/>
+            </a:effectRef>
+            <a:fontRef idx="minor">
+              <a:schemeClr val="lt1"/>
+            </a:fontRef>
+          </p:style>
+          <p:txBody>
+            <a:bodyPr rtlCol="0" anchor="ctr"/>
+            <a:lstStyle/>
+            <a:p>
+              <a:pPr algn="ctr"/>
+              <a:endParaRPr lang="de-DE" sz="1600"/>
+            </a:p>
+          </p:txBody>
+        </p:sp>
+      </p:grpSp>
+      <p:grpSp>
+        <p:nvGrpSpPr>
+          <p:cNvPr id="36" name="Gruppieren 35"/>
+          <p:cNvGrpSpPr/>
+          <p:nvPr/>
+        </p:nvGrpSpPr>
+        <p:grpSpPr>
+          <a:xfrm>
+            <a:off x="1331640" y="4221088"/>
+            <a:ext cx="432048" cy="360040"/>
+            <a:chOff x="755576" y="359551"/>
+            <a:chExt cx="432048" cy="360040"/>
+          </a:xfrm>
+        </p:grpSpPr>
+        <p:sp>
+          <p:nvSpPr>
+            <p:cNvPr id="37" name="Freihandform 36"/>
+            <p:cNvSpPr/>
+            <p:nvPr/>
+          </p:nvSpPr>
+          <p:spPr>
+            <a:xfrm>
+              <a:off x="755576" y="359551"/>
+              <a:ext cx="288032" cy="360040"/>
+            </a:xfrm>
+            <a:custGeom>
+              <a:avLst/>
+              <a:gdLst>
+                <a:gd name="connsiteX0" fmla="*/ 35859 w 403412"/>
+                <a:gd name="connsiteY0" fmla="*/ 0 h 403412"/>
+                <a:gd name="connsiteX1" fmla="*/ 0 w 403412"/>
+                <a:gd name="connsiteY1" fmla="*/ 403412 h 403412"/>
+                <a:gd name="connsiteX2" fmla="*/ 403412 w 403412"/>
+                <a:gd name="connsiteY2" fmla="*/ 268941 h 403412"/>
+                <a:gd name="connsiteX3" fmla="*/ 35859 w 403412"/>
+                <a:gd name="connsiteY3" fmla="*/ 0 h 403412"/>
+                <a:gd name="connsiteX0" fmla="*/ 35859 w 328464"/>
+                <a:gd name="connsiteY0" fmla="*/ 0 h 403412"/>
+                <a:gd name="connsiteX1" fmla="*/ 0 w 328464"/>
+                <a:gd name="connsiteY1" fmla="*/ 403412 h 403412"/>
+                <a:gd name="connsiteX2" fmla="*/ 328464 w 328464"/>
+                <a:gd name="connsiteY2" fmla="*/ 190092 h 403412"/>
+                <a:gd name="connsiteX3" fmla="*/ 35859 w 328464"/>
+                <a:gd name="connsiteY3" fmla="*/ 0 h 403412"/>
+                <a:gd name="connsiteX0" fmla="*/ 0 w 360040"/>
+                <a:gd name="connsiteY0" fmla="*/ 0 h 429344"/>
+                <a:gd name="connsiteX1" fmla="*/ 31576 w 360040"/>
+                <a:gd name="connsiteY1" fmla="*/ 429344 h 429344"/>
+                <a:gd name="connsiteX2" fmla="*/ 360040 w 360040"/>
+                <a:gd name="connsiteY2" fmla="*/ 216024 h 429344"/>
+                <a:gd name="connsiteX3" fmla="*/ 0 w 360040"/>
+                <a:gd name="connsiteY3" fmla="*/ 0 h 429344"/>
+                <a:gd name="connsiteX0" fmla="*/ 0 w 360040"/>
+                <a:gd name="connsiteY0" fmla="*/ 0 h 432048"/>
+                <a:gd name="connsiteX1" fmla="*/ 0 w 360040"/>
+                <a:gd name="connsiteY1" fmla="*/ 432048 h 432048"/>
+                <a:gd name="connsiteX2" fmla="*/ 360040 w 360040"/>
+                <a:gd name="connsiteY2" fmla="*/ 216024 h 432048"/>
+                <a:gd name="connsiteX3" fmla="*/ 0 w 360040"/>
+                <a:gd name="connsiteY3" fmla="*/ 0 h 432048"/>
+              </a:gdLst>
+              <a:ahLst/>
+              <a:cxnLst>
+                <a:cxn ang="0">
+                  <a:pos x="connsiteX0" y="connsiteY0"/>
+                </a:cxn>
+                <a:cxn ang="0">
+                  <a:pos x="connsiteX1" y="connsiteY1"/>
+                </a:cxn>
+                <a:cxn ang="0">
+                  <a:pos x="connsiteX2" y="connsiteY2"/>
+                </a:cxn>
+                <a:cxn ang="0">
+                  <a:pos x="connsiteX3" y="connsiteY3"/>
+                </a:cxn>
+              </a:cxnLst>
+              <a:rect l="l" t="t" r="r" b="b"/>
+              <a:pathLst>
+                <a:path w="360040" h="432048">
+                  <a:moveTo>
+                    <a:pt x="0" y="0"/>
+                  </a:moveTo>
+                  <a:lnTo>
+                    <a:pt x="0" y="432048"/>
+                  </a:lnTo>
+                  <a:lnTo>
+                    <a:pt x="360040" y="216024"/>
+                  </a:lnTo>
+                  <a:lnTo>
+                    <a:pt x="0" y="0"/>
+                  </a:lnTo>
+                  <a:close/>
+                </a:path>
+              </a:pathLst>
+            </a:custGeom>
+            <a:solidFill>
+              <a:schemeClr val="bg1"/>
+            </a:solidFill>
+            <a:ln>
+              <a:solidFill>
+                <a:schemeClr val="tx1"/>
+              </a:solidFill>
+            </a:ln>
+          </p:spPr>
+          <p:style>
+            <a:lnRef idx="2">
+              <a:schemeClr val="accent1">
+                <a:shade val="50000"/>
+              </a:schemeClr>
+            </a:lnRef>
+            <a:fillRef idx="1">
+              <a:schemeClr val="accent1"/>
+            </a:fillRef>
+            <a:effectRef idx="0">
+              <a:schemeClr val="accent1"/>
+            </a:effectRef>
+            <a:fontRef idx="minor">
+              <a:schemeClr val="lt1"/>
+            </a:fontRef>
+          </p:style>
+          <p:txBody>
+            <a:bodyPr rtlCol="0" anchor="ctr"/>
+            <a:lstStyle/>
+            <a:p>
+              <a:pPr algn="ctr"/>
+              <a:endParaRPr lang="de-DE" sz="1600"/>
+            </a:p>
+          </p:txBody>
+        </p:sp>
+        <p:sp>
+          <p:nvSpPr>
+            <p:cNvPr id="38" name="Ellipse 37"/>
+            <p:cNvSpPr/>
+            <p:nvPr/>
+          </p:nvSpPr>
+          <p:spPr>
+            <a:xfrm>
+              <a:off x="1043608" y="476672"/>
+              <a:ext cx="144016" cy="144016"/>
+            </a:xfrm>
+            <a:prstGeom prst="ellipse">
+              <a:avLst/>
+            </a:prstGeom>
+            <a:solidFill>
+              <a:schemeClr val="bg1"/>
+            </a:solidFill>
+            <a:ln>
+              <a:solidFill>
+                <a:schemeClr val="tx1"/>
+              </a:solidFill>
+            </a:ln>
+          </p:spPr>
+          <p:style>
+            <a:lnRef idx="2">
+              <a:schemeClr val="accent1">
+                <a:shade val="50000"/>
+              </a:schemeClr>
+            </a:lnRef>
+            <a:fillRef idx="1">
+              <a:schemeClr val="accent1"/>
+            </a:fillRef>
+            <a:effectRef idx="0">
+              <a:schemeClr val="accent1"/>
+            </a:effectRef>
+            <a:fontRef idx="minor">
+              <a:schemeClr val="lt1"/>
+            </a:fontRef>
+          </p:style>
+          <p:txBody>
+            <a:bodyPr rtlCol="0" anchor="ctr"/>
+            <a:lstStyle/>
+            <a:p>
+              <a:pPr algn="ctr"/>
+              <a:endParaRPr lang="de-DE" sz="1600"/>
+            </a:p>
+          </p:txBody>
+        </p:sp>
+      </p:grpSp>
+      <p:sp>
+        <p:nvSpPr>
+          <p:cNvPr id="39" name="Textfeld 38"/>
+          <p:cNvSpPr txBox="1"/>
+          <p:nvPr/>
+        </p:nvSpPr>
+        <p:spPr>
+          <a:xfrm>
+            <a:off x="755576" y="2771636"/>
+            <a:ext cx="344966" cy="338554"/>
+          </a:xfrm>
+          <a:prstGeom prst="rect">
+            <a:avLst/>
+          </a:prstGeom>
+          <a:noFill/>
+        </p:spPr>
+        <p:txBody>
+          <a:bodyPr wrap="none" rtlCol="0">
+            <a:spAutoFit/>
+          </a:bodyPr>
+          <a:lstStyle/>
+          <a:p>
+            <a:r>
+              <a:rPr lang="de-DE" sz="1600" dirty="0" smtClean="0"/>
+              <a:t>a)</a:t>
+            </a:r>
+            <a:endParaRPr lang="de-DE" sz="1600" dirty="0"/>
+          </a:p>
+        </p:txBody>
+      </p:sp>
+      <p:sp>
+        <p:nvSpPr>
+          <p:cNvPr id="40" name="Textfeld 39"/>
+          <p:cNvSpPr txBox="1"/>
+          <p:nvPr/>
+        </p:nvSpPr>
+        <p:spPr>
+          <a:xfrm>
+            <a:off x="2771800" y="2771636"/>
+            <a:ext cx="354584" cy="338554"/>
+          </a:xfrm>
+          <a:prstGeom prst="rect">
+            <a:avLst/>
+          </a:prstGeom>
+          <a:noFill/>
+        </p:spPr>
+        <p:txBody>
+          <a:bodyPr wrap="none" rtlCol="0">
+            <a:spAutoFit/>
+          </a:bodyPr>
+          <a:lstStyle/>
+          <a:p>
+            <a:r>
+              <a:rPr lang="de-DE" sz="1600" dirty="0" smtClean="0"/>
+              <a:t>b</a:t>
+            </a:r>
+            <a:r>
+              <a:rPr lang="de-DE" sz="1600" dirty="0" smtClean="0"/>
+              <a:t>)</a:t>
+            </a:r>
+            <a:endParaRPr lang="de-DE" sz="1600" dirty="0"/>
+          </a:p>
+        </p:txBody>
+      </p:sp>
+      <p:sp>
+        <p:nvSpPr>
+          <p:cNvPr id="41" name="Textfeld 40"/>
+          <p:cNvSpPr txBox="1"/>
+          <p:nvPr/>
+        </p:nvSpPr>
+        <p:spPr>
+          <a:xfrm>
+            <a:off x="5076056" y="2771636"/>
+            <a:ext cx="333746" cy="338554"/>
+          </a:xfrm>
+          <a:prstGeom prst="rect">
+            <a:avLst/>
+          </a:prstGeom>
+          <a:noFill/>
+        </p:spPr>
+        <p:txBody>
+          <a:bodyPr wrap="none" rtlCol="0">
+            <a:spAutoFit/>
+          </a:bodyPr>
+          <a:lstStyle/>
+          <a:p>
+            <a:r>
+              <a:rPr lang="de-DE" sz="1600" dirty="0" smtClean="0"/>
+              <a:t>c)</a:t>
+            </a:r>
+            <a:endParaRPr lang="de-DE" sz="1600" dirty="0"/>
+          </a:p>
+        </p:txBody>
+      </p:sp>
+      <p:sp>
+        <p:nvSpPr>
+          <p:cNvPr id="48" name="Textfeld 47"/>
+          <p:cNvSpPr txBox="1"/>
+          <p:nvPr/>
+        </p:nvSpPr>
+        <p:spPr>
+          <a:xfrm>
+            <a:off x="745302" y="3645024"/>
+            <a:ext cx="288862" cy="338554"/>
+          </a:xfrm>
+          <a:prstGeom prst="rect">
+            <a:avLst/>
+          </a:prstGeom>
+          <a:noFill/>
+        </p:spPr>
+        <p:txBody>
+          <a:bodyPr wrap="none" rtlCol="0">
+            <a:spAutoFit/>
+          </a:bodyPr>
+          <a:lstStyle/>
+          <a:p>
+            <a:r>
+              <a:rPr lang="de-DE" sz="1600" dirty="0" smtClean="0"/>
+              <a:t>0</a:t>
+            </a:r>
+            <a:endParaRPr lang="de-DE" sz="1600" dirty="0"/>
+          </a:p>
+        </p:txBody>
+      </p:sp>
+      <p:sp>
+        <p:nvSpPr>
+          <p:cNvPr id="49" name="Textfeld 48"/>
+          <p:cNvSpPr txBox="1"/>
+          <p:nvPr/>
+        </p:nvSpPr>
+        <p:spPr>
+          <a:xfrm>
+            <a:off x="2051720" y="3645024"/>
+            <a:ext cx="288862" cy="338554"/>
+          </a:xfrm>
+          <a:prstGeom prst="rect">
+            <a:avLst/>
+          </a:prstGeom>
+          <a:noFill/>
+        </p:spPr>
+        <p:txBody>
+          <a:bodyPr wrap="none" rtlCol="0">
+            <a:spAutoFit/>
+          </a:bodyPr>
+          <a:lstStyle/>
+          <a:p>
+            <a:r>
+              <a:rPr lang="de-DE" sz="1600" dirty="0" smtClean="0"/>
+              <a:t>1</a:t>
+            </a:r>
+            <a:endParaRPr lang="de-DE" sz="1600" dirty="0"/>
+          </a:p>
+        </p:txBody>
+      </p:sp>
+      <p:sp>
+        <p:nvSpPr>
+          <p:cNvPr id="50" name="Textfeld 49"/>
+          <p:cNvSpPr txBox="1"/>
+          <p:nvPr/>
+        </p:nvSpPr>
+        <p:spPr>
+          <a:xfrm>
+            <a:off x="755576" y="4221088"/>
+            <a:ext cx="288862" cy="338554"/>
+          </a:xfrm>
+          <a:prstGeom prst="rect">
+            <a:avLst/>
+          </a:prstGeom>
+          <a:noFill/>
+        </p:spPr>
+        <p:txBody>
+          <a:bodyPr wrap="none" rtlCol="0">
+            <a:spAutoFit/>
+          </a:bodyPr>
+          <a:lstStyle/>
+          <a:p>
+            <a:r>
+              <a:rPr lang="de-DE" sz="1600" dirty="0" smtClean="0"/>
+              <a:t>1</a:t>
+            </a:r>
+            <a:endParaRPr lang="de-DE" sz="1600" dirty="0"/>
+          </a:p>
+        </p:txBody>
+      </p:sp>
+      <p:sp>
+        <p:nvSpPr>
+          <p:cNvPr id="51" name="Textfeld 50"/>
+          <p:cNvSpPr txBox="1"/>
+          <p:nvPr/>
+        </p:nvSpPr>
+        <p:spPr>
+          <a:xfrm>
+            <a:off x="2061994" y="4221088"/>
+            <a:ext cx="288862" cy="338554"/>
+          </a:xfrm>
+          <a:prstGeom prst="rect">
+            <a:avLst/>
+          </a:prstGeom>
+          <a:noFill/>
+        </p:spPr>
+        <p:txBody>
+          <a:bodyPr wrap="none" rtlCol="0">
+            <a:spAutoFit/>
+          </a:bodyPr>
+          <a:lstStyle/>
+          <a:p>
+            <a:r>
+              <a:rPr lang="de-DE" sz="1600" dirty="0" smtClean="0"/>
+              <a:t>0</a:t>
+            </a:r>
+            <a:endParaRPr lang="de-DE" sz="1600" dirty="0"/>
           </a:p>
         </p:txBody>
       </p:sp>

--- a/material/papers/grover/classical_reversible_algorithm.pptx
+++ b/material/papers/grover/classical_reversible_algorithm.pptx
@@ -10,6 +10,7 @@
     <p:sldId id="259" r:id="rId4"/>
     <p:sldId id="257" r:id="rId5"/>
     <p:sldId id="260" r:id="rId6"/>
+    <p:sldId id="261" r:id="rId7"/>
   </p:sldIdLst>
   <p:sldSz cx="9144000" cy="6858000" type="screen4x3"/>
   <p:notesSz cx="6858000" cy="9144000"/>
@@ -293,7 +294,7 @@
             <a:fld id="{7A68A57C-3EBA-40C1-9071-8CC5E80F3BD3}" type="datetimeFigureOut">
               <a:rPr lang="de-DE" smtClean="0"/>
               <a:pPr/>
-              <a:t>05.09.2012</a:t>
+              <a:t>25.10.2012</a:t>
             </a:fld>
             <a:endParaRPr lang="de-DE"/>
           </a:p>
@@ -460,7 +461,7 @@
             <a:fld id="{7A68A57C-3EBA-40C1-9071-8CC5E80F3BD3}" type="datetimeFigureOut">
               <a:rPr lang="de-DE" smtClean="0"/>
               <a:pPr/>
-              <a:t>05.09.2012</a:t>
+              <a:t>25.10.2012</a:t>
             </a:fld>
             <a:endParaRPr lang="de-DE"/>
           </a:p>
@@ -637,7 +638,7 @@
             <a:fld id="{7A68A57C-3EBA-40C1-9071-8CC5E80F3BD3}" type="datetimeFigureOut">
               <a:rPr lang="de-DE" smtClean="0"/>
               <a:pPr/>
-              <a:t>05.09.2012</a:t>
+              <a:t>25.10.2012</a:t>
             </a:fld>
             <a:endParaRPr lang="de-DE"/>
           </a:p>
@@ -804,7 +805,7 @@
             <a:fld id="{7A68A57C-3EBA-40C1-9071-8CC5E80F3BD3}" type="datetimeFigureOut">
               <a:rPr lang="de-DE" smtClean="0"/>
               <a:pPr/>
-              <a:t>05.09.2012</a:t>
+              <a:t>25.10.2012</a:t>
             </a:fld>
             <a:endParaRPr lang="de-DE"/>
           </a:p>
@@ -1047,7 +1048,7 @@
             <a:fld id="{7A68A57C-3EBA-40C1-9071-8CC5E80F3BD3}" type="datetimeFigureOut">
               <a:rPr lang="de-DE" smtClean="0"/>
               <a:pPr/>
-              <a:t>05.09.2012</a:t>
+              <a:t>25.10.2012</a:t>
             </a:fld>
             <a:endParaRPr lang="de-DE"/>
           </a:p>
@@ -1332,7 +1333,7 @@
             <a:fld id="{7A68A57C-3EBA-40C1-9071-8CC5E80F3BD3}" type="datetimeFigureOut">
               <a:rPr lang="de-DE" smtClean="0"/>
               <a:pPr/>
-              <a:t>05.09.2012</a:t>
+              <a:t>25.10.2012</a:t>
             </a:fld>
             <a:endParaRPr lang="de-DE"/>
           </a:p>
@@ -1751,7 +1752,7 @@
             <a:fld id="{7A68A57C-3EBA-40C1-9071-8CC5E80F3BD3}" type="datetimeFigureOut">
               <a:rPr lang="de-DE" smtClean="0"/>
               <a:pPr/>
-              <a:t>05.09.2012</a:t>
+              <a:t>25.10.2012</a:t>
             </a:fld>
             <a:endParaRPr lang="de-DE"/>
           </a:p>
@@ -1866,7 +1867,7 @@
             <a:fld id="{7A68A57C-3EBA-40C1-9071-8CC5E80F3BD3}" type="datetimeFigureOut">
               <a:rPr lang="de-DE" smtClean="0"/>
               <a:pPr/>
-              <a:t>05.09.2012</a:t>
+              <a:t>25.10.2012</a:t>
             </a:fld>
             <a:endParaRPr lang="de-DE"/>
           </a:p>
@@ -1958,7 +1959,7 @@
             <a:fld id="{7A68A57C-3EBA-40C1-9071-8CC5E80F3BD3}" type="datetimeFigureOut">
               <a:rPr lang="de-DE" smtClean="0"/>
               <a:pPr/>
-              <a:t>05.09.2012</a:t>
+              <a:t>25.10.2012</a:t>
             </a:fld>
             <a:endParaRPr lang="de-DE"/>
           </a:p>
@@ -2232,7 +2233,7 @@
             <a:fld id="{7A68A57C-3EBA-40C1-9071-8CC5E80F3BD3}" type="datetimeFigureOut">
               <a:rPr lang="de-DE" smtClean="0"/>
               <a:pPr/>
-              <a:t>05.09.2012</a:t>
+              <a:t>25.10.2012</a:t>
             </a:fld>
             <a:endParaRPr lang="de-DE"/>
           </a:p>
@@ -2482,7 +2483,7 @@
             <a:fld id="{7A68A57C-3EBA-40C1-9071-8CC5E80F3BD3}" type="datetimeFigureOut">
               <a:rPr lang="de-DE" smtClean="0"/>
               <a:pPr/>
-              <a:t>05.09.2012</a:t>
+              <a:t>25.10.2012</a:t>
             </a:fld>
             <a:endParaRPr lang="de-DE"/>
           </a:p>
@@ -2692,7 +2693,7 @@
             <a:fld id="{7A68A57C-3EBA-40C1-9071-8CC5E80F3BD3}" type="datetimeFigureOut">
               <a:rPr lang="de-DE" smtClean="0"/>
               <a:pPr/>
-              <a:t>05.09.2012</a:t>
+              <a:t>25.10.2012</a:t>
             </a:fld>
             <a:endParaRPr lang="de-DE"/>
           </a:p>
@@ -11600,11 +11601,7 @@
           <a:p>
             <a:r>
               <a:rPr lang="de-DE" sz="1600" dirty="0" smtClean="0"/>
-              <a:t>b</a:t>
-            </a:r>
-            <a:r>
-              <a:rPr lang="de-DE" sz="1600" dirty="0" smtClean="0"/>
-              <a:t>)</a:t>
+              <a:t>b)</a:t>
             </a:r>
             <a:endParaRPr lang="de-DE" sz="1600" dirty="0"/>
           </a:p>
@@ -11907,17 +11904,21 @@
           <a:p>
             <a:pPr algn="ctr"/>
             <a:r>
-              <a:rPr lang="de-DE" b="1" dirty="0" smtClean="0">
+              <a:rPr lang="de-DE" sz="1400" dirty="0" smtClean="0">
                 <a:solidFill>
                   <a:schemeClr val="tx1"/>
                 </a:solidFill>
+                <a:latin typeface="Arial" pitchFamily="34" charset="0"/>
+                <a:cs typeface="Arial" pitchFamily="34" charset="0"/>
               </a:rPr>
               <a:t>|0&gt;</a:t>
             </a:r>
-            <a:endParaRPr lang="de-DE" b="1" dirty="0">
+            <a:endParaRPr lang="de-DE" sz="1400" dirty="0">
               <a:solidFill>
                 <a:schemeClr val="tx1"/>
               </a:solidFill>
+              <a:latin typeface="Arial" pitchFamily="34" charset="0"/>
+              <a:cs typeface="Arial" pitchFamily="34" charset="0"/>
             </a:endParaRPr>
           </a:p>
         </p:txBody>
@@ -11967,17 +11968,21 @@
           <a:p>
             <a:pPr algn="ctr"/>
             <a:r>
-              <a:rPr lang="de-DE" b="1" dirty="0" smtClean="0">
+              <a:rPr lang="de-DE" sz="1400" dirty="0" smtClean="0">
                 <a:solidFill>
                   <a:schemeClr val="tx1"/>
                 </a:solidFill>
+                <a:latin typeface="Arial" pitchFamily="34" charset="0"/>
+                <a:cs typeface="Arial" pitchFamily="34" charset="0"/>
               </a:rPr>
               <a:t>|0&gt;</a:t>
             </a:r>
-            <a:endParaRPr lang="de-DE" b="1" dirty="0">
+            <a:endParaRPr lang="de-DE" sz="1400" dirty="0">
               <a:solidFill>
                 <a:schemeClr val="tx1"/>
               </a:solidFill>
+              <a:latin typeface="Arial" pitchFamily="34" charset="0"/>
+              <a:cs typeface="Arial" pitchFamily="34" charset="0"/>
             </a:endParaRPr>
           </a:p>
         </p:txBody>
@@ -12027,33 +12032,41 @@
           <a:p>
             <a:pPr algn="ctr"/>
             <a:r>
-              <a:rPr lang="de-DE" b="1" dirty="0" smtClean="0">
+              <a:rPr lang="de-DE" sz="1400" dirty="0" smtClean="0">
                 <a:solidFill>
                   <a:schemeClr val="tx1"/>
                 </a:solidFill>
+                <a:latin typeface="Arial" pitchFamily="34" charset="0"/>
+                <a:cs typeface="Arial" pitchFamily="34" charset="0"/>
               </a:rPr>
               <a:t>Y</a:t>
             </a:r>
             <a:r>
-              <a:rPr lang="el-GR" b="1" baseline="-25000" dirty="0" smtClean="0">
+              <a:rPr lang="el-GR" sz="1400" baseline="-25000" dirty="0" smtClean="0">
                 <a:solidFill>
                   <a:schemeClr val="tx1"/>
                 </a:solidFill>
+                <a:latin typeface="Arial" pitchFamily="34" charset="0"/>
+                <a:cs typeface="Arial" pitchFamily="34" charset="0"/>
               </a:rPr>
               <a:t> π</a:t>
             </a:r>
             <a:r>
-              <a:rPr lang="de-DE" b="1" baseline="-25000" dirty="0" smtClean="0">
+              <a:rPr lang="de-DE" sz="1400" baseline="-25000" dirty="0" smtClean="0">
                 <a:solidFill>
                   <a:schemeClr val="tx1"/>
                 </a:solidFill>
+                <a:latin typeface="Arial" pitchFamily="34" charset="0"/>
+                <a:cs typeface="Arial" pitchFamily="34" charset="0"/>
               </a:rPr>
               <a:t>/2</a:t>
             </a:r>
-            <a:endParaRPr lang="de-DE" b="1" dirty="0">
+            <a:endParaRPr lang="de-DE" sz="1400" dirty="0">
               <a:solidFill>
                 <a:schemeClr val="tx1"/>
               </a:solidFill>
+              <a:latin typeface="Arial" pitchFamily="34" charset="0"/>
+              <a:cs typeface="Arial" pitchFamily="34" charset="0"/>
             </a:endParaRPr>
           </a:p>
         </p:txBody>
@@ -12103,33 +12116,41 @@
           <a:p>
             <a:pPr algn="ctr"/>
             <a:r>
-              <a:rPr lang="de-DE" b="1" dirty="0" smtClean="0">
+              <a:rPr lang="de-DE" sz="1400" dirty="0" smtClean="0">
                 <a:solidFill>
                   <a:schemeClr val="tx1"/>
                 </a:solidFill>
+                <a:latin typeface="Arial" pitchFamily="34" charset="0"/>
+                <a:cs typeface="Arial" pitchFamily="34" charset="0"/>
               </a:rPr>
               <a:t>Y</a:t>
             </a:r>
             <a:r>
-              <a:rPr lang="el-GR" b="1" baseline="-25000" dirty="0" smtClean="0">
+              <a:rPr lang="el-GR" sz="1400" baseline="-25000" dirty="0" smtClean="0">
                 <a:solidFill>
                   <a:schemeClr val="tx1"/>
                 </a:solidFill>
+                <a:latin typeface="Arial" pitchFamily="34" charset="0"/>
+                <a:cs typeface="Arial" pitchFamily="34" charset="0"/>
               </a:rPr>
               <a:t>π</a:t>
             </a:r>
             <a:r>
-              <a:rPr lang="de-DE" b="1" baseline="-25000" dirty="0" smtClean="0">
+              <a:rPr lang="de-DE" sz="1400" baseline="-25000" dirty="0" smtClean="0">
                 <a:solidFill>
                   <a:schemeClr val="tx1"/>
                 </a:solidFill>
+                <a:latin typeface="Arial" pitchFamily="34" charset="0"/>
+                <a:cs typeface="Arial" pitchFamily="34" charset="0"/>
               </a:rPr>
               <a:t>/2</a:t>
             </a:r>
-            <a:endParaRPr lang="de-DE" b="1" baseline="-25000" dirty="0">
+            <a:endParaRPr lang="de-DE" sz="1400" baseline="-25000" dirty="0">
               <a:solidFill>
                 <a:schemeClr val="tx1"/>
               </a:solidFill>
+              <a:latin typeface="Arial" pitchFamily="34" charset="0"/>
+              <a:cs typeface="Arial" pitchFamily="34" charset="0"/>
             </a:endParaRPr>
           </a:p>
         </p:txBody>
@@ -12179,17 +12200,21 @@
           <a:p>
             <a:pPr algn="ctr"/>
             <a:r>
-              <a:rPr lang="de-DE" b="1" dirty="0" err="1" smtClean="0">
+              <a:rPr lang="de-DE" sz="1400" dirty="0" err="1" smtClean="0">
                 <a:solidFill>
                   <a:schemeClr val="tx1"/>
                 </a:solidFill>
+                <a:latin typeface="Arial" pitchFamily="34" charset="0"/>
+                <a:cs typeface="Arial" pitchFamily="34" charset="0"/>
               </a:rPr>
               <a:t>iSWAP</a:t>
             </a:r>
-            <a:endParaRPr lang="de-DE" b="1" dirty="0">
+            <a:endParaRPr lang="de-DE" sz="1400" dirty="0">
               <a:solidFill>
                 <a:schemeClr val="tx1"/>
               </a:solidFill>
+              <a:latin typeface="Arial" pitchFamily="34" charset="0"/>
+              <a:cs typeface="Arial" pitchFamily="34" charset="0"/>
             </a:endParaRPr>
           </a:p>
         </p:txBody>
@@ -12239,41 +12264,51 @@
           <a:p>
             <a:pPr algn="ctr"/>
             <a:r>
-              <a:rPr lang="de-DE" b="1" dirty="0" smtClean="0">
+              <a:rPr lang="de-DE" sz="1400" dirty="0" smtClean="0">
                 <a:solidFill>
                   <a:schemeClr val="tx1"/>
                 </a:solidFill>
+                <a:latin typeface="Arial" pitchFamily="34" charset="0"/>
+                <a:cs typeface="Arial" pitchFamily="34" charset="0"/>
               </a:rPr>
               <a:t>Z</a:t>
             </a:r>
             <a:r>
-              <a:rPr lang="de-DE" b="1" baseline="-25000" dirty="0" smtClean="0">
+              <a:rPr lang="de-DE" sz="1400" baseline="-25000" dirty="0" smtClean="0">
                 <a:solidFill>
                   <a:schemeClr val="tx1"/>
                 </a:solidFill>
+                <a:latin typeface="Arial" pitchFamily="34" charset="0"/>
+                <a:cs typeface="Arial" pitchFamily="34" charset="0"/>
               </a:rPr>
               <a:t>±</a:t>
             </a:r>
             <a:r>
-              <a:rPr lang="el-GR" b="1" baseline="-25000" dirty="0" smtClean="0">
+              <a:rPr lang="el-GR" sz="1400" baseline="-25000" dirty="0" smtClean="0">
                 <a:solidFill>
                   <a:schemeClr val="tx1"/>
                 </a:solidFill>
+                <a:latin typeface="Arial" pitchFamily="34" charset="0"/>
+                <a:cs typeface="Arial" pitchFamily="34" charset="0"/>
               </a:rPr>
               <a:t>π</a:t>
             </a:r>
             <a:r>
-              <a:rPr lang="de-DE" b="1" baseline="-25000" dirty="0" smtClean="0">
+              <a:rPr lang="de-DE" sz="1400" baseline="-25000" dirty="0" smtClean="0">
                 <a:solidFill>
                   <a:schemeClr val="tx1"/>
                 </a:solidFill>
+                <a:latin typeface="Arial" pitchFamily="34" charset="0"/>
+                <a:cs typeface="Arial" pitchFamily="34" charset="0"/>
               </a:rPr>
               <a:t>/2</a:t>
             </a:r>
-            <a:endParaRPr lang="de-DE" b="1" baseline="-25000" dirty="0">
+            <a:endParaRPr lang="de-DE" sz="1400" baseline="-25000" dirty="0">
               <a:solidFill>
                 <a:schemeClr val="tx1"/>
               </a:solidFill>
+              <a:latin typeface="Arial" pitchFamily="34" charset="0"/>
+              <a:cs typeface="Arial" pitchFamily="34" charset="0"/>
             </a:endParaRPr>
           </a:p>
         </p:txBody>
@@ -12323,41 +12358,51 @@
           <a:p>
             <a:pPr algn="ctr"/>
             <a:r>
-              <a:rPr lang="de-DE" b="1" dirty="0" smtClean="0">
+              <a:rPr lang="de-DE" sz="1400" dirty="0" smtClean="0">
                 <a:solidFill>
                   <a:schemeClr val="tx1"/>
                 </a:solidFill>
+                <a:latin typeface="Arial" pitchFamily="34" charset="0"/>
+                <a:cs typeface="Arial" pitchFamily="34" charset="0"/>
               </a:rPr>
               <a:t>Z</a:t>
             </a:r>
             <a:r>
-              <a:rPr lang="de-DE" b="1" baseline="-25000" dirty="0" smtClean="0">
+              <a:rPr lang="de-DE" sz="1400" baseline="-25000" dirty="0" smtClean="0">
                 <a:solidFill>
                   <a:schemeClr val="tx1"/>
                 </a:solidFill>
+                <a:latin typeface="Arial" pitchFamily="34" charset="0"/>
+                <a:cs typeface="Arial" pitchFamily="34" charset="0"/>
               </a:rPr>
               <a:t>±</a:t>
             </a:r>
             <a:r>
-              <a:rPr lang="el-GR" b="1" baseline="-25000" dirty="0" smtClean="0">
+              <a:rPr lang="el-GR" sz="1400" baseline="-25000" dirty="0" smtClean="0">
                 <a:solidFill>
                   <a:schemeClr val="tx1"/>
                 </a:solidFill>
+                <a:latin typeface="Arial" pitchFamily="34" charset="0"/>
+                <a:cs typeface="Arial" pitchFamily="34" charset="0"/>
               </a:rPr>
               <a:t>π</a:t>
             </a:r>
             <a:r>
-              <a:rPr lang="de-DE" b="1" baseline="-25000" dirty="0" smtClean="0">
+              <a:rPr lang="de-DE" sz="1400" baseline="-25000" dirty="0" smtClean="0">
                 <a:solidFill>
                   <a:schemeClr val="tx1"/>
                 </a:solidFill>
+                <a:latin typeface="Arial" pitchFamily="34" charset="0"/>
+                <a:cs typeface="Arial" pitchFamily="34" charset="0"/>
               </a:rPr>
               <a:t>/2</a:t>
             </a:r>
-            <a:endParaRPr lang="de-DE" b="1" baseline="-25000" dirty="0">
+            <a:endParaRPr lang="de-DE" sz="1400" baseline="-25000" dirty="0">
               <a:solidFill>
                 <a:schemeClr val="tx1"/>
               </a:solidFill>
+              <a:latin typeface="Arial" pitchFamily="34" charset="0"/>
+              <a:cs typeface="Arial" pitchFamily="34" charset="0"/>
             </a:endParaRPr>
           </a:p>
         </p:txBody>
@@ -12407,17 +12452,21 @@
           <a:p>
             <a:pPr algn="ctr"/>
             <a:r>
-              <a:rPr lang="de-DE" b="1" dirty="0" err="1" smtClean="0">
+              <a:rPr lang="de-DE" sz="1400" dirty="0" err="1" smtClean="0">
                 <a:solidFill>
                   <a:schemeClr val="tx1"/>
                 </a:solidFill>
+                <a:latin typeface="Arial" pitchFamily="34" charset="0"/>
+                <a:cs typeface="Arial" pitchFamily="34" charset="0"/>
               </a:rPr>
               <a:t>iSWAP</a:t>
             </a:r>
-            <a:endParaRPr lang="de-DE" b="1" dirty="0">
+            <a:endParaRPr lang="de-DE" sz="1400" dirty="0">
               <a:solidFill>
                 <a:schemeClr val="tx1"/>
               </a:solidFill>
+              <a:latin typeface="Arial" pitchFamily="34" charset="0"/>
+              <a:cs typeface="Arial" pitchFamily="34" charset="0"/>
             </a:endParaRPr>
           </a:p>
         </p:txBody>
@@ -12467,33 +12516,41 @@
           <a:p>
             <a:pPr algn="ctr"/>
             <a:r>
-              <a:rPr lang="de-DE" b="1" dirty="0" smtClean="0">
+              <a:rPr lang="de-DE" sz="1400" dirty="0" smtClean="0">
                 <a:solidFill>
                   <a:schemeClr val="tx1"/>
                 </a:solidFill>
+                <a:latin typeface="Arial" pitchFamily="34" charset="0"/>
+                <a:cs typeface="Arial" pitchFamily="34" charset="0"/>
               </a:rPr>
               <a:t>X</a:t>
             </a:r>
             <a:r>
-              <a:rPr lang="el-GR" b="1" baseline="-25000" dirty="0" smtClean="0">
+              <a:rPr lang="el-GR" sz="1400" baseline="-25000" dirty="0" smtClean="0">
                 <a:solidFill>
                   <a:schemeClr val="tx1"/>
                 </a:solidFill>
+                <a:latin typeface="Arial" pitchFamily="34" charset="0"/>
+                <a:cs typeface="Arial" pitchFamily="34" charset="0"/>
               </a:rPr>
               <a:t> π</a:t>
             </a:r>
             <a:r>
-              <a:rPr lang="de-DE" b="1" baseline="-25000" dirty="0" smtClean="0">
+              <a:rPr lang="de-DE" sz="1400" baseline="-25000" dirty="0" smtClean="0">
                 <a:solidFill>
                   <a:schemeClr val="tx1"/>
                 </a:solidFill>
+                <a:latin typeface="Arial" pitchFamily="34" charset="0"/>
+                <a:cs typeface="Arial" pitchFamily="34" charset="0"/>
               </a:rPr>
               <a:t>/2</a:t>
             </a:r>
-            <a:endParaRPr lang="de-DE" b="1" dirty="0">
+            <a:endParaRPr lang="de-DE" sz="1400" dirty="0">
               <a:solidFill>
                 <a:schemeClr val="tx1"/>
               </a:solidFill>
+              <a:latin typeface="Arial" pitchFamily="34" charset="0"/>
+              <a:cs typeface="Arial" pitchFamily="34" charset="0"/>
             </a:endParaRPr>
           </a:p>
         </p:txBody>
@@ -12543,33 +12600,41 @@
           <a:p>
             <a:pPr algn="ctr"/>
             <a:r>
-              <a:rPr lang="de-DE" b="1" dirty="0" smtClean="0">
+              <a:rPr lang="de-DE" sz="1400" dirty="0" smtClean="0">
                 <a:solidFill>
                   <a:schemeClr val="tx1"/>
                 </a:solidFill>
+                <a:latin typeface="Arial" pitchFamily="34" charset="0"/>
+                <a:cs typeface="Arial" pitchFamily="34" charset="0"/>
               </a:rPr>
               <a:t>X</a:t>
             </a:r>
             <a:r>
-              <a:rPr lang="el-GR" b="1" baseline="-25000" dirty="0" smtClean="0">
+              <a:rPr lang="el-GR" sz="1400" baseline="-25000" dirty="0" smtClean="0">
                 <a:solidFill>
                   <a:schemeClr val="tx1"/>
                 </a:solidFill>
+                <a:latin typeface="Arial" pitchFamily="34" charset="0"/>
+                <a:cs typeface="Arial" pitchFamily="34" charset="0"/>
               </a:rPr>
               <a:t>π</a:t>
             </a:r>
             <a:r>
-              <a:rPr lang="de-DE" b="1" baseline="-25000" dirty="0" smtClean="0">
+              <a:rPr lang="de-DE" sz="1400" baseline="-25000" dirty="0" smtClean="0">
                 <a:solidFill>
                   <a:schemeClr val="tx1"/>
                 </a:solidFill>
+                <a:latin typeface="Arial" pitchFamily="34" charset="0"/>
+                <a:cs typeface="Arial" pitchFamily="34" charset="0"/>
               </a:rPr>
               <a:t>/2</a:t>
             </a:r>
-            <a:endParaRPr lang="de-DE" b="1" baseline="-25000" dirty="0">
+            <a:endParaRPr lang="de-DE" sz="1400" baseline="-25000" dirty="0">
               <a:solidFill>
                 <a:schemeClr val="tx1"/>
               </a:solidFill>
+              <a:latin typeface="Arial" pitchFamily="34" charset="0"/>
+              <a:cs typeface="Arial" pitchFamily="34" charset="0"/>
             </a:endParaRPr>
           </a:p>
         </p:txBody>
@@ -12583,7 +12648,7 @@
         <p:spPr>
           <a:xfrm>
             <a:off x="179512" y="2924944"/>
-            <a:ext cx="1635961" cy="338554"/>
+            <a:ext cx="1577676" cy="307777"/>
           </a:xfrm>
           <a:prstGeom prst="rect">
             <a:avLst/>
@@ -12597,14 +12662,23 @@
           <a:lstStyle/>
           <a:p>
             <a:r>
-              <a:rPr lang="de-DE" sz="1600" dirty="0" smtClean="0"/>
+              <a:rPr lang="de-DE" sz="1400" dirty="0" smtClean="0">
+                <a:latin typeface="Arial" pitchFamily="34" charset="0"/>
+                <a:cs typeface="Arial" pitchFamily="34" charset="0"/>
+              </a:rPr>
               <a:t>State </a:t>
             </a:r>
             <a:r>
-              <a:rPr lang="de-DE" sz="1600" dirty="0" err="1" smtClean="0"/>
+              <a:rPr lang="de-DE" sz="1400" dirty="0" err="1" smtClean="0">
+                <a:latin typeface="Arial" pitchFamily="34" charset="0"/>
+                <a:cs typeface="Arial" pitchFamily="34" charset="0"/>
+              </a:rPr>
               <a:t>Preparation</a:t>
             </a:r>
-            <a:endParaRPr lang="de-DE" sz="1600" dirty="0"/>
+            <a:endParaRPr lang="de-DE" sz="1400" dirty="0">
+              <a:latin typeface="Arial" pitchFamily="34" charset="0"/>
+              <a:cs typeface="Arial" pitchFamily="34" charset="0"/>
+            </a:endParaRPr>
           </a:p>
         </p:txBody>
       </p:sp>
@@ -12616,8 +12690,8 @@
         </p:nvSpPr>
         <p:spPr>
           <a:xfrm>
-            <a:off x="2243464" y="2924944"/>
-            <a:ext cx="1496500" cy="338554"/>
+            <a:off x="2051720" y="2924944"/>
+            <a:ext cx="1745991" cy="307777"/>
           </a:xfrm>
           <a:prstGeom prst="rect">
             <a:avLst/>
@@ -12631,14 +12705,30 @@
           <a:lstStyle/>
           <a:p>
             <a:r>
-              <a:rPr lang="de-DE" sz="1600" dirty="0" smtClean="0"/>
+              <a:rPr lang="de-DE" sz="1400" dirty="0" smtClean="0">
+                <a:latin typeface="Arial" pitchFamily="34" charset="0"/>
+                <a:cs typeface="Arial" pitchFamily="34" charset="0"/>
+              </a:rPr>
               <a:t>Oracle </a:t>
             </a:r>
             <a:r>
-              <a:rPr lang="de-DE" sz="1600" dirty="0" err="1" smtClean="0"/>
+              <a:rPr lang="de-DE" sz="1400" dirty="0" err="1" smtClean="0">
+                <a:latin typeface="Arial" pitchFamily="34" charset="0"/>
+                <a:cs typeface="Arial" pitchFamily="34" charset="0"/>
+              </a:rPr>
               <a:t>Function</a:t>
             </a:r>
-            <a:endParaRPr lang="de-DE" sz="1600" dirty="0"/>
+            <a:r>
+              <a:rPr lang="de-DE" sz="1400" dirty="0" smtClean="0">
+                <a:latin typeface="Arial" pitchFamily="34" charset="0"/>
+                <a:cs typeface="Arial" pitchFamily="34" charset="0"/>
+              </a:rPr>
+              <a:t> (R)</a:t>
+            </a:r>
+            <a:endParaRPr lang="de-DE" sz="1400" dirty="0">
+              <a:latin typeface="Arial" pitchFamily="34" charset="0"/>
+              <a:cs typeface="Arial" pitchFamily="34" charset="0"/>
+            </a:endParaRPr>
           </a:p>
         </p:txBody>
       </p:sp>
@@ -12650,8 +12740,8 @@
         </p:nvSpPr>
         <p:spPr>
           <a:xfrm>
-            <a:off x="4231543" y="2924944"/>
-            <a:ext cx="1735860" cy="338554"/>
+            <a:off x="3995936" y="2924944"/>
+            <a:ext cx="1931876" cy="307777"/>
           </a:xfrm>
           <a:prstGeom prst="rect">
             <a:avLst/>
@@ -12665,10 +12755,16 @@
           <a:lstStyle/>
           <a:p>
             <a:r>
-              <a:rPr lang="de-DE" sz="1600" dirty="0" smtClean="0"/>
-              <a:t>Diffusion Operator</a:t>
-            </a:r>
-            <a:endParaRPr lang="de-DE" sz="1600" dirty="0"/>
+              <a:rPr lang="de-DE" sz="1400" dirty="0" smtClean="0">
+                <a:latin typeface="Arial" pitchFamily="34" charset="0"/>
+                <a:cs typeface="Arial" pitchFamily="34" charset="0"/>
+              </a:rPr>
+              <a:t>Diffusion Operator (D)</a:t>
+            </a:r>
+            <a:endParaRPr lang="de-DE" sz="1400" dirty="0">
+              <a:latin typeface="Arial" pitchFamily="34" charset="0"/>
+              <a:cs typeface="Arial" pitchFamily="34" charset="0"/>
+            </a:endParaRPr>
           </a:p>
         </p:txBody>
       </p:sp>
@@ -12681,7 +12777,7 @@
         <p:spPr>
           <a:xfrm>
             <a:off x="6061867" y="2924944"/>
-            <a:ext cx="886397" cy="338554"/>
+            <a:ext cx="861133" cy="307777"/>
           </a:xfrm>
           <a:prstGeom prst="rect">
             <a:avLst/>
@@ -12695,10 +12791,16 @@
           <a:lstStyle/>
           <a:p>
             <a:r>
-              <a:rPr lang="de-DE" sz="1600" dirty="0" err="1" smtClean="0"/>
+              <a:rPr lang="de-DE" sz="1400" dirty="0" err="1" smtClean="0">
+                <a:latin typeface="Arial" pitchFamily="34" charset="0"/>
+                <a:cs typeface="Arial" pitchFamily="34" charset="0"/>
+              </a:rPr>
               <a:t>Readout</a:t>
             </a:r>
-            <a:endParaRPr lang="de-DE" sz="1600" dirty="0"/>
+            <a:endParaRPr lang="de-DE" sz="1400" dirty="0">
+              <a:latin typeface="Arial" pitchFamily="34" charset="0"/>
+              <a:cs typeface="Arial" pitchFamily="34" charset="0"/>
+            </a:endParaRPr>
           </a:p>
         </p:txBody>
       </p:sp>
@@ -12741,7 +12843,10 @@
           <a:lstStyle/>
           <a:p>
             <a:pPr algn="ctr"/>
-            <a:endParaRPr lang="de-DE" dirty="0"/>
+            <a:endParaRPr lang="de-DE" sz="1400" dirty="0">
+              <a:latin typeface="Arial" pitchFamily="34" charset="0"/>
+              <a:cs typeface="Arial" pitchFamily="34" charset="0"/>
+            </a:endParaRPr>
           </a:p>
         </p:txBody>
       </p:sp>
@@ -12784,7 +12889,10 @@
           <a:lstStyle/>
           <a:p>
             <a:pPr algn="ctr"/>
-            <a:endParaRPr lang="de-DE" dirty="0"/>
+            <a:endParaRPr lang="de-DE" sz="1400" dirty="0">
+              <a:latin typeface="Arial" pitchFamily="34" charset="0"/>
+              <a:cs typeface="Arial" pitchFamily="34" charset="0"/>
+            </a:endParaRPr>
           </a:p>
         </p:txBody>
       </p:sp>
@@ -12827,7 +12935,10 @@
           <a:lstStyle/>
           <a:p>
             <a:pPr algn="ctr"/>
-            <a:endParaRPr lang="de-DE" dirty="0"/>
+            <a:endParaRPr lang="de-DE" sz="1400" dirty="0">
+              <a:latin typeface="Arial" pitchFamily="34" charset="0"/>
+              <a:cs typeface="Arial" pitchFamily="34" charset="0"/>
+            </a:endParaRPr>
           </a:p>
         </p:txBody>
       </p:sp>
@@ -12870,7 +12981,10 @@
           <a:lstStyle/>
           <a:p>
             <a:pPr algn="ctr"/>
-            <a:endParaRPr lang="de-DE" dirty="0"/>
+            <a:endParaRPr lang="de-DE" sz="1400" dirty="0">
+              <a:latin typeface="Arial" pitchFamily="34" charset="0"/>
+              <a:cs typeface="Arial" pitchFamily="34" charset="0"/>
+            </a:endParaRPr>
           </a:p>
         </p:txBody>
       </p:sp>
@@ -12883,9 +12997,9 @@
         <p:grpSpPr>
           <a:xfrm>
             <a:off x="6197272" y="4323918"/>
-            <a:ext cx="595862" cy="623837"/>
+            <a:ext cx="589450" cy="623837"/>
             <a:chOff x="2937204" y="1258486"/>
-            <a:chExt cx="595862" cy="623837"/>
+            <a:chExt cx="589450" cy="623837"/>
           </a:xfrm>
         </p:grpSpPr>
         <p:sp>
@@ -12932,7 +13046,7 @@
             <a:lstStyle/>
             <a:p>
               <a:pPr algn="ctr"/>
-              <a:endParaRPr lang="fr-FR">
+              <a:endParaRPr lang="fr-FR" sz="1400">
                 <a:latin typeface="Arial" pitchFamily="34" charset="0"/>
                 <a:cs typeface="Arial" pitchFamily="34" charset="0"/>
               </a:endParaRPr>
@@ -12988,7 +13102,7 @@
           <p:spPr>
             <a:xfrm>
               <a:off x="2943326" y="1258486"/>
-              <a:ext cx="269626" cy="276999"/>
+              <a:ext cx="263214" cy="261610"/>
             </a:xfrm>
             <a:prstGeom prst="rect">
               <a:avLst/>
@@ -13001,13 +13115,13 @@
             <a:lstStyle/>
             <a:p>
               <a:r>
-                <a:rPr lang="fr-FR" sz="1200" dirty="0" smtClean="0">
+                <a:rPr lang="fr-FR" sz="1050" dirty="0" smtClean="0">
                   <a:latin typeface="Arial" pitchFamily="34" charset="0"/>
                   <a:cs typeface="Arial" pitchFamily="34" charset="0"/>
                 </a:rPr>
                 <a:t>0</a:t>
               </a:r>
-              <a:endParaRPr lang="fr-FR" sz="1200" dirty="0">
+              <a:endParaRPr lang="fr-FR" sz="1050" dirty="0">
                 <a:latin typeface="Arial" pitchFamily="34" charset="0"/>
                 <a:cs typeface="Arial" pitchFamily="34" charset="0"/>
               </a:endParaRPr>
@@ -13023,7 +13137,7 @@
           <p:spPr>
             <a:xfrm>
               <a:off x="3263440" y="1258486"/>
-              <a:ext cx="269626" cy="276999"/>
+              <a:ext cx="263214" cy="261610"/>
             </a:xfrm>
             <a:prstGeom prst="rect">
               <a:avLst/>
@@ -13036,13 +13150,13 @@
             <a:lstStyle/>
             <a:p>
               <a:r>
-                <a:rPr lang="fr-FR" sz="1200" dirty="0" smtClean="0">
+                <a:rPr lang="fr-FR" sz="1050" dirty="0" smtClean="0">
                   <a:latin typeface="Arial" pitchFamily="34" charset="0"/>
                   <a:cs typeface="Arial" pitchFamily="34" charset="0"/>
                 </a:rPr>
                 <a:t>1</a:t>
               </a:r>
-              <a:endParaRPr lang="fr-FR" sz="1200" dirty="0">
+              <a:endParaRPr lang="fr-FR" sz="1050" dirty="0">
                 <a:latin typeface="Arial" pitchFamily="34" charset="0"/>
                 <a:cs typeface="Arial" pitchFamily="34" charset="0"/>
               </a:endParaRPr>
@@ -13164,9 +13278,9 @@
         <p:grpSpPr>
           <a:xfrm>
             <a:off x="6197272" y="3579603"/>
-            <a:ext cx="595862" cy="623837"/>
+            <a:ext cx="589450" cy="623837"/>
             <a:chOff x="2937204" y="1258486"/>
-            <a:chExt cx="595862" cy="623837"/>
+            <a:chExt cx="589450" cy="623837"/>
           </a:xfrm>
         </p:grpSpPr>
         <p:sp>
@@ -13213,7 +13327,7 @@
             <a:lstStyle/>
             <a:p>
               <a:pPr algn="ctr"/>
-              <a:endParaRPr lang="fr-FR">
+              <a:endParaRPr lang="fr-FR" sz="1400">
                 <a:latin typeface="Arial" pitchFamily="34" charset="0"/>
                 <a:cs typeface="Arial" pitchFamily="34" charset="0"/>
               </a:endParaRPr>
@@ -13269,7 +13383,7 @@
           <p:spPr>
             <a:xfrm>
               <a:off x="2943326" y="1258486"/>
-              <a:ext cx="269626" cy="276999"/>
+              <a:ext cx="263214" cy="261610"/>
             </a:xfrm>
             <a:prstGeom prst="rect">
               <a:avLst/>
@@ -13282,13 +13396,13 @@
             <a:lstStyle/>
             <a:p>
               <a:r>
-                <a:rPr lang="fr-FR" sz="1200" dirty="0" smtClean="0">
+                <a:rPr lang="fr-FR" sz="1050" dirty="0" smtClean="0">
                   <a:latin typeface="Arial" pitchFamily="34" charset="0"/>
                   <a:cs typeface="Arial" pitchFamily="34" charset="0"/>
                 </a:rPr>
                 <a:t>0</a:t>
               </a:r>
-              <a:endParaRPr lang="fr-FR" sz="1200" dirty="0">
+              <a:endParaRPr lang="fr-FR" sz="1050" dirty="0">
                 <a:latin typeface="Arial" pitchFamily="34" charset="0"/>
                 <a:cs typeface="Arial" pitchFamily="34" charset="0"/>
               </a:endParaRPr>
@@ -13304,7 +13418,7 @@
           <p:spPr>
             <a:xfrm>
               <a:off x="3263440" y="1258486"/>
-              <a:ext cx="269626" cy="276999"/>
+              <a:ext cx="263214" cy="261610"/>
             </a:xfrm>
             <a:prstGeom prst="rect">
               <a:avLst/>
@@ -13317,13 +13431,13 @@
             <a:lstStyle/>
             <a:p>
               <a:r>
-                <a:rPr lang="fr-FR" sz="1200" dirty="0" smtClean="0">
+                <a:rPr lang="fr-FR" sz="1050" dirty="0" smtClean="0">
                   <a:latin typeface="Arial" pitchFamily="34" charset="0"/>
                   <a:cs typeface="Arial" pitchFamily="34" charset="0"/>
                 </a:rPr>
                 <a:t>1</a:t>
               </a:r>
-              <a:endParaRPr lang="fr-FR" sz="1200" dirty="0">
+              <a:endParaRPr lang="fr-FR" sz="1050" dirty="0">
                 <a:latin typeface="Arial" pitchFamily="34" charset="0"/>
                 <a:cs typeface="Arial" pitchFamily="34" charset="0"/>
               </a:endParaRPr>
@@ -13435,458 +13549,6 @@
             </a:fontRef>
           </p:style>
         </p:cxnSp>
-      </p:grpSp>
-      <p:grpSp>
-        <p:nvGrpSpPr>
-          <p:cNvPr id="51" name="Gruppieren 50"/>
-          <p:cNvGrpSpPr/>
-          <p:nvPr/>
-        </p:nvGrpSpPr>
-        <p:grpSpPr>
-          <a:xfrm>
-            <a:off x="1619672" y="3573016"/>
-            <a:ext cx="432048" cy="2016224"/>
-            <a:chOff x="1619672" y="3573016"/>
-            <a:chExt cx="432048" cy="2016224"/>
-          </a:xfrm>
-        </p:grpSpPr>
-        <p:cxnSp>
-          <p:nvCxnSpPr>
-            <p:cNvPr id="49" name="Gerade Verbindung 48"/>
-            <p:cNvCxnSpPr>
-              <a:endCxn id="50" idx="0"/>
-            </p:cNvCxnSpPr>
-            <p:nvPr/>
-          </p:nvCxnSpPr>
-          <p:spPr>
-            <a:xfrm>
-              <a:off x="1835696" y="3573016"/>
-              <a:ext cx="0" cy="1584176"/>
-            </a:xfrm>
-            <a:prstGeom prst="line">
-              <a:avLst/>
-            </a:prstGeom>
-            <a:ln w="19050">
-              <a:solidFill>
-                <a:schemeClr val="tx1"/>
-              </a:solidFill>
-              <a:prstDash val="sysDash"/>
-            </a:ln>
-          </p:spPr>
-          <p:style>
-            <a:lnRef idx="1">
-              <a:schemeClr val="accent1"/>
-            </a:lnRef>
-            <a:fillRef idx="0">
-              <a:schemeClr val="accent1"/>
-            </a:fillRef>
-            <a:effectRef idx="0">
-              <a:schemeClr val="accent1"/>
-            </a:effectRef>
-            <a:fontRef idx="minor">
-              <a:schemeClr val="tx1"/>
-            </a:fontRef>
-          </p:style>
-        </p:cxnSp>
-        <p:sp>
-          <p:nvSpPr>
-            <p:cNvPr id="50" name="Ellipse 49"/>
-            <p:cNvSpPr/>
-            <p:nvPr/>
-          </p:nvSpPr>
-          <p:spPr>
-            <a:xfrm>
-              <a:off x="1619672" y="5157192"/>
-              <a:ext cx="432048" cy="432048"/>
-            </a:xfrm>
-            <a:prstGeom prst="ellipse">
-              <a:avLst/>
-            </a:prstGeom>
-            <a:solidFill>
-              <a:schemeClr val="bg1"/>
-            </a:solidFill>
-            <a:ln>
-              <a:solidFill>
-                <a:schemeClr val="tx1"/>
-              </a:solidFill>
-            </a:ln>
-          </p:spPr>
-          <p:style>
-            <a:lnRef idx="2">
-              <a:schemeClr val="accent1">
-                <a:shade val="50000"/>
-              </a:schemeClr>
-            </a:lnRef>
-            <a:fillRef idx="1">
-              <a:schemeClr val="accent1"/>
-            </a:fillRef>
-            <a:effectRef idx="0">
-              <a:schemeClr val="accent1"/>
-            </a:effectRef>
-            <a:fontRef idx="minor">
-              <a:schemeClr val="lt1"/>
-            </a:fontRef>
-          </p:style>
-          <p:txBody>
-            <a:bodyPr rtlCol="0" anchor="ctr"/>
-            <a:lstStyle/>
-            <a:p>
-              <a:pPr algn="ctr"/>
-              <a:r>
-                <a:rPr lang="de-DE" dirty="0" smtClean="0">
-                  <a:solidFill>
-                    <a:schemeClr val="tx1"/>
-                  </a:solidFill>
-                </a:rPr>
-                <a:t>1</a:t>
-              </a:r>
-              <a:endParaRPr lang="de-DE" dirty="0">
-                <a:solidFill>
-                  <a:schemeClr val="tx1"/>
-                </a:solidFill>
-              </a:endParaRPr>
-            </a:p>
-          </p:txBody>
-        </p:sp>
-      </p:grpSp>
-      <p:grpSp>
-        <p:nvGrpSpPr>
-          <p:cNvPr id="82" name="Gruppieren 81"/>
-          <p:cNvGrpSpPr/>
-          <p:nvPr/>
-        </p:nvGrpSpPr>
-        <p:grpSpPr>
-          <a:xfrm>
-            <a:off x="3779912" y="3573016"/>
-            <a:ext cx="432048" cy="2016224"/>
-            <a:chOff x="1619672" y="3573016"/>
-            <a:chExt cx="432048" cy="2016224"/>
-          </a:xfrm>
-        </p:grpSpPr>
-        <p:cxnSp>
-          <p:nvCxnSpPr>
-            <p:cNvPr id="83" name="Gerade Verbindung 82"/>
-            <p:cNvCxnSpPr>
-              <a:endCxn id="84" idx="0"/>
-            </p:cNvCxnSpPr>
-            <p:nvPr/>
-          </p:nvCxnSpPr>
-          <p:spPr>
-            <a:xfrm>
-              <a:off x="1835696" y="3573016"/>
-              <a:ext cx="0" cy="1584176"/>
-            </a:xfrm>
-            <a:prstGeom prst="line">
-              <a:avLst/>
-            </a:prstGeom>
-            <a:ln w="19050">
-              <a:solidFill>
-                <a:schemeClr val="tx1"/>
-              </a:solidFill>
-              <a:prstDash val="sysDash"/>
-            </a:ln>
-          </p:spPr>
-          <p:style>
-            <a:lnRef idx="1">
-              <a:schemeClr val="accent1"/>
-            </a:lnRef>
-            <a:fillRef idx="0">
-              <a:schemeClr val="accent1"/>
-            </a:fillRef>
-            <a:effectRef idx="0">
-              <a:schemeClr val="accent1"/>
-            </a:effectRef>
-            <a:fontRef idx="minor">
-              <a:schemeClr val="tx1"/>
-            </a:fontRef>
-          </p:style>
-        </p:cxnSp>
-        <p:sp>
-          <p:nvSpPr>
-            <p:cNvPr id="84" name="Ellipse 83"/>
-            <p:cNvSpPr/>
-            <p:nvPr/>
-          </p:nvSpPr>
-          <p:spPr>
-            <a:xfrm>
-              <a:off x="1619672" y="5157192"/>
-              <a:ext cx="432048" cy="432048"/>
-            </a:xfrm>
-            <a:prstGeom prst="ellipse">
-              <a:avLst/>
-            </a:prstGeom>
-            <a:solidFill>
-              <a:schemeClr val="bg1"/>
-            </a:solidFill>
-            <a:ln>
-              <a:solidFill>
-                <a:schemeClr val="tx1"/>
-              </a:solidFill>
-            </a:ln>
-          </p:spPr>
-          <p:style>
-            <a:lnRef idx="2">
-              <a:schemeClr val="accent1">
-                <a:shade val="50000"/>
-              </a:schemeClr>
-            </a:lnRef>
-            <a:fillRef idx="1">
-              <a:schemeClr val="accent1"/>
-            </a:fillRef>
-            <a:effectRef idx="0">
-              <a:schemeClr val="accent1"/>
-            </a:effectRef>
-            <a:fontRef idx="minor">
-              <a:schemeClr val="lt1"/>
-            </a:fontRef>
-          </p:style>
-          <p:txBody>
-            <a:bodyPr rtlCol="0" anchor="ctr"/>
-            <a:lstStyle/>
-            <a:p>
-              <a:pPr algn="ctr"/>
-              <a:r>
-                <a:rPr lang="de-DE" dirty="0" smtClean="0">
-                  <a:solidFill>
-                    <a:schemeClr val="tx1"/>
-                  </a:solidFill>
-                </a:rPr>
-                <a:t>2</a:t>
-              </a:r>
-              <a:endParaRPr lang="de-DE" dirty="0">
-                <a:solidFill>
-                  <a:schemeClr val="tx1"/>
-                </a:solidFill>
-              </a:endParaRPr>
-            </a:p>
-          </p:txBody>
-        </p:sp>
-      </p:grpSp>
-      <p:grpSp>
-        <p:nvGrpSpPr>
-          <p:cNvPr id="85" name="Gruppieren 84"/>
-          <p:cNvGrpSpPr/>
-          <p:nvPr/>
-        </p:nvGrpSpPr>
-        <p:grpSpPr>
-          <a:xfrm>
-            <a:off x="5004048" y="3573016"/>
-            <a:ext cx="432048" cy="2016224"/>
-            <a:chOff x="1619672" y="3573016"/>
-            <a:chExt cx="432048" cy="2016224"/>
-          </a:xfrm>
-        </p:grpSpPr>
-        <p:cxnSp>
-          <p:nvCxnSpPr>
-            <p:cNvPr id="86" name="Gerade Verbindung 85"/>
-            <p:cNvCxnSpPr>
-              <a:endCxn id="87" idx="0"/>
-            </p:cNvCxnSpPr>
-            <p:nvPr/>
-          </p:nvCxnSpPr>
-          <p:spPr>
-            <a:xfrm>
-              <a:off x="1835696" y="3573016"/>
-              <a:ext cx="0" cy="1584176"/>
-            </a:xfrm>
-            <a:prstGeom prst="line">
-              <a:avLst/>
-            </a:prstGeom>
-            <a:ln w="19050">
-              <a:solidFill>
-                <a:schemeClr val="tx1"/>
-              </a:solidFill>
-              <a:prstDash val="sysDash"/>
-            </a:ln>
-          </p:spPr>
-          <p:style>
-            <a:lnRef idx="1">
-              <a:schemeClr val="accent1"/>
-            </a:lnRef>
-            <a:fillRef idx="0">
-              <a:schemeClr val="accent1"/>
-            </a:fillRef>
-            <a:effectRef idx="0">
-              <a:schemeClr val="accent1"/>
-            </a:effectRef>
-            <a:fontRef idx="minor">
-              <a:schemeClr val="tx1"/>
-            </a:fontRef>
-          </p:style>
-        </p:cxnSp>
-        <p:sp>
-          <p:nvSpPr>
-            <p:cNvPr id="87" name="Ellipse 86"/>
-            <p:cNvSpPr/>
-            <p:nvPr/>
-          </p:nvSpPr>
-          <p:spPr>
-            <a:xfrm>
-              <a:off x="1619672" y="5157192"/>
-              <a:ext cx="432048" cy="432048"/>
-            </a:xfrm>
-            <a:prstGeom prst="ellipse">
-              <a:avLst/>
-            </a:prstGeom>
-            <a:solidFill>
-              <a:schemeClr val="bg1"/>
-            </a:solidFill>
-            <a:ln>
-              <a:solidFill>
-                <a:schemeClr val="tx1"/>
-              </a:solidFill>
-            </a:ln>
-          </p:spPr>
-          <p:style>
-            <a:lnRef idx="2">
-              <a:schemeClr val="accent1">
-                <a:shade val="50000"/>
-              </a:schemeClr>
-            </a:lnRef>
-            <a:fillRef idx="1">
-              <a:schemeClr val="accent1"/>
-            </a:fillRef>
-            <a:effectRef idx="0">
-              <a:schemeClr val="accent1"/>
-            </a:effectRef>
-            <a:fontRef idx="minor">
-              <a:schemeClr val="lt1"/>
-            </a:fontRef>
-          </p:style>
-          <p:txBody>
-            <a:bodyPr rtlCol="0" anchor="ctr"/>
-            <a:lstStyle/>
-            <a:p>
-              <a:pPr algn="ctr"/>
-              <a:r>
-                <a:rPr lang="de-DE" dirty="0" smtClean="0">
-                  <a:solidFill>
-                    <a:schemeClr val="tx1"/>
-                  </a:solidFill>
-                </a:rPr>
-                <a:t>3</a:t>
-              </a:r>
-              <a:endParaRPr lang="de-DE" dirty="0">
-                <a:solidFill>
-                  <a:schemeClr val="tx1"/>
-                </a:solidFill>
-              </a:endParaRPr>
-            </a:p>
-          </p:txBody>
-        </p:sp>
-      </p:grpSp>
-      <p:grpSp>
-        <p:nvGrpSpPr>
-          <p:cNvPr id="88" name="Gruppieren 87"/>
-          <p:cNvGrpSpPr/>
-          <p:nvPr/>
-        </p:nvGrpSpPr>
-        <p:grpSpPr>
-          <a:xfrm>
-            <a:off x="5868144" y="3573016"/>
-            <a:ext cx="432048" cy="2016224"/>
-            <a:chOff x="1619672" y="3573016"/>
-            <a:chExt cx="432048" cy="2016224"/>
-          </a:xfrm>
-        </p:grpSpPr>
-        <p:cxnSp>
-          <p:nvCxnSpPr>
-            <p:cNvPr id="89" name="Gerade Verbindung 88"/>
-            <p:cNvCxnSpPr>
-              <a:endCxn id="90" idx="0"/>
-            </p:cNvCxnSpPr>
-            <p:nvPr/>
-          </p:nvCxnSpPr>
-          <p:spPr>
-            <a:xfrm>
-              <a:off x="1835696" y="3573016"/>
-              <a:ext cx="0" cy="1584176"/>
-            </a:xfrm>
-            <a:prstGeom prst="line">
-              <a:avLst/>
-            </a:prstGeom>
-            <a:ln w="19050">
-              <a:solidFill>
-                <a:schemeClr val="tx1"/>
-              </a:solidFill>
-              <a:prstDash val="sysDash"/>
-            </a:ln>
-          </p:spPr>
-          <p:style>
-            <a:lnRef idx="1">
-              <a:schemeClr val="accent1"/>
-            </a:lnRef>
-            <a:fillRef idx="0">
-              <a:schemeClr val="accent1"/>
-            </a:fillRef>
-            <a:effectRef idx="0">
-              <a:schemeClr val="accent1"/>
-            </a:effectRef>
-            <a:fontRef idx="minor">
-              <a:schemeClr val="tx1"/>
-            </a:fontRef>
-          </p:style>
-        </p:cxnSp>
-        <p:sp>
-          <p:nvSpPr>
-            <p:cNvPr id="90" name="Ellipse 89"/>
-            <p:cNvSpPr/>
-            <p:nvPr/>
-          </p:nvSpPr>
-          <p:spPr>
-            <a:xfrm>
-              <a:off x="1619672" y="5157192"/>
-              <a:ext cx="432048" cy="432048"/>
-            </a:xfrm>
-            <a:prstGeom prst="ellipse">
-              <a:avLst/>
-            </a:prstGeom>
-            <a:solidFill>
-              <a:schemeClr val="bg1"/>
-            </a:solidFill>
-            <a:ln>
-              <a:solidFill>
-                <a:schemeClr val="tx1"/>
-              </a:solidFill>
-            </a:ln>
-          </p:spPr>
-          <p:style>
-            <a:lnRef idx="2">
-              <a:schemeClr val="accent1">
-                <a:shade val="50000"/>
-              </a:schemeClr>
-            </a:lnRef>
-            <a:fillRef idx="1">
-              <a:schemeClr val="accent1"/>
-            </a:fillRef>
-            <a:effectRef idx="0">
-              <a:schemeClr val="accent1"/>
-            </a:effectRef>
-            <a:fontRef idx="minor">
-              <a:schemeClr val="lt1"/>
-            </a:fontRef>
-          </p:style>
-          <p:txBody>
-            <a:bodyPr rtlCol="0" anchor="ctr"/>
-            <a:lstStyle/>
-            <a:p>
-              <a:pPr algn="ctr"/>
-              <a:r>
-                <a:rPr lang="de-DE" dirty="0" smtClean="0">
-                  <a:solidFill>
-                    <a:schemeClr val="tx1"/>
-                  </a:solidFill>
-                </a:rPr>
-                <a:t>4</a:t>
-              </a:r>
-              <a:endParaRPr lang="de-DE" dirty="0">
-                <a:solidFill>
-                  <a:schemeClr val="tx1"/>
-                </a:solidFill>
-              </a:endParaRPr>
-            </a:p>
-          </p:txBody>
-        </p:sp>
       </p:grpSp>
     </p:spTree>
   </p:cSld>
@@ -15796,6 +15458,2175 @@
                 <a:t>1</a:t>
               </a:r>
               <a:endParaRPr lang="fr-FR" sz="1200" dirty="0">
+                <a:latin typeface="Arial" pitchFamily="34" charset="0"/>
+                <a:cs typeface="Arial" pitchFamily="34" charset="0"/>
+              </a:endParaRPr>
+            </a:p>
+          </p:txBody>
+        </p:sp>
+        <p:cxnSp>
+          <p:nvCxnSpPr>
+            <p:cNvPr id="85" name="Gerade Verbindung 84"/>
+            <p:cNvCxnSpPr/>
+            <p:nvPr/>
+          </p:nvCxnSpPr>
+          <p:spPr>
+            <a:xfrm flipV="1">
+              <a:off x="3223170" y="1475885"/>
+              <a:ext cx="0" cy="72008"/>
+            </a:xfrm>
+            <a:prstGeom prst="line">
+              <a:avLst/>
+            </a:prstGeom>
+            <a:ln>
+              <a:solidFill>
+                <a:schemeClr val="tx1"/>
+              </a:solidFill>
+            </a:ln>
+          </p:spPr>
+          <p:style>
+            <a:lnRef idx="1">
+              <a:schemeClr val="accent1"/>
+            </a:lnRef>
+            <a:fillRef idx="0">
+              <a:schemeClr val="accent1"/>
+            </a:fillRef>
+            <a:effectRef idx="0">
+              <a:schemeClr val="accent1"/>
+            </a:effectRef>
+            <a:fontRef idx="minor">
+              <a:schemeClr val="tx1"/>
+            </a:fontRef>
+          </p:style>
+        </p:cxnSp>
+        <p:cxnSp>
+          <p:nvCxnSpPr>
+            <p:cNvPr id="86" name="Gerade Verbindung 85"/>
+            <p:cNvCxnSpPr/>
+            <p:nvPr/>
+          </p:nvCxnSpPr>
+          <p:spPr>
+            <a:xfrm flipV="1">
+              <a:off x="3337590" y="1527039"/>
+              <a:ext cx="37864" cy="68940"/>
+            </a:xfrm>
+            <a:prstGeom prst="line">
+              <a:avLst/>
+            </a:prstGeom>
+            <a:ln>
+              <a:solidFill>
+                <a:schemeClr val="tx1"/>
+              </a:solidFill>
+            </a:ln>
+          </p:spPr>
+          <p:style>
+            <a:lnRef idx="1">
+              <a:schemeClr val="accent1"/>
+            </a:lnRef>
+            <a:fillRef idx="0">
+              <a:schemeClr val="accent1"/>
+            </a:fillRef>
+            <a:effectRef idx="0">
+              <a:schemeClr val="accent1"/>
+            </a:effectRef>
+            <a:fontRef idx="minor">
+              <a:schemeClr val="tx1"/>
+            </a:fontRef>
+          </p:style>
+        </p:cxnSp>
+        <p:cxnSp>
+          <p:nvCxnSpPr>
+            <p:cNvPr id="87" name="Gerade Verbindung 86"/>
+            <p:cNvCxnSpPr/>
+            <p:nvPr/>
+          </p:nvCxnSpPr>
+          <p:spPr>
+            <a:xfrm flipH="1" flipV="1">
+              <a:off x="3083702" y="1518655"/>
+              <a:ext cx="37864" cy="75076"/>
+            </a:xfrm>
+            <a:prstGeom prst="line">
+              <a:avLst/>
+            </a:prstGeom>
+            <a:ln>
+              <a:solidFill>
+                <a:schemeClr val="tx1"/>
+              </a:solidFill>
+            </a:ln>
+          </p:spPr>
+          <p:style>
+            <a:lnRef idx="1">
+              <a:schemeClr val="accent1"/>
+            </a:lnRef>
+            <a:fillRef idx="0">
+              <a:schemeClr val="accent1"/>
+            </a:fillRef>
+            <a:effectRef idx="0">
+              <a:schemeClr val="accent1"/>
+            </a:effectRef>
+            <a:fontRef idx="minor">
+              <a:schemeClr val="tx1"/>
+            </a:fontRef>
+          </p:style>
+        </p:cxnSp>
+      </p:grpSp>
+    </p:spTree>
+  </p:cSld>
+  <p:clrMapOvr>
+    <a:masterClrMapping/>
+  </p:clrMapOvr>
+  <p:timing>
+    <p:tnLst>
+      <p:par>
+        <p:cTn id="1" dur="indefinite" restart="never" nodeType="tmRoot"/>
+      </p:par>
+    </p:tnLst>
+  </p:timing>
+</p:sld>
+</file>
+
+<file path=ppt/slides/slide6.xml><?xml version="1.0" encoding="utf-8"?>
+<p:sld xmlns:a="http://schemas.openxmlformats.org/drawingml/2006/main" xmlns:r="http://schemas.openxmlformats.org/officeDocument/2006/relationships" xmlns:p="http://schemas.openxmlformats.org/presentationml/2006/main">
+  <p:cSld>
+    <p:spTree>
+      <p:nvGrpSpPr>
+        <p:cNvPr id="1" name=""/>
+        <p:cNvGrpSpPr/>
+        <p:nvPr/>
+      </p:nvGrpSpPr>
+      <p:grpSpPr>
+        <a:xfrm>
+          <a:off x="0" y="0"/>
+          <a:ext cx="0" cy="0"/>
+          <a:chOff x="0" y="0"/>
+          <a:chExt cx="0" cy="0"/>
+        </a:xfrm>
+      </p:grpSpPr>
+      <p:cxnSp>
+        <p:nvCxnSpPr>
+          <p:cNvPr id="36" name="Gerade Verbindung 35"/>
+          <p:cNvCxnSpPr/>
+          <p:nvPr/>
+        </p:nvCxnSpPr>
+        <p:spPr>
+          <a:xfrm>
+            <a:off x="611560" y="3861048"/>
+            <a:ext cx="5616624" cy="0"/>
+          </a:xfrm>
+          <a:prstGeom prst="line">
+            <a:avLst/>
+          </a:prstGeom>
+          <a:ln w="19050">
+            <a:solidFill>
+              <a:schemeClr val="tx1"/>
+            </a:solidFill>
+          </a:ln>
+        </p:spPr>
+        <p:style>
+          <a:lnRef idx="1">
+            <a:schemeClr val="accent1"/>
+          </a:lnRef>
+          <a:fillRef idx="0">
+            <a:schemeClr val="accent1"/>
+          </a:fillRef>
+          <a:effectRef idx="0">
+            <a:schemeClr val="accent1"/>
+          </a:effectRef>
+          <a:fontRef idx="minor">
+            <a:schemeClr val="tx1"/>
+          </a:fontRef>
+        </p:style>
+      </p:cxnSp>
+      <p:cxnSp>
+        <p:nvCxnSpPr>
+          <p:cNvPr id="37" name="Gerade Verbindung 36"/>
+          <p:cNvCxnSpPr/>
+          <p:nvPr/>
+        </p:nvCxnSpPr>
+        <p:spPr>
+          <a:xfrm>
+            <a:off x="539552" y="4653136"/>
+            <a:ext cx="5688632" cy="0"/>
+          </a:xfrm>
+          <a:prstGeom prst="line">
+            <a:avLst/>
+          </a:prstGeom>
+          <a:ln w="19050">
+            <a:solidFill>
+              <a:schemeClr val="tx1"/>
+            </a:solidFill>
+          </a:ln>
+        </p:spPr>
+        <p:style>
+          <a:lnRef idx="1">
+            <a:schemeClr val="accent1"/>
+          </a:lnRef>
+          <a:fillRef idx="0">
+            <a:schemeClr val="accent1"/>
+          </a:fillRef>
+          <a:effectRef idx="0">
+            <a:schemeClr val="accent1"/>
+          </a:effectRef>
+          <a:fontRef idx="minor">
+            <a:schemeClr val="tx1"/>
+          </a:fontRef>
+        </p:style>
+      </p:cxnSp>
+      <p:sp>
+        <p:nvSpPr>
+          <p:cNvPr id="38" name="Rechteck 37"/>
+          <p:cNvSpPr/>
+          <p:nvPr/>
+        </p:nvSpPr>
+        <p:spPr>
+          <a:xfrm>
+            <a:off x="179512" y="3577498"/>
+            <a:ext cx="576064" cy="571582"/>
+          </a:xfrm>
+          <a:prstGeom prst="rect">
+            <a:avLst/>
+          </a:prstGeom>
+          <a:solidFill>
+            <a:schemeClr val="bg1"/>
+          </a:solidFill>
+          <a:ln>
+            <a:solidFill>
+              <a:schemeClr val="tx1"/>
+            </a:solidFill>
+          </a:ln>
+        </p:spPr>
+        <p:style>
+          <a:lnRef idx="2">
+            <a:schemeClr val="accent1">
+              <a:shade val="50000"/>
+            </a:schemeClr>
+          </a:lnRef>
+          <a:fillRef idx="1">
+            <a:schemeClr val="accent1"/>
+          </a:fillRef>
+          <a:effectRef idx="0">
+            <a:schemeClr val="accent1"/>
+          </a:effectRef>
+          <a:fontRef idx="minor">
+            <a:schemeClr val="lt1"/>
+          </a:fontRef>
+        </p:style>
+        <p:txBody>
+          <a:bodyPr rtlCol="0" anchor="ctr"/>
+          <a:lstStyle/>
+          <a:p>
+            <a:pPr algn="ctr"/>
+            <a:r>
+              <a:rPr lang="de-DE" sz="1400" dirty="0" smtClean="0">
+                <a:solidFill>
+                  <a:schemeClr val="tx1"/>
+                </a:solidFill>
+                <a:latin typeface="Arial" pitchFamily="34" charset="0"/>
+                <a:cs typeface="Arial" pitchFamily="34" charset="0"/>
+              </a:rPr>
+              <a:t>|0&gt;</a:t>
+            </a:r>
+            <a:endParaRPr lang="de-DE" sz="1400" dirty="0">
+              <a:solidFill>
+                <a:schemeClr val="tx1"/>
+              </a:solidFill>
+              <a:latin typeface="Arial" pitchFamily="34" charset="0"/>
+              <a:cs typeface="Arial" pitchFamily="34" charset="0"/>
+            </a:endParaRPr>
+          </a:p>
+        </p:txBody>
+      </p:sp>
+      <p:sp>
+        <p:nvSpPr>
+          <p:cNvPr id="39" name="Rechteck 38"/>
+          <p:cNvSpPr/>
+          <p:nvPr/>
+        </p:nvSpPr>
+        <p:spPr>
+          <a:xfrm>
+            <a:off x="179512" y="4365104"/>
+            <a:ext cx="576064" cy="576064"/>
+          </a:xfrm>
+          <a:prstGeom prst="rect">
+            <a:avLst/>
+          </a:prstGeom>
+          <a:solidFill>
+            <a:schemeClr val="bg1"/>
+          </a:solidFill>
+          <a:ln>
+            <a:solidFill>
+              <a:schemeClr val="tx1"/>
+            </a:solidFill>
+          </a:ln>
+        </p:spPr>
+        <p:style>
+          <a:lnRef idx="2">
+            <a:schemeClr val="accent1">
+              <a:shade val="50000"/>
+            </a:schemeClr>
+          </a:lnRef>
+          <a:fillRef idx="1">
+            <a:schemeClr val="accent1"/>
+          </a:fillRef>
+          <a:effectRef idx="0">
+            <a:schemeClr val="accent1"/>
+          </a:effectRef>
+          <a:fontRef idx="minor">
+            <a:schemeClr val="lt1"/>
+          </a:fontRef>
+        </p:style>
+        <p:txBody>
+          <a:bodyPr rtlCol="0" anchor="ctr"/>
+          <a:lstStyle/>
+          <a:p>
+            <a:pPr algn="ctr"/>
+            <a:r>
+              <a:rPr lang="de-DE" sz="1400" dirty="0" smtClean="0">
+                <a:solidFill>
+                  <a:schemeClr val="tx1"/>
+                </a:solidFill>
+                <a:latin typeface="Arial" pitchFamily="34" charset="0"/>
+                <a:cs typeface="Arial" pitchFamily="34" charset="0"/>
+              </a:rPr>
+              <a:t>|0&gt;</a:t>
+            </a:r>
+            <a:endParaRPr lang="de-DE" sz="1400" dirty="0">
+              <a:solidFill>
+                <a:schemeClr val="tx1"/>
+              </a:solidFill>
+              <a:latin typeface="Arial" pitchFamily="34" charset="0"/>
+              <a:cs typeface="Arial" pitchFamily="34" charset="0"/>
+            </a:endParaRPr>
+          </a:p>
+        </p:txBody>
+      </p:sp>
+      <p:sp>
+        <p:nvSpPr>
+          <p:cNvPr id="40" name="Rechteck 39"/>
+          <p:cNvSpPr/>
+          <p:nvPr/>
+        </p:nvSpPr>
+        <p:spPr>
+          <a:xfrm>
+            <a:off x="909951" y="3573016"/>
+            <a:ext cx="637713" cy="571582"/>
+          </a:xfrm>
+          <a:prstGeom prst="rect">
+            <a:avLst/>
+          </a:prstGeom>
+          <a:solidFill>
+            <a:schemeClr val="bg1"/>
+          </a:solidFill>
+          <a:ln>
+            <a:solidFill>
+              <a:schemeClr val="tx1"/>
+            </a:solidFill>
+          </a:ln>
+        </p:spPr>
+        <p:style>
+          <a:lnRef idx="2">
+            <a:schemeClr val="accent1">
+              <a:shade val="50000"/>
+            </a:schemeClr>
+          </a:lnRef>
+          <a:fillRef idx="1">
+            <a:schemeClr val="accent1"/>
+          </a:fillRef>
+          <a:effectRef idx="0">
+            <a:schemeClr val="accent1"/>
+          </a:effectRef>
+          <a:fontRef idx="minor">
+            <a:schemeClr val="lt1"/>
+          </a:fontRef>
+        </p:style>
+        <p:txBody>
+          <a:bodyPr rtlCol="0" anchor="ctr"/>
+          <a:lstStyle/>
+          <a:p>
+            <a:pPr algn="ctr"/>
+            <a:r>
+              <a:rPr lang="el-GR" sz="1400" dirty="0" smtClean="0">
+                <a:solidFill>
+                  <a:schemeClr val="tx1"/>
+                </a:solidFill>
+                <a:latin typeface="Arial" pitchFamily="34" charset="0"/>
+                <a:cs typeface="Arial" pitchFamily="34" charset="0"/>
+              </a:rPr>
+              <a:t>ϕ</a:t>
+            </a:r>
+            <a:r>
+              <a:rPr lang="de-DE" sz="1400" baseline="30000" dirty="0" smtClean="0">
+                <a:solidFill>
+                  <a:schemeClr val="tx1"/>
+                </a:solidFill>
+                <a:latin typeface="Arial" pitchFamily="34" charset="0"/>
+                <a:cs typeface="Arial" pitchFamily="34" charset="0"/>
+              </a:rPr>
+              <a:t>1</a:t>
+            </a:r>
+            <a:r>
+              <a:rPr lang="el-GR" sz="1400" baseline="-25000" dirty="0" smtClean="0">
+                <a:solidFill>
+                  <a:schemeClr val="tx1"/>
+                </a:solidFill>
+                <a:latin typeface="Arial" pitchFamily="34" charset="0"/>
+                <a:cs typeface="Arial" pitchFamily="34" charset="0"/>
+              </a:rPr>
+              <a:t>α</a:t>
+            </a:r>
+            <a:r>
+              <a:rPr lang="de-DE" sz="1400" baseline="-25000" dirty="0" smtClean="0">
+                <a:solidFill>
+                  <a:schemeClr val="tx1"/>
+                </a:solidFill>
+                <a:latin typeface="Arial" pitchFamily="34" charset="0"/>
+                <a:cs typeface="Arial" pitchFamily="34" charset="0"/>
+              </a:rPr>
+              <a:t>1</a:t>
+            </a:r>
+            <a:endParaRPr lang="de-DE" sz="1400" baseline="-25000" dirty="0">
+              <a:solidFill>
+                <a:schemeClr val="tx1"/>
+              </a:solidFill>
+              <a:latin typeface="Arial" pitchFamily="34" charset="0"/>
+              <a:cs typeface="Arial" pitchFamily="34" charset="0"/>
+            </a:endParaRPr>
+          </a:p>
+        </p:txBody>
+      </p:sp>
+      <p:sp>
+        <p:nvSpPr>
+          <p:cNvPr id="41" name="Rechteck 40"/>
+          <p:cNvSpPr/>
+          <p:nvPr/>
+        </p:nvSpPr>
+        <p:spPr>
+          <a:xfrm>
+            <a:off x="899593" y="4365104"/>
+            <a:ext cx="648072" cy="571582"/>
+          </a:xfrm>
+          <a:prstGeom prst="rect">
+            <a:avLst/>
+          </a:prstGeom>
+          <a:solidFill>
+            <a:schemeClr val="bg1"/>
+          </a:solidFill>
+          <a:ln>
+            <a:solidFill>
+              <a:schemeClr val="tx1"/>
+            </a:solidFill>
+          </a:ln>
+        </p:spPr>
+        <p:style>
+          <a:lnRef idx="2">
+            <a:schemeClr val="accent1">
+              <a:shade val="50000"/>
+            </a:schemeClr>
+          </a:lnRef>
+          <a:fillRef idx="1">
+            <a:schemeClr val="accent1"/>
+          </a:fillRef>
+          <a:effectRef idx="0">
+            <a:schemeClr val="accent1"/>
+          </a:effectRef>
+          <a:fontRef idx="minor">
+            <a:schemeClr val="lt1"/>
+          </a:fontRef>
+        </p:style>
+        <p:txBody>
+          <a:bodyPr rtlCol="0" anchor="ctr"/>
+          <a:lstStyle/>
+          <a:p>
+            <a:pPr algn="ctr"/>
+            <a:r>
+              <a:rPr lang="el-GR" sz="1400" dirty="0" smtClean="0">
+                <a:solidFill>
+                  <a:schemeClr val="tx1"/>
+                </a:solidFill>
+                <a:latin typeface="Arial" pitchFamily="34" charset="0"/>
+                <a:cs typeface="Arial" pitchFamily="34" charset="0"/>
+              </a:rPr>
+              <a:t>ϕ</a:t>
+            </a:r>
+            <a:r>
+              <a:rPr lang="de-DE" sz="1400" baseline="30000" dirty="0" smtClean="0">
+                <a:solidFill>
+                  <a:schemeClr val="tx1"/>
+                </a:solidFill>
+                <a:latin typeface="Arial" pitchFamily="34" charset="0"/>
+                <a:cs typeface="Arial" pitchFamily="34" charset="0"/>
+              </a:rPr>
+              <a:t>2</a:t>
+            </a:r>
+            <a:r>
+              <a:rPr lang="el-GR" sz="1400" baseline="-25000" dirty="0" smtClean="0">
+                <a:solidFill>
+                  <a:schemeClr val="tx1"/>
+                </a:solidFill>
+                <a:latin typeface="Arial" pitchFamily="34" charset="0"/>
+                <a:cs typeface="Arial" pitchFamily="34" charset="0"/>
+              </a:rPr>
+              <a:t>α</a:t>
+            </a:r>
+            <a:r>
+              <a:rPr lang="de-DE" sz="1400" baseline="-25000" dirty="0" smtClean="0">
+                <a:solidFill>
+                  <a:schemeClr val="tx1"/>
+                </a:solidFill>
+                <a:latin typeface="Arial" pitchFamily="34" charset="0"/>
+                <a:cs typeface="Arial" pitchFamily="34" charset="0"/>
+              </a:rPr>
+              <a:t>2</a:t>
+            </a:r>
+            <a:endParaRPr lang="de-DE" sz="1400" baseline="-25000" dirty="0">
+              <a:solidFill>
+                <a:schemeClr val="tx1"/>
+              </a:solidFill>
+              <a:latin typeface="Arial" pitchFamily="34" charset="0"/>
+              <a:cs typeface="Arial" pitchFamily="34" charset="0"/>
+            </a:endParaRPr>
+          </a:p>
+        </p:txBody>
+      </p:sp>
+      <p:sp>
+        <p:nvSpPr>
+          <p:cNvPr id="42" name="Rechteck 41"/>
+          <p:cNvSpPr/>
+          <p:nvPr/>
+        </p:nvSpPr>
+        <p:spPr>
+          <a:xfrm>
+            <a:off x="1763688" y="3573016"/>
+            <a:ext cx="936104" cy="1368152"/>
+          </a:xfrm>
+          <a:prstGeom prst="rect">
+            <a:avLst/>
+          </a:prstGeom>
+          <a:solidFill>
+            <a:schemeClr val="bg1"/>
+          </a:solidFill>
+          <a:ln>
+            <a:solidFill>
+              <a:schemeClr val="tx1"/>
+            </a:solidFill>
+          </a:ln>
+        </p:spPr>
+        <p:style>
+          <a:lnRef idx="2">
+            <a:schemeClr val="accent1">
+              <a:shade val="50000"/>
+            </a:schemeClr>
+          </a:lnRef>
+          <a:fillRef idx="1">
+            <a:schemeClr val="accent1"/>
+          </a:fillRef>
+          <a:effectRef idx="0">
+            <a:schemeClr val="accent1"/>
+          </a:effectRef>
+          <a:fontRef idx="minor">
+            <a:schemeClr val="lt1"/>
+          </a:fontRef>
+        </p:style>
+        <p:txBody>
+          <a:bodyPr vert="vert270" rtlCol="0" anchor="ctr"/>
+          <a:lstStyle/>
+          <a:p>
+            <a:pPr algn="ctr"/>
+            <a:r>
+              <a:rPr lang="de-DE" sz="1400" dirty="0" err="1" smtClean="0">
+                <a:solidFill>
+                  <a:schemeClr val="tx1"/>
+                </a:solidFill>
+                <a:latin typeface="Arial" pitchFamily="34" charset="0"/>
+                <a:cs typeface="Arial" pitchFamily="34" charset="0"/>
+              </a:rPr>
+              <a:t>iSWAP</a:t>
+            </a:r>
+            <a:r>
+              <a:rPr lang="de-DE" sz="1400" dirty="0" smtClean="0">
+                <a:solidFill>
+                  <a:schemeClr val="tx1"/>
+                </a:solidFill>
+                <a:latin typeface="Arial" pitchFamily="34" charset="0"/>
+                <a:cs typeface="Arial" pitchFamily="34" charset="0"/>
+              </a:rPr>
+              <a:t>(</a:t>
+            </a:r>
+            <a:r>
+              <a:rPr lang="el-GR" sz="1400" dirty="0" smtClean="0">
+                <a:solidFill>
+                  <a:schemeClr val="tx1"/>
+                </a:solidFill>
+                <a:latin typeface="Arial" pitchFamily="34" charset="0"/>
+                <a:cs typeface="Arial" pitchFamily="34" charset="0"/>
+              </a:rPr>
+              <a:t>ε</a:t>
+            </a:r>
+            <a:r>
+              <a:rPr lang="de-DE" sz="1400" baseline="-25000" dirty="0" smtClean="0">
+                <a:solidFill>
+                  <a:schemeClr val="tx1"/>
+                </a:solidFill>
+                <a:latin typeface="Arial" pitchFamily="34" charset="0"/>
+                <a:cs typeface="Arial" pitchFamily="34" charset="0"/>
+              </a:rPr>
+              <a:t>1</a:t>
+            </a:r>
+            <a:r>
+              <a:rPr lang="de-DE" sz="1400" dirty="0" smtClean="0">
+                <a:solidFill>
+                  <a:schemeClr val="tx1"/>
+                </a:solidFill>
+                <a:latin typeface="Arial" pitchFamily="34" charset="0"/>
+                <a:cs typeface="Arial" pitchFamily="34" charset="0"/>
+              </a:rPr>
+              <a:t>,</a:t>
+            </a:r>
+            <a:r>
+              <a:rPr lang="el-GR" sz="1400" dirty="0" smtClean="0">
+                <a:solidFill>
+                  <a:schemeClr val="tx1"/>
+                </a:solidFill>
+                <a:latin typeface="Arial" pitchFamily="34" charset="0"/>
+                <a:cs typeface="Arial" pitchFamily="34" charset="0"/>
+              </a:rPr>
+              <a:t>δ</a:t>
+            </a:r>
+            <a:r>
+              <a:rPr lang="de-DE" sz="1400" baseline="-25000" dirty="0" smtClean="0">
+                <a:solidFill>
+                  <a:schemeClr val="tx1"/>
+                </a:solidFill>
+                <a:latin typeface="Arial" pitchFamily="34" charset="0"/>
+                <a:cs typeface="Arial" pitchFamily="34" charset="0"/>
+              </a:rPr>
+              <a:t>1</a:t>
+            </a:r>
+            <a:r>
+              <a:rPr lang="de-DE" sz="1400" dirty="0" smtClean="0">
+                <a:solidFill>
+                  <a:schemeClr val="tx1"/>
+                </a:solidFill>
+                <a:latin typeface="Arial" pitchFamily="34" charset="0"/>
+                <a:cs typeface="Arial" pitchFamily="34" charset="0"/>
+              </a:rPr>
+              <a:t>)</a:t>
+            </a:r>
+            <a:endParaRPr lang="de-DE" sz="1400" dirty="0">
+              <a:solidFill>
+                <a:schemeClr val="tx1"/>
+              </a:solidFill>
+              <a:latin typeface="Arial" pitchFamily="34" charset="0"/>
+              <a:cs typeface="Arial" pitchFamily="34" charset="0"/>
+            </a:endParaRPr>
+          </a:p>
+        </p:txBody>
+      </p:sp>
+      <p:sp>
+        <p:nvSpPr>
+          <p:cNvPr id="43" name="Rechteck 42"/>
+          <p:cNvSpPr/>
+          <p:nvPr/>
+        </p:nvSpPr>
+        <p:spPr>
+          <a:xfrm>
+            <a:off x="2915816" y="3573016"/>
+            <a:ext cx="648072" cy="571582"/>
+          </a:xfrm>
+          <a:prstGeom prst="rect">
+            <a:avLst/>
+          </a:prstGeom>
+          <a:solidFill>
+            <a:schemeClr val="bg1"/>
+          </a:solidFill>
+          <a:ln>
+            <a:solidFill>
+              <a:schemeClr val="tx1"/>
+            </a:solidFill>
+          </a:ln>
+        </p:spPr>
+        <p:style>
+          <a:lnRef idx="2">
+            <a:schemeClr val="accent1">
+              <a:shade val="50000"/>
+            </a:schemeClr>
+          </a:lnRef>
+          <a:fillRef idx="1">
+            <a:schemeClr val="accent1"/>
+          </a:fillRef>
+          <a:effectRef idx="0">
+            <a:schemeClr val="accent1"/>
+          </a:effectRef>
+          <a:fontRef idx="minor">
+            <a:schemeClr val="lt1"/>
+          </a:fontRef>
+        </p:style>
+        <p:txBody>
+          <a:bodyPr rtlCol="0" anchor="ctr"/>
+          <a:lstStyle/>
+          <a:p>
+            <a:pPr algn="ctr"/>
+            <a:r>
+              <a:rPr lang="de-DE" sz="1400" dirty="0" smtClean="0">
+                <a:solidFill>
+                  <a:schemeClr val="tx1"/>
+                </a:solidFill>
+                <a:latin typeface="Arial" pitchFamily="34" charset="0"/>
+                <a:cs typeface="Arial" pitchFamily="34" charset="0"/>
+              </a:rPr>
+              <a:t>Z</a:t>
+            </a:r>
+            <a:r>
+              <a:rPr lang="el-GR" sz="1400" baseline="-25000" dirty="0" smtClean="0">
+                <a:solidFill>
+                  <a:schemeClr val="tx1"/>
+                </a:solidFill>
+                <a:latin typeface="Arial" pitchFamily="34" charset="0"/>
+                <a:cs typeface="Arial" pitchFamily="34" charset="0"/>
+              </a:rPr>
+              <a:t>β</a:t>
+            </a:r>
+            <a:r>
+              <a:rPr lang="de-DE" sz="1400" baseline="-25000" dirty="0" smtClean="0">
+                <a:solidFill>
+                  <a:schemeClr val="tx1"/>
+                </a:solidFill>
+                <a:latin typeface="Arial" pitchFamily="34" charset="0"/>
+                <a:cs typeface="Arial" pitchFamily="34" charset="0"/>
+              </a:rPr>
+              <a:t>1</a:t>
+            </a:r>
+            <a:endParaRPr lang="de-DE" sz="1400" baseline="-25000" dirty="0">
+              <a:solidFill>
+                <a:schemeClr val="tx1"/>
+              </a:solidFill>
+              <a:latin typeface="Arial" pitchFamily="34" charset="0"/>
+              <a:cs typeface="Arial" pitchFamily="34" charset="0"/>
+            </a:endParaRPr>
+          </a:p>
+        </p:txBody>
+      </p:sp>
+      <p:sp>
+        <p:nvSpPr>
+          <p:cNvPr id="44" name="Rechteck 43"/>
+          <p:cNvSpPr/>
+          <p:nvPr/>
+        </p:nvSpPr>
+        <p:spPr>
+          <a:xfrm>
+            <a:off x="2915816" y="4365104"/>
+            <a:ext cx="648072" cy="571582"/>
+          </a:xfrm>
+          <a:prstGeom prst="rect">
+            <a:avLst/>
+          </a:prstGeom>
+          <a:solidFill>
+            <a:schemeClr val="bg1"/>
+          </a:solidFill>
+          <a:ln>
+            <a:solidFill>
+              <a:schemeClr val="tx1"/>
+            </a:solidFill>
+          </a:ln>
+        </p:spPr>
+        <p:style>
+          <a:lnRef idx="2">
+            <a:schemeClr val="accent1">
+              <a:shade val="50000"/>
+            </a:schemeClr>
+          </a:lnRef>
+          <a:fillRef idx="1">
+            <a:schemeClr val="accent1"/>
+          </a:fillRef>
+          <a:effectRef idx="0">
+            <a:schemeClr val="accent1"/>
+          </a:effectRef>
+          <a:fontRef idx="minor">
+            <a:schemeClr val="lt1"/>
+          </a:fontRef>
+        </p:style>
+        <p:txBody>
+          <a:bodyPr rtlCol="0" anchor="ctr"/>
+          <a:lstStyle/>
+          <a:p>
+            <a:pPr algn="ctr"/>
+            <a:r>
+              <a:rPr lang="de-DE" sz="1400" dirty="0" smtClean="0">
+                <a:solidFill>
+                  <a:schemeClr val="tx1"/>
+                </a:solidFill>
+                <a:latin typeface="Arial" pitchFamily="34" charset="0"/>
+                <a:cs typeface="Arial" pitchFamily="34" charset="0"/>
+              </a:rPr>
+              <a:t>Z</a:t>
+            </a:r>
+            <a:r>
+              <a:rPr lang="el-GR" sz="1400" baseline="-25000" dirty="0" smtClean="0">
+                <a:solidFill>
+                  <a:schemeClr val="tx1"/>
+                </a:solidFill>
+                <a:latin typeface="Arial" pitchFamily="34" charset="0"/>
+                <a:cs typeface="Arial" pitchFamily="34" charset="0"/>
+              </a:rPr>
+              <a:t>β</a:t>
+            </a:r>
+            <a:r>
+              <a:rPr lang="de-DE" sz="1400" baseline="-25000" dirty="0" smtClean="0">
+                <a:solidFill>
+                  <a:schemeClr val="tx1"/>
+                </a:solidFill>
+                <a:latin typeface="Arial" pitchFamily="34" charset="0"/>
+                <a:cs typeface="Arial" pitchFamily="34" charset="0"/>
+              </a:rPr>
+              <a:t>2</a:t>
+            </a:r>
+            <a:endParaRPr lang="de-DE" sz="1400" baseline="-25000" dirty="0">
+              <a:solidFill>
+                <a:schemeClr val="tx1"/>
+              </a:solidFill>
+              <a:latin typeface="Arial" pitchFamily="34" charset="0"/>
+              <a:cs typeface="Arial" pitchFamily="34" charset="0"/>
+            </a:endParaRPr>
+          </a:p>
+        </p:txBody>
+      </p:sp>
+      <p:sp>
+        <p:nvSpPr>
+          <p:cNvPr id="45" name="Rechteck 44"/>
+          <p:cNvSpPr/>
+          <p:nvPr/>
+        </p:nvSpPr>
+        <p:spPr>
+          <a:xfrm>
+            <a:off x="3995936" y="3573016"/>
+            <a:ext cx="936104" cy="1368152"/>
+          </a:xfrm>
+          <a:prstGeom prst="rect">
+            <a:avLst/>
+          </a:prstGeom>
+          <a:solidFill>
+            <a:schemeClr val="bg1"/>
+          </a:solidFill>
+          <a:ln>
+            <a:solidFill>
+              <a:schemeClr val="tx1"/>
+            </a:solidFill>
+          </a:ln>
+        </p:spPr>
+        <p:style>
+          <a:lnRef idx="2">
+            <a:schemeClr val="accent1">
+              <a:shade val="50000"/>
+            </a:schemeClr>
+          </a:lnRef>
+          <a:fillRef idx="1">
+            <a:schemeClr val="accent1"/>
+          </a:fillRef>
+          <a:effectRef idx="0">
+            <a:schemeClr val="accent1"/>
+          </a:effectRef>
+          <a:fontRef idx="minor">
+            <a:schemeClr val="lt1"/>
+          </a:fontRef>
+        </p:style>
+        <p:txBody>
+          <a:bodyPr vert="vert270" rtlCol="0" anchor="ctr"/>
+          <a:lstStyle/>
+          <a:p>
+            <a:pPr algn="ctr"/>
+            <a:r>
+              <a:rPr lang="de-DE" sz="1400" dirty="0" err="1" smtClean="0">
+                <a:solidFill>
+                  <a:schemeClr val="tx1"/>
+                </a:solidFill>
+                <a:latin typeface="Arial" pitchFamily="34" charset="0"/>
+                <a:cs typeface="Arial" pitchFamily="34" charset="0"/>
+              </a:rPr>
+              <a:t>iSWAP</a:t>
+            </a:r>
+            <a:r>
+              <a:rPr lang="de-DE" sz="1400" dirty="0" smtClean="0">
+                <a:solidFill>
+                  <a:schemeClr val="tx1"/>
+                </a:solidFill>
+                <a:latin typeface="Arial" pitchFamily="34" charset="0"/>
+                <a:cs typeface="Arial" pitchFamily="34" charset="0"/>
+              </a:rPr>
+              <a:t>(</a:t>
+            </a:r>
+            <a:r>
+              <a:rPr lang="el-GR" sz="1400" dirty="0" smtClean="0">
+                <a:solidFill>
+                  <a:schemeClr val="tx1"/>
+                </a:solidFill>
+                <a:latin typeface="Arial" pitchFamily="34" charset="0"/>
+                <a:cs typeface="Arial" pitchFamily="34" charset="0"/>
+              </a:rPr>
+              <a:t>ε</a:t>
+            </a:r>
+            <a:r>
+              <a:rPr lang="de-DE" sz="1400" baseline="-25000" dirty="0" smtClean="0">
+                <a:solidFill>
+                  <a:schemeClr val="tx1"/>
+                </a:solidFill>
+                <a:latin typeface="Arial" pitchFamily="34" charset="0"/>
+                <a:cs typeface="Arial" pitchFamily="34" charset="0"/>
+              </a:rPr>
+              <a:t>2</a:t>
+            </a:r>
+            <a:r>
+              <a:rPr lang="de-DE" sz="1400" dirty="0" smtClean="0">
+                <a:solidFill>
+                  <a:schemeClr val="tx1"/>
+                </a:solidFill>
+                <a:latin typeface="Arial" pitchFamily="34" charset="0"/>
+                <a:cs typeface="Arial" pitchFamily="34" charset="0"/>
+              </a:rPr>
+              <a:t>,</a:t>
+            </a:r>
+            <a:r>
+              <a:rPr lang="el-GR" sz="1400" dirty="0" smtClean="0">
+                <a:solidFill>
+                  <a:schemeClr val="tx1"/>
+                </a:solidFill>
+                <a:latin typeface="Arial" pitchFamily="34" charset="0"/>
+                <a:cs typeface="Arial" pitchFamily="34" charset="0"/>
+              </a:rPr>
+              <a:t>δ</a:t>
+            </a:r>
+            <a:r>
+              <a:rPr lang="de-DE" sz="1400" baseline="-25000" dirty="0" smtClean="0">
+                <a:solidFill>
+                  <a:schemeClr val="tx1"/>
+                </a:solidFill>
+                <a:latin typeface="Arial" pitchFamily="34" charset="0"/>
+                <a:cs typeface="Arial" pitchFamily="34" charset="0"/>
+              </a:rPr>
+              <a:t>2</a:t>
+            </a:r>
+            <a:r>
+              <a:rPr lang="de-DE" sz="1400" dirty="0" smtClean="0">
+                <a:solidFill>
+                  <a:schemeClr val="tx1"/>
+                </a:solidFill>
+                <a:latin typeface="Arial" pitchFamily="34" charset="0"/>
+                <a:cs typeface="Arial" pitchFamily="34" charset="0"/>
+              </a:rPr>
+              <a:t>)</a:t>
+            </a:r>
+            <a:endParaRPr lang="de-DE" sz="1400" dirty="0">
+              <a:solidFill>
+                <a:schemeClr val="tx1"/>
+              </a:solidFill>
+              <a:latin typeface="Arial" pitchFamily="34" charset="0"/>
+              <a:cs typeface="Arial" pitchFamily="34" charset="0"/>
+            </a:endParaRPr>
+          </a:p>
+        </p:txBody>
+      </p:sp>
+      <p:sp>
+        <p:nvSpPr>
+          <p:cNvPr id="46" name="Rechteck 45"/>
+          <p:cNvSpPr/>
+          <p:nvPr/>
+        </p:nvSpPr>
+        <p:spPr>
+          <a:xfrm>
+            <a:off x="5076056" y="3573016"/>
+            <a:ext cx="648072" cy="571582"/>
+          </a:xfrm>
+          <a:prstGeom prst="rect">
+            <a:avLst/>
+          </a:prstGeom>
+          <a:solidFill>
+            <a:schemeClr val="bg1"/>
+          </a:solidFill>
+          <a:ln>
+            <a:solidFill>
+              <a:schemeClr val="tx1"/>
+            </a:solidFill>
+          </a:ln>
+        </p:spPr>
+        <p:style>
+          <a:lnRef idx="2">
+            <a:schemeClr val="accent1">
+              <a:shade val="50000"/>
+            </a:schemeClr>
+          </a:lnRef>
+          <a:fillRef idx="1">
+            <a:schemeClr val="accent1"/>
+          </a:fillRef>
+          <a:effectRef idx="0">
+            <a:schemeClr val="accent1"/>
+          </a:effectRef>
+          <a:fontRef idx="minor">
+            <a:schemeClr val="lt1"/>
+          </a:fontRef>
+        </p:style>
+        <p:txBody>
+          <a:bodyPr rtlCol="0" anchor="ctr"/>
+          <a:lstStyle/>
+          <a:p>
+            <a:pPr algn="ctr"/>
+            <a:r>
+              <a:rPr lang="el-GR" sz="1400" dirty="0" smtClean="0">
+                <a:solidFill>
+                  <a:schemeClr val="tx1"/>
+                </a:solidFill>
+                <a:latin typeface="Arial" pitchFamily="34" charset="0"/>
+                <a:cs typeface="Arial" pitchFamily="34" charset="0"/>
+              </a:rPr>
+              <a:t>φ</a:t>
+            </a:r>
+            <a:r>
+              <a:rPr lang="de-DE" sz="1400" baseline="30000" dirty="0" smtClean="0">
+                <a:solidFill>
+                  <a:schemeClr val="tx1"/>
+                </a:solidFill>
+                <a:latin typeface="Arial" pitchFamily="34" charset="0"/>
+                <a:cs typeface="Arial" pitchFamily="34" charset="0"/>
+              </a:rPr>
+              <a:t>1</a:t>
+            </a:r>
+            <a:r>
+              <a:rPr lang="el-GR" sz="1400" baseline="-25000" dirty="0" smtClean="0">
+                <a:solidFill>
+                  <a:schemeClr val="tx1"/>
+                </a:solidFill>
+                <a:latin typeface="Arial" pitchFamily="34" charset="0"/>
+                <a:cs typeface="Arial" pitchFamily="34" charset="0"/>
+              </a:rPr>
+              <a:t>γ</a:t>
+            </a:r>
+            <a:r>
+              <a:rPr lang="de-DE" sz="1400" baseline="-25000" dirty="0" smtClean="0">
+                <a:solidFill>
+                  <a:schemeClr val="tx1"/>
+                </a:solidFill>
+                <a:latin typeface="Arial" pitchFamily="34" charset="0"/>
+                <a:cs typeface="Arial" pitchFamily="34" charset="0"/>
+              </a:rPr>
+              <a:t>1</a:t>
+            </a:r>
+            <a:endParaRPr lang="de-DE" sz="1400" dirty="0">
+              <a:solidFill>
+                <a:schemeClr val="tx1"/>
+              </a:solidFill>
+              <a:latin typeface="Arial" pitchFamily="34" charset="0"/>
+              <a:cs typeface="Arial" pitchFamily="34" charset="0"/>
+            </a:endParaRPr>
+          </a:p>
+        </p:txBody>
+      </p:sp>
+      <p:sp>
+        <p:nvSpPr>
+          <p:cNvPr id="47" name="Rechteck 46"/>
+          <p:cNvSpPr/>
+          <p:nvPr/>
+        </p:nvSpPr>
+        <p:spPr>
+          <a:xfrm>
+            <a:off x="5076056" y="4365104"/>
+            <a:ext cx="648072" cy="571582"/>
+          </a:xfrm>
+          <a:prstGeom prst="rect">
+            <a:avLst/>
+          </a:prstGeom>
+          <a:solidFill>
+            <a:schemeClr val="bg1"/>
+          </a:solidFill>
+          <a:ln>
+            <a:solidFill>
+              <a:schemeClr val="tx1"/>
+            </a:solidFill>
+          </a:ln>
+        </p:spPr>
+        <p:style>
+          <a:lnRef idx="2">
+            <a:schemeClr val="accent1">
+              <a:shade val="50000"/>
+            </a:schemeClr>
+          </a:lnRef>
+          <a:fillRef idx="1">
+            <a:schemeClr val="accent1"/>
+          </a:fillRef>
+          <a:effectRef idx="0">
+            <a:schemeClr val="accent1"/>
+          </a:effectRef>
+          <a:fontRef idx="minor">
+            <a:schemeClr val="lt1"/>
+          </a:fontRef>
+        </p:style>
+        <p:txBody>
+          <a:bodyPr rtlCol="0" anchor="ctr"/>
+          <a:lstStyle/>
+          <a:p>
+            <a:pPr algn="ctr"/>
+            <a:r>
+              <a:rPr lang="el-GR" sz="1400" dirty="0" smtClean="0">
+                <a:solidFill>
+                  <a:schemeClr val="tx1"/>
+                </a:solidFill>
+                <a:latin typeface="Arial" pitchFamily="34" charset="0"/>
+                <a:cs typeface="Arial" pitchFamily="34" charset="0"/>
+              </a:rPr>
+              <a:t>φ</a:t>
+            </a:r>
+            <a:r>
+              <a:rPr lang="de-DE" sz="1400" baseline="30000" dirty="0" smtClean="0">
+                <a:solidFill>
+                  <a:schemeClr val="tx1"/>
+                </a:solidFill>
+                <a:latin typeface="Arial" pitchFamily="34" charset="0"/>
+                <a:cs typeface="Arial" pitchFamily="34" charset="0"/>
+              </a:rPr>
+              <a:t>2</a:t>
+            </a:r>
+            <a:r>
+              <a:rPr lang="el-GR" sz="1400" baseline="-25000" dirty="0" smtClean="0">
+                <a:solidFill>
+                  <a:schemeClr val="tx1"/>
+                </a:solidFill>
+                <a:latin typeface="Arial" pitchFamily="34" charset="0"/>
+                <a:cs typeface="Arial" pitchFamily="34" charset="0"/>
+              </a:rPr>
+              <a:t>γ</a:t>
+            </a:r>
+            <a:r>
+              <a:rPr lang="de-DE" sz="1400" baseline="-25000" dirty="0" smtClean="0">
+                <a:solidFill>
+                  <a:schemeClr val="tx1"/>
+                </a:solidFill>
+                <a:latin typeface="Arial" pitchFamily="34" charset="0"/>
+                <a:cs typeface="Arial" pitchFamily="34" charset="0"/>
+              </a:rPr>
+              <a:t>2</a:t>
+            </a:r>
+            <a:endParaRPr lang="de-DE" sz="1400" baseline="-25000" dirty="0">
+              <a:solidFill>
+                <a:schemeClr val="tx1"/>
+              </a:solidFill>
+              <a:latin typeface="Arial" pitchFamily="34" charset="0"/>
+              <a:cs typeface="Arial" pitchFamily="34" charset="0"/>
+            </a:endParaRPr>
+          </a:p>
+        </p:txBody>
+      </p:sp>
+      <p:sp>
+        <p:nvSpPr>
+          <p:cNvPr id="60" name="Textfeld 59"/>
+          <p:cNvSpPr txBox="1"/>
+          <p:nvPr/>
+        </p:nvSpPr>
+        <p:spPr>
+          <a:xfrm>
+            <a:off x="199970" y="2976314"/>
+            <a:ext cx="1378904" cy="276999"/>
+          </a:xfrm>
+          <a:prstGeom prst="rect">
+            <a:avLst/>
+          </a:prstGeom>
+          <a:noFill/>
+        </p:spPr>
+        <p:txBody>
+          <a:bodyPr wrap="none" rtlCol="0">
+            <a:spAutoFit/>
+          </a:bodyPr>
+          <a:lstStyle/>
+          <a:p>
+            <a:r>
+              <a:rPr lang="de-DE" sz="1200" dirty="0" smtClean="0">
+                <a:latin typeface="Arial" pitchFamily="34" charset="0"/>
+                <a:cs typeface="Arial" pitchFamily="34" charset="0"/>
+              </a:rPr>
+              <a:t>State </a:t>
+            </a:r>
+            <a:r>
+              <a:rPr lang="de-DE" sz="1200" dirty="0" err="1" smtClean="0">
+                <a:latin typeface="Arial" pitchFamily="34" charset="0"/>
+                <a:cs typeface="Arial" pitchFamily="34" charset="0"/>
+              </a:rPr>
+              <a:t>Preparation</a:t>
+            </a:r>
+            <a:endParaRPr lang="de-DE" sz="1200" dirty="0">
+              <a:latin typeface="Arial" pitchFamily="34" charset="0"/>
+              <a:cs typeface="Arial" pitchFamily="34" charset="0"/>
+            </a:endParaRPr>
+          </a:p>
+        </p:txBody>
+      </p:sp>
+      <p:sp>
+        <p:nvSpPr>
+          <p:cNvPr id="61" name="Textfeld 60"/>
+          <p:cNvSpPr txBox="1"/>
+          <p:nvPr/>
+        </p:nvSpPr>
+        <p:spPr>
+          <a:xfrm>
+            <a:off x="1979712" y="2976314"/>
+            <a:ext cx="1524776" cy="276999"/>
+          </a:xfrm>
+          <a:prstGeom prst="rect">
+            <a:avLst/>
+          </a:prstGeom>
+          <a:noFill/>
+        </p:spPr>
+        <p:txBody>
+          <a:bodyPr wrap="none" rtlCol="0">
+            <a:spAutoFit/>
+          </a:bodyPr>
+          <a:lstStyle/>
+          <a:p>
+            <a:r>
+              <a:rPr lang="de-DE" sz="1200" dirty="0" smtClean="0">
+                <a:latin typeface="Arial" pitchFamily="34" charset="0"/>
+                <a:cs typeface="Arial" pitchFamily="34" charset="0"/>
+              </a:rPr>
+              <a:t>Oracle </a:t>
+            </a:r>
+            <a:r>
+              <a:rPr lang="de-DE" sz="1200" dirty="0" err="1" smtClean="0">
+                <a:latin typeface="Arial" pitchFamily="34" charset="0"/>
+                <a:cs typeface="Arial" pitchFamily="34" charset="0"/>
+              </a:rPr>
+              <a:t>Function</a:t>
+            </a:r>
+            <a:r>
+              <a:rPr lang="de-DE" sz="1200" dirty="0" smtClean="0">
+                <a:latin typeface="Arial" pitchFamily="34" charset="0"/>
+                <a:cs typeface="Arial" pitchFamily="34" charset="0"/>
+              </a:rPr>
+              <a:t> (R)</a:t>
+            </a:r>
+            <a:endParaRPr lang="de-DE" sz="1200" dirty="0">
+              <a:latin typeface="Arial" pitchFamily="34" charset="0"/>
+              <a:cs typeface="Arial" pitchFamily="34" charset="0"/>
+            </a:endParaRPr>
+          </a:p>
+        </p:txBody>
+      </p:sp>
+      <p:sp>
+        <p:nvSpPr>
+          <p:cNvPr id="62" name="Textfeld 61"/>
+          <p:cNvSpPr txBox="1"/>
+          <p:nvPr/>
+        </p:nvSpPr>
+        <p:spPr>
+          <a:xfrm>
+            <a:off x="4067944" y="2976314"/>
+            <a:ext cx="1683923" cy="276999"/>
+          </a:xfrm>
+          <a:prstGeom prst="rect">
+            <a:avLst/>
+          </a:prstGeom>
+          <a:noFill/>
+        </p:spPr>
+        <p:txBody>
+          <a:bodyPr wrap="none" rtlCol="0">
+            <a:spAutoFit/>
+          </a:bodyPr>
+          <a:lstStyle/>
+          <a:p>
+            <a:r>
+              <a:rPr lang="de-DE" sz="1200" dirty="0" smtClean="0">
+                <a:latin typeface="Arial" pitchFamily="34" charset="0"/>
+                <a:cs typeface="Arial" pitchFamily="34" charset="0"/>
+              </a:rPr>
+              <a:t>Diffusion Operator (D)</a:t>
+            </a:r>
+            <a:endParaRPr lang="de-DE" sz="1200" dirty="0">
+              <a:latin typeface="Arial" pitchFamily="34" charset="0"/>
+              <a:cs typeface="Arial" pitchFamily="34" charset="0"/>
+            </a:endParaRPr>
+          </a:p>
+        </p:txBody>
+      </p:sp>
+      <p:sp>
+        <p:nvSpPr>
+          <p:cNvPr id="63" name="Textfeld 62"/>
+          <p:cNvSpPr txBox="1"/>
+          <p:nvPr/>
+        </p:nvSpPr>
+        <p:spPr>
+          <a:xfrm>
+            <a:off x="6154333" y="2976314"/>
+            <a:ext cx="763351" cy="276999"/>
+          </a:xfrm>
+          <a:prstGeom prst="rect">
+            <a:avLst/>
+          </a:prstGeom>
+          <a:noFill/>
+        </p:spPr>
+        <p:txBody>
+          <a:bodyPr wrap="none" rtlCol="0">
+            <a:spAutoFit/>
+          </a:bodyPr>
+          <a:lstStyle/>
+          <a:p>
+            <a:r>
+              <a:rPr lang="de-DE" sz="1200" dirty="0" err="1" smtClean="0">
+                <a:latin typeface="Arial" pitchFamily="34" charset="0"/>
+                <a:cs typeface="Arial" pitchFamily="34" charset="0"/>
+              </a:rPr>
+              <a:t>Readout</a:t>
+            </a:r>
+            <a:endParaRPr lang="de-DE" sz="1200" dirty="0">
+              <a:latin typeface="Arial" pitchFamily="34" charset="0"/>
+              <a:cs typeface="Arial" pitchFamily="34" charset="0"/>
+            </a:endParaRPr>
+          </a:p>
+        </p:txBody>
+      </p:sp>
+      <p:sp>
+        <p:nvSpPr>
+          <p:cNvPr id="64" name="Geschweifte Klammer links 63"/>
+          <p:cNvSpPr/>
+          <p:nvPr/>
+        </p:nvSpPr>
+        <p:spPr>
+          <a:xfrm rot="5400000">
+            <a:off x="827584" y="2667734"/>
+            <a:ext cx="144016" cy="1440160"/>
+          </a:xfrm>
+          <a:prstGeom prst="leftBrace">
+            <a:avLst/>
+          </a:prstGeom>
+          <a:ln w="19050">
+            <a:solidFill>
+              <a:schemeClr val="tx1"/>
+            </a:solidFill>
+          </a:ln>
+        </p:spPr>
+        <p:style>
+          <a:lnRef idx="1">
+            <a:schemeClr val="accent1"/>
+          </a:lnRef>
+          <a:fillRef idx="0">
+            <a:schemeClr val="accent1"/>
+          </a:fillRef>
+          <a:effectRef idx="0">
+            <a:schemeClr val="accent1"/>
+          </a:effectRef>
+          <a:fontRef idx="minor">
+            <a:schemeClr val="tx1"/>
+          </a:fontRef>
+        </p:style>
+        <p:txBody>
+          <a:bodyPr rtlCol="0" anchor="ctr"/>
+          <a:lstStyle/>
+          <a:p>
+            <a:pPr algn="ctr"/>
+            <a:endParaRPr lang="de-DE" sz="1400" dirty="0">
+              <a:latin typeface="Arial" pitchFamily="34" charset="0"/>
+              <a:cs typeface="Arial" pitchFamily="34" charset="0"/>
+            </a:endParaRPr>
+          </a:p>
+        </p:txBody>
+      </p:sp>
+      <p:sp>
+        <p:nvSpPr>
+          <p:cNvPr id="65" name="Geschweifte Klammer links 64"/>
+          <p:cNvSpPr/>
+          <p:nvPr/>
+        </p:nvSpPr>
+        <p:spPr>
+          <a:xfrm rot="5400000">
+            <a:off x="2627784" y="2451710"/>
+            <a:ext cx="144016" cy="1872208"/>
+          </a:xfrm>
+          <a:prstGeom prst="leftBrace">
+            <a:avLst/>
+          </a:prstGeom>
+          <a:ln w="19050">
+            <a:solidFill>
+              <a:schemeClr val="tx1"/>
+            </a:solidFill>
+          </a:ln>
+        </p:spPr>
+        <p:style>
+          <a:lnRef idx="1">
+            <a:schemeClr val="accent1"/>
+          </a:lnRef>
+          <a:fillRef idx="0">
+            <a:schemeClr val="accent1"/>
+          </a:fillRef>
+          <a:effectRef idx="0">
+            <a:schemeClr val="accent1"/>
+          </a:effectRef>
+          <a:fontRef idx="minor">
+            <a:schemeClr val="tx1"/>
+          </a:fontRef>
+        </p:style>
+        <p:txBody>
+          <a:bodyPr rtlCol="0" anchor="ctr"/>
+          <a:lstStyle/>
+          <a:p>
+            <a:pPr algn="ctr"/>
+            <a:endParaRPr lang="de-DE" sz="1400" dirty="0">
+              <a:latin typeface="Arial" pitchFamily="34" charset="0"/>
+              <a:cs typeface="Arial" pitchFamily="34" charset="0"/>
+            </a:endParaRPr>
+          </a:p>
+        </p:txBody>
+      </p:sp>
+      <p:sp>
+        <p:nvSpPr>
+          <p:cNvPr id="66" name="Geschweifte Klammer links 65"/>
+          <p:cNvSpPr/>
+          <p:nvPr/>
+        </p:nvSpPr>
+        <p:spPr>
+          <a:xfrm rot="5400000">
+            <a:off x="4824028" y="2487714"/>
+            <a:ext cx="144016" cy="1800200"/>
+          </a:xfrm>
+          <a:prstGeom prst="leftBrace">
+            <a:avLst/>
+          </a:prstGeom>
+          <a:ln w="19050">
+            <a:solidFill>
+              <a:schemeClr val="tx1"/>
+            </a:solidFill>
+          </a:ln>
+        </p:spPr>
+        <p:style>
+          <a:lnRef idx="1">
+            <a:schemeClr val="accent1"/>
+          </a:lnRef>
+          <a:fillRef idx="0">
+            <a:schemeClr val="accent1"/>
+          </a:fillRef>
+          <a:effectRef idx="0">
+            <a:schemeClr val="accent1"/>
+          </a:effectRef>
+          <a:fontRef idx="minor">
+            <a:schemeClr val="tx1"/>
+          </a:fontRef>
+        </p:style>
+        <p:txBody>
+          <a:bodyPr rtlCol="0" anchor="ctr"/>
+          <a:lstStyle/>
+          <a:p>
+            <a:pPr algn="ctr"/>
+            <a:endParaRPr lang="de-DE" sz="1400" dirty="0">
+              <a:latin typeface="Arial" pitchFamily="34" charset="0"/>
+              <a:cs typeface="Arial" pitchFamily="34" charset="0"/>
+            </a:endParaRPr>
+          </a:p>
+        </p:txBody>
+      </p:sp>
+      <p:sp>
+        <p:nvSpPr>
+          <p:cNvPr id="67" name="Geschweifte Klammer links 66"/>
+          <p:cNvSpPr/>
+          <p:nvPr/>
+        </p:nvSpPr>
+        <p:spPr>
+          <a:xfrm rot="5400000">
+            <a:off x="6408204" y="3063778"/>
+            <a:ext cx="144016" cy="648072"/>
+          </a:xfrm>
+          <a:prstGeom prst="leftBrace">
+            <a:avLst/>
+          </a:prstGeom>
+          <a:ln w="19050">
+            <a:solidFill>
+              <a:schemeClr val="tx1"/>
+            </a:solidFill>
+          </a:ln>
+        </p:spPr>
+        <p:style>
+          <a:lnRef idx="1">
+            <a:schemeClr val="accent1"/>
+          </a:lnRef>
+          <a:fillRef idx="0">
+            <a:schemeClr val="accent1"/>
+          </a:fillRef>
+          <a:effectRef idx="0">
+            <a:schemeClr val="accent1"/>
+          </a:effectRef>
+          <a:fontRef idx="minor">
+            <a:schemeClr val="tx1"/>
+          </a:fontRef>
+        </p:style>
+        <p:txBody>
+          <a:bodyPr rtlCol="0" anchor="ctr"/>
+          <a:lstStyle/>
+          <a:p>
+            <a:pPr algn="ctr"/>
+            <a:endParaRPr lang="de-DE" sz="1400" dirty="0">
+              <a:latin typeface="Arial" pitchFamily="34" charset="0"/>
+              <a:cs typeface="Arial" pitchFamily="34" charset="0"/>
+            </a:endParaRPr>
+          </a:p>
+        </p:txBody>
+      </p:sp>
+      <p:cxnSp>
+        <p:nvCxnSpPr>
+          <p:cNvPr id="54" name="Gerade Verbindung 53"/>
+          <p:cNvCxnSpPr/>
+          <p:nvPr/>
+        </p:nvCxnSpPr>
+        <p:spPr>
+          <a:xfrm>
+            <a:off x="1668312" y="3573016"/>
+            <a:ext cx="0" cy="1440160"/>
+          </a:xfrm>
+          <a:prstGeom prst="line">
+            <a:avLst/>
+          </a:prstGeom>
+          <a:ln>
+            <a:solidFill>
+              <a:schemeClr val="tx1"/>
+            </a:solidFill>
+            <a:prstDash val="dash"/>
+          </a:ln>
+        </p:spPr>
+        <p:style>
+          <a:lnRef idx="1">
+            <a:schemeClr val="accent1"/>
+          </a:lnRef>
+          <a:fillRef idx="0">
+            <a:schemeClr val="accent1"/>
+          </a:fillRef>
+          <a:effectRef idx="0">
+            <a:schemeClr val="accent1"/>
+          </a:effectRef>
+          <a:fontRef idx="minor">
+            <a:schemeClr val="tx1"/>
+          </a:fontRef>
+        </p:style>
+      </p:cxnSp>
+      <p:cxnSp>
+        <p:nvCxnSpPr>
+          <p:cNvPr id="75" name="Gerade Verbindung 74"/>
+          <p:cNvCxnSpPr/>
+          <p:nvPr/>
+        </p:nvCxnSpPr>
+        <p:spPr>
+          <a:xfrm>
+            <a:off x="2824352" y="3573016"/>
+            <a:ext cx="0" cy="1440160"/>
+          </a:xfrm>
+          <a:prstGeom prst="line">
+            <a:avLst/>
+          </a:prstGeom>
+          <a:ln>
+            <a:solidFill>
+              <a:schemeClr val="tx1"/>
+            </a:solidFill>
+            <a:prstDash val="dash"/>
+          </a:ln>
+        </p:spPr>
+        <p:style>
+          <a:lnRef idx="1">
+            <a:schemeClr val="accent1"/>
+          </a:lnRef>
+          <a:fillRef idx="0">
+            <a:schemeClr val="accent1"/>
+          </a:fillRef>
+          <a:effectRef idx="0">
+            <a:schemeClr val="accent1"/>
+          </a:effectRef>
+          <a:fontRef idx="minor">
+            <a:schemeClr val="tx1"/>
+          </a:fontRef>
+        </p:style>
+      </p:cxnSp>
+      <p:cxnSp>
+        <p:nvCxnSpPr>
+          <p:cNvPr id="77" name="Gerade Verbindung 76"/>
+          <p:cNvCxnSpPr/>
+          <p:nvPr/>
+        </p:nvCxnSpPr>
+        <p:spPr>
+          <a:xfrm>
+            <a:off x="3779912" y="3573016"/>
+            <a:ext cx="0" cy="1440160"/>
+          </a:xfrm>
+          <a:prstGeom prst="line">
+            <a:avLst/>
+          </a:prstGeom>
+          <a:ln>
+            <a:solidFill>
+              <a:schemeClr val="tx1"/>
+            </a:solidFill>
+            <a:prstDash val="dash"/>
+          </a:ln>
+        </p:spPr>
+        <p:style>
+          <a:lnRef idx="1">
+            <a:schemeClr val="accent1"/>
+          </a:lnRef>
+          <a:fillRef idx="0">
+            <a:schemeClr val="accent1"/>
+          </a:fillRef>
+          <a:effectRef idx="0">
+            <a:schemeClr val="accent1"/>
+          </a:effectRef>
+          <a:fontRef idx="minor">
+            <a:schemeClr val="tx1"/>
+          </a:fontRef>
+        </p:style>
+      </p:cxnSp>
+      <p:cxnSp>
+        <p:nvCxnSpPr>
+          <p:cNvPr id="78" name="Gerade Verbindung 77"/>
+          <p:cNvCxnSpPr/>
+          <p:nvPr/>
+        </p:nvCxnSpPr>
+        <p:spPr>
+          <a:xfrm>
+            <a:off x="5004048" y="3573016"/>
+            <a:ext cx="0" cy="1440160"/>
+          </a:xfrm>
+          <a:prstGeom prst="line">
+            <a:avLst/>
+          </a:prstGeom>
+          <a:ln>
+            <a:solidFill>
+              <a:schemeClr val="tx1"/>
+            </a:solidFill>
+            <a:prstDash val="dash"/>
+          </a:ln>
+        </p:spPr>
+        <p:style>
+          <a:lnRef idx="1">
+            <a:schemeClr val="accent1"/>
+          </a:lnRef>
+          <a:fillRef idx="0">
+            <a:schemeClr val="accent1"/>
+          </a:fillRef>
+          <a:effectRef idx="0">
+            <a:schemeClr val="accent1"/>
+          </a:effectRef>
+          <a:fontRef idx="minor">
+            <a:schemeClr val="tx1"/>
+          </a:fontRef>
+        </p:style>
+      </p:cxnSp>
+      <p:cxnSp>
+        <p:nvCxnSpPr>
+          <p:cNvPr id="79" name="Gerade Verbindung 78"/>
+          <p:cNvCxnSpPr/>
+          <p:nvPr/>
+        </p:nvCxnSpPr>
+        <p:spPr>
+          <a:xfrm>
+            <a:off x="5940152" y="3573016"/>
+            <a:ext cx="0" cy="1440160"/>
+          </a:xfrm>
+          <a:prstGeom prst="line">
+            <a:avLst/>
+          </a:prstGeom>
+          <a:ln>
+            <a:solidFill>
+              <a:schemeClr val="tx1"/>
+            </a:solidFill>
+            <a:prstDash val="dash"/>
+          </a:ln>
+        </p:spPr>
+        <p:style>
+          <a:lnRef idx="1">
+            <a:schemeClr val="accent1"/>
+          </a:lnRef>
+          <a:fillRef idx="0">
+            <a:schemeClr val="accent1"/>
+          </a:fillRef>
+          <a:effectRef idx="0">
+            <a:schemeClr val="accent1"/>
+          </a:effectRef>
+          <a:fontRef idx="minor">
+            <a:schemeClr val="tx1"/>
+          </a:fontRef>
+        </p:style>
+      </p:cxnSp>
+      <p:cxnSp>
+        <p:nvCxnSpPr>
+          <p:cNvPr id="80" name="Gerade Verbindung 79"/>
+          <p:cNvCxnSpPr/>
+          <p:nvPr/>
+        </p:nvCxnSpPr>
+        <p:spPr>
+          <a:xfrm>
+            <a:off x="6876256" y="3573016"/>
+            <a:ext cx="0" cy="1440160"/>
+          </a:xfrm>
+          <a:prstGeom prst="line">
+            <a:avLst/>
+          </a:prstGeom>
+          <a:ln>
+            <a:solidFill>
+              <a:schemeClr val="tx1"/>
+            </a:solidFill>
+            <a:prstDash val="dash"/>
+          </a:ln>
+        </p:spPr>
+        <p:style>
+          <a:lnRef idx="1">
+            <a:schemeClr val="accent1"/>
+          </a:lnRef>
+          <a:fillRef idx="0">
+            <a:schemeClr val="accent1"/>
+          </a:fillRef>
+          <a:effectRef idx="0">
+            <a:schemeClr val="accent1"/>
+          </a:effectRef>
+          <a:fontRef idx="minor">
+            <a:schemeClr val="tx1"/>
+          </a:fontRef>
+        </p:style>
+      </p:cxnSp>
+      <p:grpSp>
+        <p:nvGrpSpPr>
+          <p:cNvPr id="2" name="Gruppieren 47"/>
+          <p:cNvGrpSpPr/>
+          <p:nvPr/>
+        </p:nvGrpSpPr>
+        <p:grpSpPr>
+          <a:xfrm>
+            <a:off x="6197272" y="4327605"/>
+            <a:ext cx="589450" cy="623837"/>
+            <a:chOff x="2937204" y="1258486"/>
+            <a:chExt cx="589450" cy="623837"/>
+          </a:xfrm>
+        </p:grpSpPr>
+        <p:sp>
+          <p:nvSpPr>
+            <p:cNvPr id="68" name="Rectangle à coins arrondis 70"/>
+            <p:cNvSpPr/>
+            <p:nvPr/>
+          </p:nvSpPr>
+          <p:spPr>
+            <a:xfrm>
+              <a:off x="2937204" y="1268760"/>
+              <a:ext cx="576064" cy="613563"/>
+            </a:xfrm>
+            <a:prstGeom prst="roundRect">
+              <a:avLst/>
+            </a:prstGeom>
+            <a:solidFill>
+              <a:schemeClr val="bg1"/>
+            </a:solidFill>
+            <a:ln>
+              <a:solidFill>
+                <a:schemeClr val="tx1"/>
+              </a:solidFill>
+            </a:ln>
+          </p:spPr>
+          <p:style>
+            <a:lnRef idx="2">
+              <a:schemeClr val="accent1">
+                <a:shade val="50000"/>
+              </a:schemeClr>
+            </a:lnRef>
+            <a:fillRef idx="1">
+              <a:schemeClr val="accent1"/>
+            </a:fillRef>
+            <a:effectRef idx="0">
+              <a:schemeClr val="accent1"/>
+            </a:effectRef>
+            <a:fontRef idx="minor">
+              <a:schemeClr val="lt1"/>
+            </a:fontRef>
+          </p:style>
+          <p:txBody>
+            <a:bodyPr rtlCol="0" anchor="ctr"/>
+            <a:lstStyle/>
+            <a:p>
+              <a:pPr algn="ctr"/>
+              <a:endParaRPr lang="fr-FR" sz="1400">
+                <a:latin typeface="Arial" pitchFamily="34" charset="0"/>
+                <a:cs typeface="Arial" pitchFamily="34" charset="0"/>
+              </a:endParaRPr>
+            </a:p>
+          </p:txBody>
+        </p:sp>
+        <p:cxnSp>
+          <p:nvCxnSpPr>
+            <p:cNvPr id="69" name="Connecteur droit avec flèche 72"/>
+            <p:cNvCxnSpPr/>
+            <p:nvPr/>
+          </p:nvCxnSpPr>
+          <p:spPr>
+            <a:xfrm flipV="1">
+              <a:off x="3231966" y="1597979"/>
+              <a:ext cx="0" cy="216023"/>
+            </a:xfrm>
+            <a:prstGeom prst="straightConnector1">
+              <a:avLst/>
+            </a:prstGeom>
+            <a:ln w="12700">
+              <a:solidFill>
+                <a:schemeClr val="tx1">
+                  <a:lumMod val="65000"/>
+                  <a:lumOff val="35000"/>
+                </a:schemeClr>
+              </a:solidFill>
+              <a:headEnd type="diamond" w="med" len="med"/>
+              <a:tailEnd type="triangle" w="med" len="med"/>
+            </a:ln>
+          </p:spPr>
+          <p:style>
+            <a:lnRef idx="1">
+              <a:schemeClr val="accent1"/>
+            </a:lnRef>
+            <a:fillRef idx="0">
+              <a:schemeClr val="accent1"/>
+            </a:fillRef>
+            <a:effectRef idx="0">
+              <a:schemeClr val="accent1"/>
+            </a:effectRef>
+            <a:fontRef idx="minor">
+              <a:schemeClr val="tx1"/>
+            </a:fontRef>
+          </p:style>
+        </p:cxnSp>
+        <p:sp>
+          <p:nvSpPr>
+            <p:cNvPr id="70" name="Rectangle 73"/>
+            <p:cNvSpPr/>
+            <p:nvPr/>
+          </p:nvSpPr>
+          <p:spPr>
+            <a:xfrm>
+              <a:off x="2943326" y="1258486"/>
+              <a:ext cx="263214" cy="261610"/>
+            </a:xfrm>
+            <a:prstGeom prst="rect">
+              <a:avLst/>
+            </a:prstGeom>
+          </p:spPr>
+          <p:txBody>
+            <a:bodyPr wrap="none">
+              <a:spAutoFit/>
+            </a:bodyPr>
+            <a:lstStyle/>
+            <a:p>
+              <a:r>
+                <a:rPr lang="fr-FR" sz="1050" dirty="0" smtClean="0">
+                  <a:latin typeface="Arial" pitchFamily="34" charset="0"/>
+                  <a:cs typeface="Arial" pitchFamily="34" charset="0"/>
+                </a:rPr>
+                <a:t>0</a:t>
+              </a:r>
+              <a:endParaRPr lang="fr-FR" sz="1050" dirty="0">
+                <a:latin typeface="Arial" pitchFamily="34" charset="0"/>
+                <a:cs typeface="Arial" pitchFamily="34" charset="0"/>
+              </a:endParaRPr>
+            </a:p>
+          </p:txBody>
+        </p:sp>
+        <p:sp>
+          <p:nvSpPr>
+            <p:cNvPr id="71" name="Rectangle 74"/>
+            <p:cNvSpPr/>
+            <p:nvPr/>
+          </p:nvSpPr>
+          <p:spPr>
+            <a:xfrm>
+              <a:off x="3263440" y="1258486"/>
+              <a:ext cx="263214" cy="261610"/>
+            </a:xfrm>
+            <a:prstGeom prst="rect">
+              <a:avLst/>
+            </a:prstGeom>
+          </p:spPr>
+          <p:txBody>
+            <a:bodyPr wrap="none">
+              <a:spAutoFit/>
+            </a:bodyPr>
+            <a:lstStyle/>
+            <a:p>
+              <a:r>
+                <a:rPr lang="fr-FR" sz="1050" dirty="0" smtClean="0">
+                  <a:latin typeface="Arial" pitchFamily="34" charset="0"/>
+                  <a:cs typeface="Arial" pitchFamily="34" charset="0"/>
+                </a:rPr>
+                <a:t>1</a:t>
+              </a:r>
+              <a:endParaRPr lang="fr-FR" sz="1050" dirty="0">
+                <a:latin typeface="Arial" pitchFamily="34" charset="0"/>
+                <a:cs typeface="Arial" pitchFamily="34" charset="0"/>
+              </a:endParaRPr>
+            </a:p>
+          </p:txBody>
+        </p:sp>
+        <p:cxnSp>
+          <p:nvCxnSpPr>
+            <p:cNvPr id="72" name="Gerade Verbindung 71"/>
+            <p:cNvCxnSpPr/>
+            <p:nvPr/>
+          </p:nvCxnSpPr>
+          <p:spPr>
+            <a:xfrm flipV="1">
+              <a:off x="3223170" y="1475885"/>
+              <a:ext cx="0" cy="72008"/>
+            </a:xfrm>
+            <a:prstGeom prst="line">
+              <a:avLst/>
+            </a:prstGeom>
+            <a:ln>
+              <a:solidFill>
+                <a:schemeClr val="tx1"/>
+              </a:solidFill>
+            </a:ln>
+          </p:spPr>
+          <p:style>
+            <a:lnRef idx="1">
+              <a:schemeClr val="accent1"/>
+            </a:lnRef>
+            <a:fillRef idx="0">
+              <a:schemeClr val="accent1"/>
+            </a:fillRef>
+            <a:effectRef idx="0">
+              <a:schemeClr val="accent1"/>
+            </a:effectRef>
+            <a:fontRef idx="minor">
+              <a:schemeClr val="tx1"/>
+            </a:fontRef>
+          </p:style>
+        </p:cxnSp>
+        <p:cxnSp>
+          <p:nvCxnSpPr>
+            <p:cNvPr id="73" name="Gerade Verbindung 72"/>
+            <p:cNvCxnSpPr/>
+            <p:nvPr/>
+          </p:nvCxnSpPr>
+          <p:spPr>
+            <a:xfrm flipV="1">
+              <a:off x="3337590" y="1527039"/>
+              <a:ext cx="37864" cy="68940"/>
+            </a:xfrm>
+            <a:prstGeom prst="line">
+              <a:avLst/>
+            </a:prstGeom>
+            <a:ln>
+              <a:solidFill>
+                <a:schemeClr val="tx1"/>
+              </a:solidFill>
+            </a:ln>
+          </p:spPr>
+          <p:style>
+            <a:lnRef idx="1">
+              <a:schemeClr val="accent1"/>
+            </a:lnRef>
+            <a:fillRef idx="0">
+              <a:schemeClr val="accent1"/>
+            </a:fillRef>
+            <a:effectRef idx="0">
+              <a:schemeClr val="accent1"/>
+            </a:effectRef>
+            <a:fontRef idx="minor">
+              <a:schemeClr val="tx1"/>
+            </a:fontRef>
+          </p:style>
+        </p:cxnSp>
+        <p:cxnSp>
+          <p:nvCxnSpPr>
+            <p:cNvPr id="74" name="Gerade Verbindung 73"/>
+            <p:cNvCxnSpPr/>
+            <p:nvPr/>
+          </p:nvCxnSpPr>
+          <p:spPr>
+            <a:xfrm flipH="1" flipV="1">
+              <a:off x="3083702" y="1518655"/>
+              <a:ext cx="37864" cy="75076"/>
+            </a:xfrm>
+            <a:prstGeom prst="line">
+              <a:avLst/>
+            </a:prstGeom>
+            <a:ln>
+              <a:solidFill>
+                <a:schemeClr val="tx1"/>
+              </a:solidFill>
+            </a:ln>
+          </p:spPr>
+          <p:style>
+            <a:lnRef idx="1">
+              <a:schemeClr val="accent1"/>
+            </a:lnRef>
+            <a:fillRef idx="0">
+              <a:schemeClr val="accent1"/>
+            </a:fillRef>
+            <a:effectRef idx="0">
+              <a:schemeClr val="accent1"/>
+            </a:effectRef>
+            <a:fontRef idx="minor">
+              <a:schemeClr val="tx1"/>
+            </a:fontRef>
+          </p:style>
+        </p:cxnSp>
+      </p:grpSp>
+      <p:grpSp>
+        <p:nvGrpSpPr>
+          <p:cNvPr id="3" name="Gruppieren 75"/>
+          <p:cNvGrpSpPr/>
+          <p:nvPr/>
+        </p:nvGrpSpPr>
+        <p:grpSpPr>
+          <a:xfrm>
+            <a:off x="6197272" y="3583290"/>
+            <a:ext cx="589450" cy="623837"/>
+            <a:chOff x="2937204" y="1258486"/>
+            <a:chExt cx="589450" cy="623837"/>
+          </a:xfrm>
+        </p:grpSpPr>
+        <p:sp>
+          <p:nvSpPr>
+            <p:cNvPr id="81" name="Rectangle à coins arrondis 70"/>
+            <p:cNvSpPr/>
+            <p:nvPr/>
+          </p:nvSpPr>
+          <p:spPr>
+            <a:xfrm>
+              <a:off x="2937204" y="1268760"/>
+              <a:ext cx="576064" cy="613563"/>
+            </a:xfrm>
+            <a:prstGeom prst="roundRect">
+              <a:avLst/>
+            </a:prstGeom>
+            <a:solidFill>
+              <a:schemeClr val="bg1"/>
+            </a:solidFill>
+            <a:ln>
+              <a:solidFill>
+                <a:schemeClr val="tx1"/>
+              </a:solidFill>
+            </a:ln>
+          </p:spPr>
+          <p:style>
+            <a:lnRef idx="2">
+              <a:schemeClr val="accent1">
+                <a:shade val="50000"/>
+              </a:schemeClr>
+            </a:lnRef>
+            <a:fillRef idx="1">
+              <a:schemeClr val="accent1"/>
+            </a:fillRef>
+            <a:effectRef idx="0">
+              <a:schemeClr val="accent1"/>
+            </a:effectRef>
+            <a:fontRef idx="minor">
+              <a:schemeClr val="lt1"/>
+            </a:fontRef>
+          </p:style>
+          <p:txBody>
+            <a:bodyPr rtlCol="0" anchor="ctr"/>
+            <a:lstStyle/>
+            <a:p>
+              <a:pPr algn="ctr"/>
+              <a:endParaRPr lang="fr-FR" sz="1400">
+                <a:latin typeface="Arial" pitchFamily="34" charset="0"/>
+                <a:cs typeface="Arial" pitchFamily="34" charset="0"/>
+              </a:endParaRPr>
+            </a:p>
+          </p:txBody>
+        </p:sp>
+        <p:cxnSp>
+          <p:nvCxnSpPr>
+            <p:cNvPr id="82" name="Connecteur droit avec flèche 72"/>
+            <p:cNvCxnSpPr/>
+            <p:nvPr/>
+          </p:nvCxnSpPr>
+          <p:spPr>
+            <a:xfrm flipV="1">
+              <a:off x="3231966" y="1597979"/>
+              <a:ext cx="0" cy="216023"/>
+            </a:xfrm>
+            <a:prstGeom prst="straightConnector1">
+              <a:avLst/>
+            </a:prstGeom>
+            <a:ln w="12700">
+              <a:solidFill>
+                <a:schemeClr val="tx1">
+                  <a:lumMod val="65000"/>
+                  <a:lumOff val="35000"/>
+                </a:schemeClr>
+              </a:solidFill>
+              <a:headEnd type="diamond" w="med" len="med"/>
+              <a:tailEnd type="triangle" w="med" len="med"/>
+            </a:ln>
+          </p:spPr>
+          <p:style>
+            <a:lnRef idx="1">
+              <a:schemeClr val="accent1"/>
+            </a:lnRef>
+            <a:fillRef idx="0">
+              <a:schemeClr val="accent1"/>
+            </a:fillRef>
+            <a:effectRef idx="0">
+              <a:schemeClr val="accent1"/>
+            </a:effectRef>
+            <a:fontRef idx="minor">
+              <a:schemeClr val="tx1"/>
+            </a:fontRef>
+          </p:style>
+        </p:cxnSp>
+        <p:sp>
+          <p:nvSpPr>
+            <p:cNvPr id="83" name="Rectangle 73"/>
+            <p:cNvSpPr/>
+            <p:nvPr/>
+          </p:nvSpPr>
+          <p:spPr>
+            <a:xfrm>
+              <a:off x="2943326" y="1258486"/>
+              <a:ext cx="263214" cy="261610"/>
+            </a:xfrm>
+            <a:prstGeom prst="rect">
+              <a:avLst/>
+            </a:prstGeom>
+          </p:spPr>
+          <p:txBody>
+            <a:bodyPr wrap="none">
+              <a:spAutoFit/>
+            </a:bodyPr>
+            <a:lstStyle/>
+            <a:p>
+              <a:r>
+                <a:rPr lang="fr-FR" sz="1050" dirty="0" smtClean="0">
+                  <a:latin typeface="Arial" pitchFamily="34" charset="0"/>
+                  <a:cs typeface="Arial" pitchFamily="34" charset="0"/>
+                </a:rPr>
+                <a:t>0</a:t>
+              </a:r>
+              <a:endParaRPr lang="fr-FR" sz="1050" dirty="0">
+                <a:latin typeface="Arial" pitchFamily="34" charset="0"/>
+                <a:cs typeface="Arial" pitchFamily="34" charset="0"/>
+              </a:endParaRPr>
+            </a:p>
+          </p:txBody>
+        </p:sp>
+        <p:sp>
+          <p:nvSpPr>
+            <p:cNvPr id="84" name="Rectangle 74"/>
+            <p:cNvSpPr/>
+            <p:nvPr/>
+          </p:nvSpPr>
+          <p:spPr>
+            <a:xfrm>
+              <a:off x="3263440" y="1258486"/>
+              <a:ext cx="263214" cy="261610"/>
+            </a:xfrm>
+            <a:prstGeom prst="rect">
+              <a:avLst/>
+            </a:prstGeom>
+          </p:spPr>
+          <p:txBody>
+            <a:bodyPr wrap="none">
+              <a:spAutoFit/>
+            </a:bodyPr>
+            <a:lstStyle/>
+            <a:p>
+              <a:r>
+                <a:rPr lang="fr-FR" sz="1050" dirty="0" smtClean="0">
+                  <a:latin typeface="Arial" pitchFamily="34" charset="0"/>
+                  <a:cs typeface="Arial" pitchFamily="34" charset="0"/>
+                </a:rPr>
+                <a:t>1</a:t>
+              </a:r>
+              <a:endParaRPr lang="fr-FR" sz="1050" dirty="0">
                 <a:latin typeface="Arial" pitchFamily="34" charset="0"/>
                 <a:cs typeface="Arial" pitchFamily="34" charset="0"/>
               </a:endParaRPr>
